--- a/Skunk Head/Skunk Head.pptx
+++ b/Skunk Head/Skunk Head.pptx
@@ -6,15 +6,17 @@
   </p:sldMasterIdLst>
   <p:sldIdLst>
     <p:sldId id="256" r:id="rId2"/>
-    <p:sldId id="257" r:id="rId3"/>
-    <p:sldId id="258" r:id="rId4"/>
-    <p:sldId id="260" r:id="rId5"/>
-    <p:sldId id="263" r:id="rId6"/>
-    <p:sldId id="264" r:id="rId7"/>
-    <p:sldId id="265" r:id="rId8"/>
-    <p:sldId id="262" r:id="rId9"/>
-    <p:sldId id="261" r:id="rId10"/>
-    <p:sldId id="259" r:id="rId11"/>
+    <p:sldId id="267" r:id="rId3"/>
+    <p:sldId id="266" r:id="rId4"/>
+    <p:sldId id="257" r:id="rId5"/>
+    <p:sldId id="258" r:id="rId6"/>
+    <p:sldId id="260" r:id="rId7"/>
+    <p:sldId id="263" r:id="rId8"/>
+    <p:sldId id="264" r:id="rId9"/>
+    <p:sldId id="265" r:id="rId10"/>
+    <p:sldId id="262" r:id="rId11"/>
+    <p:sldId id="261" r:id="rId12"/>
+    <p:sldId id="259" r:id="rId13"/>
   </p:sldIdLst>
   <p:sldSz cx="12801600" cy="9601200" type="A3"/>
   <p:notesSz cx="6858000" cy="9144000"/>
@@ -119,6 +121,12 @@
         <p14:section name="Default Section" id="{16FA5D82-DB87-40CF-B6D8-8F175422EE34}">
           <p14:sldIdLst>
             <p14:sldId id="256"/>
+          </p14:sldIdLst>
+        </p14:section>
+        <p14:section name="Logo and Headers" id="{23A9C3B7-9507-4542-A9B5-821637B7F98A}">
+          <p14:sldIdLst>
+            <p14:sldId id="267"/>
+            <p14:sldId id="266"/>
           </p14:sldIdLst>
         </p14:section>
         <p14:section name="Flyer" id="{97AE1E46-3F29-4BD8-9A19-702A8033B032}">
@@ -274,7 +282,7 @@
           <a:p>
             <a:fld id="{D0D78C27-3CB4-4925-A443-120407CBE20C}" type="datetimeFigureOut">
               <a:rPr lang="en-US" smtClean="0"/>
-              <a:t>02-Sep-18</a:t>
+              <a:t>03-Sep-18</a:t>
             </a:fld>
             <a:endParaRPr lang="en-US"/>
           </a:p>
@@ -444,7 +452,7 @@
           <a:p>
             <a:fld id="{D0D78C27-3CB4-4925-A443-120407CBE20C}" type="datetimeFigureOut">
               <a:rPr lang="en-US" smtClean="0"/>
-              <a:t>02-Sep-18</a:t>
+              <a:t>03-Sep-18</a:t>
             </a:fld>
             <a:endParaRPr lang="en-US"/>
           </a:p>
@@ -624,7 +632,7 @@
           <a:p>
             <a:fld id="{D0D78C27-3CB4-4925-A443-120407CBE20C}" type="datetimeFigureOut">
               <a:rPr lang="en-US" smtClean="0"/>
-              <a:t>02-Sep-18</a:t>
+              <a:t>03-Sep-18</a:t>
             </a:fld>
             <a:endParaRPr lang="en-US"/>
           </a:p>
@@ -794,7 +802,7 @@
           <a:p>
             <a:fld id="{D0D78C27-3CB4-4925-A443-120407CBE20C}" type="datetimeFigureOut">
               <a:rPr lang="en-US" smtClean="0"/>
-              <a:t>02-Sep-18</a:t>
+              <a:t>03-Sep-18</a:t>
             </a:fld>
             <a:endParaRPr lang="en-US"/>
           </a:p>
@@ -1038,7 +1046,7 @@
           <a:p>
             <a:fld id="{D0D78C27-3CB4-4925-A443-120407CBE20C}" type="datetimeFigureOut">
               <a:rPr lang="en-US" smtClean="0"/>
-              <a:t>02-Sep-18</a:t>
+              <a:t>03-Sep-18</a:t>
             </a:fld>
             <a:endParaRPr lang="en-US"/>
           </a:p>
@@ -1270,7 +1278,7 @@
           <a:p>
             <a:fld id="{D0D78C27-3CB4-4925-A443-120407CBE20C}" type="datetimeFigureOut">
               <a:rPr lang="en-US" smtClean="0"/>
-              <a:t>02-Sep-18</a:t>
+              <a:t>03-Sep-18</a:t>
             </a:fld>
             <a:endParaRPr lang="en-US"/>
           </a:p>
@@ -1637,7 +1645,7 @@
           <a:p>
             <a:fld id="{D0D78C27-3CB4-4925-A443-120407CBE20C}" type="datetimeFigureOut">
               <a:rPr lang="en-US" smtClean="0"/>
-              <a:t>02-Sep-18</a:t>
+              <a:t>03-Sep-18</a:t>
             </a:fld>
             <a:endParaRPr lang="en-US"/>
           </a:p>
@@ -1755,7 +1763,7 @@
           <a:p>
             <a:fld id="{D0D78C27-3CB4-4925-A443-120407CBE20C}" type="datetimeFigureOut">
               <a:rPr lang="en-US" smtClean="0"/>
-              <a:t>02-Sep-18</a:t>
+              <a:t>03-Sep-18</a:t>
             </a:fld>
             <a:endParaRPr lang="en-US"/>
           </a:p>
@@ -1850,7 +1858,7 @@
           <a:p>
             <a:fld id="{D0D78C27-3CB4-4925-A443-120407CBE20C}" type="datetimeFigureOut">
               <a:rPr lang="en-US" smtClean="0"/>
-              <a:t>02-Sep-18</a:t>
+              <a:t>03-Sep-18</a:t>
             </a:fld>
             <a:endParaRPr lang="en-US"/>
           </a:p>
@@ -2127,7 +2135,7 @@
           <a:p>
             <a:fld id="{D0D78C27-3CB4-4925-A443-120407CBE20C}" type="datetimeFigureOut">
               <a:rPr lang="en-US" smtClean="0"/>
-              <a:t>02-Sep-18</a:t>
+              <a:t>03-Sep-18</a:t>
             </a:fld>
             <a:endParaRPr lang="en-US"/>
           </a:p>
@@ -2384,7 +2392,7 @@
           <a:p>
             <a:fld id="{D0D78C27-3CB4-4925-A443-120407CBE20C}" type="datetimeFigureOut">
               <a:rPr lang="en-US" smtClean="0"/>
-              <a:t>02-Sep-18</a:t>
+              <a:t>03-Sep-18</a:t>
             </a:fld>
             <a:endParaRPr lang="en-US"/>
           </a:p>
@@ -2597,7 +2605,7 @@
           <a:p>
             <a:fld id="{D0D78C27-3CB4-4925-A443-120407CBE20C}" type="datetimeFigureOut">
               <a:rPr lang="en-US" smtClean="0"/>
-              <a:t>02-Sep-18</a:t>
+              <a:t>03-Sep-18</a:t>
             </a:fld>
             <a:endParaRPr lang="en-US"/>
           </a:p>
@@ -3004,7 +3012,7 @@
       </p:grpSpPr>
       <p:sp>
         <p:nvSpPr>
-          <p:cNvPr id="2" name="Title 1"/>
+          <p:cNvPr id="2" name="Title 1" hidden="1"/>
           <p:cNvSpPr>
             <a:spLocks noGrp="1"/>
           </p:cNvSpPr>
@@ -3035,11 +3043,17 @@
             <p:ph type="subTitle" idx="1"/>
           </p:nvPr>
         </p:nvSpPr>
-        <p:spPr/>
+        <p:spPr>
+          <a:xfrm>
+            <a:off x="809625" y="8534400"/>
+            <a:ext cx="11182350" cy="598170"/>
+          </a:xfrm>
+        </p:spPr>
         <p:txBody>
           <a:bodyPr/>
           <a:lstStyle/>
           <a:p>
+            <a:pPr algn="r"/>
             <a:r>
               <a:rPr lang="en-US" dirty="0" smtClean="0"/>
               <a:t>Ebere Uzodufa</a:t>
@@ -3048,6 +3062,95 @@
           </a:p>
         </p:txBody>
       </p:sp>
+      <p:grpSp>
+        <p:nvGrpSpPr>
+          <p:cNvPr id="6" name="Group 5"/>
+          <p:cNvGrpSpPr/>
+          <p:nvPr/>
+        </p:nvGrpSpPr>
+        <p:grpSpPr>
+          <a:xfrm>
+            <a:off x="2828925" y="1265015"/>
+            <a:ext cx="7143750" cy="5634096"/>
+            <a:chOff x="2828925" y="1265015"/>
+            <a:chExt cx="7143750" cy="5634096"/>
+          </a:xfrm>
+        </p:grpSpPr>
+        <p:pic>
+          <p:nvPicPr>
+            <p:cNvPr id="7" name="Picture 6"/>
+            <p:cNvPicPr>
+              <a:picLocks noChangeAspect="1"/>
+            </p:cNvPicPr>
+            <p:nvPr/>
+          </p:nvPicPr>
+          <p:blipFill>
+            <a:blip r:embed="rId2">
+              <a:extLst>
+                <a:ext uri="{28A0092B-C50C-407E-A947-70E740481C1C}">
+                  <a14:useLocalDpi xmlns:a14="http://schemas.microsoft.com/office/drawing/2010/main" val="0"/>
+                </a:ext>
+              </a:extLst>
+            </a:blip>
+            <a:stretch>
+              <a:fillRect/>
+            </a:stretch>
+          </p:blipFill>
+          <p:spPr>
+            <a:xfrm>
+              <a:off x="3799615" y="1265015"/>
+              <a:ext cx="5202371" cy="5202371"/>
+            </a:xfrm>
+            <a:prstGeom prst="rect">
+              <a:avLst/>
+            </a:prstGeom>
+          </p:spPr>
+        </p:pic>
+        <p:sp>
+          <p:nvSpPr>
+            <p:cNvPr id="8" name="TextBox 7"/>
+            <p:cNvSpPr txBox="1"/>
+            <p:nvPr/>
+          </p:nvSpPr>
+          <p:spPr>
+            <a:xfrm>
+              <a:off x="2828925" y="5698782"/>
+              <a:ext cx="7143750" cy="1200329"/>
+            </a:xfrm>
+            <a:prstGeom prst="rect">
+              <a:avLst/>
+            </a:prstGeom>
+            <a:noFill/>
+          </p:spPr>
+          <p:txBody>
+            <a:bodyPr wrap="square" rtlCol="0">
+              <a:prstTxWarp prst="textArchDown">
+                <a:avLst/>
+              </a:prstTxWarp>
+              <a:spAutoFit/>
+            </a:bodyPr>
+            <a:lstStyle/>
+            <a:p>
+              <a:pPr algn="ctr"/>
+              <a:r>
+                <a:rPr lang="en-US" sz="8800" spc="300" dirty="0" smtClean="0">
+                  <a:solidFill>
+                    <a:srgbClr val="ED7161"/>
+                  </a:solidFill>
+                  <a:latin typeface="Gill Sans MT Condensed" panose="020B0506020104020203" pitchFamily="34" charset="0"/>
+                </a:rPr>
+                <a:t>skunk-head</a:t>
+              </a:r>
+              <a:endParaRPr lang="en-US" sz="8800" spc="300" dirty="0">
+                <a:solidFill>
+                  <a:srgbClr val="ED7161"/>
+                </a:solidFill>
+                <a:latin typeface="Gill Sans MT Condensed" panose="020B0506020104020203" pitchFamily="34" charset="0"/>
+              </a:endParaRPr>
+            </a:p>
+          </p:txBody>
+        </p:sp>
+      </p:grpSp>
     </p:spTree>
     <p:extLst>
       <p:ext uri="{BB962C8B-B14F-4D97-AF65-F5344CB8AC3E}">
@@ -3069,6 +3172,1492 @@
 </file>
 
 <file path=ppt/slides/slide10.xml><?xml version="1.0" encoding="utf-8"?>
+<p:sld xmlns:a="http://schemas.openxmlformats.org/drawingml/2006/main" xmlns:r="http://schemas.openxmlformats.org/officeDocument/2006/relationships" xmlns:p="http://schemas.openxmlformats.org/presentationml/2006/main">
+  <p:cSld>
+    <p:bg>
+      <p:bgPr>
+        <a:solidFill>
+          <a:schemeClr val="bg1">
+            <a:lumMod val="95000"/>
+          </a:schemeClr>
+        </a:solidFill>
+        <a:effectLst/>
+      </p:bgPr>
+    </p:bg>
+    <p:spTree>
+      <p:nvGrpSpPr>
+        <p:cNvPr id="1" name=""/>
+        <p:cNvGrpSpPr/>
+        <p:nvPr/>
+      </p:nvGrpSpPr>
+      <p:grpSpPr>
+        <a:xfrm>
+          <a:off x="0" y="0"/>
+          <a:ext cx="0" cy="0"/>
+          <a:chOff x="0" y="0"/>
+          <a:chExt cx="0" cy="0"/>
+        </a:xfrm>
+      </p:grpSpPr>
+      <p:sp>
+        <p:nvSpPr>
+          <p:cNvPr id="3" name="Title 2" hidden="1"/>
+          <p:cNvSpPr>
+            <a:spLocks noGrp="1"/>
+          </p:cNvSpPr>
+          <p:nvPr>
+            <p:ph type="title"/>
+          </p:nvPr>
+        </p:nvSpPr>
+        <p:spPr/>
+        <p:txBody>
+          <a:bodyPr/>
+          <a:lstStyle/>
+          <a:p>
+            <a:r>
+              <a:rPr lang="en-US" dirty="0" smtClean="0"/>
+              <a:t>1</a:t>
+            </a:r>
+            <a:endParaRPr lang="en-US" dirty="0"/>
+          </a:p>
+        </p:txBody>
+      </p:sp>
+      <p:pic>
+        <p:nvPicPr>
+          <p:cNvPr id="4" name="Picture 3"/>
+          <p:cNvPicPr>
+            <a:picLocks noChangeAspect="1"/>
+          </p:cNvPicPr>
+          <p:nvPr/>
+        </p:nvPicPr>
+        <p:blipFill>
+          <a:blip r:embed="rId2">
+            <a:extLst>
+              <a:ext uri="{28A0092B-C50C-407E-A947-70E740481C1C}">
+                <a14:useLocalDpi xmlns:a14="http://schemas.microsoft.com/office/drawing/2010/main" val="0"/>
+              </a:ext>
+            </a:extLst>
+          </a:blip>
+          <a:stretch>
+            <a:fillRect/>
+          </a:stretch>
+        </p:blipFill>
+        <p:spPr>
+          <a:xfrm>
+            <a:off x="3799615" y="1265015"/>
+            <a:ext cx="5202371" cy="5202371"/>
+          </a:xfrm>
+          <a:prstGeom prst="rect">
+            <a:avLst/>
+          </a:prstGeom>
+        </p:spPr>
+      </p:pic>
+      <p:sp>
+        <p:nvSpPr>
+          <p:cNvPr id="5" name="TextBox 4"/>
+          <p:cNvSpPr txBox="1"/>
+          <p:nvPr/>
+        </p:nvSpPr>
+        <p:spPr>
+          <a:xfrm>
+            <a:off x="1190625" y="514350"/>
+            <a:ext cx="10420350" cy="1200329"/>
+          </a:xfrm>
+          <a:prstGeom prst="rect">
+            <a:avLst/>
+          </a:prstGeom>
+          <a:noFill/>
+        </p:spPr>
+        <p:txBody>
+          <a:bodyPr wrap="square" rtlCol="0">
+            <a:spAutoFit/>
+          </a:bodyPr>
+          <a:lstStyle/>
+          <a:p>
+            <a:pPr algn="ctr"/>
+            <a:r>
+              <a:rPr lang="en-US" sz="7200" b="1" dirty="0" smtClean="0">
+                <a:solidFill>
+                  <a:srgbClr val="ED7161"/>
+                </a:solidFill>
+                <a:effectLst>
+                  <a:outerShdw blurRad="38100" dist="38100" dir="2700000" algn="tl">
+                    <a:srgbClr val="000000">
+                      <a:alpha val="43137"/>
+                    </a:srgbClr>
+                  </a:outerShdw>
+                </a:effectLst>
+                <a:latin typeface="Bahnschrift" panose="020B0502040204020203" pitchFamily="34" charset="0"/>
+              </a:rPr>
+              <a:t>Coming Soon!!!</a:t>
+            </a:r>
+            <a:endParaRPr lang="en-US" sz="7200" b="1" dirty="0">
+              <a:solidFill>
+                <a:srgbClr val="ED7161"/>
+              </a:solidFill>
+              <a:effectLst>
+                <a:outerShdw blurRad="38100" dist="38100" dir="2700000" algn="tl">
+                  <a:srgbClr val="000000">
+                    <a:alpha val="43137"/>
+                  </a:srgbClr>
+                </a:outerShdw>
+              </a:effectLst>
+              <a:latin typeface="Bahnschrift" panose="020B0502040204020203" pitchFamily="34" charset="0"/>
+            </a:endParaRPr>
+          </a:p>
+        </p:txBody>
+      </p:sp>
+      <p:sp>
+        <p:nvSpPr>
+          <p:cNvPr id="6" name="TextBox 5"/>
+          <p:cNvSpPr txBox="1"/>
+          <p:nvPr/>
+        </p:nvSpPr>
+        <p:spPr>
+          <a:xfrm>
+            <a:off x="2828925" y="5698782"/>
+            <a:ext cx="7143750" cy="1200329"/>
+          </a:xfrm>
+          <a:prstGeom prst="rect">
+            <a:avLst/>
+          </a:prstGeom>
+          <a:noFill/>
+        </p:spPr>
+        <p:txBody>
+          <a:bodyPr wrap="square" rtlCol="0">
+            <a:prstTxWarp prst="textArchDown">
+              <a:avLst/>
+            </a:prstTxWarp>
+            <a:spAutoFit/>
+          </a:bodyPr>
+          <a:lstStyle/>
+          <a:p>
+            <a:pPr algn="ctr"/>
+            <a:r>
+              <a:rPr lang="en-US" sz="8800" spc="300" dirty="0" smtClean="0">
+                <a:solidFill>
+                  <a:srgbClr val="ED7161"/>
+                </a:solidFill>
+                <a:latin typeface="Gill Sans MT Condensed" panose="020B0506020104020203" pitchFamily="34" charset="0"/>
+              </a:rPr>
+              <a:t>skunk-head</a:t>
+            </a:r>
+            <a:endParaRPr lang="en-US" sz="8800" spc="300" dirty="0">
+              <a:solidFill>
+                <a:srgbClr val="ED7161"/>
+              </a:solidFill>
+              <a:latin typeface="Gill Sans MT Condensed" panose="020B0506020104020203" pitchFamily="34" charset="0"/>
+            </a:endParaRPr>
+          </a:p>
+        </p:txBody>
+      </p:sp>
+      <p:sp>
+        <p:nvSpPr>
+          <p:cNvPr id="7" name="TextBox 6"/>
+          <p:cNvSpPr txBox="1"/>
+          <p:nvPr/>
+        </p:nvSpPr>
+        <p:spPr>
+          <a:xfrm>
+            <a:off x="523875" y="8185725"/>
+            <a:ext cx="3409950" cy="769441"/>
+          </a:xfrm>
+          <a:prstGeom prst="rect">
+            <a:avLst/>
+          </a:prstGeom>
+          <a:noFill/>
+        </p:spPr>
+        <p:txBody>
+          <a:bodyPr wrap="square" rtlCol="0">
+            <a:spAutoFit/>
+          </a:bodyPr>
+          <a:lstStyle/>
+          <a:p>
+            <a:pPr algn="ctr"/>
+            <a:r>
+              <a:rPr lang="en-US" sz="4400" b="1" dirty="0" smtClean="0">
+                <a:solidFill>
+                  <a:srgbClr val="ED7161"/>
+                </a:solidFill>
+                <a:latin typeface="Candara" panose="020E0502030303020204" pitchFamily="34" charset="0"/>
+                <a:cs typeface="Agent Orange" panose="00000400000000000000" pitchFamily="2" charset="0"/>
+              </a:rPr>
+              <a:t>10 – 1 – 2018</a:t>
+            </a:r>
+            <a:endParaRPr lang="en-US" sz="4400" b="1" dirty="0">
+              <a:solidFill>
+                <a:srgbClr val="ED7161"/>
+              </a:solidFill>
+              <a:latin typeface="Candara" panose="020E0502030303020204" pitchFamily="34" charset="0"/>
+              <a:cs typeface="Agent Orange" panose="00000400000000000000" pitchFamily="2" charset="0"/>
+            </a:endParaRPr>
+          </a:p>
+        </p:txBody>
+      </p:sp>
+      <p:sp>
+        <p:nvSpPr>
+          <p:cNvPr id="8" name="TextBox 7"/>
+          <p:cNvSpPr txBox="1"/>
+          <p:nvPr/>
+        </p:nvSpPr>
+        <p:spPr>
+          <a:xfrm>
+            <a:off x="1771650" y="7600950"/>
+            <a:ext cx="914400" cy="584775"/>
+          </a:xfrm>
+          <a:prstGeom prst="rect">
+            <a:avLst/>
+          </a:prstGeom>
+          <a:noFill/>
+        </p:spPr>
+        <p:txBody>
+          <a:bodyPr wrap="square" rtlCol="0">
+            <a:spAutoFit/>
+          </a:bodyPr>
+          <a:lstStyle/>
+          <a:p>
+            <a:pPr algn="ctr"/>
+            <a:r>
+              <a:rPr lang="en-US" sz="3200" b="1" dirty="0" smtClean="0">
+                <a:solidFill>
+                  <a:srgbClr val="556080"/>
+                </a:solidFill>
+                <a:latin typeface="Bahnschrift" panose="020B0502040204020203" pitchFamily="34" charset="0"/>
+              </a:rPr>
+              <a:t>On</a:t>
+            </a:r>
+            <a:endParaRPr lang="en-US" sz="3200" b="1" dirty="0">
+              <a:solidFill>
+                <a:srgbClr val="556080"/>
+              </a:solidFill>
+              <a:latin typeface="Bahnschrift" panose="020B0502040204020203" pitchFamily="34" charset="0"/>
+            </a:endParaRPr>
+          </a:p>
+        </p:txBody>
+      </p:sp>
+      <p:sp>
+        <p:nvSpPr>
+          <p:cNvPr id="9" name="TextBox 8"/>
+          <p:cNvSpPr txBox="1"/>
+          <p:nvPr/>
+        </p:nvSpPr>
+        <p:spPr>
+          <a:xfrm>
+            <a:off x="9515475" y="7600950"/>
+            <a:ext cx="914400" cy="584775"/>
+          </a:xfrm>
+          <a:prstGeom prst="rect">
+            <a:avLst/>
+          </a:prstGeom>
+          <a:noFill/>
+        </p:spPr>
+        <p:txBody>
+          <a:bodyPr wrap="square" rtlCol="0">
+            <a:spAutoFit/>
+          </a:bodyPr>
+          <a:lstStyle/>
+          <a:p>
+            <a:pPr algn="ctr"/>
+            <a:r>
+              <a:rPr lang="en-US" sz="3200" b="1" dirty="0" smtClean="0">
+                <a:solidFill>
+                  <a:srgbClr val="556080"/>
+                </a:solidFill>
+                <a:latin typeface="Bahnschrift" panose="020B0502040204020203" pitchFamily="34" charset="0"/>
+              </a:rPr>
+              <a:t>By</a:t>
+            </a:r>
+            <a:endParaRPr lang="en-US" sz="3200" b="1" dirty="0">
+              <a:solidFill>
+                <a:srgbClr val="556080"/>
+              </a:solidFill>
+              <a:latin typeface="Bahnschrift" panose="020B0502040204020203" pitchFamily="34" charset="0"/>
+            </a:endParaRPr>
+          </a:p>
+        </p:txBody>
+      </p:sp>
+      <p:sp>
+        <p:nvSpPr>
+          <p:cNvPr id="13" name="TextBox 12"/>
+          <p:cNvSpPr txBox="1"/>
+          <p:nvPr/>
+        </p:nvSpPr>
+        <p:spPr>
+          <a:xfrm>
+            <a:off x="8267700" y="8185725"/>
+            <a:ext cx="3409950" cy="769441"/>
+          </a:xfrm>
+          <a:prstGeom prst="rect">
+            <a:avLst/>
+          </a:prstGeom>
+          <a:noFill/>
+        </p:spPr>
+        <p:txBody>
+          <a:bodyPr wrap="square" rtlCol="0">
+            <a:spAutoFit/>
+          </a:bodyPr>
+          <a:lstStyle/>
+          <a:p>
+            <a:pPr algn="ctr"/>
+            <a:r>
+              <a:rPr lang="en-US" sz="4400" b="1" dirty="0" err="1" smtClean="0">
+                <a:solidFill>
+                  <a:srgbClr val="ED7161"/>
+                </a:solidFill>
+                <a:latin typeface="Candara" panose="020E0502030303020204" pitchFamily="34" charset="0"/>
+                <a:cs typeface="Agent Orange" panose="00000400000000000000" pitchFamily="2" charset="0"/>
+              </a:rPr>
+              <a:t>bemBem</a:t>
+            </a:r>
+            <a:endParaRPr lang="en-US" sz="4400" b="1" dirty="0">
+              <a:solidFill>
+                <a:srgbClr val="ED7161"/>
+              </a:solidFill>
+              <a:latin typeface="Candara" panose="020E0502030303020204" pitchFamily="34" charset="0"/>
+              <a:cs typeface="Agent Orange" panose="00000400000000000000" pitchFamily="2" charset="0"/>
+            </a:endParaRPr>
+          </a:p>
+        </p:txBody>
+      </p:sp>
+      <p:sp>
+        <p:nvSpPr>
+          <p:cNvPr id="2" name="Rectangle 1"/>
+          <p:cNvSpPr/>
+          <p:nvPr/>
+        </p:nvSpPr>
+        <p:spPr>
+          <a:xfrm>
+            <a:off x="0" y="9258300"/>
+            <a:ext cx="12801600" cy="342900"/>
+          </a:xfrm>
+          <a:prstGeom prst="rect">
+            <a:avLst/>
+          </a:prstGeom>
+          <a:solidFill>
+            <a:srgbClr val="ED7161"/>
+          </a:solidFill>
+          <a:ln>
+            <a:noFill/>
+          </a:ln>
+        </p:spPr>
+        <p:style>
+          <a:lnRef idx="2">
+            <a:schemeClr val="accent1">
+              <a:shade val="50000"/>
+            </a:schemeClr>
+          </a:lnRef>
+          <a:fillRef idx="1">
+            <a:schemeClr val="accent1"/>
+          </a:fillRef>
+          <a:effectRef idx="0">
+            <a:schemeClr val="accent1"/>
+          </a:effectRef>
+          <a:fontRef idx="minor">
+            <a:schemeClr val="lt1"/>
+          </a:fontRef>
+        </p:style>
+        <p:txBody>
+          <a:bodyPr rtlCol="0" anchor="ctr"/>
+          <a:lstStyle/>
+          <a:p>
+            <a:pPr algn="ctr"/>
+            <a:endParaRPr lang="en-US"/>
+          </a:p>
+        </p:txBody>
+      </p:sp>
+      <p:sp>
+        <p:nvSpPr>
+          <p:cNvPr id="17" name="5-Point Star 16"/>
+          <p:cNvSpPr>
+            <a:spLocks noChangeAspect="1"/>
+          </p:cNvSpPr>
+          <p:nvPr/>
+        </p:nvSpPr>
+        <p:spPr>
+          <a:xfrm>
+            <a:off x="2522958" y="1051560"/>
+            <a:ext cx="274320" cy="274320"/>
+          </a:xfrm>
+          <a:prstGeom prst="star5">
+            <a:avLst/>
+          </a:prstGeom>
+          <a:solidFill>
+            <a:srgbClr val="556080"/>
+          </a:solidFill>
+          <a:ln>
+            <a:noFill/>
+          </a:ln>
+        </p:spPr>
+        <p:style>
+          <a:lnRef idx="2">
+            <a:schemeClr val="accent1">
+              <a:shade val="50000"/>
+            </a:schemeClr>
+          </a:lnRef>
+          <a:fillRef idx="1">
+            <a:schemeClr val="accent1"/>
+          </a:fillRef>
+          <a:effectRef idx="0">
+            <a:schemeClr val="accent1"/>
+          </a:effectRef>
+          <a:fontRef idx="minor">
+            <a:schemeClr val="lt1"/>
+          </a:fontRef>
+        </p:style>
+        <p:txBody>
+          <a:bodyPr rtlCol="0" anchor="ctr"/>
+          <a:lstStyle/>
+          <a:p>
+            <a:pPr algn="ctr"/>
+            <a:endParaRPr lang="en-US"/>
+          </a:p>
+        </p:txBody>
+      </p:sp>
+      <p:sp>
+        <p:nvSpPr>
+          <p:cNvPr id="18" name="5-Point Star 17"/>
+          <p:cNvSpPr>
+            <a:spLocks noChangeAspect="1"/>
+          </p:cNvSpPr>
+          <p:nvPr/>
+        </p:nvSpPr>
+        <p:spPr>
+          <a:xfrm>
+            <a:off x="3039950" y="1051560"/>
+            <a:ext cx="274320" cy="274320"/>
+          </a:xfrm>
+          <a:prstGeom prst="star5">
+            <a:avLst/>
+          </a:prstGeom>
+          <a:solidFill>
+            <a:srgbClr val="556080"/>
+          </a:solidFill>
+          <a:ln>
+            <a:noFill/>
+          </a:ln>
+        </p:spPr>
+        <p:style>
+          <a:lnRef idx="2">
+            <a:schemeClr val="accent1">
+              <a:shade val="50000"/>
+            </a:schemeClr>
+          </a:lnRef>
+          <a:fillRef idx="1">
+            <a:schemeClr val="accent1"/>
+          </a:fillRef>
+          <a:effectRef idx="0">
+            <a:schemeClr val="accent1"/>
+          </a:effectRef>
+          <a:fontRef idx="minor">
+            <a:schemeClr val="lt1"/>
+          </a:fontRef>
+        </p:style>
+        <p:txBody>
+          <a:bodyPr rtlCol="0" anchor="ctr"/>
+          <a:lstStyle/>
+          <a:p>
+            <a:pPr algn="ctr"/>
+            <a:endParaRPr lang="en-US"/>
+          </a:p>
+        </p:txBody>
+      </p:sp>
+      <p:sp>
+        <p:nvSpPr>
+          <p:cNvPr id="19" name="5-Point Star 18"/>
+          <p:cNvSpPr>
+            <a:spLocks noChangeAspect="1"/>
+          </p:cNvSpPr>
+          <p:nvPr/>
+        </p:nvSpPr>
+        <p:spPr>
+          <a:xfrm>
+            <a:off x="9455683" y="1051560"/>
+            <a:ext cx="274320" cy="274320"/>
+          </a:xfrm>
+          <a:prstGeom prst="star5">
+            <a:avLst/>
+          </a:prstGeom>
+          <a:solidFill>
+            <a:srgbClr val="556080"/>
+          </a:solidFill>
+          <a:ln>
+            <a:noFill/>
+          </a:ln>
+        </p:spPr>
+        <p:style>
+          <a:lnRef idx="2">
+            <a:schemeClr val="accent1">
+              <a:shade val="50000"/>
+            </a:schemeClr>
+          </a:lnRef>
+          <a:fillRef idx="1">
+            <a:schemeClr val="accent1"/>
+          </a:fillRef>
+          <a:effectRef idx="0">
+            <a:schemeClr val="accent1"/>
+          </a:effectRef>
+          <a:fontRef idx="minor">
+            <a:schemeClr val="lt1"/>
+          </a:fontRef>
+        </p:style>
+        <p:txBody>
+          <a:bodyPr rtlCol="0" anchor="ctr"/>
+          <a:lstStyle/>
+          <a:p>
+            <a:pPr algn="ctr"/>
+            <a:endParaRPr lang="en-US"/>
+          </a:p>
+        </p:txBody>
+      </p:sp>
+      <p:sp>
+        <p:nvSpPr>
+          <p:cNvPr id="20" name="5-Point Star 19"/>
+          <p:cNvSpPr>
+            <a:spLocks noChangeAspect="1"/>
+          </p:cNvSpPr>
+          <p:nvPr/>
+        </p:nvSpPr>
+        <p:spPr>
+          <a:xfrm>
+            <a:off x="9972675" y="1051560"/>
+            <a:ext cx="274320" cy="274320"/>
+          </a:xfrm>
+          <a:prstGeom prst="star5">
+            <a:avLst/>
+          </a:prstGeom>
+          <a:solidFill>
+            <a:srgbClr val="556080"/>
+          </a:solidFill>
+          <a:ln>
+            <a:noFill/>
+          </a:ln>
+        </p:spPr>
+        <p:style>
+          <a:lnRef idx="2">
+            <a:schemeClr val="accent1">
+              <a:shade val="50000"/>
+            </a:schemeClr>
+          </a:lnRef>
+          <a:fillRef idx="1">
+            <a:schemeClr val="accent1"/>
+          </a:fillRef>
+          <a:effectRef idx="0">
+            <a:schemeClr val="accent1"/>
+          </a:effectRef>
+          <a:fontRef idx="minor">
+            <a:schemeClr val="lt1"/>
+          </a:fontRef>
+        </p:style>
+        <p:txBody>
+          <a:bodyPr rtlCol="0" anchor="ctr"/>
+          <a:lstStyle/>
+          <a:p>
+            <a:pPr algn="ctr"/>
+            <a:endParaRPr lang="en-US"/>
+          </a:p>
+        </p:txBody>
+      </p:sp>
+      <p:sp>
+        <p:nvSpPr>
+          <p:cNvPr id="10" name="Parallelogram 9"/>
+          <p:cNvSpPr/>
+          <p:nvPr/>
+        </p:nvSpPr>
+        <p:spPr>
+          <a:xfrm>
+            <a:off x="1593318" y="9258300"/>
+            <a:ext cx="2133600" cy="342900"/>
+          </a:xfrm>
+          <a:prstGeom prst="parallelogram">
+            <a:avLst/>
+          </a:prstGeom>
+          <a:solidFill>
+            <a:srgbClr val="556080"/>
+          </a:solidFill>
+          <a:ln>
+            <a:noFill/>
+          </a:ln>
+        </p:spPr>
+        <p:style>
+          <a:lnRef idx="2">
+            <a:schemeClr val="accent1">
+              <a:shade val="50000"/>
+            </a:schemeClr>
+          </a:lnRef>
+          <a:fillRef idx="1">
+            <a:schemeClr val="accent1"/>
+          </a:fillRef>
+          <a:effectRef idx="0">
+            <a:schemeClr val="accent1"/>
+          </a:effectRef>
+          <a:fontRef idx="minor">
+            <a:schemeClr val="lt1"/>
+          </a:fontRef>
+        </p:style>
+        <p:txBody>
+          <a:bodyPr rtlCol="0" anchor="ctr"/>
+          <a:lstStyle/>
+          <a:p>
+            <a:pPr algn="ctr"/>
+            <a:endParaRPr lang="en-US"/>
+          </a:p>
+        </p:txBody>
+      </p:sp>
+      <p:sp>
+        <p:nvSpPr>
+          <p:cNvPr id="16" name="Parallelogram 15"/>
+          <p:cNvSpPr/>
+          <p:nvPr/>
+        </p:nvSpPr>
+        <p:spPr>
+          <a:xfrm>
+            <a:off x="5334000" y="9258300"/>
+            <a:ext cx="2133600" cy="342900"/>
+          </a:xfrm>
+          <a:prstGeom prst="parallelogram">
+            <a:avLst/>
+          </a:prstGeom>
+          <a:solidFill>
+            <a:srgbClr val="556080"/>
+          </a:solidFill>
+          <a:ln>
+            <a:noFill/>
+          </a:ln>
+        </p:spPr>
+        <p:style>
+          <a:lnRef idx="2">
+            <a:schemeClr val="accent1">
+              <a:shade val="50000"/>
+            </a:schemeClr>
+          </a:lnRef>
+          <a:fillRef idx="1">
+            <a:schemeClr val="accent1"/>
+          </a:fillRef>
+          <a:effectRef idx="0">
+            <a:schemeClr val="accent1"/>
+          </a:effectRef>
+          <a:fontRef idx="minor">
+            <a:schemeClr val="lt1"/>
+          </a:fontRef>
+        </p:style>
+        <p:txBody>
+          <a:bodyPr rtlCol="0" anchor="ctr"/>
+          <a:lstStyle/>
+          <a:p>
+            <a:pPr algn="ctr"/>
+            <a:endParaRPr lang="en-US"/>
+          </a:p>
+        </p:txBody>
+      </p:sp>
+      <p:sp>
+        <p:nvSpPr>
+          <p:cNvPr id="21" name="Parallelogram 20"/>
+          <p:cNvSpPr/>
+          <p:nvPr/>
+        </p:nvSpPr>
+        <p:spPr>
+          <a:xfrm>
+            <a:off x="9074682" y="9258300"/>
+            <a:ext cx="2133600" cy="342900"/>
+          </a:xfrm>
+          <a:prstGeom prst="parallelogram">
+            <a:avLst/>
+          </a:prstGeom>
+          <a:solidFill>
+            <a:srgbClr val="556080"/>
+          </a:solidFill>
+          <a:ln>
+            <a:noFill/>
+          </a:ln>
+        </p:spPr>
+        <p:style>
+          <a:lnRef idx="2">
+            <a:schemeClr val="accent1">
+              <a:shade val="50000"/>
+            </a:schemeClr>
+          </a:lnRef>
+          <a:fillRef idx="1">
+            <a:schemeClr val="accent1"/>
+          </a:fillRef>
+          <a:effectRef idx="0">
+            <a:schemeClr val="accent1"/>
+          </a:effectRef>
+          <a:fontRef idx="minor">
+            <a:schemeClr val="lt1"/>
+          </a:fontRef>
+        </p:style>
+        <p:txBody>
+          <a:bodyPr rtlCol="0" anchor="ctr"/>
+          <a:lstStyle/>
+          <a:p>
+            <a:pPr algn="ctr"/>
+            <a:endParaRPr lang="en-US"/>
+          </a:p>
+        </p:txBody>
+      </p:sp>
+    </p:spTree>
+    <p:extLst>
+      <p:ext uri="{BB962C8B-B14F-4D97-AF65-F5344CB8AC3E}">
+        <p14:creationId xmlns:p14="http://schemas.microsoft.com/office/powerpoint/2010/main" val="3080859920"/>
+      </p:ext>
+    </p:extLst>
+  </p:cSld>
+  <p:clrMapOvr>
+    <a:masterClrMapping/>
+  </p:clrMapOvr>
+  <p:timing>
+    <p:tnLst>
+      <p:par>
+        <p:cTn id="1" dur="indefinite" restart="never" nodeType="tmRoot"/>
+      </p:par>
+    </p:tnLst>
+  </p:timing>
+</p:sld>
+</file>
+
+<file path=ppt/slides/slide11.xml><?xml version="1.0" encoding="utf-8"?>
+<p:sld xmlns:a="http://schemas.openxmlformats.org/drawingml/2006/main" xmlns:r="http://schemas.openxmlformats.org/officeDocument/2006/relationships" xmlns:p="http://schemas.openxmlformats.org/presentationml/2006/main">
+  <p:cSld>
+    <p:bg>
+      <p:bgPr>
+        <a:solidFill>
+          <a:schemeClr val="bg1">
+            <a:lumMod val="95000"/>
+          </a:schemeClr>
+        </a:solidFill>
+        <a:effectLst/>
+      </p:bgPr>
+    </p:bg>
+    <p:spTree>
+      <p:nvGrpSpPr>
+        <p:cNvPr id="1" name=""/>
+        <p:cNvGrpSpPr/>
+        <p:nvPr/>
+      </p:nvGrpSpPr>
+      <p:grpSpPr>
+        <a:xfrm>
+          <a:off x="0" y="0"/>
+          <a:ext cx="0" cy="0"/>
+          <a:chOff x="0" y="0"/>
+          <a:chExt cx="0" cy="0"/>
+        </a:xfrm>
+      </p:grpSpPr>
+      <p:sp>
+        <p:nvSpPr>
+          <p:cNvPr id="3" name="Title 2" hidden="1"/>
+          <p:cNvSpPr>
+            <a:spLocks noGrp="1"/>
+          </p:cNvSpPr>
+          <p:nvPr>
+            <p:ph type="title"/>
+          </p:nvPr>
+        </p:nvSpPr>
+        <p:spPr/>
+        <p:txBody>
+          <a:bodyPr/>
+          <a:lstStyle/>
+          <a:p>
+            <a:r>
+              <a:rPr lang="en-US" dirty="0" smtClean="0"/>
+              <a:t>1</a:t>
+            </a:r>
+            <a:endParaRPr lang="en-US" dirty="0"/>
+          </a:p>
+        </p:txBody>
+      </p:sp>
+      <p:pic>
+        <p:nvPicPr>
+          <p:cNvPr id="4" name="Picture 3"/>
+          <p:cNvPicPr>
+            <a:picLocks noChangeAspect="1"/>
+          </p:cNvPicPr>
+          <p:nvPr/>
+        </p:nvPicPr>
+        <p:blipFill>
+          <a:blip r:embed="rId2">
+            <a:extLst>
+              <a:ext uri="{28A0092B-C50C-407E-A947-70E740481C1C}">
+                <a14:useLocalDpi xmlns:a14="http://schemas.microsoft.com/office/drawing/2010/main" val="0"/>
+              </a:ext>
+            </a:extLst>
+          </a:blip>
+          <a:stretch>
+            <a:fillRect/>
+          </a:stretch>
+        </p:blipFill>
+        <p:spPr>
+          <a:xfrm>
+            <a:off x="3799615" y="1265015"/>
+            <a:ext cx="5202371" cy="5202371"/>
+          </a:xfrm>
+          <a:prstGeom prst="rect">
+            <a:avLst/>
+          </a:prstGeom>
+        </p:spPr>
+      </p:pic>
+      <p:sp>
+        <p:nvSpPr>
+          <p:cNvPr id="5" name="TextBox 4"/>
+          <p:cNvSpPr txBox="1"/>
+          <p:nvPr/>
+        </p:nvSpPr>
+        <p:spPr>
+          <a:xfrm>
+            <a:off x="1190625" y="514350"/>
+            <a:ext cx="10420350" cy="1200329"/>
+          </a:xfrm>
+          <a:prstGeom prst="rect">
+            <a:avLst/>
+          </a:prstGeom>
+          <a:noFill/>
+        </p:spPr>
+        <p:txBody>
+          <a:bodyPr wrap="square" rtlCol="0">
+            <a:spAutoFit/>
+          </a:bodyPr>
+          <a:lstStyle/>
+          <a:p>
+            <a:pPr algn="ctr"/>
+            <a:r>
+              <a:rPr lang="en-US" sz="7200" b="1" dirty="0" smtClean="0">
+                <a:solidFill>
+                  <a:srgbClr val="ED7161"/>
+                </a:solidFill>
+                <a:effectLst>
+                  <a:outerShdw blurRad="38100" dist="38100" dir="2700000" algn="tl">
+                    <a:srgbClr val="000000">
+                      <a:alpha val="43137"/>
+                    </a:srgbClr>
+                  </a:outerShdw>
+                </a:effectLst>
+                <a:latin typeface="Bahnschrift" panose="020B0502040204020203" pitchFamily="34" charset="0"/>
+              </a:rPr>
+              <a:t>Coming Soon!!!</a:t>
+            </a:r>
+            <a:endParaRPr lang="en-US" sz="7200" b="1" dirty="0">
+              <a:solidFill>
+                <a:srgbClr val="ED7161"/>
+              </a:solidFill>
+              <a:effectLst>
+                <a:outerShdw blurRad="38100" dist="38100" dir="2700000" algn="tl">
+                  <a:srgbClr val="000000">
+                    <a:alpha val="43137"/>
+                  </a:srgbClr>
+                </a:outerShdw>
+              </a:effectLst>
+              <a:latin typeface="Bahnschrift" panose="020B0502040204020203" pitchFamily="34" charset="0"/>
+            </a:endParaRPr>
+          </a:p>
+        </p:txBody>
+      </p:sp>
+      <p:sp>
+        <p:nvSpPr>
+          <p:cNvPr id="6" name="TextBox 5"/>
+          <p:cNvSpPr txBox="1"/>
+          <p:nvPr/>
+        </p:nvSpPr>
+        <p:spPr>
+          <a:xfrm>
+            <a:off x="2828925" y="5698782"/>
+            <a:ext cx="7143750" cy="1200329"/>
+          </a:xfrm>
+          <a:prstGeom prst="rect">
+            <a:avLst/>
+          </a:prstGeom>
+          <a:noFill/>
+        </p:spPr>
+        <p:txBody>
+          <a:bodyPr wrap="square" rtlCol="0">
+            <a:prstTxWarp prst="textArchDown">
+              <a:avLst/>
+            </a:prstTxWarp>
+            <a:spAutoFit/>
+          </a:bodyPr>
+          <a:lstStyle/>
+          <a:p>
+            <a:pPr algn="ctr"/>
+            <a:r>
+              <a:rPr lang="en-US" sz="8800" spc="300" dirty="0" smtClean="0">
+                <a:solidFill>
+                  <a:srgbClr val="ED7161"/>
+                </a:solidFill>
+                <a:latin typeface="Gill Sans MT Condensed" panose="020B0506020104020203" pitchFamily="34" charset="0"/>
+              </a:rPr>
+              <a:t>skunk-head</a:t>
+            </a:r>
+            <a:endParaRPr lang="en-US" sz="8800" spc="300" dirty="0">
+              <a:solidFill>
+                <a:srgbClr val="ED7161"/>
+              </a:solidFill>
+              <a:latin typeface="Gill Sans MT Condensed" panose="020B0506020104020203" pitchFamily="34" charset="0"/>
+            </a:endParaRPr>
+          </a:p>
+        </p:txBody>
+      </p:sp>
+      <p:sp>
+        <p:nvSpPr>
+          <p:cNvPr id="7" name="TextBox 6"/>
+          <p:cNvSpPr txBox="1"/>
+          <p:nvPr/>
+        </p:nvSpPr>
+        <p:spPr>
+          <a:xfrm>
+            <a:off x="523875" y="8185725"/>
+            <a:ext cx="3409950" cy="769441"/>
+          </a:xfrm>
+          <a:prstGeom prst="rect">
+            <a:avLst/>
+          </a:prstGeom>
+          <a:noFill/>
+        </p:spPr>
+        <p:txBody>
+          <a:bodyPr wrap="square" rtlCol="0">
+            <a:spAutoFit/>
+          </a:bodyPr>
+          <a:lstStyle/>
+          <a:p>
+            <a:pPr algn="ctr"/>
+            <a:r>
+              <a:rPr lang="en-US" sz="4400" b="1" dirty="0" smtClean="0">
+                <a:solidFill>
+                  <a:srgbClr val="ED7161"/>
+                </a:solidFill>
+                <a:latin typeface="Candara" panose="020E0502030303020204" pitchFamily="34" charset="0"/>
+                <a:cs typeface="Agent Orange" panose="00000400000000000000" pitchFamily="2" charset="0"/>
+              </a:rPr>
+              <a:t>10 – 1 – 2018</a:t>
+            </a:r>
+            <a:endParaRPr lang="en-US" sz="4400" b="1" dirty="0">
+              <a:solidFill>
+                <a:srgbClr val="ED7161"/>
+              </a:solidFill>
+              <a:latin typeface="Candara" panose="020E0502030303020204" pitchFamily="34" charset="0"/>
+              <a:cs typeface="Agent Orange" panose="00000400000000000000" pitchFamily="2" charset="0"/>
+            </a:endParaRPr>
+          </a:p>
+        </p:txBody>
+      </p:sp>
+      <p:sp>
+        <p:nvSpPr>
+          <p:cNvPr id="8" name="TextBox 7"/>
+          <p:cNvSpPr txBox="1"/>
+          <p:nvPr/>
+        </p:nvSpPr>
+        <p:spPr>
+          <a:xfrm>
+            <a:off x="1771650" y="7600950"/>
+            <a:ext cx="914400" cy="584775"/>
+          </a:xfrm>
+          <a:prstGeom prst="rect">
+            <a:avLst/>
+          </a:prstGeom>
+          <a:noFill/>
+        </p:spPr>
+        <p:txBody>
+          <a:bodyPr wrap="square" rtlCol="0">
+            <a:spAutoFit/>
+          </a:bodyPr>
+          <a:lstStyle/>
+          <a:p>
+            <a:pPr algn="ctr"/>
+            <a:r>
+              <a:rPr lang="en-US" sz="3200" b="1" dirty="0" smtClean="0">
+                <a:solidFill>
+                  <a:srgbClr val="556080"/>
+                </a:solidFill>
+                <a:latin typeface="Bahnschrift" panose="020B0502040204020203" pitchFamily="34" charset="0"/>
+              </a:rPr>
+              <a:t>On</a:t>
+            </a:r>
+            <a:endParaRPr lang="en-US" sz="3200" b="1" dirty="0">
+              <a:solidFill>
+                <a:srgbClr val="556080"/>
+              </a:solidFill>
+              <a:latin typeface="Bahnschrift" panose="020B0502040204020203" pitchFamily="34" charset="0"/>
+            </a:endParaRPr>
+          </a:p>
+        </p:txBody>
+      </p:sp>
+      <p:sp>
+        <p:nvSpPr>
+          <p:cNvPr id="9" name="TextBox 8"/>
+          <p:cNvSpPr txBox="1"/>
+          <p:nvPr/>
+        </p:nvSpPr>
+        <p:spPr>
+          <a:xfrm>
+            <a:off x="9515475" y="7600950"/>
+            <a:ext cx="914400" cy="584775"/>
+          </a:xfrm>
+          <a:prstGeom prst="rect">
+            <a:avLst/>
+          </a:prstGeom>
+          <a:noFill/>
+        </p:spPr>
+        <p:txBody>
+          <a:bodyPr wrap="square" rtlCol="0">
+            <a:spAutoFit/>
+          </a:bodyPr>
+          <a:lstStyle/>
+          <a:p>
+            <a:pPr algn="ctr"/>
+            <a:r>
+              <a:rPr lang="en-US" sz="3200" b="1" dirty="0" smtClean="0">
+                <a:solidFill>
+                  <a:srgbClr val="556080"/>
+                </a:solidFill>
+                <a:latin typeface="Bahnschrift" panose="020B0502040204020203" pitchFamily="34" charset="0"/>
+              </a:rPr>
+              <a:t>By</a:t>
+            </a:r>
+            <a:endParaRPr lang="en-US" sz="3200" b="1" dirty="0">
+              <a:solidFill>
+                <a:srgbClr val="556080"/>
+              </a:solidFill>
+              <a:latin typeface="Bahnschrift" panose="020B0502040204020203" pitchFamily="34" charset="0"/>
+            </a:endParaRPr>
+          </a:p>
+        </p:txBody>
+      </p:sp>
+      <p:sp>
+        <p:nvSpPr>
+          <p:cNvPr id="13" name="TextBox 12"/>
+          <p:cNvSpPr txBox="1"/>
+          <p:nvPr/>
+        </p:nvSpPr>
+        <p:spPr>
+          <a:xfrm>
+            <a:off x="8267700" y="8185725"/>
+            <a:ext cx="3409950" cy="769441"/>
+          </a:xfrm>
+          <a:prstGeom prst="rect">
+            <a:avLst/>
+          </a:prstGeom>
+          <a:noFill/>
+        </p:spPr>
+        <p:txBody>
+          <a:bodyPr wrap="square" rtlCol="0">
+            <a:spAutoFit/>
+          </a:bodyPr>
+          <a:lstStyle/>
+          <a:p>
+            <a:pPr algn="ctr"/>
+            <a:r>
+              <a:rPr lang="en-US" sz="4400" b="1" dirty="0" err="1" smtClean="0">
+                <a:solidFill>
+                  <a:srgbClr val="ED7161"/>
+                </a:solidFill>
+                <a:latin typeface="Candara" panose="020E0502030303020204" pitchFamily="34" charset="0"/>
+                <a:cs typeface="Agent Orange" panose="00000400000000000000" pitchFamily="2" charset="0"/>
+              </a:rPr>
+              <a:t>bemBem</a:t>
+            </a:r>
+            <a:endParaRPr lang="en-US" sz="4400" b="1" dirty="0">
+              <a:solidFill>
+                <a:srgbClr val="ED7161"/>
+              </a:solidFill>
+              <a:latin typeface="Candara" panose="020E0502030303020204" pitchFamily="34" charset="0"/>
+              <a:cs typeface="Agent Orange" panose="00000400000000000000" pitchFamily="2" charset="0"/>
+            </a:endParaRPr>
+          </a:p>
+        </p:txBody>
+      </p:sp>
+      <p:sp>
+        <p:nvSpPr>
+          <p:cNvPr id="2" name="Rectangle 1"/>
+          <p:cNvSpPr/>
+          <p:nvPr/>
+        </p:nvSpPr>
+        <p:spPr>
+          <a:xfrm>
+            <a:off x="0" y="9258300"/>
+            <a:ext cx="12801600" cy="342900"/>
+          </a:xfrm>
+          <a:prstGeom prst="rect">
+            <a:avLst/>
+          </a:prstGeom>
+          <a:solidFill>
+            <a:srgbClr val="556080"/>
+          </a:solidFill>
+          <a:ln>
+            <a:noFill/>
+          </a:ln>
+        </p:spPr>
+        <p:style>
+          <a:lnRef idx="2">
+            <a:schemeClr val="accent1">
+              <a:shade val="50000"/>
+            </a:schemeClr>
+          </a:lnRef>
+          <a:fillRef idx="1">
+            <a:schemeClr val="accent1"/>
+          </a:fillRef>
+          <a:effectRef idx="0">
+            <a:schemeClr val="accent1"/>
+          </a:effectRef>
+          <a:fontRef idx="minor">
+            <a:schemeClr val="lt1"/>
+          </a:fontRef>
+        </p:style>
+        <p:txBody>
+          <a:bodyPr rtlCol="0" anchor="ctr"/>
+          <a:lstStyle/>
+          <a:p>
+            <a:pPr algn="ctr"/>
+            <a:endParaRPr lang="en-US"/>
+          </a:p>
+        </p:txBody>
+      </p:sp>
+      <p:sp>
+        <p:nvSpPr>
+          <p:cNvPr id="17" name="5-Point Star 16"/>
+          <p:cNvSpPr>
+            <a:spLocks noChangeAspect="1"/>
+          </p:cNvSpPr>
+          <p:nvPr/>
+        </p:nvSpPr>
+        <p:spPr>
+          <a:xfrm>
+            <a:off x="2522958" y="1051560"/>
+            <a:ext cx="274320" cy="274320"/>
+          </a:xfrm>
+          <a:prstGeom prst="star5">
+            <a:avLst/>
+          </a:prstGeom>
+          <a:solidFill>
+            <a:srgbClr val="556080"/>
+          </a:solidFill>
+          <a:ln>
+            <a:noFill/>
+          </a:ln>
+        </p:spPr>
+        <p:style>
+          <a:lnRef idx="2">
+            <a:schemeClr val="accent1">
+              <a:shade val="50000"/>
+            </a:schemeClr>
+          </a:lnRef>
+          <a:fillRef idx="1">
+            <a:schemeClr val="accent1"/>
+          </a:fillRef>
+          <a:effectRef idx="0">
+            <a:schemeClr val="accent1"/>
+          </a:effectRef>
+          <a:fontRef idx="minor">
+            <a:schemeClr val="lt1"/>
+          </a:fontRef>
+        </p:style>
+        <p:txBody>
+          <a:bodyPr rtlCol="0" anchor="ctr"/>
+          <a:lstStyle/>
+          <a:p>
+            <a:pPr algn="ctr"/>
+            <a:endParaRPr lang="en-US"/>
+          </a:p>
+        </p:txBody>
+      </p:sp>
+      <p:sp>
+        <p:nvSpPr>
+          <p:cNvPr id="18" name="5-Point Star 17"/>
+          <p:cNvSpPr>
+            <a:spLocks noChangeAspect="1"/>
+          </p:cNvSpPr>
+          <p:nvPr/>
+        </p:nvSpPr>
+        <p:spPr>
+          <a:xfrm>
+            <a:off x="3039950" y="1051560"/>
+            <a:ext cx="274320" cy="274320"/>
+          </a:xfrm>
+          <a:prstGeom prst="star5">
+            <a:avLst/>
+          </a:prstGeom>
+          <a:solidFill>
+            <a:srgbClr val="556080"/>
+          </a:solidFill>
+          <a:ln>
+            <a:noFill/>
+          </a:ln>
+        </p:spPr>
+        <p:style>
+          <a:lnRef idx="2">
+            <a:schemeClr val="accent1">
+              <a:shade val="50000"/>
+            </a:schemeClr>
+          </a:lnRef>
+          <a:fillRef idx="1">
+            <a:schemeClr val="accent1"/>
+          </a:fillRef>
+          <a:effectRef idx="0">
+            <a:schemeClr val="accent1"/>
+          </a:effectRef>
+          <a:fontRef idx="minor">
+            <a:schemeClr val="lt1"/>
+          </a:fontRef>
+        </p:style>
+        <p:txBody>
+          <a:bodyPr rtlCol="0" anchor="ctr"/>
+          <a:lstStyle/>
+          <a:p>
+            <a:pPr algn="ctr"/>
+            <a:endParaRPr lang="en-US"/>
+          </a:p>
+        </p:txBody>
+      </p:sp>
+      <p:sp>
+        <p:nvSpPr>
+          <p:cNvPr id="19" name="5-Point Star 18"/>
+          <p:cNvSpPr>
+            <a:spLocks noChangeAspect="1"/>
+          </p:cNvSpPr>
+          <p:nvPr/>
+        </p:nvSpPr>
+        <p:spPr>
+          <a:xfrm>
+            <a:off x="9455683" y="1051560"/>
+            <a:ext cx="274320" cy="274320"/>
+          </a:xfrm>
+          <a:prstGeom prst="star5">
+            <a:avLst/>
+          </a:prstGeom>
+          <a:solidFill>
+            <a:srgbClr val="556080"/>
+          </a:solidFill>
+          <a:ln>
+            <a:noFill/>
+          </a:ln>
+        </p:spPr>
+        <p:style>
+          <a:lnRef idx="2">
+            <a:schemeClr val="accent1">
+              <a:shade val="50000"/>
+            </a:schemeClr>
+          </a:lnRef>
+          <a:fillRef idx="1">
+            <a:schemeClr val="accent1"/>
+          </a:fillRef>
+          <a:effectRef idx="0">
+            <a:schemeClr val="accent1"/>
+          </a:effectRef>
+          <a:fontRef idx="minor">
+            <a:schemeClr val="lt1"/>
+          </a:fontRef>
+        </p:style>
+        <p:txBody>
+          <a:bodyPr rtlCol="0" anchor="ctr"/>
+          <a:lstStyle/>
+          <a:p>
+            <a:pPr algn="ctr"/>
+            <a:endParaRPr lang="en-US"/>
+          </a:p>
+        </p:txBody>
+      </p:sp>
+      <p:sp>
+        <p:nvSpPr>
+          <p:cNvPr id="20" name="5-Point Star 19"/>
+          <p:cNvSpPr>
+            <a:spLocks noChangeAspect="1"/>
+          </p:cNvSpPr>
+          <p:nvPr/>
+        </p:nvSpPr>
+        <p:spPr>
+          <a:xfrm>
+            <a:off x="9972675" y="1051560"/>
+            <a:ext cx="274320" cy="274320"/>
+          </a:xfrm>
+          <a:prstGeom prst="star5">
+            <a:avLst/>
+          </a:prstGeom>
+          <a:solidFill>
+            <a:srgbClr val="556080"/>
+          </a:solidFill>
+          <a:ln>
+            <a:noFill/>
+          </a:ln>
+        </p:spPr>
+        <p:style>
+          <a:lnRef idx="2">
+            <a:schemeClr val="accent1">
+              <a:shade val="50000"/>
+            </a:schemeClr>
+          </a:lnRef>
+          <a:fillRef idx="1">
+            <a:schemeClr val="accent1"/>
+          </a:fillRef>
+          <a:effectRef idx="0">
+            <a:schemeClr val="accent1"/>
+          </a:effectRef>
+          <a:fontRef idx="minor">
+            <a:schemeClr val="lt1"/>
+          </a:fontRef>
+        </p:style>
+        <p:txBody>
+          <a:bodyPr rtlCol="0" anchor="ctr"/>
+          <a:lstStyle/>
+          <a:p>
+            <a:pPr algn="ctr"/>
+            <a:endParaRPr lang="en-US"/>
+          </a:p>
+        </p:txBody>
+      </p:sp>
+      <p:sp>
+        <p:nvSpPr>
+          <p:cNvPr id="15" name="Parallelogram 14"/>
+          <p:cNvSpPr/>
+          <p:nvPr/>
+        </p:nvSpPr>
+        <p:spPr>
+          <a:xfrm>
+            <a:off x="1593318" y="9258300"/>
+            <a:ext cx="2133600" cy="342900"/>
+          </a:xfrm>
+          <a:prstGeom prst="parallelogram">
+            <a:avLst/>
+          </a:prstGeom>
+          <a:solidFill>
+            <a:srgbClr val="ED7161"/>
+          </a:solidFill>
+          <a:ln>
+            <a:noFill/>
+          </a:ln>
+        </p:spPr>
+        <p:style>
+          <a:lnRef idx="2">
+            <a:schemeClr val="accent1">
+              <a:shade val="50000"/>
+            </a:schemeClr>
+          </a:lnRef>
+          <a:fillRef idx="1">
+            <a:schemeClr val="accent1"/>
+          </a:fillRef>
+          <a:effectRef idx="0">
+            <a:schemeClr val="accent1"/>
+          </a:effectRef>
+          <a:fontRef idx="minor">
+            <a:schemeClr val="lt1"/>
+          </a:fontRef>
+        </p:style>
+        <p:txBody>
+          <a:bodyPr rtlCol="0" anchor="ctr"/>
+          <a:lstStyle/>
+          <a:p>
+            <a:pPr algn="ctr"/>
+            <a:endParaRPr lang="en-US"/>
+          </a:p>
+        </p:txBody>
+      </p:sp>
+      <p:sp>
+        <p:nvSpPr>
+          <p:cNvPr id="16" name="Parallelogram 15"/>
+          <p:cNvSpPr/>
+          <p:nvPr/>
+        </p:nvSpPr>
+        <p:spPr>
+          <a:xfrm>
+            <a:off x="5334000" y="9258300"/>
+            <a:ext cx="2133600" cy="342900"/>
+          </a:xfrm>
+          <a:prstGeom prst="parallelogram">
+            <a:avLst/>
+          </a:prstGeom>
+          <a:solidFill>
+            <a:srgbClr val="ED7161"/>
+          </a:solidFill>
+          <a:ln>
+            <a:noFill/>
+          </a:ln>
+        </p:spPr>
+        <p:style>
+          <a:lnRef idx="2">
+            <a:schemeClr val="accent1">
+              <a:shade val="50000"/>
+            </a:schemeClr>
+          </a:lnRef>
+          <a:fillRef idx="1">
+            <a:schemeClr val="accent1"/>
+          </a:fillRef>
+          <a:effectRef idx="0">
+            <a:schemeClr val="accent1"/>
+          </a:effectRef>
+          <a:fontRef idx="minor">
+            <a:schemeClr val="lt1"/>
+          </a:fontRef>
+        </p:style>
+        <p:txBody>
+          <a:bodyPr rtlCol="0" anchor="ctr"/>
+          <a:lstStyle/>
+          <a:p>
+            <a:pPr algn="ctr"/>
+            <a:endParaRPr lang="en-US"/>
+          </a:p>
+        </p:txBody>
+      </p:sp>
+      <p:sp>
+        <p:nvSpPr>
+          <p:cNvPr id="21" name="Parallelogram 20"/>
+          <p:cNvSpPr/>
+          <p:nvPr/>
+        </p:nvSpPr>
+        <p:spPr>
+          <a:xfrm>
+            <a:off x="9074682" y="9258300"/>
+            <a:ext cx="2133600" cy="342900"/>
+          </a:xfrm>
+          <a:prstGeom prst="parallelogram">
+            <a:avLst/>
+          </a:prstGeom>
+          <a:solidFill>
+            <a:srgbClr val="ED7161"/>
+          </a:solidFill>
+          <a:ln>
+            <a:noFill/>
+          </a:ln>
+        </p:spPr>
+        <p:style>
+          <a:lnRef idx="2">
+            <a:schemeClr val="accent1">
+              <a:shade val="50000"/>
+            </a:schemeClr>
+          </a:lnRef>
+          <a:fillRef idx="1">
+            <a:schemeClr val="accent1"/>
+          </a:fillRef>
+          <a:effectRef idx="0">
+            <a:schemeClr val="accent1"/>
+          </a:effectRef>
+          <a:fontRef idx="minor">
+            <a:schemeClr val="lt1"/>
+          </a:fontRef>
+        </p:style>
+        <p:txBody>
+          <a:bodyPr rtlCol="0" anchor="ctr"/>
+          <a:lstStyle/>
+          <a:p>
+            <a:pPr algn="ctr"/>
+            <a:endParaRPr lang="en-US"/>
+          </a:p>
+        </p:txBody>
+      </p:sp>
+    </p:spTree>
+    <p:extLst>
+      <p:ext uri="{BB962C8B-B14F-4D97-AF65-F5344CB8AC3E}">
+        <p14:creationId xmlns:p14="http://schemas.microsoft.com/office/powerpoint/2010/main" val="1541149815"/>
+      </p:ext>
+    </p:extLst>
+  </p:cSld>
+  <p:clrMapOvr>
+    <a:masterClrMapping/>
+  </p:clrMapOvr>
+  <p:timing>
+    <p:tnLst>
+      <p:par>
+        <p:cTn id="1" dur="indefinite" restart="never" nodeType="tmRoot"/>
+      </p:par>
+    </p:tnLst>
+  </p:timing>
+</p:sld>
+</file>
+
+<file path=ppt/slides/slide12.xml><?xml version="1.0" encoding="utf-8"?>
 <p:sld xmlns:a="http://schemas.openxmlformats.org/drawingml/2006/main" xmlns:r="http://schemas.openxmlformats.org/officeDocument/2006/relationships" xmlns:p="http://schemas.openxmlformats.org/presentationml/2006/main">
   <p:cSld>
     <p:bg>
@@ -3436,6 +5025,199 @@
 </file>
 
 <file path=ppt/slides/slide2.xml><?xml version="1.0" encoding="utf-8"?>
+<p:sld xmlns:a="http://schemas.openxmlformats.org/drawingml/2006/main" xmlns:r="http://schemas.openxmlformats.org/officeDocument/2006/relationships" xmlns:p="http://schemas.openxmlformats.org/presentationml/2006/main">
+  <p:cSld>
+    <p:spTree>
+      <p:nvGrpSpPr>
+        <p:cNvPr id="1" name=""/>
+        <p:cNvGrpSpPr/>
+        <p:nvPr/>
+      </p:nvGrpSpPr>
+      <p:grpSpPr>
+        <a:xfrm>
+          <a:off x="0" y="0"/>
+          <a:ext cx="0" cy="0"/>
+          <a:chOff x="0" y="0"/>
+          <a:chExt cx="0" cy="0"/>
+        </a:xfrm>
+      </p:grpSpPr>
+      <p:grpSp>
+        <p:nvGrpSpPr>
+          <p:cNvPr id="5" name="Group 4"/>
+          <p:cNvGrpSpPr/>
+          <p:nvPr/>
+        </p:nvGrpSpPr>
+        <p:grpSpPr>
+          <a:xfrm>
+            <a:off x="2828925" y="1265015"/>
+            <a:ext cx="7143750" cy="5634096"/>
+            <a:chOff x="2828925" y="1265015"/>
+            <a:chExt cx="7143750" cy="5634096"/>
+          </a:xfrm>
+        </p:grpSpPr>
+        <p:pic>
+          <p:nvPicPr>
+            <p:cNvPr id="6" name="Picture 5"/>
+            <p:cNvPicPr>
+              <a:picLocks noChangeAspect="1"/>
+            </p:cNvPicPr>
+            <p:nvPr/>
+          </p:nvPicPr>
+          <p:blipFill>
+            <a:blip r:embed="rId2">
+              <a:extLst>
+                <a:ext uri="{28A0092B-C50C-407E-A947-70E740481C1C}">
+                  <a14:useLocalDpi xmlns:a14="http://schemas.microsoft.com/office/drawing/2010/main" val="0"/>
+                </a:ext>
+              </a:extLst>
+            </a:blip>
+            <a:stretch>
+              <a:fillRect/>
+            </a:stretch>
+          </p:blipFill>
+          <p:spPr>
+            <a:xfrm>
+              <a:off x="3799615" y="1265015"/>
+              <a:ext cx="5202371" cy="5202371"/>
+            </a:xfrm>
+            <a:prstGeom prst="rect">
+              <a:avLst/>
+            </a:prstGeom>
+          </p:spPr>
+        </p:pic>
+        <p:sp>
+          <p:nvSpPr>
+            <p:cNvPr id="7" name="TextBox 6"/>
+            <p:cNvSpPr txBox="1"/>
+            <p:nvPr/>
+          </p:nvSpPr>
+          <p:spPr>
+            <a:xfrm>
+              <a:off x="2828925" y="5698782"/>
+              <a:ext cx="7143750" cy="1200329"/>
+            </a:xfrm>
+            <a:prstGeom prst="rect">
+              <a:avLst/>
+            </a:prstGeom>
+            <a:noFill/>
+          </p:spPr>
+          <p:txBody>
+            <a:bodyPr wrap="square" rtlCol="0">
+              <a:prstTxWarp prst="textArchDown">
+                <a:avLst/>
+              </a:prstTxWarp>
+              <a:spAutoFit/>
+            </a:bodyPr>
+            <a:lstStyle/>
+            <a:p>
+              <a:pPr algn="ctr"/>
+              <a:r>
+                <a:rPr lang="en-US" sz="8800" spc="300" dirty="0" smtClean="0">
+                  <a:solidFill>
+                    <a:srgbClr val="ED7161"/>
+                  </a:solidFill>
+                  <a:latin typeface="Gill Sans MT Condensed" panose="020B0506020104020203" pitchFamily="34" charset="0"/>
+                </a:rPr>
+                <a:t>skunk-head</a:t>
+              </a:r>
+              <a:endParaRPr lang="en-US" sz="8800" spc="300" dirty="0">
+                <a:solidFill>
+                  <a:srgbClr val="ED7161"/>
+                </a:solidFill>
+                <a:latin typeface="Gill Sans MT Condensed" panose="020B0506020104020203" pitchFamily="34" charset="0"/>
+              </a:endParaRPr>
+            </a:p>
+          </p:txBody>
+        </p:sp>
+      </p:grpSp>
+    </p:spTree>
+    <p:extLst>
+      <p:ext uri="{BB962C8B-B14F-4D97-AF65-F5344CB8AC3E}">
+        <p14:creationId xmlns:p14="http://schemas.microsoft.com/office/powerpoint/2010/main" val="17130001"/>
+      </p:ext>
+    </p:extLst>
+  </p:cSld>
+  <p:clrMapOvr>
+    <a:masterClrMapping/>
+  </p:clrMapOvr>
+  <p:timing>
+    <p:tnLst>
+      <p:par>
+        <p:cTn id="1" dur="indefinite" restart="never" nodeType="tmRoot"/>
+      </p:par>
+    </p:tnLst>
+  </p:timing>
+</p:sld>
+</file>
+
+<file path=ppt/slides/slide3.xml><?xml version="1.0" encoding="utf-8"?>
+<p:sld xmlns:a="http://schemas.openxmlformats.org/drawingml/2006/main" xmlns:r="http://schemas.openxmlformats.org/officeDocument/2006/relationships" xmlns:p="http://schemas.openxmlformats.org/presentationml/2006/main">
+  <p:cSld>
+    <p:spTree>
+      <p:nvGrpSpPr>
+        <p:cNvPr id="1" name=""/>
+        <p:cNvGrpSpPr/>
+        <p:nvPr/>
+      </p:nvGrpSpPr>
+      <p:grpSpPr>
+        <a:xfrm>
+          <a:off x="0" y="0"/>
+          <a:ext cx="0" cy="0"/>
+          <a:chOff x="0" y="0"/>
+          <a:chExt cx="0" cy="0"/>
+        </a:xfrm>
+      </p:grpSpPr>
+      <p:pic>
+        <p:nvPicPr>
+          <p:cNvPr id="9" name="Picture 8"/>
+          <p:cNvPicPr>
+            <a:picLocks noChangeAspect="1"/>
+          </p:cNvPicPr>
+          <p:nvPr/>
+        </p:nvPicPr>
+        <p:blipFill>
+          <a:blip r:embed="rId2">
+            <a:extLst>
+              <a:ext uri="{28A0092B-C50C-407E-A947-70E740481C1C}">
+                <a14:useLocalDpi xmlns:a14="http://schemas.microsoft.com/office/drawing/2010/main" val="0"/>
+              </a:ext>
+            </a:extLst>
+          </a:blip>
+          <a:stretch>
+            <a:fillRect/>
+          </a:stretch>
+        </p:blipFill>
+        <p:spPr>
+          <a:xfrm>
+            <a:off x="3799614" y="2199414"/>
+            <a:ext cx="5202371" cy="5202371"/>
+          </a:xfrm>
+          <a:prstGeom prst="rect">
+            <a:avLst/>
+          </a:prstGeom>
+        </p:spPr>
+      </p:pic>
+    </p:spTree>
+    <p:extLst>
+      <p:ext uri="{BB962C8B-B14F-4D97-AF65-F5344CB8AC3E}">
+        <p14:creationId xmlns:p14="http://schemas.microsoft.com/office/powerpoint/2010/main" val="838797316"/>
+      </p:ext>
+    </p:extLst>
+  </p:cSld>
+  <p:clrMapOvr>
+    <a:masterClrMapping/>
+  </p:clrMapOvr>
+  <p:timing>
+    <p:tnLst>
+      <p:par>
+        <p:cTn id="1" dur="indefinite" restart="never" nodeType="tmRoot"/>
+      </p:par>
+    </p:tnLst>
+  </p:timing>
+</p:sld>
+</file>
+
+<file path=ppt/slides/slide4.xml><?xml version="1.0" encoding="utf-8"?>
 <p:sld xmlns:a="http://schemas.openxmlformats.org/drawingml/2006/main" xmlns:r="http://schemas.openxmlformats.org/officeDocument/2006/relationships" xmlns:p="http://schemas.openxmlformats.org/presentationml/2006/main">
   <p:cSld>
     <p:bg>
@@ -15135,7 +16917,7 @@
 </p:sld>
 </file>
 
-<file path=ppt/slides/slide3.xml><?xml version="1.0" encoding="utf-8"?>
+<file path=ppt/slides/slide5.xml><?xml version="1.0" encoding="utf-8"?>
 <p:sld xmlns:a="http://schemas.openxmlformats.org/drawingml/2006/main" xmlns:r="http://schemas.openxmlformats.org/officeDocument/2006/relationships" xmlns:p="http://schemas.openxmlformats.org/presentationml/2006/main">
   <p:cSld>
     <p:bg>
@@ -15548,7 +17330,7 @@
 </p:sld>
 </file>
 
-<file path=ppt/slides/slide4.xml><?xml version="1.0" encoding="utf-8"?>
+<file path=ppt/slides/slide6.xml><?xml version="1.0" encoding="utf-8"?>
 <p:sld xmlns:a="http://schemas.openxmlformats.org/drawingml/2006/main" xmlns:r="http://schemas.openxmlformats.org/officeDocument/2006/relationships" xmlns:p="http://schemas.openxmlformats.org/presentationml/2006/main">
   <p:cSld>
     <p:bg>
@@ -16153,7 +17935,7 @@
 </p:sld>
 </file>
 
-<file path=ppt/slides/slide5.xml><?xml version="1.0" encoding="utf-8"?>
+<file path=ppt/slides/slide7.xml><?xml version="1.0" encoding="utf-8"?>
 <p:sld xmlns:a="http://schemas.openxmlformats.org/drawingml/2006/main" xmlns:r="http://schemas.openxmlformats.org/officeDocument/2006/relationships" xmlns:p="http://schemas.openxmlformats.org/presentationml/2006/main">
   <p:cSld>
     <p:bg>
@@ -16812,7 +18594,7 @@
 </p:sld>
 </file>
 
-<file path=ppt/slides/slide6.xml><?xml version="1.0" encoding="utf-8"?>
+<file path=ppt/slides/slide8.xml><?xml version="1.0" encoding="utf-8"?>
 <p:sld xmlns:a="http://schemas.openxmlformats.org/drawingml/2006/main" xmlns:r="http://schemas.openxmlformats.org/officeDocument/2006/relationships" xmlns:p="http://schemas.openxmlformats.org/presentationml/2006/main">
   <p:cSld>
     <p:bg>
@@ -17417,7 +19199,7 @@
 </p:sld>
 </file>
 
-<file path=ppt/slides/slide7.xml><?xml version="1.0" encoding="utf-8"?>
+<file path=ppt/slides/slide9.xml><?xml version="1.0" encoding="utf-8"?>
 <p:sld xmlns:a="http://schemas.openxmlformats.org/drawingml/2006/main" xmlns:r="http://schemas.openxmlformats.org/officeDocument/2006/relationships" xmlns:p="http://schemas.openxmlformats.org/presentationml/2006/main">
   <p:cSld>
     <p:bg>
@@ -18076,1492 +19858,6 @@
 </p:sld>
 </file>
 
-<file path=ppt/slides/slide8.xml><?xml version="1.0" encoding="utf-8"?>
-<p:sld xmlns:a="http://schemas.openxmlformats.org/drawingml/2006/main" xmlns:r="http://schemas.openxmlformats.org/officeDocument/2006/relationships" xmlns:p="http://schemas.openxmlformats.org/presentationml/2006/main">
-  <p:cSld>
-    <p:bg>
-      <p:bgPr>
-        <a:solidFill>
-          <a:schemeClr val="bg1">
-            <a:lumMod val="95000"/>
-          </a:schemeClr>
-        </a:solidFill>
-        <a:effectLst/>
-      </p:bgPr>
-    </p:bg>
-    <p:spTree>
-      <p:nvGrpSpPr>
-        <p:cNvPr id="1" name=""/>
-        <p:cNvGrpSpPr/>
-        <p:nvPr/>
-      </p:nvGrpSpPr>
-      <p:grpSpPr>
-        <a:xfrm>
-          <a:off x="0" y="0"/>
-          <a:ext cx="0" cy="0"/>
-          <a:chOff x="0" y="0"/>
-          <a:chExt cx="0" cy="0"/>
-        </a:xfrm>
-      </p:grpSpPr>
-      <p:sp>
-        <p:nvSpPr>
-          <p:cNvPr id="3" name="Title 2" hidden="1"/>
-          <p:cNvSpPr>
-            <a:spLocks noGrp="1"/>
-          </p:cNvSpPr>
-          <p:nvPr>
-            <p:ph type="title"/>
-          </p:nvPr>
-        </p:nvSpPr>
-        <p:spPr/>
-        <p:txBody>
-          <a:bodyPr/>
-          <a:lstStyle/>
-          <a:p>
-            <a:r>
-              <a:rPr lang="en-US" dirty="0" smtClean="0"/>
-              <a:t>1</a:t>
-            </a:r>
-            <a:endParaRPr lang="en-US" dirty="0"/>
-          </a:p>
-        </p:txBody>
-      </p:sp>
-      <p:pic>
-        <p:nvPicPr>
-          <p:cNvPr id="4" name="Picture 3"/>
-          <p:cNvPicPr>
-            <a:picLocks noChangeAspect="1"/>
-          </p:cNvPicPr>
-          <p:nvPr/>
-        </p:nvPicPr>
-        <p:blipFill>
-          <a:blip r:embed="rId2">
-            <a:extLst>
-              <a:ext uri="{28A0092B-C50C-407E-A947-70E740481C1C}">
-                <a14:useLocalDpi xmlns:a14="http://schemas.microsoft.com/office/drawing/2010/main" val="0"/>
-              </a:ext>
-            </a:extLst>
-          </a:blip>
-          <a:stretch>
-            <a:fillRect/>
-          </a:stretch>
-        </p:blipFill>
-        <p:spPr>
-          <a:xfrm>
-            <a:off x="3799615" y="1265015"/>
-            <a:ext cx="5202371" cy="5202371"/>
-          </a:xfrm>
-          <a:prstGeom prst="rect">
-            <a:avLst/>
-          </a:prstGeom>
-        </p:spPr>
-      </p:pic>
-      <p:sp>
-        <p:nvSpPr>
-          <p:cNvPr id="5" name="TextBox 4"/>
-          <p:cNvSpPr txBox="1"/>
-          <p:nvPr/>
-        </p:nvSpPr>
-        <p:spPr>
-          <a:xfrm>
-            <a:off x="1190625" y="514350"/>
-            <a:ext cx="10420350" cy="1200329"/>
-          </a:xfrm>
-          <a:prstGeom prst="rect">
-            <a:avLst/>
-          </a:prstGeom>
-          <a:noFill/>
-        </p:spPr>
-        <p:txBody>
-          <a:bodyPr wrap="square" rtlCol="0">
-            <a:spAutoFit/>
-          </a:bodyPr>
-          <a:lstStyle/>
-          <a:p>
-            <a:pPr algn="ctr"/>
-            <a:r>
-              <a:rPr lang="en-US" sz="7200" b="1" dirty="0" smtClean="0">
-                <a:solidFill>
-                  <a:srgbClr val="ED7161"/>
-                </a:solidFill>
-                <a:effectLst>
-                  <a:outerShdw blurRad="38100" dist="38100" dir="2700000" algn="tl">
-                    <a:srgbClr val="000000">
-                      <a:alpha val="43137"/>
-                    </a:srgbClr>
-                  </a:outerShdw>
-                </a:effectLst>
-                <a:latin typeface="Bahnschrift" panose="020B0502040204020203" pitchFamily="34" charset="0"/>
-              </a:rPr>
-              <a:t>Coming Soon!!!</a:t>
-            </a:r>
-            <a:endParaRPr lang="en-US" sz="7200" b="1" dirty="0">
-              <a:solidFill>
-                <a:srgbClr val="ED7161"/>
-              </a:solidFill>
-              <a:effectLst>
-                <a:outerShdw blurRad="38100" dist="38100" dir="2700000" algn="tl">
-                  <a:srgbClr val="000000">
-                    <a:alpha val="43137"/>
-                  </a:srgbClr>
-                </a:outerShdw>
-              </a:effectLst>
-              <a:latin typeface="Bahnschrift" panose="020B0502040204020203" pitchFamily="34" charset="0"/>
-            </a:endParaRPr>
-          </a:p>
-        </p:txBody>
-      </p:sp>
-      <p:sp>
-        <p:nvSpPr>
-          <p:cNvPr id="6" name="TextBox 5"/>
-          <p:cNvSpPr txBox="1"/>
-          <p:nvPr/>
-        </p:nvSpPr>
-        <p:spPr>
-          <a:xfrm>
-            <a:off x="2828925" y="5698782"/>
-            <a:ext cx="7143750" cy="1200329"/>
-          </a:xfrm>
-          <a:prstGeom prst="rect">
-            <a:avLst/>
-          </a:prstGeom>
-          <a:noFill/>
-        </p:spPr>
-        <p:txBody>
-          <a:bodyPr wrap="square" rtlCol="0">
-            <a:prstTxWarp prst="textArchDown">
-              <a:avLst/>
-            </a:prstTxWarp>
-            <a:spAutoFit/>
-          </a:bodyPr>
-          <a:lstStyle/>
-          <a:p>
-            <a:pPr algn="ctr"/>
-            <a:r>
-              <a:rPr lang="en-US" sz="8800" spc="300" dirty="0" smtClean="0">
-                <a:solidFill>
-                  <a:srgbClr val="ED7161"/>
-                </a:solidFill>
-                <a:latin typeface="Gill Sans MT Condensed" panose="020B0506020104020203" pitchFamily="34" charset="0"/>
-              </a:rPr>
-              <a:t>skunk-head</a:t>
-            </a:r>
-            <a:endParaRPr lang="en-US" sz="8800" spc="300" dirty="0">
-              <a:solidFill>
-                <a:srgbClr val="ED7161"/>
-              </a:solidFill>
-              <a:latin typeface="Gill Sans MT Condensed" panose="020B0506020104020203" pitchFamily="34" charset="0"/>
-            </a:endParaRPr>
-          </a:p>
-        </p:txBody>
-      </p:sp>
-      <p:sp>
-        <p:nvSpPr>
-          <p:cNvPr id="7" name="TextBox 6"/>
-          <p:cNvSpPr txBox="1"/>
-          <p:nvPr/>
-        </p:nvSpPr>
-        <p:spPr>
-          <a:xfrm>
-            <a:off x="523875" y="8185725"/>
-            <a:ext cx="3409950" cy="769441"/>
-          </a:xfrm>
-          <a:prstGeom prst="rect">
-            <a:avLst/>
-          </a:prstGeom>
-          <a:noFill/>
-        </p:spPr>
-        <p:txBody>
-          <a:bodyPr wrap="square" rtlCol="0">
-            <a:spAutoFit/>
-          </a:bodyPr>
-          <a:lstStyle/>
-          <a:p>
-            <a:pPr algn="ctr"/>
-            <a:r>
-              <a:rPr lang="en-US" sz="4400" b="1" dirty="0" smtClean="0">
-                <a:solidFill>
-                  <a:srgbClr val="ED7161"/>
-                </a:solidFill>
-                <a:latin typeface="Candara" panose="020E0502030303020204" pitchFamily="34" charset="0"/>
-                <a:cs typeface="Agent Orange" panose="00000400000000000000" pitchFamily="2" charset="0"/>
-              </a:rPr>
-              <a:t>10 – 1 – 2018</a:t>
-            </a:r>
-            <a:endParaRPr lang="en-US" sz="4400" b="1" dirty="0">
-              <a:solidFill>
-                <a:srgbClr val="ED7161"/>
-              </a:solidFill>
-              <a:latin typeface="Candara" panose="020E0502030303020204" pitchFamily="34" charset="0"/>
-              <a:cs typeface="Agent Orange" panose="00000400000000000000" pitchFamily="2" charset="0"/>
-            </a:endParaRPr>
-          </a:p>
-        </p:txBody>
-      </p:sp>
-      <p:sp>
-        <p:nvSpPr>
-          <p:cNvPr id="8" name="TextBox 7"/>
-          <p:cNvSpPr txBox="1"/>
-          <p:nvPr/>
-        </p:nvSpPr>
-        <p:spPr>
-          <a:xfrm>
-            <a:off x="1771650" y="7600950"/>
-            <a:ext cx="914400" cy="584775"/>
-          </a:xfrm>
-          <a:prstGeom prst="rect">
-            <a:avLst/>
-          </a:prstGeom>
-          <a:noFill/>
-        </p:spPr>
-        <p:txBody>
-          <a:bodyPr wrap="square" rtlCol="0">
-            <a:spAutoFit/>
-          </a:bodyPr>
-          <a:lstStyle/>
-          <a:p>
-            <a:pPr algn="ctr"/>
-            <a:r>
-              <a:rPr lang="en-US" sz="3200" b="1" dirty="0" smtClean="0">
-                <a:solidFill>
-                  <a:srgbClr val="556080"/>
-                </a:solidFill>
-                <a:latin typeface="Bahnschrift" panose="020B0502040204020203" pitchFamily="34" charset="0"/>
-              </a:rPr>
-              <a:t>On</a:t>
-            </a:r>
-            <a:endParaRPr lang="en-US" sz="3200" b="1" dirty="0">
-              <a:solidFill>
-                <a:srgbClr val="556080"/>
-              </a:solidFill>
-              <a:latin typeface="Bahnschrift" panose="020B0502040204020203" pitchFamily="34" charset="0"/>
-            </a:endParaRPr>
-          </a:p>
-        </p:txBody>
-      </p:sp>
-      <p:sp>
-        <p:nvSpPr>
-          <p:cNvPr id="9" name="TextBox 8"/>
-          <p:cNvSpPr txBox="1"/>
-          <p:nvPr/>
-        </p:nvSpPr>
-        <p:spPr>
-          <a:xfrm>
-            <a:off x="9515475" y="7600950"/>
-            <a:ext cx="914400" cy="584775"/>
-          </a:xfrm>
-          <a:prstGeom prst="rect">
-            <a:avLst/>
-          </a:prstGeom>
-          <a:noFill/>
-        </p:spPr>
-        <p:txBody>
-          <a:bodyPr wrap="square" rtlCol="0">
-            <a:spAutoFit/>
-          </a:bodyPr>
-          <a:lstStyle/>
-          <a:p>
-            <a:pPr algn="ctr"/>
-            <a:r>
-              <a:rPr lang="en-US" sz="3200" b="1" dirty="0" smtClean="0">
-                <a:solidFill>
-                  <a:srgbClr val="556080"/>
-                </a:solidFill>
-                <a:latin typeface="Bahnschrift" panose="020B0502040204020203" pitchFamily="34" charset="0"/>
-              </a:rPr>
-              <a:t>By</a:t>
-            </a:r>
-            <a:endParaRPr lang="en-US" sz="3200" b="1" dirty="0">
-              <a:solidFill>
-                <a:srgbClr val="556080"/>
-              </a:solidFill>
-              <a:latin typeface="Bahnschrift" panose="020B0502040204020203" pitchFamily="34" charset="0"/>
-            </a:endParaRPr>
-          </a:p>
-        </p:txBody>
-      </p:sp>
-      <p:sp>
-        <p:nvSpPr>
-          <p:cNvPr id="13" name="TextBox 12"/>
-          <p:cNvSpPr txBox="1"/>
-          <p:nvPr/>
-        </p:nvSpPr>
-        <p:spPr>
-          <a:xfrm>
-            <a:off x="8267700" y="8185725"/>
-            <a:ext cx="3409950" cy="769441"/>
-          </a:xfrm>
-          <a:prstGeom prst="rect">
-            <a:avLst/>
-          </a:prstGeom>
-          <a:noFill/>
-        </p:spPr>
-        <p:txBody>
-          <a:bodyPr wrap="square" rtlCol="0">
-            <a:spAutoFit/>
-          </a:bodyPr>
-          <a:lstStyle/>
-          <a:p>
-            <a:pPr algn="ctr"/>
-            <a:r>
-              <a:rPr lang="en-US" sz="4400" b="1" dirty="0" err="1" smtClean="0">
-                <a:solidFill>
-                  <a:srgbClr val="ED7161"/>
-                </a:solidFill>
-                <a:latin typeface="Candara" panose="020E0502030303020204" pitchFamily="34" charset="0"/>
-                <a:cs typeface="Agent Orange" panose="00000400000000000000" pitchFamily="2" charset="0"/>
-              </a:rPr>
-              <a:t>bemBem</a:t>
-            </a:r>
-            <a:endParaRPr lang="en-US" sz="4400" b="1" dirty="0">
-              <a:solidFill>
-                <a:srgbClr val="ED7161"/>
-              </a:solidFill>
-              <a:latin typeface="Candara" panose="020E0502030303020204" pitchFamily="34" charset="0"/>
-              <a:cs typeface="Agent Orange" panose="00000400000000000000" pitchFamily="2" charset="0"/>
-            </a:endParaRPr>
-          </a:p>
-        </p:txBody>
-      </p:sp>
-      <p:sp>
-        <p:nvSpPr>
-          <p:cNvPr id="2" name="Rectangle 1"/>
-          <p:cNvSpPr/>
-          <p:nvPr/>
-        </p:nvSpPr>
-        <p:spPr>
-          <a:xfrm>
-            <a:off x="0" y="9258300"/>
-            <a:ext cx="12801600" cy="342900"/>
-          </a:xfrm>
-          <a:prstGeom prst="rect">
-            <a:avLst/>
-          </a:prstGeom>
-          <a:solidFill>
-            <a:srgbClr val="ED7161"/>
-          </a:solidFill>
-          <a:ln>
-            <a:noFill/>
-          </a:ln>
-        </p:spPr>
-        <p:style>
-          <a:lnRef idx="2">
-            <a:schemeClr val="accent1">
-              <a:shade val="50000"/>
-            </a:schemeClr>
-          </a:lnRef>
-          <a:fillRef idx="1">
-            <a:schemeClr val="accent1"/>
-          </a:fillRef>
-          <a:effectRef idx="0">
-            <a:schemeClr val="accent1"/>
-          </a:effectRef>
-          <a:fontRef idx="minor">
-            <a:schemeClr val="lt1"/>
-          </a:fontRef>
-        </p:style>
-        <p:txBody>
-          <a:bodyPr rtlCol="0" anchor="ctr"/>
-          <a:lstStyle/>
-          <a:p>
-            <a:pPr algn="ctr"/>
-            <a:endParaRPr lang="en-US"/>
-          </a:p>
-        </p:txBody>
-      </p:sp>
-      <p:sp>
-        <p:nvSpPr>
-          <p:cNvPr id="17" name="5-Point Star 16"/>
-          <p:cNvSpPr>
-            <a:spLocks noChangeAspect="1"/>
-          </p:cNvSpPr>
-          <p:nvPr/>
-        </p:nvSpPr>
-        <p:spPr>
-          <a:xfrm>
-            <a:off x="2522958" y="1051560"/>
-            <a:ext cx="274320" cy="274320"/>
-          </a:xfrm>
-          <a:prstGeom prst="star5">
-            <a:avLst/>
-          </a:prstGeom>
-          <a:solidFill>
-            <a:srgbClr val="556080"/>
-          </a:solidFill>
-          <a:ln>
-            <a:noFill/>
-          </a:ln>
-        </p:spPr>
-        <p:style>
-          <a:lnRef idx="2">
-            <a:schemeClr val="accent1">
-              <a:shade val="50000"/>
-            </a:schemeClr>
-          </a:lnRef>
-          <a:fillRef idx="1">
-            <a:schemeClr val="accent1"/>
-          </a:fillRef>
-          <a:effectRef idx="0">
-            <a:schemeClr val="accent1"/>
-          </a:effectRef>
-          <a:fontRef idx="minor">
-            <a:schemeClr val="lt1"/>
-          </a:fontRef>
-        </p:style>
-        <p:txBody>
-          <a:bodyPr rtlCol="0" anchor="ctr"/>
-          <a:lstStyle/>
-          <a:p>
-            <a:pPr algn="ctr"/>
-            <a:endParaRPr lang="en-US"/>
-          </a:p>
-        </p:txBody>
-      </p:sp>
-      <p:sp>
-        <p:nvSpPr>
-          <p:cNvPr id="18" name="5-Point Star 17"/>
-          <p:cNvSpPr>
-            <a:spLocks noChangeAspect="1"/>
-          </p:cNvSpPr>
-          <p:nvPr/>
-        </p:nvSpPr>
-        <p:spPr>
-          <a:xfrm>
-            <a:off x="3039950" y="1051560"/>
-            <a:ext cx="274320" cy="274320"/>
-          </a:xfrm>
-          <a:prstGeom prst="star5">
-            <a:avLst/>
-          </a:prstGeom>
-          <a:solidFill>
-            <a:srgbClr val="556080"/>
-          </a:solidFill>
-          <a:ln>
-            <a:noFill/>
-          </a:ln>
-        </p:spPr>
-        <p:style>
-          <a:lnRef idx="2">
-            <a:schemeClr val="accent1">
-              <a:shade val="50000"/>
-            </a:schemeClr>
-          </a:lnRef>
-          <a:fillRef idx="1">
-            <a:schemeClr val="accent1"/>
-          </a:fillRef>
-          <a:effectRef idx="0">
-            <a:schemeClr val="accent1"/>
-          </a:effectRef>
-          <a:fontRef idx="minor">
-            <a:schemeClr val="lt1"/>
-          </a:fontRef>
-        </p:style>
-        <p:txBody>
-          <a:bodyPr rtlCol="0" anchor="ctr"/>
-          <a:lstStyle/>
-          <a:p>
-            <a:pPr algn="ctr"/>
-            <a:endParaRPr lang="en-US"/>
-          </a:p>
-        </p:txBody>
-      </p:sp>
-      <p:sp>
-        <p:nvSpPr>
-          <p:cNvPr id="19" name="5-Point Star 18"/>
-          <p:cNvSpPr>
-            <a:spLocks noChangeAspect="1"/>
-          </p:cNvSpPr>
-          <p:nvPr/>
-        </p:nvSpPr>
-        <p:spPr>
-          <a:xfrm>
-            <a:off x="9455683" y="1051560"/>
-            <a:ext cx="274320" cy="274320"/>
-          </a:xfrm>
-          <a:prstGeom prst="star5">
-            <a:avLst/>
-          </a:prstGeom>
-          <a:solidFill>
-            <a:srgbClr val="556080"/>
-          </a:solidFill>
-          <a:ln>
-            <a:noFill/>
-          </a:ln>
-        </p:spPr>
-        <p:style>
-          <a:lnRef idx="2">
-            <a:schemeClr val="accent1">
-              <a:shade val="50000"/>
-            </a:schemeClr>
-          </a:lnRef>
-          <a:fillRef idx="1">
-            <a:schemeClr val="accent1"/>
-          </a:fillRef>
-          <a:effectRef idx="0">
-            <a:schemeClr val="accent1"/>
-          </a:effectRef>
-          <a:fontRef idx="minor">
-            <a:schemeClr val="lt1"/>
-          </a:fontRef>
-        </p:style>
-        <p:txBody>
-          <a:bodyPr rtlCol="0" anchor="ctr"/>
-          <a:lstStyle/>
-          <a:p>
-            <a:pPr algn="ctr"/>
-            <a:endParaRPr lang="en-US"/>
-          </a:p>
-        </p:txBody>
-      </p:sp>
-      <p:sp>
-        <p:nvSpPr>
-          <p:cNvPr id="20" name="5-Point Star 19"/>
-          <p:cNvSpPr>
-            <a:spLocks noChangeAspect="1"/>
-          </p:cNvSpPr>
-          <p:nvPr/>
-        </p:nvSpPr>
-        <p:spPr>
-          <a:xfrm>
-            <a:off x="9972675" y="1051560"/>
-            <a:ext cx="274320" cy="274320"/>
-          </a:xfrm>
-          <a:prstGeom prst="star5">
-            <a:avLst/>
-          </a:prstGeom>
-          <a:solidFill>
-            <a:srgbClr val="556080"/>
-          </a:solidFill>
-          <a:ln>
-            <a:noFill/>
-          </a:ln>
-        </p:spPr>
-        <p:style>
-          <a:lnRef idx="2">
-            <a:schemeClr val="accent1">
-              <a:shade val="50000"/>
-            </a:schemeClr>
-          </a:lnRef>
-          <a:fillRef idx="1">
-            <a:schemeClr val="accent1"/>
-          </a:fillRef>
-          <a:effectRef idx="0">
-            <a:schemeClr val="accent1"/>
-          </a:effectRef>
-          <a:fontRef idx="minor">
-            <a:schemeClr val="lt1"/>
-          </a:fontRef>
-        </p:style>
-        <p:txBody>
-          <a:bodyPr rtlCol="0" anchor="ctr"/>
-          <a:lstStyle/>
-          <a:p>
-            <a:pPr algn="ctr"/>
-            <a:endParaRPr lang="en-US"/>
-          </a:p>
-        </p:txBody>
-      </p:sp>
-      <p:sp>
-        <p:nvSpPr>
-          <p:cNvPr id="10" name="Parallelogram 9"/>
-          <p:cNvSpPr/>
-          <p:nvPr/>
-        </p:nvSpPr>
-        <p:spPr>
-          <a:xfrm>
-            <a:off x="1593318" y="9258300"/>
-            <a:ext cx="2133600" cy="342900"/>
-          </a:xfrm>
-          <a:prstGeom prst="parallelogram">
-            <a:avLst/>
-          </a:prstGeom>
-          <a:solidFill>
-            <a:srgbClr val="556080"/>
-          </a:solidFill>
-          <a:ln>
-            <a:noFill/>
-          </a:ln>
-        </p:spPr>
-        <p:style>
-          <a:lnRef idx="2">
-            <a:schemeClr val="accent1">
-              <a:shade val="50000"/>
-            </a:schemeClr>
-          </a:lnRef>
-          <a:fillRef idx="1">
-            <a:schemeClr val="accent1"/>
-          </a:fillRef>
-          <a:effectRef idx="0">
-            <a:schemeClr val="accent1"/>
-          </a:effectRef>
-          <a:fontRef idx="minor">
-            <a:schemeClr val="lt1"/>
-          </a:fontRef>
-        </p:style>
-        <p:txBody>
-          <a:bodyPr rtlCol="0" anchor="ctr"/>
-          <a:lstStyle/>
-          <a:p>
-            <a:pPr algn="ctr"/>
-            <a:endParaRPr lang="en-US"/>
-          </a:p>
-        </p:txBody>
-      </p:sp>
-      <p:sp>
-        <p:nvSpPr>
-          <p:cNvPr id="16" name="Parallelogram 15"/>
-          <p:cNvSpPr/>
-          <p:nvPr/>
-        </p:nvSpPr>
-        <p:spPr>
-          <a:xfrm>
-            <a:off x="5334000" y="9258300"/>
-            <a:ext cx="2133600" cy="342900"/>
-          </a:xfrm>
-          <a:prstGeom prst="parallelogram">
-            <a:avLst/>
-          </a:prstGeom>
-          <a:solidFill>
-            <a:srgbClr val="556080"/>
-          </a:solidFill>
-          <a:ln>
-            <a:noFill/>
-          </a:ln>
-        </p:spPr>
-        <p:style>
-          <a:lnRef idx="2">
-            <a:schemeClr val="accent1">
-              <a:shade val="50000"/>
-            </a:schemeClr>
-          </a:lnRef>
-          <a:fillRef idx="1">
-            <a:schemeClr val="accent1"/>
-          </a:fillRef>
-          <a:effectRef idx="0">
-            <a:schemeClr val="accent1"/>
-          </a:effectRef>
-          <a:fontRef idx="minor">
-            <a:schemeClr val="lt1"/>
-          </a:fontRef>
-        </p:style>
-        <p:txBody>
-          <a:bodyPr rtlCol="0" anchor="ctr"/>
-          <a:lstStyle/>
-          <a:p>
-            <a:pPr algn="ctr"/>
-            <a:endParaRPr lang="en-US"/>
-          </a:p>
-        </p:txBody>
-      </p:sp>
-      <p:sp>
-        <p:nvSpPr>
-          <p:cNvPr id="21" name="Parallelogram 20"/>
-          <p:cNvSpPr/>
-          <p:nvPr/>
-        </p:nvSpPr>
-        <p:spPr>
-          <a:xfrm>
-            <a:off x="9074682" y="9258300"/>
-            <a:ext cx="2133600" cy="342900"/>
-          </a:xfrm>
-          <a:prstGeom prst="parallelogram">
-            <a:avLst/>
-          </a:prstGeom>
-          <a:solidFill>
-            <a:srgbClr val="556080"/>
-          </a:solidFill>
-          <a:ln>
-            <a:noFill/>
-          </a:ln>
-        </p:spPr>
-        <p:style>
-          <a:lnRef idx="2">
-            <a:schemeClr val="accent1">
-              <a:shade val="50000"/>
-            </a:schemeClr>
-          </a:lnRef>
-          <a:fillRef idx="1">
-            <a:schemeClr val="accent1"/>
-          </a:fillRef>
-          <a:effectRef idx="0">
-            <a:schemeClr val="accent1"/>
-          </a:effectRef>
-          <a:fontRef idx="minor">
-            <a:schemeClr val="lt1"/>
-          </a:fontRef>
-        </p:style>
-        <p:txBody>
-          <a:bodyPr rtlCol="0" anchor="ctr"/>
-          <a:lstStyle/>
-          <a:p>
-            <a:pPr algn="ctr"/>
-            <a:endParaRPr lang="en-US"/>
-          </a:p>
-        </p:txBody>
-      </p:sp>
-    </p:spTree>
-    <p:extLst>
-      <p:ext uri="{BB962C8B-B14F-4D97-AF65-F5344CB8AC3E}">
-        <p14:creationId xmlns:p14="http://schemas.microsoft.com/office/powerpoint/2010/main" val="3080859920"/>
-      </p:ext>
-    </p:extLst>
-  </p:cSld>
-  <p:clrMapOvr>
-    <a:masterClrMapping/>
-  </p:clrMapOvr>
-  <p:timing>
-    <p:tnLst>
-      <p:par>
-        <p:cTn id="1" dur="indefinite" restart="never" nodeType="tmRoot"/>
-      </p:par>
-    </p:tnLst>
-  </p:timing>
-</p:sld>
-</file>
-
-<file path=ppt/slides/slide9.xml><?xml version="1.0" encoding="utf-8"?>
-<p:sld xmlns:a="http://schemas.openxmlformats.org/drawingml/2006/main" xmlns:r="http://schemas.openxmlformats.org/officeDocument/2006/relationships" xmlns:p="http://schemas.openxmlformats.org/presentationml/2006/main">
-  <p:cSld>
-    <p:bg>
-      <p:bgPr>
-        <a:solidFill>
-          <a:schemeClr val="bg1">
-            <a:lumMod val="95000"/>
-          </a:schemeClr>
-        </a:solidFill>
-        <a:effectLst/>
-      </p:bgPr>
-    </p:bg>
-    <p:spTree>
-      <p:nvGrpSpPr>
-        <p:cNvPr id="1" name=""/>
-        <p:cNvGrpSpPr/>
-        <p:nvPr/>
-      </p:nvGrpSpPr>
-      <p:grpSpPr>
-        <a:xfrm>
-          <a:off x="0" y="0"/>
-          <a:ext cx="0" cy="0"/>
-          <a:chOff x="0" y="0"/>
-          <a:chExt cx="0" cy="0"/>
-        </a:xfrm>
-      </p:grpSpPr>
-      <p:sp>
-        <p:nvSpPr>
-          <p:cNvPr id="3" name="Title 2" hidden="1"/>
-          <p:cNvSpPr>
-            <a:spLocks noGrp="1"/>
-          </p:cNvSpPr>
-          <p:nvPr>
-            <p:ph type="title"/>
-          </p:nvPr>
-        </p:nvSpPr>
-        <p:spPr/>
-        <p:txBody>
-          <a:bodyPr/>
-          <a:lstStyle/>
-          <a:p>
-            <a:r>
-              <a:rPr lang="en-US" dirty="0" smtClean="0"/>
-              <a:t>1</a:t>
-            </a:r>
-            <a:endParaRPr lang="en-US" dirty="0"/>
-          </a:p>
-        </p:txBody>
-      </p:sp>
-      <p:pic>
-        <p:nvPicPr>
-          <p:cNvPr id="4" name="Picture 3"/>
-          <p:cNvPicPr>
-            <a:picLocks noChangeAspect="1"/>
-          </p:cNvPicPr>
-          <p:nvPr/>
-        </p:nvPicPr>
-        <p:blipFill>
-          <a:blip r:embed="rId2">
-            <a:extLst>
-              <a:ext uri="{28A0092B-C50C-407E-A947-70E740481C1C}">
-                <a14:useLocalDpi xmlns:a14="http://schemas.microsoft.com/office/drawing/2010/main" val="0"/>
-              </a:ext>
-            </a:extLst>
-          </a:blip>
-          <a:stretch>
-            <a:fillRect/>
-          </a:stretch>
-        </p:blipFill>
-        <p:spPr>
-          <a:xfrm>
-            <a:off x="3799615" y="1265015"/>
-            <a:ext cx="5202371" cy="5202371"/>
-          </a:xfrm>
-          <a:prstGeom prst="rect">
-            <a:avLst/>
-          </a:prstGeom>
-        </p:spPr>
-      </p:pic>
-      <p:sp>
-        <p:nvSpPr>
-          <p:cNvPr id="5" name="TextBox 4"/>
-          <p:cNvSpPr txBox="1"/>
-          <p:nvPr/>
-        </p:nvSpPr>
-        <p:spPr>
-          <a:xfrm>
-            <a:off x="1190625" y="514350"/>
-            <a:ext cx="10420350" cy="1200329"/>
-          </a:xfrm>
-          <a:prstGeom prst="rect">
-            <a:avLst/>
-          </a:prstGeom>
-          <a:noFill/>
-        </p:spPr>
-        <p:txBody>
-          <a:bodyPr wrap="square" rtlCol="0">
-            <a:spAutoFit/>
-          </a:bodyPr>
-          <a:lstStyle/>
-          <a:p>
-            <a:pPr algn="ctr"/>
-            <a:r>
-              <a:rPr lang="en-US" sz="7200" b="1" dirty="0" smtClean="0">
-                <a:solidFill>
-                  <a:srgbClr val="ED7161"/>
-                </a:solidFill>
-                <a:effectLst>
-                  <a:outerShdw blurRad="38100" dist="38100" dir="2700000" algn="tl">
-                    <a:srgbClr val="000000">
-                      <a:alpha val="43137"/>
-                    </a:srgbClr>
-                  </a:outerShdw>
-                </a:effectLst>
-                <a:latin typeface="Bahnschrift" panose="020B0502040204020203" pitchFamily="34" charset="0"/>
-              </a:rPr>
-              <a:t>Coming Soon!!!</a:t>
-            </a:r>
-            <a:endParaRPr lang="en-US" sz="7200" b="1" dirty="0">
-              <a:solidFill>
-                <a:srgbClr val="ED7161"/>
-              </a:solidFill>
-              <a:effectLst>
-                <a:outerShdw blurRad="38100" dist="38100" dir="2700000" algn="tl">
-                  <a:srgbClr val="000000">
-                    <a:alpha val="43137"/>
-                  </a:srgbClr>
-                </a:outerShdw>
-              </a:effectLst>
-              <a:latin typeface="Bahnschrift" panose="020B0502040204020203" pitchFamily="34" charset="0"/>
-            </a:endParaRPr>
-          </a:p>
-        </p:txBody>
-      </p:sp>
-      <p:sp>
-        <p:nvSpPr>
-          <p:cNvPr id="6" name="TextBox 5"/>
-          <p:cNvSpPr txBox="1"/>
-          <p:nvPr/>
-        </p:nvSpPr>
-        <p:spPr>
-          <a:xfrm>
-            <a:off x="2828925" y="5698782"/>
-            <a:ext cx="7143750" cy="1200329"/>
-          </a:xfrm>
-          <a:prstGeom prst="rect">
-            <a:avLst/>
-          </a:prstGeom>
-          <a:noFill/>
-        </p:spPr>
-        <p:txBody>
-          <a:bodyPr wrap="square" rtlCol="0">
-            <a:prstTxWarp prst="textArchDown">
-              <a:avLst/>
-            </a:prstTxWarp>
-            <a:spAutoFit/>
-          </a:bodyPr>
-          <a:lstStyle/>
-          <a:p>
-            <a:pPr algn="ctr"/>
-            <a:r>
-              <a:rPr lang="en-US" sz="8800" spc="300" dirty="0" smtClean="0">
-                <a:solidFill>
-                  <a:srgbClr val="ED7161"/>
-                </a:solidFill>
-                <a:latin typeface="Gill Sans MT Condensed" panose="020B0506020104020203" pitchFamily="34" charset="0"/>
-              </a:rPr>
-              <a:t>skunk-head</a:t>
-            </a:r>
-            <a:endParaRPr lang="en-US" sz="8800" spc="300" dirty="0">
-              <a:solidFill>
-                <a:srgbClr val="ED7161"/>
-              </a:solidFill>
-              <a:latin typeface="Gill Sans MT Condensed" panose="020B0506020104020203" pitchFamily="34" charset="0"/>
-            </a:endParaRPr>
-          </a:p>
-        </p:txBody>
-      </p:sp>
-      <p:sp>
-        <p:nvSpPr>
-          <p:cNvPr id="7" name="TextBox 6"/>
-          <p:cNvSpPr txBox="1"/>
-          <p:nvPr/>
-        </p:nvSpPr>
-        <p:spPr>
-          <a:xfrm>
-            <a:off x="523875" y="8185725"/>
-            <a:ext cx="3409950" cy="769441"/>
-          </a:xfrm>
-          <a:prstGeom prst="rect">
-            <a:avLst/>
-          </a:prstGeom>
-          <a:noFill/>
-        </p:spPr>
-        <p:txBody>
-          <a:bodyPr wrap="square" rtlCol="0">
-            <a:spAutoFit/>
-          </a:bodyPr>
-          <a:lstStyle/>
-          <a:p>
-            <a:pPr algn="ctr"/>
-            <a:r>
-              <a:rPr lang="en-US" sz="4400" b="1" dirty="0" smtClean="0">
-                <a:solidFill>
-                  <a:srgbClr val="ED7161"/>
-                </a:solidFill>
-                <a:latin typeface="Candara" panose="020E0502030303020204" pitchFamily="34" charset="0"/>
-                <a:cs typeface="Agent Orange" panose="00000400000000000000" pitchFamily="2" charset="0"/>
-              </a:rPr>
-              <a:t>10 – 1 – 2018</a:t>
-            </a:r>
-            <a:endParaRPr lang="en-US" sz="4400" b="1" dirty="0">
-              <a:solidFill>
-                <a:srgbClr val="ED7161"/>
-              </a:solidFill>
-              <a:latin typeface="Candara" panose="020E0502030303020204" pitchFamily="34" charset="0"/>
-              <a:cs typeface="Agent Orange" panose="00000400000000000000" pitchFamily="2" charset="0"/>
-            </a:endParaRPr>
-          </a:p>
-        </p:txBody>
-      </p:sp>
-      <p:sp>
-        <p:nvSpPr>
-          <p:cNvPr id="8" name="TextBox 7"/>
-          <p:cNvSpPr txBox="1"/>
-          <p:nvPr/>
-        </p:nvSpPr>
-        <p:spPr>
-          <a:xfrm>
-            <a:off x="1771650" y="7600950"/>
-            <a:ext cx="914400" cy="584775"/>
-          </a:xfrm>
-          <a:prstGeom prst="rect">
-            <a:avLst/>
-          </a:prstGeom>
-          <a:noFill/>
-        </p:spPr>
-        <p:txBody>
-          <a:bodyPr wrap="square" rtlCol="0">
-            <a:spAutoFit/>
-          </a:bodyPr>
-          <a:lstStyle/>
-          <a:p>
-            <a:pPr algn="ctr"/>
-            <a:r>
-              <a:rPr lang="en-US" sz="3200" b="1" dirty="0" smtClean="0">
-                <a:solidFill>
-                  <a:srgbClr val="556080"/>
-                </a:solidFill>
-                <a:latin typeface="Bahnschrift" panose="020B0502040204020203" pitchFamily="34" charset="0"/>
-              </a:rPr>
-              <a:t>On</a:t>
-            </a:r>
-            <a:endParaRPr lang="en-US" sz="3200" b="1" dirty="0">
-              <a:solidFill>
-                <a:srgbClr val="556080"/>
-              </a:solidFill>
-              <a:latin typeface="Bahnschrift" panose="020B0502040204020203" pitchFamily="34" charset="0"/>
-            </a:endParaRPr>
-          </a:p>
-        </p:txBody>
-      </p:sp>
-      <p:sp>
-        <p:nvSpPr>
-          <p:cNvPr id="9" name="TextBox 8"/>
-          <p:cNvSpPr txBox="1"/>
-          <p:nvPr/>
-        </p:nvSpPr>
-        <p:spPr>
-          <a:xfrm>
-            <a:off x="9515475" y="7600950"/>
-            <a:ext cx="914400" cy="584775"/>
-          </a:xfrm>
-          <a:prstGeom prst="rect">
-            <a:avLst/>
-          </a:prstGeom>
-          <a:noFill/>
-        </p:spPr>
-        <p:txBody>
-          <a:bodyPr wrap="square" rtlCol="0">
-            <a:spAutoFit/>
-          </a:bodyPr>
-          <a:lstStyle/>
-          <a:p>
-            <a:pPr algn="ctr"/>
-            <a:r>
-              <a:rPr lang="en-US" sz="3200" b="1" dirty="0" smtClean="0">
-                <a:solidFill>
-                  <a:srgbClr val="556080"/>
-                </a:solidFill>
-                <a:latin typeface="Bahnschrift" panose="020B0502040204020203" pitchFamily="34" charset="0"/>
-              </a:rPr>
-              <a:t>By</a:t>
-            </a:r>
-            <a:endParaRPr lang="en-US" sz="3200" b="1" dirty="0">
-              <a:solidFill>
-                <a:srgbClr val="556080"/>
-              </a:solidFill>
-              <a:latin typeface="Bahnschrift" panose="020B0502040204020203" pitchFamily="34" charset="0"/>
-            </a:endParaRPr>
-          </a:p>
-        </p:txBody>
-      </p:sp>
-      <p:sp>
-        <p:nvSpPr>
-          <p:cNvPr id="13" name="TextBox 12"/>
-          <p:cNvSpPr txBox="1"/>
-          <p:nvPr/>
-        </p:nvSpPr>
-        <p:spPr>
-          <a:xfrm>
-            <a:off x="8267700" y="8185725"/>
-            <a:ext cx="3409950" cy="769441"/>
-          </a:xfrm>
-          <a:prstGeom prst="rect">
-            <a:avLst/>
-          </a:prstGeom>
-          <a:noFill/>
-        </p:spPr>
-        <p:txBody>
-          <a:bodyPr wrap="square" rtlCol="0">
-            <a:spAutoFit/>
-          </a:bodyPr>
-          <a:lstStyle/>
-          <a:p>
-            <a:pPr algn="ctr"/>
-            <a:r>
-              <a:rPr lang="en-US" sz="4400" b="1" dirty="0" err="1" smtClean="0">
-                <a:solidFill>
-                  <a:srgbClr val="ED7161"/>
-                </a:solidFill>
-                <a:latin typeface="Candara" panose="020E0502030303020204" pitchFamily="34" charset="0"/>
-                <a:cs typeface="Agent Orange" panose="00000400000000000000" pitchFamily="2" charset="0"/>
-              </a:rPr>
-              <a:t>bemBem</a:t>
-            </a:r>
-            <a:endParaRPr lang="en-US" sz="4400" b="1" dirty="0">
-              <a:solidFill>
-                <a:srgbClr val="ED7161"/>
-              </a:solidFill>
-              <a:latin typeface="Candara" panose="020E0502030303020204" pitchFamily="34" charset="0"/>
-              <a:cs typeface="Agent Orange" panose="00000400000000000000" pitchFamily="2" charset="0"/>
-            </a:endParaRPr>
-          </a:p>
-        </p:txBody>
-      </p:sp>
-      <p:sp>
-        <p:nvSpPr>
-          <p:cNvPr id="2" name="Rectangle 1"/>
-          <p:cNvSpPr/>
-          <p:nvPr/>
-        </p:nvSpPr>
-        <p:spPr>
-          <a:xfrm>
-            <a:off x="0" y="9258300"/>
-            <a:ext cx="12801600" cy="342900"/>
-          </a:xfrm>
-          <a:prstGeom prst="rect">
-            <a:avLst/>
-          </a:prstGeom>
-          <a:solidFill>
-            <a:srgbClr val="556080"/>
-          </a:solidFill>
-          <a:ln>
-            <a:noFill/>
-          </a:ln>
-        </p:spPr>
-        <p:style>
-          <a:lnRef idx="2">
-            <a:schemeClr val="accent1">
-              <a:shade val="50000"/>
-            </a:schemeClr>
-          </a:lnRef>
-          <a:fillRef idx="1">
-            <a:schemeClr val="accent1"/>
-          </a:fillRef>
-          <a:effectRef idx="0">
-            <a:schemeClr val="accent1"/>
-          </a:effectRef>
-          <a:fontRef idx="minor">
-            <a:schemeClr val="lt1"/>
-          </a:fontRef>
-        </p:style>
-        <p:txBody>
-          <a:bodyPr rtlCol="0" anchor="ctr"/>
-          <a:lstStyle/>
-          <a:p>
-            <a:pPr algn="ctr"/>
-            <a:endParaRPr lang="en-US"/>
-          </a:p>
-        </p:txBody>
-      </p:sp>
-      <p:sp>
-        <p:nvSpPr>
-          <p:cNvPr id="17" name="5-Point Star 16"/>
-          <p:cNvSpPr>
-            <a:spLocks noChangeAspect="1"/>
-          </p:cNvSpPr>
-          <p:nvPr/>
-        </p:nvSpPr>
-        <p:spPr>
-          <a:xfrm>
-            <a:off x="2522958" y="1051560"/>
-            <a:ext cx="274320" cy="274320"/>
-          </a:xfrm>
-          <a:prstGeom prst="star5">
-            <a:avLst/>
-          </a:prstGeom>
-          <a:solidFill>
-            <a:srgbClr val="556080"/>
-          </a:solidFill>
-          <a:ln>
-            <a:noFill/>
-          </a:ln>
-        </p:spPr>
-        <p:style>
-          <a:lnRef idx="2">
-            <a:schemeClr val="accent1">
-              <a:shade val="50000"/>
-            </a:schemeClr>
-          </a:lnRef>
-          <a:fillRef idx="1">
-            <a:schemeClr val="accent1"/>
-          </a:fillRef>
-          <a:effectRef idx="0">
-            <a:schemeClr val="accent1"/>
-          </a:effectRef>
-          <a:fontRef idx="minor">
-            <a:schemeClr val="lt1"/>
-          </a:fontRef>
-        </p:style>
-        <p:txBody>
-          <a:bodyPr rtlCol="0" anchor="ctr"/>
-          <a:lstStyle/>
-          <a:p>
-            <a:pPr algn="ctr"/>
-            <a:endParaRPr lang="en-US"/>
-          </a:p>
-        </p:txBody>
-      </p:sp>
-      <p:sp>
-        <p:nvSpPr>
-          <p:cNvPr id="18" name="5-Point Star 17"/>
-          <p:cNvSpPr>
-            <a:spLocks noChangeAspect="1"/>
-          </p:cNvSpPr>
-          <p:nvPr/>
-        </p:nvSpPr>
-        <p:spPr>
-          <a:xfrm>
-            <a:off x="3039950" y="1051560"/>
-            <a:ext cx="274320" cy="274320"/>
-          </a:xfrm>
-          <a:prstGeom prst="star5">
-            <a:avLst/>
-          </a:prstGeom>
-          <a:solidFill>
-            <a:srgbClr val="556080"/>
-          </a:solidFill>
-          <a:ln>
-            <a:noFill/>
-          </a:ln>
-        </p:spPr>
-        <p:style>
-          <a:lnRef idx="2">
-            <a:schemeClr val="accent1">
-              <a:shade val="50000"/>
-            </a:schemeClr>
-          </a:lnRef>
-          <a:fillRef idx="1">
-            <a:schemeClr val="accent1"/>
-          </a:fillRef>
-          <a:effectRef idx="0">
-            <a:schemeClr val="accent1"/>
-          </a:effectRef>
-          <a:fontRef idx="minor">
-            <a:schemeClr val="lt1"/>
-          </a:fontRef>
-        </p:style>
-        <p:txBody>
-          <a:bodyPr rtlCol="0" anchor="ctr"/>
-          <a:lstStyle/>
-          <a:p>
-            <a:pPr algn="ctr"/>
-            <a:endParaRPr lang="en-US"/>
-          </a:p>
-        </p:txBody>
-      </p:sp>
-      <p:sp>
-        <p:nvSpPr>
-          <p:cNvPr id="19" name="5-Point Star 18"/>
-          <p:cNvSpPr>
-            <a:spLocks noChangeAspect="1"/>
-          </p:cNvSpPr>
-          <p:nvPr/>
-        </p:nvSpPr>
-        <p:spPr>
-          <a:xfrm>
-            <a:off x="9455683" y="1051560"/>
-            <a:ext cx="274320" cy="274320"/>
-          </a:xfrm>
-          <a:prstGeom prst="star5">
-            <a:avLst/>
-          </a:prstGeom>
-          <a:solidFill>
-            <a:srgbClr val="556080"/>
-          </a:solidFill>
-          <a:ln>
-            <a:noFill/>
-          </a:ln>
-        </p:spPr>
-        <p:style>
-          <a:lnRef idx="2">
-            <a:schemeClr val="accent1">
-              <a:shade val="50000"/>
-            </a:schemeClr>
-          </a:lnRef>
-          <a:fillRef idx="1">
-            <a:schemeClr val="accent1"/>
-          </a:fillRef>
-          <a:effectRef idx="0">
-            <a:schemeClr val="accent1"/>
-          </a:effectRef>
-          <a:fontRef idx="minor">
-            <a:schemeClr val="lt1"/>
-          </a:fontRef>
-        </p:style>
-        <p:txBody>
-          <a:bodyPr rtlCol="0" anchor="ctr"/>
-          <a:lstStyle/>
-          <a:p>
-            <a:pPr algn="ctr"/>
-            <a:endParaRPr lang="en-US"/>
-          </a:p>
-        </p:txBody>
-      </p:sp>
-      <p:sp>
-        <p:nvSpPr>
-          <p:cNvPr id="20" name="5-Point Star 19"/>
-          <p:cNvSpPr>
-            <a:spLocks noChangeAspect="1"/>
-          </p:cNvSpPr>
-          <p:nvPr/>
-        </p:nvSpPr>
-        <p:spPr>
-          <a:xfrm>
-            <a:off x="9972675" y="1051560"/>
-            <a:ext cx="274320" cy="274320"/>
-          </a:xfrm>
-          <a:prstGeom prst="star5">
-            <a:avLst/>
-          </a:prstGeom>
-          <a:solidFill>
-            <a:srgbClr val="556080"/>
-          </a:solidFill>
-          <a:ln>
-            <a:noFill/>
-          </a:ln>
-        </p:spPr>
-        <p:style>
-          <a:lnRef idx="2">
-            <a:schemeClr val="accent1">
-              <a:shade val="50000"/>
-            </a:schemeClr>
-          </a:lnRef>
-          <a:fillRef idx="1">
-            <a:schemeClr val="accent1"/>
-          </a:fillRef>
-          <a:effectRef idx="0">
-            <a:schemeClr val="accent1"/>
-          </a:effectRef>
-          <a:fontRef idx="minor">
-            <a:schemeClr val="lt1"/>
-          </a:fontRef>
-        </p:style>
-        <p:txBody>
-          <a:bodyPr rtlCol="0" anchor="ctr"/>
-          <a:lstStyle/>
-          <a:p>
-            <a:pPr algn="ctr"/>
-            <a:endParaRPr lang="en-US"/>
-          </a:p>
-        </p:txBody>
-      </p:sp>
-      <p:sp>
-        <p:nvSpPr>
-          <p:cNvPr id="15" name="Parallelogram 14"/>
-          <p:cNvSpPr/>
-          <p:nvPr/>
-        </p:nvSpPr>
-        <p:spPr>
-          <a:xfrm>
-            <a:off x="1593318" y="9258300"/>
-            <a:ext cx="2133600" cy="342900"/>
-          </a:xfrm>
-          <a:prstGeom prst="parallelogram">
-            <a:avLst/>
-          </a:prstGeom>
-          <a:solidFill>
-            <a:srgbClr val="ED7161"/>
-          </a:solidFill>
-          <a:ln>
-            <a:noFill/>
-          </a:ln>
-        </p:spPr>
-        <p:style>
-          <a:lnRef idx="2">
-            <a:schemeClr val="accent1">
-              <a:shade val="50000"/>
-            </a:schemeClr>
-          </a:lnRef>
-          <a:fillRef idx="1">
-            <a:schemeClr val="accent1"/>
-          </a:fillRef>
-          <a:effectRef idx="0">
-            <a:schemeClr val="accent1"/>
-          </a:effectRef>
-          <a:fontRef idx="minor">
-            <a:schemeClr val="lt1"/>
-          </a:fontRef>
-        </p:style>
-        <p:txBody>
-          <a:bodyPr rtlCol="0" anchor="ctr"/>
-          <a:lstStyle/>
-          <a:p>
-            <a:pPr algn="ctr"/>
-            <a:endParaRPr lang="en-US"/>
-          </a:p>
-        </p:txBody>
-      </p:sp>
-      <p:sp>
-        <p:nvSpPr>
-          <p:cNvPr id="16" name="Parallelogram 15"/>
-          <p:cNvSpPr/>
-          <p:nvPr/>
-        </p:nvSpPr>
-        <p:spPr>
-          <a:xfrm>
-            <a:off x="5334000" y="9258300"/>
-            <a:ext cx="2133600" cy="342900"/>
-          </a:xfrm>
-          <a:prstGeom prst="parallelogram">
-            <a:avLst/>
-          </a:prstGeom>
-          <a:solidFill>
-            <a:srgbClr val="ED7161"/>
-          </a:solidFill>
-          <a:ln>
-            <a:noFill/>
-          </a:ln>
-        </p:spPr>
-        <p:style>
-          <a:lnRef idx="2">
-            <a:schemeClr val="accent1">
-              <a:shade val="50000"/>
-            </a:schemeClr>
-          </a:lnRef>
-          <a:fillRef idx="1">
-            <a:schemeClr val="accent1"/>
-          </a:fillRef>
-          <a:effectRef idx="0">
-            <a:schemeClr val="accent1"/>
-          </a:effectRef>
-          <a:fontRef idx="minor">
-            <a:schemeClr val="lt1"/>
-          </a:fontRef>
-        </p:style>
-        <p:txBody>
-          <a:bodyPr rtlCol="0" anchor="ctr"/>
-          <a:lstStyle/>
-          <a:p>
-            <a:pPr algn="ctr"/>
-            <a:endParaRPr lang="en-US"/>
-          </a:p>
-        </p:txBody>
-      </p:sp>
-      <p:sp>
-        <p:nvSpPr>
-          <p:cNvPr id="21" name="Parallelogram 20"/>
-          <p:cNvSpPr/>
-          <p:nvPr/>
-        </p:nvSpPr>
-        <p:spPr>
-          <a:xfrm>
-            <a:off x="9074682" y="9258300"/>
-            <a:ext cx="2133600" cy="342900"/>
-          </a:xfrm>
-          <a:prstGeom prst="parallelogram">
-            <a:avLst/>
-          </a:prstGeom>
-          <a:solidFill>
-            <a:srgbClr val="ED7161"/>
-          </a:solidFill>
-          <a:ln>
-            <a:noFill/>
-          </a:ln>
-        </p:spPr>
-        <p:style>
-          <a:lnRef idx="2">
-            <a:schemeClr val="accent1">
-              <a:shade val="50000"/>
-            </a:schemeClr>
-          </a:lnRef>
-          <a:fillRef idx="1">
-            <a:schemeClr val="accent1"/>
-          </a:fillRef>
-          <a:effectRef idx="0">
-            <a:schemeClr val="accent1"/>
-          </a:effectRef>
-          <a:fontRef idx="minor">
-            <a:schemeClr val="lt1"/>
-          </a:fontRef>
-        </p:style>
-        <p:txBody>
-          <a:bodyPr rtlCol="0" anchor="ctr"/>
-          <a:lstStyle/>
-          <a:p>
-            <a:pPr algn="ctr"/>
-            <a:endParaRPr lang="en-US"/>
-          </a:p>
-        </p:txBody>
-      </p:sp>
-    </p:spTree>
-    <p:extLst>
-      <p:ext uri="{BB962C8B-B14F-4D97-AF65-F5344CB8AC3E}">
-        <p14:creationId xmlns:p14="http://schemas.microsoft.com/office/powerpoint/2010/main" val="1541149815"/>
-      </p:ext>
-    </p:extLst>
-  </p:cSld>
-  <p:clrMapOvr>
-    <a:masterClrMapping/>
-  </p:clrMapOvr>
-  <p:timing>
-    <p:tnLst>
-      <p:par>
-        <p:cTn id="1" dur="indefinite" restart="never" nodeType="tmRoot"/>
-      </p:par>
-    </p:tnLst>
-  </p:timing>
-</p:sld>
-</file>
-
 <file path=ppt/theme/theme1.xml><?xml version="1.0" encoding="utf-8"?>
 <a:theme xmlns:a="http://schemas.openxmlformats.org/drawingml/2006/main" name="Office Theme">
   <a:themeElements>

--- a/Skunk Head/Skunk Head.pptx
+++ b/Skunk Head/Skunk Head.pptx
@@ -17,6 +17,7 @@
     <p:sldId id="262" r:id="rId11"/>
     <p:sldId id="261" r:id="rId12"/>
     <p:sldId id="259" r:id="rId13"/>
+    <p:sldId id="268" r:id="rId14"/>
   </p:sldIdLst>
   <p:sldSz cx="12801600" cy="9601200" type="A3"/>
   <p:notesSz cx="6858000" cy="9144000"/>
@@ -142,6 +143,11 @@
             <p14:sldId id="259"/>
           </p14:sldIdLst>
         </p14:section>
+        <p14:section name="Work Flow" id="{2B07C8C5-B67F-432D-B8A0-BFA4608E5C70}">
+          <p14:sldIdLst>
+            <p14:sldId id="268"/>
+          </p14:sldIdLst>
+        </p14:section>
       </p14:sectionLst>
     </p:ext>
     <p:ext uri="{EFAFB233-063F-42B5-8137-9DF3F51BA10A}">
@@ -282,7 +288,7 @@
           <a:p>
             <a:fld id="{D0D78C27-3CB4-4925-A443-120407CBE20C}" type="datetimeFigureOut">
               <a:rPr lang="en-US" smtClean="0"/>
-              <a:t>03-Sep-18</a:t>
+              <a:t>04-Sep-18</a:t>
             </a:fld>
             <a:endParaRPr lang="en-US"/>
           </a:p>
@@ -452,7 +458,7 @@
           <a:p>
             <a:fld id="{D0D78C27-3CB4-4925-A443-120407CBE20C}" type="datetimeFigureOut">
               <a:rPr lang="en-US" smtClean="0"/>
-              <a:t>03-Sep-18</a:t>
+              <a:t>04-Sep-18</a:t>
             </a:fld>
             <a:endParaRPr lang="en-US"/>
           </a:p>
@@ -632,7 +638,7 @@
           <a:p>
             <a:fld id="{D0D78C27-3CB4-4925-A443-120407CBE20C}" type="datetimeFigureOut">
               <a:rPr lang="en-US" smtClean="0"/>
-              <a:t>03-Sep-18</a:t>
+              <a:t>04-Sep-18</a:t>
             </a:fld>
             <a:endParaRPr lang="en-US"/>
           </a:p>
@@ -802,7 +808,7 @@
           <a:p>
             <a:fld id="{D0D78C27-3CB4-4925-A443-120407CBE20C}" type="datetimeFigureOut">
               <a:rPr lang="en-US" smtClean="0"/>
-              <a:t>03-Sep-18</a:t>
+              <a:t>04-Sep-18</a:t>
             </a:fld>
             <a:endParaRPr lang="en-US"/>
           </a:p>
@@ -1046,7 +1052,7 @@
           <a:p>
             <a:fld id="{D0D78C27-3CB4-4925-A443-120407CBE20C}" type="datetimeFigureOut">
               <a:rPr lang="en-US" smtClean="0"/>
-              <a:t>03-Sep-18</a:t>
+              <a:t>04-Sep-18</a:t>
             </a:fld>
             <a:endParaRPr lang="en-US"/>
           </a:p>
@@ -1278,7 +1284,7 @@
           <a:p>
             <a:fld id="{D0D78C27-3CB4-4925-A443-120407CBE20C}" type="datetimeFigureOut">
               <a:rPr lang="en-US" smtClean="0"/>
-              <a:t>03-Sep-18</a:t>
+              <a:t>04-Sep-18</a:t>
             </a:fld>
             <a:endParaRPr lang="en-US"/>
           </a:p>
@@ -1645,7 +1651,7 @@
           <a:p>
             <a:fld id="{D0D78C27-3CB4-4925-A443-120407CBE20C}" type="datetimeFigureOut">
               <a:rPr lang="en-US" smtClean="0"/>
-              <a:t>03-Sep-18</a:t>
+              <a:t>04-Sep-18</a:t>
             </a:fld>
             <a:endParaRPr lang="en-US"/>
           </a:p>
@@ -1763,7 +1769,7 @@
           <a:p>
             <a:fld id="{D0D78C27-3CB4-4925-A443-120407CBE20C}" type="datetimeFigureOut">
               <a:rPr lang="en-US" smtClean="0"/>
-              <a:t>03-Sep-18</a:t>
+              <a:t>04-Sep-18</a:t>
             </a:fld>
             <a:endParaRPr lang="en-US"/>
           </a:p>
@@ -1858,7 +1864,7 @@
           <a:p>
             <a:fld id="{D0D78C27-3CB4-4925-A443-120407CBE20C}" type="datetimeFigureOut">
               <a:rPr lang="en-US" smtClean="0"/>
-              <a:t>03-Sep-18</a:t>
+              <a:t>04-Sep-18</a:t>
             </a:fld>
             <a:endParaRPr lang="en-US"/>
           </a:p>
@@ -2135,7 +2141,7 @@
           <a:p>
             <a:fld id="{D0D78C27-3CB4-4925-A443-120407CBE20C}" type="datetimeFigureOut">
               <a:rPr lang="en-US" smtClean="0"/>
-              <a:t>03-Sep-18</a:t>
+              <a:t>04-Sep-18</a:t>
             </a:fld>
             <a:endParaRPr lang="en-US"/>
           </a:p>
@@ -2392,7 +2398,7 @@
           <a:p>
             <a:fld id="{D0D78C27-3CB4-4925-A443-120407CBE20C}" type="datetimeFigureOut">
               <a:rPr lang="en-US" smtClean="0"/>
-              <a:t>03-Sep-18</a:t>
+              <a:t>04-Sep-18</a:t>
             </a:fld>
             <a:endParaRPr lang="en-US"/>
           </a:p>
@@ -2605,7 +2611,7 @@
           <a:p>
             <a:fld id="{D0D78C27-3CB4-4925-A443-120407CBE20C}" type="datetimeFigureOut">
               <a:rPr lang="en-US" smtClean="0"/>
-              <a:t>03-Sep-18</a:t>
+              <a:t>04-Sep-18</a:t>
             </a:fld>
             <a:endParaRPr lang="en-US"/>
           </a:p>
@@ -5021,6 +5027,78 @@
       </p:par>
     </p:tnLst>
   </p:timing>
+</p:sld>
+</file>
+
+<file path=ppt/slides/slide13.xml><?xml version="1.0" encoding="utf-8"?>
+<p:sld xmlns:a="http://schemas.openxmlformats.org/drawingml/2006/main" xmlns:r="http://schemas.openxmlformats.org/officeDocument/2006/relationships" xmlns:p="http://schemas.openxmlformats.org/presentationml/2006/main">
+  <p:cSld>
+    <p:spTree>
+      <p:nvGrpSpPr>
+        <p:cNvPr id="1" name=""/>
+        <p:cNvGrpSpPr/>
+        <p:nvPr/>
+      </p:nvGrpSpPr>
+      <p:grpSpPr>
+        <a:xfrm>
+          <a:off x="0" y="0"/>
+          <a:ext cx="0" cy="0"/>
+          <a:chOff x="0" y="0"/>
+          <a:chExt cx="0" cy="0"/>
+        </a:xfrm>
+      </p:grpSpPr>
+      <p:sp>
+        <p:nvSpPr>
+          <p:cNvPr id="2" name="Title 1"/>
+          <p:cNvSpPr>
+            <a:spLocks noGrp="1"/>
+          </p:cNvSpPr>
+          <p:nvPr>
+            <p:ph type="title"/>
+          </p:nvPr>
+        </p:nvSpPr>
+        <p:spPr/>
+        <p:txBody>
+          <a:bodyPr/>
+          <a:lstStyle/>
+          <a:p>
+            <a:r>
+              <a:rPr lang="en-US" dirty="0" smtClean="0"/>
+              <a:t>Work Outline</a:t>
+            </a:r>
+            <a:endParaRPr lang="en-US" dirty="0"/>
+          </a:p>
+        </p:txBody>
+      </p:sp>
+      <p:sp>
+        <p:nvSpPr>
+          <p:cNvPr id="3" name="Content Placeholder 2"/>
+          <p:cNvSpPr>
+            <a:spLocks noGrp="1"/>
+          </p:cNvSpPr>
+          <p:nvPr>
+            <p:ph idx="1"/>
+          </p:nvPr>
+        </p:nvSpPr>
+        <p:spPr/>
+        <p:txBody>
+          <a:bodyPr/>
+          <a:lstStyle/>
+          <a:p>
+            <a:endParaRPr lang="en-US"/>
+          </a:p>
+        </p:txBody>
+      </p:sp>
+    </p:spTree>
+    <p:extLst>
+      <p:ext uri="{BB962C8B-B14F-4D97-AF65-F5344CB8AC3E}">
+        <p14:creationId xmlns:p14="http://schemas.microsoft.com/office/powerpoint/2010/main" val="1829704371"/>
+      </p:ext>
+    </p:extLst>
+  </p:cSld>
+  <p:clrMapOvr>
+    <a:masterClrMapping/>
+  </p:clrMapOvr>
 </p:sld>
 </file>
 

--- a/Skunk Head/Skunk Head.pptx
+++ b/Skunk Head/Skunk Head.pptx
@@ -288,7 +288,7 @@
           <a:p>
             <a:fld id="{D0D78C27-3CB4-4925-A443-120407CBE20C}" type="datetimeFigureOut">
               <a:rPr lang="en-US" smtClean="0"/>
-              <a:t>04-Sep-18</a:t>
+              <a:t>05-Sep-18</a:t>
             </a:fld>
             <a:endParaRPr lang="en-US"/>
           </a:p>
@@ -458,7 +458,7 @@
           <a:p>
             <a:fld id="{D0D78C27-3CB4-4925-A443-120407CBE20C}" type="datetimeFigureOut">
               <a:rPr lang="en-US" smtClean="0"/>
-              <a:t>04-Sep-18</a:t>
+              <a:t>05-Sep-18</a:t>
             </a:fld>
             <a:endParaRPr lang="en-US"/>
           </a:p>
@@ -638,7 +638,7 @@
           <a:p>
             <a:fld id="{D0D78C27-3CB4-4925-A443-120407CBE20C}" type="datetimeFigureOut">
               <a:rPr lang="en-US" smtClean="0"/>
-              <a:t>04-Sep-18</a:t>
+              <a:t>05-Sep-18</a:t>
             </a:fld>
             <a:endParaRPr lang="en-US"/>
           </a:p>
@@ -808,7 +808,7 @@
           <a:p>
             <a:fld id="{D0D78C27-3CB4-4925-A443-120407CBE20C}" type="datetimeFigureOut">
               <a:rPr lang="en-US" smtClean="0"/>
-              <a:t>04-Sep-18</a:t>
+              <a:t>05-Sep-18</a:t>
             </a:fld>
             <a:endParaRPr lang="en-US"/>
           </a:p>
@@ -1052,7 +1052,7 @@
           <a:p>
             <a:fld id="{D0D78C27-3CB4-4925-A443-120407CBE20C}" type="datetimeFigureOut">
               <a:rPr lang="en-US" smtClean="0"/>
-              <a:t>04-Sep-18</a:t>
+              <a:t>05-Sep-18</a:t>
             </a:fld>
             <a:endParaRPr lang="en-US"/>
           </a:p>
@@ -1284,7 +1284,7 @@
           <a:p>
             <a:fld id="{D0D78C27-3CB4-4925-A443-120407CBE20C}" type="datetimeFigureOut">
               <a:rPr lang="en-US" smtClean="0"/>
-              <a:t>04-Sep-18</a:t>
+              <a:t>05-Sep-18</a:t>
             </a:fld>
             <a:endParaRPr lang="en-US"/>
           </a:p>
@@ -1651,7 +1651,7 @@
           <a:p>
             <a:fld id="{D0D78C27-3CB4-4925-A443-120407CBE20C}" type="datetimeFigureOut">
               <a:rPr lang="en-US" smtClean="0"/>
-              <a:t>04-Sep-18</a:t>
+              <a:t>05-Sep-18</a:t>
             </a:fld>
             <a:endParaRPr lang="en-US"/>
           </a:p>
@@ -1769,7 +1769,7 @@
           <a:p>
             <a:fld id="{D0D78C27-3CB4-4925-A443-120407CBE20C}" type="datetimeFigureOut">
               <a:rPr lang="en-US" smtClean="0"/>
-              <a:t>04-Sep-18</a:t>
+              <a:t>05-Sep-18</a:t>
             </a:fld>
             <a:endParaRPr lang="en-US"/>
           </a:p>
@@ -1864,7 +1864,7 @@
           <a:p>
             <a:fld id="{D0D78C27-3CB4-4925-A443-120407CBE20C}" type="datetimeFigureOut">
               <a:rPr lang="en-US" smtClean="0"/>
-              <a:t>04-Sep-18</a:t>
+              <a:t>05-Sep-18</a:t>
             </a:fld>
             <a:endParaRPr lang="en-US"/>
           </a:p>
@@ -2141,7 +2141,7 @@
           <a:p>
             <a:fld id="{D0D78C27-3CB4-4925-A443-120407CBE20C}" type="datetimeFigureOut">
               <a:rPr lang="en-US" smtClean="0"/>
-              <a:t>04-Sep-18</a:t>
+              <a:t>05-Sep-18</a:t>
             </a:fld>
             <a:endParaRPr lang="en-US"/>
           </a:p>
@@ -2398,7 +2398,7 @@
           <a:p>
             <a:fld id="{D0D78C27-3CB4-4925-A443-120407CBE20C}" type="datetimeFigureOut">
               <a:rPr lang="en-US" smtClean="0"/>
-              <a:t>04-Sep-18</a:t>
+              <a:t>05-Sep-18</a:t>
             </a:fld>
             <a:endParaRPr lang="en-US"/>
           </a:p>
@@ -2611,7 +2611,7 @@
           <a:p>
             <a:fld id="{D0D78C27-3CB4-4925-A443-120407CBE20C}" type="datetimeFigureOut">
               <a:rPr lang="en-US" smtClean="0"/>
-              <a:t>04-Sep-18</a:t>
+              <a:t>05-Sep-18</a:t>
             </a:fld>
             <a:endParaRPr lang="en-US"/>
           </a:p>
@@ -5085,6 +5085,16 @@
           <a:bodyPr/>
           <a:lstStyle/>
           <a:p>
+            <a:r>
+              <a:rPr lang="en-US" dirty="0" smtClean="0"/>
+              <a:t>Three services</a:t>
+            </a:r>
+          </a:p>
+          <a:p>
+            <a:r>
+              <a:rPr lang="en-US" smtClean="0"/>
+              <a:t>Services structure</a:t>
+            </a:r>
             <a:endParaRPr lang="en-US"/>
           </a:p>
         </p:txBody>

--- a/Skunk Head/Skunk Head.pptx
+++ b/Skunk Head/Skunk Head.pptx
@@ -18,6 +18,7 @@
     <p:sldId id="261" r:id="rId12"/>
     <p:sldId id="259" r:id="rId13"/>
     <p:sldId id="268" r:id="rId14"/>
+    <p:sldId id="269" r:id="rId15"/>
   </p:sldIdLst>
   <p:sldSz cx="12801600" cy="9601200" type="A3"/>
   <p:notesSz cx="6858000" cy="9144000"/>
@@ -146,6 +147,7 @@
         <p14:section name="Work Flow" id="{2B07C8C5-B67F-432D-B8A0-BFA4608E5C70}">
           <p14:sldIdLst>
             <p14:sldId id="268"/>
+            <p14:sldId id="269"/>
           </p14:sldIdLst>
         </p14:section>
       </p14:sectionLst>
@@ -288,7 +290,7 @@
           <a:p>
             <a:fld id="{D0D78C27-3CB4-4925-A443-120407CBE20C}" type="datetimeFigureOut">
               <a:rPr lang="en-US" smtClean="0"/>
-              <a:t>05-Sep-18</a:t>
+              <a:t>06-Sep-18</a:t>
             </a:fld>
             <a:endParaRPr lang="en-US"/>
           </a:p>
@@ -458,7 +460,7 @@
           <a:p>
             <a:fld id="{D0D78C27-3CB4-4925-A443-120407CBE20C}" type="datetimeFigureOut">
               <a:rPr lang="en-US" smtClean="0"/>
-              <a:t>05-Sep-18</a:t>
+              <a:t>06-Sep-18</a:t>
             </a:fld>
             <a:endParaRPr lang="en-US"/>
           </a:p>
@@ -638,7 +640,7 @@
           <a:p>
             <a:fld id="{D0D78C27-3CB4-4925-A443-120407CBE20C}" type="datetimeFigureOut">
               <a:rPr lang="en-US" smtClean="0"/>
-              <a:t>05-Sep-18</a:t>
+              <a:t>06-Sep-18</a:t>
             </a:fld>
             <a:endParaRPr lang="en-US"/>
           </a:p>
@@ -808,7 +810,7 @@
           <a:p>
             <a:fld id="{D0D78C27-3CB4-4925-A443-120407CBE20C}" type="datetimeFigureOut">
               <a:rPr lang="en-US" smtClean="0"/>
-              <a:t>05-Sep-18</a:t>
+              <a:t>06-Sep-18</a:t>
             </a:fld>
             <a:endParaRPr lang="en-US"/>
           </a:p>
@@ -1052,7 +1054,7 @@
           <a:p>
             <a:fld id="{D0D78C27-3CB4-4925-A443-120407CBE20C}" type="datetimeFigureOut">
               <a:rPr lang="en-US" smtClean="0"/>
-              <a:t>05-Sep-18</a:t>
+              <a:t>06-Sep-18</a:t>
             </a:fld>
             <a:endParaRPr lang="en-US"/>
           </a:p>
@@ -1284,7 +1286,7 @@
           <a:p>
             <a:fld id="{D0D78C27-3CB4-4925-A443-120407CBE20C}" type="datetimeFigureOut">
               <a:rPr lang="en-US" smtClean="0"/>
-              <a:t>05-Sep-18</a:t>
+              <a:t>06-Sep-18</a:t>
             </a:fld>
             <a:endParaRPr lang="en-US"/>
           </a:p>
@@ -1651,7 +1653,7 @@
           <a:p>
             <a:fld id="{D0D78C27-3CB4-4925-A443-120407CBE20C}" type="datetimeFigureOut">
               <a:rPr lang="en-US" smtClean="0"/>
-              <a:t>05-Sep-18</a:t>
+              <a:t>06-Sep-18</a:t>
             </a:fld>
             <a:endParaRPr lang="en-US"/>
           </a:p>
@@ -1769,7 +1771,7 @@
           <a:p>
             <a:fld id="{D0D78C27-3CB4-4925-A443-120407CBE20C}" type="datetimeFigureOut">
               <a:rPr lang="en-US" smtClean="0"/>
-              <a:t>05-Sep-18</a:t>
+              <a:t>06-Sep-18</a:t>
             </a:fld>
             <a:endParaRPr lang="en-US"/>
           </a:p>
@@ -1864,7 +1866,7 @@
           <a:p>
             <a:fld id="{D0D78C27-3CB4-4925-A443-120407CBE20C}" type="datetimeFigureOut">
               <a:rPr lang="en-US" smtClean="0"/>
-              <a:t>05-Sep-18</a:t>
+              <a:t>06-Sep-18</a:t>
             </a:fld>
             <a:endParaRPr lang="en-US"/>
           </a:p>
@@ -2141,7 +2143,7 @@
           <a:p>
             <a:fld id="{D0D78C27-3CB4-4925-A443-120407CBE20C}" type="datetimeFigureOut">
               <a:rPr lang="en-US" smtClean="0"/>
-              <a:t>05-Sep-18</a:t>
+              <a:t>06-Sep-18</a:t>
             </a:fld>
             <a:endParaRPr lang="en-US"/>
           </a:p>
@@ -2398,7 +2400,7 @@
           <a:p>
             <a:fld id="{D0D78C27-3CB4-4925-A443-120407CBE20C}" type="datetimeFigureOut">
               <a:rPr lang="en-US" smtClean="0"/>
-              <a:t>05-Sep-18</a:t>
+              <a:t>06-Sep-18</a:t>
             </a:fld>
             <a:endParaRPr lang="en-US"/>
           </a:p>
@@ -2611,7 +2613,7 @@
           <a:p>
             <a:fld id="{D0D78C27-3CB4-4925-A443-120407CBE20C}" type="datetimeFigureOut">
               <a:rPr lang="en-US" smtClean="0"/>
-              <a:t>05-Sep-18</a:t>
+              <a:t>06-Sep-18</a:t>
             </a:fld>
             <a:endParaRPr lang="en-US"/>
           </a:p>
@@ -5103,6 +5105,163 @@
     <p:extLst>
       <p:ext uri="{BB962C8B-B14F-4D97-AF65-F5344CB8AC3E}">
         <p14:creationId xmlns:p14="http://schemas.microsoft.com/office/powerpoint/2010/main" val="1829704371"/>
+      </p:ext>
+    </p:extLst>
+  </p:cSld>
+  <p:clrMapOvr>
+    <a:masterClrMapping/>
+  </p:clrMapOvr>
+</p:sld>
+</file>
+
+<file path=ppt/slides/slide14.xml><?xml version="1.0" encoding="utf-8"?>
+<p:sld xmlns:a="http://schemas.openxmlformats.org/drawingml/2006/main" xmlns:r="http://schemas.openxmlformats.org/officeDocument/2006/relationships" xmlns:p="http://schemas.openxmlformats.org/presentationml/2006/main">
+  <p:cSld>
+    <p:spTree>
+      <p:nvGrpSpPr>
+        <p:cNvPr id="1" name=""/>
+        <p:cNvGrpSpPr/>
+        <p:nvPr/>
+      </p:nvGrpSpPr>
+      <p:grpSpPr>
+        <a:xfrm>
+          <a:off x="0" y="0"/>
+          <a:ext cx="0" cy="0"/>
+          <a:chOff x="0" y="0"/>
+          <a:chExt cx="0" cy="0"/>
+        </a:xfrm>
+      </p:grpSpPr>
+      <p:sp>
+        <p:nvSpPr>
+          <p:cNvPr id="2" name="Title 1"/>
+          <p:cNvSpPr>
+            <a:spLocks noGrp="1"/>
+          </p:cNvSpPr>
+          <p:nvPr>
+            <p:ph type="title"/>
+          </p:nvPr>
+        </p:nvSpPr>
+        <p:spPr/>
+        <p:txBody>
+          <a:bodyPr/>
+          <a:lstStyle/>
+          <a:p>
+            <a:r>
+              <a:rPr lang="en-US" dirty="0" smtClean="0"/>
+              <a:t>Google Fonts</a:t>
+            </a:r>
+            <a:endParaRPr lang="en-US" dirty="0"/>
+          </a:p>
+        </p:txBody>
+      </p:sp>
+      <p:sp>
+        <p:nvSpPr>
+          <p:cNvPr id="3" name="Content Placeholder 2"/>
+          <p:cNvSpPr>
+            <a:spLocks noGrp="1"/>
+          </p:cNvSpPr>
+          <p:nvPr>
+            <p:ph idx="1"/>
+          </p:nvPr>
+        </p:nvSpPr>
+        <p:spPr/>
+        <p:txBody>
+          <a:bodyPr>
+            <a:normAutofit fontScale="92500" lnSpcReduction="10000"/>
+          </a:bodyPr>
+          <a:lstStyle/>
+          <a:p>
+            <a:r>
+              <a:rPr lang="en-US" dirty="0"/>
+              <a:t>Body</a:t>
+            </a:r>
+            <a:endParaRPr lang="en-US" dirty="0" smtClean="0"/>
+          </a:p>
+          <a:p>
+            <a:pPr lvl="1"/>
+            <a:r>
+              <a:rPr lang="en-US" dirty="0" smtClean="0"/>
+              <a:t>Work Sans (&amp; Regular)</a:t>
+            </a:r>
+          </a:p>
+          <a:p>
+            <a:pPr lvl="1"/>
+            <a:r>
+              <a:rPr lang="en-US" dirty="0" err="1" smtClean="0"/>
+              <a:t>Archivo</a:t>
+            </a:r>
+            <a:endParaRPr lang="en-US" dirty="0" smtClean="0"/>
+          </a:p>
+          <a:p>
+            <a:pPr lvl="1"/>
+            <a:r>
+              <a:rPr lang="en-US" dirty="0" err="1" smtClean="0"/>
+              <a:t>Roboto</a:t>
+            </a:r>
+            <a:endParaRPr lang="en-US" dirty="0" smtClean="0"/>
+          </a:p>
+          <a:p>
+            <a:r>
+              <a:rPr lang="en-US" dirty="0"/>
+              <a:t>Heading </a:t>
+            </a:r>
+            <a:endParaRPr lang="en-US" dirty="0" smtClean="0"/>
+          </a:p>
+          <a:p>
+            <a:pPr lvl="1"/>
+            <a:r>
+              <a:rPr lang="en-US" dirty="0" smtClean="0"/>
+              <a:t>Montserrat</a:t>
+            </a:r>
+          </a:p>
+          <a:p>
+            <a:pPr lvl="1"/>
+            <a:r>
+              <a:rPr lang="en-US" dirty="0" smtClean="0"/>
+              <a:t>Rubik</a:t>
+            </a:r>
+          </a:p>
+          <a:p>
+            <a:r>
+              <a:rPr lang="en-US" dirty="0" smtClean="0"/>
+              <a:t>Signature</a:t>
+            </a:r>
+          </a:p>
+          <a:p>
+            <a:pPr lvl="1"/>
+            <a:r>
+              <a:rPr lang="en-US" dirty="0" smtClean="0"/>
+              <a:t>Crafty girls</a:t>
+            </a:r>
+          </a:p>
+          <a:p>
+            <a:pPr lvl="1"/>
+            <a:r>
+              <a:rPr lang="en-US" dirty="0" smtClean="0"/>
+              <a:t>Mountain of Christmas</a:t>
+            </a:r>
+          </a:p>
+          <a:p>
+            <a:pPr lvl="1"/>
+            <a:r>
+              <a:rPr lang="en-US" dirty="0" smtClean="0"/>
+              <a:t>Butterfly Kids</a:t>
+            </a:r>
+          </a:p>
+          <a:p>
+            <a:pPr lvl="1"/>
+            <a:r>
+              <a:rPr lang="en-US" dirty="0" err="1" smtClean="0"/>
+              <a:t>Pacifico</a:t>
+            </a:r>
+            <a:endParaRPr lang="en-US" dirty="0" smtClean="0"/>
+          </a:p>
+        </p:txBody>
+      </p:sp>
+    </p:spTree>
+    <p:extLst>
+      <p:ext uri="{BB962C8B-B14F-4D97-AF65-F5344CB8AC3E}">
+        <p14:creationId xmlns:p14="http://schemas.microsoft.com/office/powerpoint/2010/main" val="519780771"/>
       </p:ext>
     </p:extLst>
   </p:cSld>

--- a/Skunk Head/Skunk Head.pptx
+++ b/Skunk Head/Skunk Head.pptx
@@ -6,19 +6,25 @@
   </p:sldMasterIdLst>
   <p:sldIdLst>
     <p:sldId id="256" r:id="rId2"/>
-    <p:sldId id="267" r:id="rId3"/>
-    <p:sldId id="266" r:id="rId4"/>
-    <p:sldId id="257" r:id="rId5"/>
-    <p:sldId id="258" r:id="rId6"/>
-    <p:sldId id="260" r:id="rId7"/>
-    <p:sldId id="263" r:id="rId8"/>
-    <p:sldId id="264" r:id="rId9"/>
-    <p:sldId id="265" r:id="rId10"/>
-    <p:sldId id="262" r:id="rId11"/>
-    <p:sldId id="261" r:id="rId12"/>
-    <p:sldId id="259" r:id="rId13"/>
-    <p:sldId id="268" r:id="rId14"/>
-    <p:sldId id="269" r:id="rId15"/>
+    <p:sldId id="271" r:id="rId3"/>
+    <p:sldId id="272" r:id="rId4"/>
+    <p:sldId id="273" r:id="rId5"/>
+    <p:sldId id="274" r:id="rId6"/>
+    <p:sldId id="275" r:id="rId7"/>
+    <p:sldId id="267" r:id="rId8"/>
+    <p:sldId id="266" r:id="rId9"/>
+    <p:sldId id="257" r:id="rId10"/>
+    <p:sldId id="258" r:id="rId11"/>
+    <p:sldId id="260" r:id="rId12"/>
+    <p:sldId id="263" r:id="rId13"/>
+    <p:sldId id="264" r:id="rId14"/>
+    <p:sldId id="265" r:id="rId15"/>
+    <p:sldId id="262" r:id="rId16"/>
+    <p:sldId id="261" r:id="rId17"/>
+    <p:sldId id="259" r:id="rId18"/>
+    <p:sldId id="268" r:id="rId19"/>
+    <p:sldId id="270" r:id="rId20"/>
+    <p:sldId id="269" r:id="rId21"/>
   </p:sldIdLst>
   <p:sldSz cx="12801600" cy="9601200" type="A3"/>
   <p:notesSz cx="6858000" cy="9144000"/>
@@ -123,6 +129,11 @@
         <p14:section name="Default Section" id="{16FA5D82-DB87-40CF-B6D8-8F175422EE34}">
           <p14:sldIdLst>
             <p14:sldId id="256"/>
+            <p14:sldId id="271"/>
+            <p14:sldId id="272"/>
+            <p14:sldId id="273"/>
+            <p14:sldId id="274"/>
+            <p14:sldId id="275"/>
           </p14:sldIdLst>
         </p14:section>
         <p14:section name="Logo and Headers" id="{23A9C3B7-9507-4542-A9B5-821637B7F98A}">
@@ -147,6 +158,7 @@
         <p14:section name="Work Flow" id="{2B07C8C5-B67F-432D-B8A0-BFA4608E5C70}">
           <p14:sldIdLst>
             <p14:sldId id="268"/>
+            <p14:sldId id="270"/>
             <p14:sldId id="269"/>
           </p14:sldIdLst>
         </p14:section>
@@ -290,7 +302,7 @@
           <a:p>
             <a:fld id="{D0D78C27-3CB4-4925-A443-120407CBE20C}" type="datetimeFigureOut">
               <a:rPr lang="en-US" smtClean="0"/>
-              <a:t>06-Sep-18</a:t>
+              <a:t>29-Sep-18</a:t>
             </a:fld>
             <a:endParaRPr lang="en-US"/>
           </a:p>
@@ -460,7 +472,7 @@
           <a:p>
             <a:fld id="{D0D78C27-3CB4-4925-A443-120407CBE20C}" type="datetimeFigureOut">
               <a:rPr lang="en-US" smtClean="0"/>
-              <a:t>06-Sep-18</a:t>
+              <a:t>29-Sep-18</a:t>
             </a:fld>
             <a:endParaRPr lang="en-US"/>
           </a:p>
@@ -640,7 +652,7 @@
           <a:p>
             <a:fld id="{D0D78C27-3CB4-4925-A443-120407CBE20C}" type="datetimeFigureOut">
               <a:rPr lang="en-US" smtClean="0"/>
-              <a:t>06-Sep-18</a:t>
+              <a:t>29-Sep-18</a:t>
             </a:fld>
             <a:endParaRPr lang="en-US"/>
           </a:p>
@@ -810,7 +822,7 @@
           <a:p>
             <a:fld id="{D0D78C27-3CB4-4925-A443-120407CBE20C}" type="datetimeFigureOut">
               <a:rPr lang="en-US" smtClean="0"/>
-              <a:t>06-Sep-18</a:t>
+              <a:t>29-Sep-18</a:t>
             </a:fld>
             <a:endParaRPr lang="en-US"/>
           </a:p>
@@ -1054,7 +1066,7 @@
           <a:p>
             <a:fld id="{D0D78C27-3CB4-4925-A443-120407CBE20C}" type="datetimeFigureOut">
               <a:rPr lang="en-US" smtClean="0"/>
-              <a:t>06-Sep-18</a:t>
+              <a:t>29-Sep-18</a:t>
             </a:fld>
             <a:endParaRPr lang="en-US"/>
           </a:p>
@@ -1286,7 +1298,7 @@
           <a:p>
             <a:fld id="{D0D78C27-3CB4-4925-A443-120407CBE20C}" type="datetimeFigureOut">
               <a:rPr lang="en-US" smtClean="0"/>
-              <a:t>06-Sep-18</a:t>
+              <a:t>29-Sep-18</a:t>
             </a:fld>
             <a:endParaRPr lang="en-US"/>
           </a:p>
@@ -1653,7 +1665,7 @@
           <a:p>
             <a:fld id="{D0D78C27-3CB4-4925-A443-120407CBE20C}" type="datetimeFigureOut">
               <a:rPr lang="en-US" smtClean="0"/>
-              <a:t>06-Sep-18</a:t>
+              <a:t>29-Sep-18</a:t>
             </a:fld>
             <a:endParaRPr lang="en-US"/>
           </a:p>
@@ -1771,7 +1783,7 @@
           <a:p>
             <a:fld id="{D0D78C27-3CB4-4925-A443-120407CBE20C}" type="datetimeFigureOut">
               <a:rPr lang="en-US" smtClean="0"/>
-              <a:t>06-Sep-18</a:t>
+              <a:t>29-Sep-18</a:t>
             </a:fld>
             <a:endParaRPr lang="en-US"/>
           </a:p>
@@ -1866,7 +1878,7 @@
           <a:p>
             <a:fld id="{D0D78C27-3CB4-4925-A443-120407CBE20C}" type="datetimeFigureOut">
               <a:rPr lang="en-US" smtClean="0"/>
-              <a:t>06-Sep-18</a:t>
+              <a:t>29-Sep-18</a:t>
             </a:fld>
             <a:endParaRPr lang="en-US"/>
           </a:p>
@@ -2143,7 +2155,7 @@
           <a:p>
             <a:fld id="{D0D78C27-3CB4-4925-A443-120407CBE20C}" type="datetimeFigureOut">
               <a:rPr lang="en-US" smtClean="0"/>
-              <a:t>06-Sep-18</a:t>
+              <a:t>29-Sep-18</a:t>
             </a:fld>
             <a:endParaRPr lang="en-US"/>
           </a:p>
@@ -2400,7 +2412,7 @@
           <a:p>
             <a:fld id="{D0D78C27-3CB4-4925-A443-120407CBE20C}" type="datetimeFigureOut">
               <a:rPr lang="en-US" smtClean="0"/>
-              <a:t>06-Sep-18</a:t>
+              <a:t>29-Sep-18</a:t>
             </a:fld>
             <a:endParaRPr lang="en-US"/>
           </a:p>
@@ -2613,7 +2625,7 @@
           <a:p>
             <a:fld id="{D0D78C27-3CB4-4925-A443-120407CBE20C}" type="datetimeFigureOut">
               <a:rPr lang="en-US" smtClean="0"/>
-              <a:t>06-Sep-18</a:t>
+              <a:t>29-Sep-18</a:t>
             </a:fld>
             <a:endParaRPr lang="en-US"/>
           </a:p>
@@ -3093,7 +3105,7 @@
             <p:nvPr/>
           </p:nvPicPr>
           <p:blipFill>
-            <a:blip r:embed="rId2">
+            <a:blip r:embed="rId4">
               <a:extLst>
                 <a:ext uri="{28A0092B-C50C-407E-A947-70E740481C1C}">
                   <a14:useLocalDpi xmlns:a14="http://schemas.microsoft.com/office/drawing/2010/main" val="0"/>
@@ -3159,6 +3171,39 @@
           </p:txBody>
         </p:sp>
       </p:grpSp>
+      <p:pic>
+        <p:nvPicPr>
+          <p:cNvPr id="4" name="Audio 3">
+            <a:hlinkClick r:id="" action="ppaction://media"/>
+          </p:cNvPr>
+          <p:cNvPicPr>
+            <a:picLocks noChangeAspect="1"/>
+          </p:cNvPicPr>
+          <p:nvPr>
+            <a:audioFile r:link="rId2"/>
+            <p:extLst>
+              <p:ext uri="{DAA4B4D4-6D71-4841-9C94-3DE7FCFB9230}">
+                <p14:media xmlns:p14="http://schemas.microsoft.com/office/powerpoint/2010/main" r:embed="rId1"/>
+              </p:ext>
+            </p:extLst>
+          </p:nvPr>
+        </p:nvPicPr>
+        <p:blipFill>
+          <a:blip r:embed="rId5"/>
+          <a:stretch>
+            <a:fillRect/>
+          </a:stretch>
+        </p:blipFill>
+        <p:spPr>
+          <a:xfrm>
+            <a:off x="12039600" y="8839200"/>
+            <a:ext cx="609600" cy="609600"/>
+          </a:xfrm>
+          <a:prstGeom prst="rect">
+            <a:avLst/>
+          </a:prstGeom>
+        </p:spPr>
+      </p:pic>
     </p:spTree>
     <p:extLst>
       <p:ext uri="{BB962C8B-B14F-4D97-AF65-F5344CB8AC3E}">
@@ -3169,10 +3214,98 @@
   <p:clrMapOvr>
     <a:masterClrMapping/>
   </p:clrMapOvr>
+  <mc:AlternateContent xmlns:mc="http://schemas.openxmlformats.org/markup-compatibility/2006" xmlns:p14="http://schemas.microsoft.com/office/powerpoint/2010/main">
+    <mc:Choice Requires="p14">
+      <p:transition spd="slow" p14:dur="2000" advTm="2578"/>
+    </mc:Choice>
+    <mc:Fallback xmlns="">
+      <p:transition spd="slow" advTm="2578"/>
+    </mc:Fallback>
+  </mc:AlternateContent>
   <p:timing>
     <p:tnLst>
       <p:par>
-        <p:cTn id="1" dur="indefinite" restart="never" nodeType="tmRoot"/>
+        <p:cTn id="1" dur="indefinite" restart="never" nodeType="tmRoot">
+          <p:childTnLst>
+            <p:seq concurrent="1" nextAc="seek">
+              <p:cTn id="2" dur="indefinite" nodeType="mainSeq">
+                <p:childTnLst>
+                  <p:par>
+                    <p:cTn id="3" fill="hold">
+                      <p:stCondLst>
+                        <p:cond delay="indefinite"/>
+                        <p:cond evt="onBegin" delay="0">
+                          <p:tn val="2"/>
+                        </p:cond>
+                      </p:stCondLst>
+                      <p:childTnLst>
+                        <p:par>
+                          <p:cTn id="4" fill="hold">
+                            <p:stCondLst>
+                              <p:cond delay="0"/>
+                            </p:stCondLst>
+                            <p:childTnLst>
+                              <p:par>
+                                <p:cTn id="5" presetID="1" presetClass="mediacall" presetSubtype="0" fill="hold" nodeType="afterEffect">
+                                  <p:stCondLst>
+                                    <p:cond delay="0"/>
+                                  </p:stCondLst>
+                                  <p:childTnLst>
+                                    <p:cmd type="call" cmd="playFrom(0.0)">
+                                      <p:cBhvr>
+                                        <p:cTn id="6" dur="1" fill="hold"/>
+                                        <p:tgtEl>
+                                          <p:spTgt spid="4"/>
+                                        </p:tgtEl>
+                                      </p:cBhvr>
+                                    </p:cmd>
+                                  </p:childTnLst>
+                                </p:cTn>
+                              </p:par>
+                            </p:childTnLst>
+                          </p:cTn>
+                        </p:par>
+                      </p:childTnLst>
+                    </p:cTn>
+                  </p:par>
+                </p:childTnLst>
+              </p:cTn>
+              <p:prevCondLst>
+                <p:cond evt="onPrev" delay="0">
+                  <p:tgtEl>
+                    <p:sldTgt/>
+                  </p:tgtEl>
+                </p:cond>
+              </p:prevCondLst>
+              <p:nextCondLst>
+                <p:cond evt="onNext" delay="0">
+                  <p:tgtEl>
+                    <p:sldTgt/>
+                  </p:tgtEl>
+                </p:cond>
+              </p:nextCondLst>
+            </p:seq>
+            <p:audio isNarration="1">
+              <p:cMediaNode vol="80000" showWhenStopped="0">
+                <p:cTn id="7" fill="hold" display="0">
+                  <p:stCondLst>
+                    <p:cond delay="indefinite"/>
+                  </p:stCondLst>
+                  <p:endCondLst>
+                    <p:cond evt="onStopAudio" delay="0">
+                      <p:tgtEl>
+                        <p:sldTgt/>
+                      </p:tgtEl>
+                    </p:cond>
+                  </p:endCondLst>
+                </p:cTn>
+                <p:tgtEl>
+                  <p:spTgt spid="4"/>
+                </p:tgtEl>
+              </p:cMediaNode>
+            </p:audio>
+          </p:childTnLst>
+        </p:cTn>
       </p:par>
     </p:tnLst>
   </p:timing>
@@ -3427,7 +3560,7 @@
             <a:r>
               <a:rPr lang="en-US" sz="3200" b="1" dirty="0" smtClean="0">
                 <a:solidFill>
-                  <a:srgbClr val="556080"/>
+                  <a:srgbClr val="696969"/>
                 </a:solidFill>
                 <a:latin typeface="Bahnschrift" panose="020B0502040204020203" pitchFamily="34" charset="0"/>
               </a:rPr>
@@ -3435,7 +3568,7 @@
             </a:r>
             <a:endParaRPr lang="en-US" sz="3200" b="1" dirty="0">
               <a:solidFill>
-                <a:srgbClr val="556080"/>
+                <a:srgbClr val="696969"/>
               </a:solidFill>
               <a:latin typeface="Bahnschrift" panose="020B0502040204020203" pitchFamily="34" charset="0"/>
             </a:endParaRPr>
@@ -3468,7 +3601,7 @@
             <a:r>
               <a:rPr lang="en-US" sz="3200" b="1" dirty="0" smtClean="0">
                 <a:solidFill>
-                  <a:srgbClr val="556080"/>
+                  <a:srgbClr val="696969"/>
                 </a:solidFill>
                 <a:latin typeface="Bahnschrift" panose="020B0502040204020203" pitchFamily="34" charset="0"/>
               </a:rPr>
@@ -3476,7 +3609,7 @@
             </a:r>
             <a:endParaRPr lang="en-US" sz="3200" b="1" dirty="0">
               <a:solidFill>
-                <a:srgbClr val="556080"/>
+                <a:srgbClr val="696969"/>
               </a:solidFill>
               <a:latin typeface="Bahnschrift" panose="020B0502040204020203" pitchFamily="34" charset="0"/>
             </a:endParaRPr>
@@ -3572,340 +3705,10 @@
           </a:p>
         </p:txBody>
       </p:sp>
-      <p:sp>
-        <p:nvSpPr>
-          <p:cNvPr id="17" name="5-Point Star 16"/>
-          <p:cNvSpPr>
-            <a:spLocks noChangeAspect="1"/>
-          </p:cNvSpPr>
-          <p:nvPr/>
-        </p:nvSpPr>
-        <p:spPr>
-          <a:xfrm>
-            <a:off x="2522958" y="1051560"/>
-            <a:ext cx="274320" cy="274320"/>
-          </a:xfrm>
-          <a:prstGeom prst="star5">
-            <a:avLst/>
-          </a:prstGeom>
-          <a:solidFill>
-            <a:srgbClr val="556080"/>
-          </a:solidFill>
-          <a:ln>
-            <a:noFill/>
-          </a:ln>
-        </p:spPr>
-        <p:style>
-          <a:lnRef idx="2">
-            <a:schemeClr val="accent1">
-              <a:shade val="50000"/>
-            </a:schemeClr>
-          </a:lnRef>
-          <a:fillRef idx="1">
-            <a:schemeClr val="accent1"/>
-          </a:fillRef>
-          <a:effectRef idx="0">
-            <a:schemeClr val="accent1"/>
-          </a:effectRef>
-          <a:fontRef idx="minor">
-            <a:schemeClr val="lt1"/>
-          </a:fontRef>
-        </p:style>
-        <p:txBody>
-          <a:bodyPr rtlCol="0" anchor="ctr"/>
-          <a:lstStyle/>
-          <a:p>
-            <a:pPr algn="ctr"/>
-            <a:endParaRPr lang="en-US"/>
-          </a:p>
-        </p:txBody>
-      </p:sp>
-      <p:sp>
-        <p:nvSpPr>
-          <p:cNvPr id="18" name="5-Point Star 17"/>
-          <p:cNvSpPr>
-            <a:spLocks noChangeAspect="1"/>
-          </p:cNvSpPr>
-          <p:nvPr/>
-        </p:nvSpPr>
-        <p:spPr>
-          <a:xfrm>
-            <a:off x="3039950" y="1051560"/>
-            <a:ext cx="274320" cy="274320"/>
-          </a:xfrm>
-          <a:prstGeom prst="star5">
-            <a:avLst/>
-          </a:prstGeom>
-          <a:solidFill>
-            <a:srgbClr val="556080"/>
-          </a:solidFill>
-          <a:ln>
-            <a:noFill/>
-          </a:ln>
-        </p:spPr>
-        <p:style>
-          <a:lnRef idx="2">
-            <a:schemeClr val="accent1">
-              <a:shade val="50000"/>
-            </a:schemeClr>
-          </a:lnRef>
-          <a:fillRef idx="1">
-            <a:schemeClr val="accent1"/>
-          </a:fillRef>
-          <a:effectRef idx="0">
-            <a:schemeClr val="accent1"/>
-          </a:effectRef>
-          <a:fontRef idx="minor">
-            <a:schemeClr val="lt1"/>
-          </a:fontRef>
-        </p:style>
-        <p:txBody>
-          <a:bodyPr rtlCol="0" anchor="ctr"/>
-          <a:lstStyle/>
-          <a:p>
-            <a:pPr algn="ctr"/>
-            <a:endParaRPr lang="en-US"/>
-          </a:p>
-        </p:txBody>
-      </p:sp>
-      <p:sp>
-        <p:nvSpPr>
-          <p:cNvPr id="19" name="5-Point Star 18"/>
-          <p:cNvSpPr>
-            <a:spLocks noChangeAspect="1"/>
-          </p:cNvSpPr>
-          <p:nvPr/>
-        </p:nvSpPr>
-        <p:spPr>
-          <a:xfrm>
-            <a:off x="9455683" y="1051560"/>
-            <a:ext cx="274320" cy="274320"/>
-          </a:xfrm>
-          <a:prstGeom prst="star5">
-            <a:avLst/>
-          </a:prstGeom>
-          <a:solidFill>
-            <a:srgbClr val="556080"/>
-          </a:solidFill>
-          <a:ln>
-            <a:noFill/>
-          </a:ln>
-        </p:spPr>
-        <p:style>
-          <a:lnRef idx="2">
-            <a:schemeClr val="accent1">
-              <a:shade val="50000"/>
-            </a:schemeClr>
-          </a:lnRef>
-          <a:fillRef idx="1">
-            <a:schemeClr val="accent1"/>
-          </a:fillRef>
-          <a:effectRef idx="0">
-            <a:schemeClr val="accent1"/>
-          </a:effectRef>
-          <a:fontRef idx="minor">
-            <a:schemeClr val="lt1"/>
-          </a:fontRef>
-        </p:style>
-        <p:txBody>
-          <a:bodyPr rtlCol="0" anchor="ctr"/>
-          <a:lstStyle/>
-          <a:p>
-            <a:pPr algn="ctr"/>
-            <a:endParaRPr lang="en-US"/>
-          </a:p>
-        </p:txBody>
-      </p:sp>
-      <p:sp>
-        <p:nvSpPr>
-          <p:cNvPr id="20" name="5-Point Star 19"/>
-          <p:cNvSpPr>
-            <a:spLocks noChangeAspect="1"/>
-          </p:cNvSpPr>
-          <p:nvPr/>
-        </p:nvSpPr>
-        <p:spPr>
-          <a:xfrm>
-            <a:off x="9972675" y="1051560"/>
-            <a:ext cx="274320" cy="274320"/>
-          </a:xfrm>
-          <a:prstGeom prst="star5">
-            <a:avLst/>
-          </a:prstGeom>
-          <a:solidFill>
-            <a:srgbClr val="556080"/>
-          </a:solidFill>
-          <a:ln>
-            <a:noFill/>
-          </a:ln>
-        </p:spPr>
-        <p:style>
-          <a:lnRef idx="2">
-            <a:schemeClr val="accent1">
-              <a:shade val="50000"/>
-            </a:schemeClr>
-          </a:lnRef>
-          <a:fillRef idx="1">
-            <a:schemeClr val="accent1"/>
-          </a:fillRef>
-          <a:effectRef idx="0">
-            <a:schemeClr val="accent1"/>
-          </a:effectRef>
-          <a:fontRef idx="minor">
-            <a:schemeClr val="lt1"/>
-          </a:fontRef>
-        </p:style>
-        <p:txBody>
-          <a:bodyPr rtlCol="0" anchor="ctr"/>
-          <a:lstStyle/>
-          <a:p>
-            <a:pPr algn="ctr"/>
-            <a:endParaRPr lang="en-US"/>
-          </a:p>
-        </p:txBody>
-      </p:sp>
-      <p:sp>
-        <p:nvSpPr>
-          <p:cNvPr id="10" name="Parallelogram 9"/>
-          <p:cNvSpPr/>
-          <p:nvPr/>
-        </p:nvSpPr>
-        <p:spPr>
-          <a:xfrm>
-            <a:off x="1593318" y="9258300"/>
-            <a:ext cx="2133600" cy="342900"/>
-          </a:xfrm>
-          <a:prstGeom prst="parallelogram">
-            <a:avLst/>
-          </a:prstGeom>
-          <a:solidFill>
-            <a:srgbClr val="556080"/>
-          </a:solidFill>
-          <a:ln>
-            <a:noFill/>
-          </a:ln>
-        </p:spPr>
-        <p:style>
-          <a:lnRef idx="2">
-            <a:schemeClr val="accent1">
-              <a:shade val="50000"/>
-            </a:schemeClr>
-          </a:lnRef>
-          <a:fillRef idx="1">
-            <a:schemeClr val="accent1"/>
-          </a:fillRef>
-          <a:effectRef idx="0">
-            <a:schemeClr val="accent1"/>
-          </a:effectRef>
-          <a:fontRef idx="minor">
-            <a:schemeClr val="lt1"/>
-          </a:fontRef>
-        </p:style>
-        <p:txBody>
-          <a:bodyPr rtlCol="0" anchor="ctr"/>
-          <a:lstStyle/>
-          <a:p>
-            <a:pPr algn="ctr"/>
-            <a:endParaRPr lang="en-US"/>
-          </a:p>
-        </p:txBody>
-      </p:sp>
-      <p:sp>
-        <p:nvSpPr>
-          <p:cNvPr id="16" name="Parallelogram 15"/>
-          <p:cNvSpPr/>
-          <p:nvPr/>
-        </p:nvSpPr>
-        <p:spPr>
-          <a:xfrm>
-            <a:off x="5334000" y="9258300"/>
-            <a:ext cx="2133600" cy="342900"/>
-          </a:xfrm>
-          <a:prstGeom prst="parallelogram">
-            <a:avLst/>
-          </a:prstGeom>
-          <a:solidFill>
-            <a:srgbClr val="556080"/>
-          </a:solidFill>
-          <a:ln>
-            <a:noFill/>
-          </a:ln>
-        </p:spPr>
-        <p:style>
-          <a:lnRef idx="2">
-            <a:schemeClr val="accent1">
-              <a:shade val="50000"/>
-            </a:schemeClr>
-          </a:lnRef>
-          <a:fillRef idx="1">
-            <a:schemeClr val="accent1"/>
-          </a:fillRef>
-          <a:effectRef idx="0">
-            <a:schemeClr val="accent1"/>
-          </a:effectRef>
-          <a:fontRef idx="minor">
-            <a:schemeClr val="lt1"/>
-          </a:fontRef>
-        </p:style>
-        <p:txBody>
-          <a:bodyPr rtlCol="0" anchor="ctr"/>
-          <a:lstStyle/>
-          <a:p>
-            <a:pPr algn="ctr"/>
-            <a:endParaRPr lang="en-US"/>
-          </a:p>
-        </p:txBody>
-      </p:sp>
-      <p:sp>
-        <p:nvSpPr>
-          <p:cNvPr id="21" name="Parallelogram 20"/>
-          <p:cNvSpPr/>
-          <p:nvPr/>
-        </p:nvSpPr>
-        <p:spPr>
-          <a:xfrm>
-            <a:off x="9074682" y="9258300"/>
-            <a:ext cx="2133600" cy="342900"/>
-          </a:xfrm>
-          <a:prstGeom prst="parallelogram">
-            <a:avLst/>
-          </a:prstGeom>
-          <a:solidFill>
-            <a:srgbClr val="556080"/>
-          </a:solidFill>
-          <a:ln>
-            <a:noFill/>
-          </a:ln>
-        </p:spPr>
-        <p:style>
-          <a:lnRef idx="2">
-            <a:schemeClr val="accent1">
-              <a:shade val="50000"/>
-            </a:schemeClr>
-          </a:lnRef>
-          <a:fillRef idx="1">
-            <a:schemeClr val="accent1"/>
-          </a:fillRef>
-          <a:effectRef idx="0">
-            <a:schemeClr val="accent1"/>
-          </a:effectRef>
-          <a:fontRef idx="minor">
-            <a:schemeClr val="lt1"/>
-          </a:fontRef>
-        </p:style>
-        <p:txBody>
-          <a:bodyPr rtlCol="0" anchor="ctr"/>
-          <a:lstStyle/>
-          <a:p>
-            <a:pPr algn="ctr"/>
-            <a:endParaRPr lang="en-US"/>
-          </a:p>
-        </p:txBody>
-      </p:sp>
     </p:spTree>
     <p:extLst>
       <p:ext uri="{BB962C8B-B14F-4D97-AF65-F5344CB8AC3E}">
-        <p14:creationId xmlns:p14="http://schemas.microsoft.com/office/powerpoint/2010/main" val="3080859920"/>
+        <p14:creationId xmlns:p14="http://schemas.microsoft.com/office/powerpoint/2010/main" val="880619824"/>
       </p:ext>
     </p:extLst>
   </p:cSld>
@@ -4284,7 +4087,7 @@
             <a:avLst/>
           </a:prstGeom>
           <a:solidFill>
-            <a:srgbClr val="556080"/>
+            <a:srgbClr val="ED7161"/>
           </a:solidFill>
           <a:ln>
             <a:noFill/>
@@ -4507,148 +4310,10 @@
           </a:p>
         </p:txBody>
       </p:sp>
-      <p:sp>
-        <p:nvSpPr>
-          <p:cNvPr id="15" name="Parallelogram 14"/>
-          <p:cNvSpPr/>
-          <p:nvPr/>
-        </p:nvSpPr>
-        <p:spPr>
-          <a:xfrm>
-            <a:off x="1593318" y="9258300"/>
-            <a:ext cx="2133600" cy="342900"/>
-          </a:xfrm>
-          <a:prstGeom prst="parallelogram">
-            <a:avLst/>
-          </a:prstGeom>
-          <a:solidFill>
-            <a:srgbClr val="ED7161"/>
-          </a:solidFill>
-          <a:ln>
-            <a:noFill/>
-          </a:ln>
-        </p:spPr>
-        <p:style>
-          <a:lnRef idx="2">
-            <a:schemeClr val="accent1">
-              <a:shade val="50000"/>
-            </a:schemeClr>
-          </a:lnRef>
-          <a:fillRef idx="1">
-            <a:schemeClr val="accent1"/>
-          </a:fillRef>
-          <a:effectRef idx="0">
-            <a:schemeClr val="accent1"/>
-          </a:effectRef>
-          <a:fontRef idx="minor">
-            <a:schemeClr val="lt1"/>
-          </a:fontRef>
-        </p:style>
-        <p:txBody>
-          <a:bodyPr rtlCol="0" anchor="ctr"/>
-          <a:lstStyle/>
-          <a:p>
-            <a:pPr algn="ctr"/>
-            <a:endParaRPr lang="en-US"/>
-          </a:p>
-        </p:txBody>
-      </p:sp>
-      <p:sp>
-        <p:nvSpPr>
-          <p:cNvPr id="16" name="Parallelogram 15"/>
-          <p:cNvSpPr/>
-          <p:nvPr/>
-        </p:nvSpPr>
-        <p:spPr>
-          <a:xfrm>
-            <a:off x="5334000" y="9258300"/>
-            <a:ext cx="2133600" cy="342900"/>
-          </a:xfrm>
-          <a:prstGeom prst="parallelogram">
-            <a:avLst/>
-          </a:prstGeom>
-          <a:solidFill>
-            <a:srgbClr val="ED7161"/>
-          </a:solidFill>
-          <a:ln>
-            <a:noFill/>
-          </a:ln>
-        </p:spPr>
-        <p:style>
-          <a:lnRef idx="2">
-            <a:schemeClr val="accent1">
-              <a:shade val="50000"/>
-            </a:schemeClr>
-          </a:lnRef>
-          <a:fillRef idx="1">
-            <a:schemeClr val="accent1"/>
-          </a:fillRef>
-          <a:effectRef idx="0">
-            <a:schemeClr val="accent1"/>
-          </a:effectRef>
-          <a:fontRef idx="minor">
-            <a:schemeClr val="lt1"/>
-          </a:fontRef>
-        </p:style>
-        <p:txBody>
-          <a:bodyPr rtlCol="0" anchor="ctr"/>
-          <a:lstStyle/>
-          <a:p>
-            <a:pPr algn="ctr"/>
-            <a:endParaRPr lang="en-US"/>
-          </a:p>
-        </p:txBody>
-      </p:sp>
-      <p:sp>
-        <p:nvSpPr>
-          <p:cNvPr id="21" name="Parallelogram 20"/>
-          <p:cNvSpPr/>
-          <p:nvPr/>
-        </p:nvSpPr>
-        <p:spPr>
-          <a:xfrm>
-            <a:off x="9074682" y="9258300"/>
-            <a:ext cx="2133600" cy="342900"/>
-          </a:xfrm>
-          <a:prstGeom prst="parallelogram">
-            <a:avLst/>
-          </a:prstGeom>
-          <a:solidFill>
-            <a:srgbClr val="ED7161"/>
-          </a:solidFill>
-          <a:ln>
-            <a:noFill/>
-          </a:ln>
-        </p:spPr>
-        <p:style>
-          <a:lnRef idx="2">
-            <a:schemeClr val="accent1">
-              <a:shade val="50000"/>
-            </a:schemeClr>
-          </a:lnRef>
-          <a:fillRef idx="1">
-            <a:schemeClr val="accent1"/>
-          </a:fillRef>
-          <a:effectRef idx="0">
-            <a:schemeClr val="accent1"/>
-          </a:effectRef>
-          <a:fontRef idx="minor">
-            <a:schemeClr val="lt1"/>
-          </a:fontRef>
-        </p:style>
-        <p:txBody>
-          <a:bodyPr rtlCol="0" anchor="ctr"/>
-          <a:lstStyle/>
-          <a:p>
-            <a:pPr algn="ctr"/>
-            <a:endParaRPr lang="en-US"/>
-          </a:p>
-        </p:txBody>
-      </p:sp>
     </p:spTree>
     <p:extLst>
       <p:ext uri="{BB962C8B-B14F-4D97-AF65-F5344CB8AC3E}">
-        <p14:creationId xmlns:p14="http://schemas.microsoft.com/office/powerpoint/2010/main" val="1541149815"/>
+        <p14:creationId xmlns:p14="http://schemas.microsoft.com/office/powerpoint/2010/main" val="195344800"/>
       </p:ext>
     </p:extLst>
   </p:cSld>
@@ -4870,7 +4535,7 @@
             <a:r>
               <a:rPr lang="en-US" sz="4400" b="1" dirty="0" smtClean="0">
                 <a:solidFill>
-                  <a:srgbClr val="7AC673"/>
+                  <a:srgbClr val="ED7161"/>
                 </a:solidFill>
                 <a:latin typeface="Candara" panose="020E0502030303020204" pitchFamily="34" charset="0"/>
                 <a:cs typeface="Agent Orange" panose="00000400000000000000" pitchFamily="2" charset="0"/>
@@ -4879,7 +4544,7 @@
             </a:r>
             <a:endParaRPr lang="en-US" sz="4400" b="1" dirty="0">
               <a:solidFill>
-                <a:srgbClr val="7AC673"/>
+                <a:srgbClr val="ED7161"/>
               </a:solidFill>
               <a:latin typeface="Candara" panose="020E0502030303020204" pitchFamily="34" charset="0"/>
               <a:cs typeface="Agent Orange" panose="00000400000000000000" pitchFamily="2" charset="0"/>
@@ -4913,7 +4578,7 @@
             <a:r>
               <a:rPr lang="en-US" sz="3200" b="1" dirty="0" smtClean="0">
                 <a:solidFill>
-                  <a:srgbClr val="696969"/>
+                  <a:srgbClr val="556080"/>
                 </a:solidFill>
                 <a:latin typeface="Bahnschrift" panose="020B0502040204020203" pitchFamily="34" charset="0"/>
               </a:rPr>
@@ -4921,7 +4586,7 @@
             </a:r>
             <a:endParaRPr lang="en-US" sz="3200" b="1" dirty="0">
               <a:solidFill>
-                <a:srgbClr val="696969"/>
+                <a:srgbClr val="556080"/>
               </a:solidFill>
               <a:latin typeface="Bahnschrift" panose="020B0502040204020203" pitchFamily="34" charset="0"/>
             </a:endParaRPr>
@@ -4954,7 +4619,7 @@
             <a:r>
               <a:rPr lang="en-US" sz="3200" b="1" dirty="0" smtClean="0">
                 <a:solidFill>
-                  <a:srgbClr val="696969"/>
+                  <a:srgbClr val="556080"/>
                 </a:solidFill>
                 <a:latin typeface="Bahnschrift" panose="020B0502040204020203" pitchFamily="34" charset="0"/>
               </a:rPr>
@@ -4962,7 +4627,7 @@
             </a:r>
             <a:endParaRPr lang="en-US" sz="3200" b="1" dirty="0">
               <a:solidFill>
-                <a:srgbClr val="696969"/>
+                <a:srgbClr val="556080"/>
               </a:solidFill>
               <a:latin typeface="Bahnschrift" panose="020B0502040204020203" pitchFamily="34" charset="0"/>
             </a:endParaRPr>
@@ -4995,6 +4660,3415 @@
             <a:r>
               <a:rPr lang="en-US" sz="4400" b="1" dirty="0" err="1" smtClean="0">
                 <a:solidFill>
+                  <a:srgbClr val="ED7161"/>
+                </a:solidFill>
+                <a:latin typeface="Candara" panose="020E0502030303020204" pitchFamily="34" charset="0"/>
+                <a:cs typeface="Agent Orange" panose="00000400000000000000" pitchFamily="2" charset="0"/>
+              </a:rPr>
+              <a:t>bemBem</a:t>
+            </a:r>
+            <a:endParaRPr lang="en-US" sz="4400" b="1" dirty="0">
+              <a:solidFill>
+                <a:srgbClr val="ED7161"/>
+              </a:solidFill>
+              <a:latin typeface="Candara" panose="020E0502030303020204" pitchFamily="34" charset="0"/>
+              <a:cs typeface="Agent Orange" panose="00000400000000000000" pitchFamily="2" charset="0"/>
+            </a:endParaRPr>
+          </a:p>
+        </p:txBody>
+      </p:sp>
+      <p:sp>
+        <p:nvSpPr>
+          <p:cNvPr id="2" name="Rectangle 1"/>
+          <p:cNvSpPr/>
+          <p:nvPr/>
+        </p:nvSpPr>
+        <p:spPr>
+          <a:xfrm>
+            <a:off x="0" y="9258300"/>
+            <a:ext cx="12801600" cy="342900"/>
+          </a:xfrm>
+          <a:prstGeom prst="rect">
+            <a:avLst/>
+          </a:prstGeom>
+          <a:solidFill>
+            <a:srgbClr val="ED7161"/>
+          </a:solidFill>
+          <a:ln>
+            <a:noFill/>
+          </a:ln>
+        </p:spPr>
+        <p:style>
+          <a:lnRef idx="2">
+            <a:schemeClr val="accent1">
+              <a:shade val="50000"/>
+            </a:schemeClr>
+          </a:lnRef>
+          <a:fillRef idx="1">
+            <a:schemeClr val="accent1"/>
+          </a:fillRef>
+          <a:effectRef idx="0">
+            <a:schemeClr val="accent1"/>
+          </a:effectRef>
+          <a:fontRef idx="minor">
+            <a:schemeClr val="lt1"/>
+          </a:fontRef>
+        </p:style>
+        <p:txBody>
+          <a:bodyPr rtlCol="0" anchor="ctr"/>
+          <a:lstStyle/>
+          <a:p>
+            <a:pPr algn="ctr"/>
+            <a:endParaRPr lang="en-US"/>
+          </a:p>
+        </p:txBody>
+      </p:sp>
+      <p:sp>
+        <p:nvSpPr>
+          <p:cNvPr id="17" name="5-Point Star 16"/>
+          <p:cNvSpPr>
+            <a:spLocks noChangeAspect="1"/>
+          </p:cNvSpPr>
+          <p:nvPr/>
+        </p:nvSpPr>
+        <p:spPr>
+          <a:xfrm>
+            <a:off x="2522958" y="1051560"/>
+            <a:ext cx="274320" cy="274320"/>
+          </a:xfrm>
+          <a:prstGeom prst="star5">
+            <a:avLst/>
+          </a:prstGeom>
+          <a:solidFill>
+            <a:srgbClr val="556080"/>
+          </a:solidFill>
+          <a:ln>
+            <a:noFill/>
+          </a:ln>
+        </p:spPr>
+        <p:style>
+          <a:lnRef idx="2">
+            <a:schemeClr val="accent1">
+              <a:shade val="50000"/>
+            </a:schemeClr>
+          </a:lnRef>
+          <a:fillRef idx="1">
+            <a:schemeClr val="accent1"/>
+          </a:fillRef>
+          <a:effectRef idx="0">
+            <a:schemeClr val="accent1"/>
+          </a:effectRef>
+          <a:fontRef idx="minor">
+            <a:schemeClr val="lt1"/>
+          </a:fontRef>
+        </p:style>
+        <p:txBody>
+          <a:bodyPr rtlCol="0" anchor="ctr"/>
+          <a:lstStyle/>
+          <a:p>
+            <a:pPr algn="ctr"/>
+            <a:endParaRPr lang="en-US"/>
+          </a:p>
+        </p:txBody>
+      </p:sp>
+      <p:sp>
+        <p:nvSpPr>
+          <p:cNvPr id="18" name="5-Point Star 17"/>
+          <p:cNvSpPr>
+            <a:spLocks noChangeAspect="1"/>
+          </p:cNvSpPr>
+          <p:nvPr/>
+        </p:nvSpPr>
+        <p:spPr>
+          <a:xfrm>
+            <a:off x="3039950" y="1051560"/>
+            <a:ext cx="274320" cy="274320"/>
+          </a:xfrm>
+          <a:prstGeom prst="star5">
+            <a:avLst/>
+          </a:prstGeom>
+          <a:solidFill>
+            <a:srgbClr val="556080"/>
+          </a:solidFill>
+          <a:ln>
+            <a:noFill/>
+          </a:ln>
+        </p:spPr>
+        <p:style>
+          <a:lnRef idx="2">
+            <a:schemeClr val="accent1">
+              <a:shade val="50000"/>
+            </a:schemeClr>
+          </a:lnRef>
+          <a:fillRef idx="1">
+            <a:schemeClr val="accent1"/>
+          </a:fillRef>
+          <a:effectRef idx="0">
+            <a:schemeClr val="accent1"/>
+          </a:effectRef>
+          <a:fontRef idx="minor">
+            <a:schemeClr val="lt1"/>
+          </a:fontRef>
+        </p:style>
+        <p:txBody>
+          <a:bodyPr rtlCol="0" anchor="ctr"/>
+          <a:lstStyle/>
+          <a:p>
+            <a:pPr algn="ctr"/>
+            <a:endParaRPr lang="en-US"/>
+          </a:p>
+        </p:txBody>
+      </p:sp>
+      <p:sp>
+        <p:nvSpPr>
+          <p:cNvPr id="19" name="5-Point Star 18"/>
+          <p:cNvSpPr>
+            <a:spLocks noChangeAspect="1"/>
+          </p:cNvSpPr>
+          <p:nvPr/>
+        </p:nvSpPr>
+        <p:spPr>
+          <a:xfrm>
+            <a:off x="9455683" y="1051560"/>
+            <a:ext cx="274320" cy="274320"/>
+          </a:xfrm>
+          <a:prstGeom prst="star5">
+            <a:avLst/>
+          </a:prstGeom>
+          <a:solidFill>
+            <a:srgbClr val="556080"/>
+          </a:solidFill>
+          <a:ln>
+            <a:noFill/>
+          </a:ln>
+        </p:spPr>
+        <p:style>
+          <a:lnRef idx="2">
+            <a:schemeClr val="accent1">
+              <a:shade val="50000"/>
+            </a:schemeClr>
+          </a:lnRef>
+          <a:fillRef idx="1">
+            <a:schemeClr val="accent1"/>
+          </a:fillRef>
+          <a:effectRef idx="0">
+            <a:schemeClr val="accent1"/>
+          </a:effectRef>
+          <a:fontRef idx="minor">
+            <a:schemeClr val="lt1"/>
+          </a:fontRef>
+        </p:style>
+        <p:txBody>
+          <a:bodyPr rtlCol="0" anchor="ctr"/>
+          <a:lstStyle/>
+          <a:p>
+            <a:pPr algn="ctr"/>
+            <a:endParaRPr lang="en-US"/>
+          </a:p>
+        </p:txBody>
+      </p:sp>
+      <p:sp>
+        <p:nvSpPr>
+          <p:cNvPr id="20" name="5-Point Star 19"/>
+          <p:cNvSpPr>
+            <a:spLocks noChangeAspect="1"/>
+          </p:cNvSpPr>
+          <p:nvPr/>
+        </p:nvSpPr>
+        <p:spPr>
+          <a:xfrm>
+            <a:off x="9972675" y="1051560"/>
+            <a:ext cx="274320" cy="274320"/>
+          </a:xfrm>
+          <a:prstGeom prst="star5">
+            <a:avLst/>
+          </a:prstGeom>
+          <a:solidFill>
+            <a:srgbClr val="556080"/>
+          </a:solidFill>
+          <a:ln>
+            <a:noFill/>
+          </a:ln>
+        </p:spPr>
+        <p:style>
+          <a:lnRef idx="2">
+            <a:schemeClr val="accent1">
+              <a:shade val="50000"/>
+            </a:schemeClr>
+          </a:lnRef>
+          <a:fillRef idx="1">
+            <a:schemeClr val="accent1"/>
+          </a:fillRef>
+          <a:effectRef idx="0">
+            <a:schemeClr val="accent1"/>
+          </a:effectRef>
+          <a:fontRef idx="minor">
+            <a:schemeClr val="lt1"/>
+          </a:fontRef>
+        </p:style>
+        <p:txBody>
+          <a:bodyPr rtlCol="0" anchor="ctr"/>
+          <a:lstStyle/>
+          <a:p>
+            <a:pPr algn="ctr"/>
+            <a:endParaRPr lang="en-US"/>
+          </a:p>
+        </p:txBody>
+      </p:sp>
+      <p:sp>
+        <p:nvSpPr>
+          <p:cNvPr id="10" name="Donut 9"/>
+          <p:cNvSpPr/>
+          <p:nvPr/>
+        </p:nvSpPr>
+        <p:spPr>
+          <a:xfrm>
+            <a:off x="6263640" y="9292590"/>
+            <a:ext cx="274320" cy="274320"/>
+          </a:xfrm>
+          <a:prstGeom prst="donut">
+            <a:avLst/>
+          </a:prstGeom>
+          <a:solidFill>
+            <a:srgbClr val="556080"/>
+          </a:solidFill>
+          <a:ln w="3175">
+            <a:solidFill>
+              <a:schemeClr val="bg1">
+                <a:lumMod val="95000"/>
+              </a:schemeClr>
+            </a:solidFill>
+          </a:ln>
+        </p:spPr>
+        <p:style>
+          <a:lnRef idx="2">
+            <a:schemeClr val="accent1">
+              <a:shade val="50000"/>
+            </a:schemeClr>
+          </a:lnRef>
+          <a:fillRef idx="1">
+            <a:schemeClr val="accent1"/>
+          </a:fillRef>
+          <a:effectRef idx="0">
+            <a:schemeClr val="accent1"/>
+          </a:effectRef>
+          <a:fontRef idx="minor">
+            <a:schemeClr val="lt1"/>
+          </a:fontRef>
+        </p:style>
+        <p:txBody>
+          <a:bodyPr rtlCol="0" anchor="ctr"/>
+          <a:lstStyle/>
+          <a:p>
+            <a:pPr algn="ctr"/>
+            <a:endParaRPr lang="en-US">
+              <a:solidFill>
+                <a:schemeClr val="tx1"/>
+              </a:solidFill>
+            </a:endParaRPr>
+          </a:p>
+        </p:txBody>
+      </p:sp>
+    </p:spTree>
+    <p:extLst>
+      <p:ext uri="{BB962C8B-B14F-4D97-AF65-F5344CB8AC3E}">
+        <p14:creationId xmlns:p14="http://schemas.microsoft.com/office/powerpoint/2010/main" val="1827156981"/>
+      </p:ext>
+    </p:extLst>
+  </p:cSld>
+  <p:clrMapOvr>
+    <a:masterClrMapping/>
+  </p:clrMapOvr>
+  <p:timing>
+    <p:tnLst>
+      <p:par>
+        <p:cTn id="1" dur="indefinite" restart="never" nodeType="tmRoot"/>
+      </p:par>
+    </p:tnLst>
+  </p:timing>
+</p:sld>
+</file>
+
+<file path=ppt/slides/slide13.xml><?xml version="1.0" encoding="utf-8"?>
+<p:sld xmlns:a="http://schemas.openxmlformats.org/drawingml/2006/main" xmlns:r="http://schemas.openxmlformats.org/officeDocument/2006/relationships" xmlns:p="http://schemas.openxmlformats.org/presentationml/2006/main">
+  <p:cSld>
+    <p:bg>
+      <p:bgPr>
+        <a:solidFill>
+          <a:schemeClr val="bg1">
+            <a:lumMod val="95000"/>
+          </a:schemeClr>
+        </a:solidFill>
+        <a:effectLst/>
+      </p:bgPr>
+    </p:bg>
+    <p:spTree>
+      <p:nvGrpSpPr>
+        <p:cNvPr id="1" name=""/>
+        <p:cNvGrpSpPr/>
+        <p:nvPr/>
+      </p:nvGrpSpPr>
+      <p:grpSpPr>
+        <a:xfrm>
+          <a:off x="0" y="0"/>
+          <a:ext cx="0" cy="0"/>
+          <a:chOff x="0" y="0"/>
+          <a:chExt cx="0" cy="0"/>
+        </a:xfrm>
+      </p:grpSpPr>
+      <p:sp>
+        <p:nvSpPr>
+          <p:cNvPr id="3" name="Title 2" hidden="1"/>
+          <p:cNvSpPr>
+            <a:spLocks noGrp="1"/>
+          </p:cNvSpPr>
+          <p:nvPr>
+            <p:ph type="title"/>
+          </p:nvPr>
+        </p:nvSpPr>
+        <p:spPr/>
+        <p:txBody>
+          <a:bodyPr/>
+          <a:lstStyle/>
+          <a:p>
+            <a:r>
+              <a:rPr lang="en-US" dirty="0" smtClean="0"/>
+              <a:t>1</a:t>
+            </a:r>
+            <a:endParaRPr lang="en-US" dirty="0"/>
+          </a:p>
+        </p:txBody>
+      </p:sp>
+      <p:pic>
+        <p:nvPicPr>
+          <p:cNvPr id="4" name="Picture 3"/>
+          <p:cNvPicPr>
+            <a:picLocks noChangeAspect="1"/>
+          </p:cNvPicPr>
+          <p:nvPr/>
+        </p:nvPicPr>
+        <p:blipFill>
+          <a:blip r:embed="rId2">
+            <a:extLst>
+              <a:ext uri="{28A0092B-C50C-407E-A947-70E740481C1C}">
+                <a14:useLocalDpi xmlns:a14="http://schemas.microsoft.com/office/drawing/2010/main" val="0"/>
+              </a:ext>
+            </a:extLst>
+          </a:blip>
+          <a:stretch>
+            <a:fillRect/>
+          </a:stretch>
+        </p:blipFill>
+        <p:spPr>
+          <a:xfrm>
+            <a:off x="3799615" y="1265015"/>
+            <a:ext cx="5202371" cy="5202371"/>
+          </a:xfrm>
+          <a:prstGeom prst="rect">
+            <a:avLst/>
+          </a:prstGeom>
+        </p:spPr>
+      </p:pic>
+      <p:sp>
+        <p:nvSpPr>
+          <p:cNvPr id="5" name="TextBox 4"/>
+          <p:cNvSpPr txBox="1"/>
+          <p:nvPr/>
+        </p:nvSpPr>
+        <p:spPr>
+          <a:xfrm>
+            <a:off x="1190625" y="514350"/>
+            <a:ext cx="10420350" cy="1200329"/>
+          </a:xfrm>
+          <a:prstGeom prst="rect">
+            <a:avLst/>
+          </a:prstGeom>
+          <a:noFill/>
+        </p:spPr>
+        <p:txBody>
+          <a:bodyPr wrap="square" rtlCol="0">
+            <a:spAutoFit/>
+          </a:bodyPr>
+          <a:lstStyle/>
+          <a:p>
+            <a:pPr algn="ctr"/>
+            <a:r>
+              <a:rPr lang="en-US" sz="7200" b="1" dirty="0" smtClean="0">
+                <a:solidFill>
+                  <a:srgbClr val="ED7161"/>
+                </a:solidFill>
+                <a:effectLst>
+                  <a:outerShdw blurRad="38100" dist="38100" dir="2700000" algn="tl">
+                    <a:srgbClr val="000000">
+                      <a:alpha val="43137"/>
+                    </a:srgbClr>
+                  </a:outerShdw>
+                </a:effectLst>
+                <a:latin typeface="Bahnschrift" panose="020B0502040204020203" pitchFamily="34" charset="0"/>
+              </a:rPr>
+              <a:t>Coming Soon!!!</a:t>
+            </a:r>
+            <a:endParaRPr lang="en-US" sz="7200" b="1" dirty="0">
+              <a:solidFill>
+                <a:srgbClr val="ED7161"/>
+              </a:solidFill>
+              <a:effectLst>
+                <a:outerShdw blurRad="38100" dist="38100" dir="2700000" algn="tl">
+                  <a:srgbClr val="000000">
+                    <a:alpha val="43137"/>
+                  </a:srgbClr>
+                </a:outerShdw>
+              </a:effectLst>
+              <a:latin typeface="Bahnschrift" panose="020B0502040204020203" pitchFamily="34" charset="0"/>
+            </a:endParaRPr>
+          </a:p>
+        </p:txBody>
+      </p:sp>
+      <p:sp>
+        <p:nvSpPr>
+          <p:cNvPr id="6" name="TextBox 5"/>
+          <p:cNvSpPr txBox="1"/>
+          <p:nvPr/>
+        </p:nvSpPr>
+        <p:spPr>
+          <a:xfrm>
+            <a:off x="2828925" y="5698782"/>
+            <a:ext cx="7143750" cy="1200329"/>
+          </a:xfrm>
+          <a:prstGeom prst="rect">
+            <a:avLst/>
+          </a:prstGeom>
+          <a:noFill/>
+        </p:spPr>
+        <p:txBody>
+          <a:bodyPr wrap="square" rtlCol="0">
+            <a:prstTxWarp prst="textArchDown">
+              <a:avLst/>
+            </a:prstTxWarp>
+            <a:spAutoFit/>
+          </a:bodyPr>
+          <a:lstStyle/>
+          <a:p>
+            <a:pPr algn="ctr"/>
+            <a:r>
+              <a:rPr lang="en-US" sz="8800" spc="300" dirty="0" smtClean="0">
+                <a:solidFill>
+                  <a:srgbClr val="ED7161"/>
+                </a:solidFill>
+                <a:latin typeface="Gill Sans MT Condensed" panose="020B0506020104020203" pitchFamily="34" charset="0"/>
+              </a:rPr>
+              <a:t>skunk-head</a:t>
+            </a:r>
+            <a:endParaRPr lang="en-US" sz="8800" spc="300" dirty="0">
+              <a:solidFill>
+                <a:srgbClr val="ED7161"/>
+              </a:solidFill>
+              <a:latin typeface="Gill Sans MT Condensed" panose="020B0506020104020203" pitchFamily="34" charset="0"/>
+            </a:endParaRPr>
+          </a:p>
+        </p:txBody>
+      </p:sp>
+      <p:sp>
+        <p:nvSpPr>
+          <p:cNvPr id="7" name="TextBox 6"/>
+          <p:cNvSpPr txBox="1"/>
+          <p:nvPr/>
+        </p:nvSpPr>
+        <p:spPr>
+          <a:xfrm>
+            <a:off x="523875" y="8185725"/>
+            <a:ext cx="3409950" cy="769441"/>
+          </a:xfrm>
+          <a:prstGeom prst="rect">
+            <a:avLst/>
+          </a:prstGeom>
+          <a:noFill/>
+        </p:spPr>
+        <p:txBody>
+          <a:bodyPr wrap="square" rtlCol="0">
+            <a:spAutoFit/>
+          </a:bodyPr>
+          <a:lstStyle/>
+          <a:p>
+            <a:pPr algn="ctr"/>
+            <a:r>
+              <a:rPr lang="en-US" sz="4400" b="1" dirty="0" smtClean="0">
+                <a:solidFill>
+                  <a:srgbClr val="ED7161"/>
+                </a:solidFill>
+                <a:latin typeface="Candara" panose="020E0502030303020204" pitchFamily="34" charset="0"/>
+                <a:cs typeface="Agent Orange" panose="00000400000000000000" pitchFamily="2" charset="0"/>
+              </a:rPr>
+              <a:t>10 – 1 – 2018</a:t>
+            </a:r>
+            <a:endParaRPr lang="en-US" sz="4400" b="1" dirty="0">
+              <a:solidFill>
+                <a:srgbClr val="ED7161"/>
+              </a:solidFill>
+              <a:latin typeface="Candara" panose="020E0502030303020204" pitchFamily="34" charset="0"/>
+              <a:cs typeface="Agent Orange" panose="00000400000000000000" pitchFamily="2" charset="0"/>
+            </a:endParaRPr>
+          </a:p>
+        </p:txBody>
+      </p:sp>
+      <p:sp>
+        <p:nvSpPr>
+          <p:cNvPr id="8" name="TextBox 7"/>
+          <p:cNvSpPr txBox="1"/>
+          <p:nvPr/>
+        </p:nvSpPr>
+        <p:spPr>
+          <a:xfrm>
+            <a:off x="1771650" y="7600950"/>
+            <a:ext cx="914400" cy="584775"/>
+          </a:xfrm>
+          <a:prstGeom prst="rect">
+            <a:avLst/>
+          </a:prstGeom>
+          <a:noFill/>
+        </p:spPr>
+        <p:txBody>
+          <a:bodyPr wrap="square" rtlCol="0">
+            <a:spAutoFit/>
+          </a:bodyPr>
+          <a:lstStyle/>
+          <a:p>
+            <a:pPr algn="ctr"/>
+            <a:r>
+              <a:rPr lang="en-US" sz="3200" b="1" dirty="0" smtClean="0">
+                <a:solidFill>
+                  <a:srgbClr val="556080"/>
+                </a:solidFill>
+                <a:latin typeface="Bahnschrift" panose="020B0502040204020203" pitchFamily="34" charset="0"/>
+              </a:rPr>
+              <a:t>On</a:t>
+            </a:r>
+            <a:endParaRPr lang="en-US" sz="3200" b="1" dirty="0">
+              <a:solidFill>
+                <a:srgbClr val="556080"/>
+              </a:solidFill>
+              <a:latin typeface="Bahnschrift" panose="020B0502040204020203" pitchFamily="34" charset="0"/>
+            </a:endParaRPr>
+          </a:p>
+        </p:txBody>
+      </p:sp>
+      <p:sp>
+        <p:nvSpPr>
+          <p:cNvPr id="9" name="TextBox 8"/>
+          <p:cNvSpPr txBox="1"/>
+          <p:nvPr/>
+        </p:nvSpPr>
+        <p:spPr>
+          <a:xfrm>
+            <a:off x="9515475" y="7600950"/>
+            <a:ext cx="914400" cy="584775"/>
+          </a:xfrm>
+          <a:prstGeom prst="rect">
+            <a:avLst/>
+          </a:prstGeom>
+          <a:noFill/>
+        </p:spPr>
+        <p:txBody>
+          <a:bodyPr wrap="square" rtlCol="0">
+            <a:spAutoFit/>
+          </a:bodyPr>
+          <a:lstStyle/>
+          <a:p>
+            <a:pPr algn="ctr"/>
+            <a:r>
+              <a:rPr lang="en-US" sz="3200" b="1" dirty="0" smtClean="0">
+                <a:solidFill>
+                  <a:srgbClr val="556080"/>
+                </a:solidFill>
+                <a:latin typeface="Bahnschrift" panose="020B0502040204020203" pitchFamily="34" charset="0"/>
+              </a:rPr>
+              <a:t>By</a:t>
+            </a:r>
+            <a:endParaRPr lang="en-US" sz="3200" b="1" dirty="0">
+              <a:solidFill>
+                <a:srgbClr val="556080"/>
+              </a:solidFill>
+              <a:latin typeface="Bahnschrift" panose="020B0502040204020203" pitchFamily="34" charset="0"/>
+            </a:endParaRPr>
+          </a:p>
+        </p:txBody>
+      </p:sp>
+      <p:sp>
+        <p:nvSpPr>
+          <p:cNvPr id="13" name="TextBox 12"/>
+          <p:cNvSpPr txBox="1"/>
+          <p:nvPr/>
+        </p:nvSpPr>
+        <p:spPr>
+          <a:xfrm>
+            <a:off x="8267700" y="8185725"/>
+            <a:ext cx="3409950" cy="769441"/>
+          </a:xfrm>
+          <a:prstGeom prst="rect">
+            <a:avLst/>
+          </a:prstGeom>
+          <a:noFill/>
+        </p:spPr>
+        <p:txBody>
+          <a:bodyPr wrap="square" rtlCol="0">
+            <a:spAutoFit/>
+          </a:bodyPr>
+          <a:lstStyle/>
+          <a:p>
+            <a:pPr algn="ctr"/>
+            <a:r>
+              <a:rPr lang="en-US" sz="4400" b="1" dirty="0" err="1" smtClean="0">
+                <a:solidFill>
+                  <a:srgbClr val="ED7161"/>
+                </a:solidFill>
+                <a:latin typeface="Candara" panose="020E0502030303020204" pitchFamily="34" charset="0"/>
+                <a:cs typeface="Agent Orange" panose="00000400000000000000" pitchFamily="2" charset="0"/>
+              </a:rPr>
+              <a:t>bemBem</a:t>
+            </a:r>
+            <a:endParaRPr lang="en-US" sz="4400" b="1" dirty="0">
+              <a:solidFill>
+                <a:srgbClr val="ED7161"/>
+              </a:solidFill>
+              <a:latin typeface="Candara" panose="020E0502030303020204" pitchFamily="34" charset="0"/>
+              <a:cs typeface="Agent Orange" panose="00000400000000000000" pitchFamily="2" charset="0"/>
+            </a:endParaRPr>
+          </a:p>
+        </p:txBody>
+      </p:sp>
+      <p:sp>
+        <p:nvSpPr>
+          <p:cNvPr id="2" name="Rectangle 1"/>
+          <p:cNvSpPr/>
+          <p:nvPr/>
+        </p:nvSpPr>
+        <p:spPr>
+          <a:xfrm>
+            <a:off x="0" y="9258300"/>
+            <a:ext cx="12801600" cy="342900"/>
+          </a:xfrm>
+          <a:prstGeom prst="rect">
+            <a:avLst/>
+          </a:prstGeom>
+          <a:solidFill>
+            <a:srgbClr val="556080"/>
+          </a:solidFill>
+          <a:ln>
+            <a:noFill/>
+          </a:ln>
+        </p:spPr>
+        <p:style>
+          <a:lnRef idx="2">
+            <a:schemeClr val="accent1">
+              <a:shade val="50000"/>
+            </a:schemeClr>
+          </a:lnRef>
+          <a:fillRef idx="1">
+            <a:schemeClr val="accent1"/>
+          </a:fillRef>
+          <a:effectRef idx="0">
+            <a:schemeClr val="accent1"/>
+          </a:effectRef>
+          <a:fontRef idx="minor">
+            <a:schemeClr val="lt1"/>
+          </a:fontRef>
+        </p:style>
+        <p:txBody>
+          <a:bodyPr rtlCol="0" anchor="ctr"/>
+          <a:lstStyle/>
+          <a:p>
+            <a:pPr algn="ctr"/>
+            <a:endParaRPr lang="en-US"/>
+          </a:p>
+        </p:txBody>
+      </p:sp>
+      <p:sp>
+        <p:nvSpPr>
+          <p:cNvPr id="17" name="5-Point Star 16"/>
+          <p:cNvSpPr>
+            <a:spLocks noChangeAspect="1"/>
+          </p:cNvSpPr>
+          <p:nvPr/>
+        </p:nvSpPr>
+        <p:spPr>
+          <a:xfrm>
+            <a:off x="2522958" y="1051560"/>
+            <a:ext cx="274320" cy="274320"/>
+          </a:xfrm>
+          <a:prstGeom prst="star5">
+            <a:avLst/>
+          </a:prstGeom>
+          <a:solidFill>
+            <a:srgbClr val="556080"/>
+          </a:solidFill>
+          <a:ln>
+            <a:noFill/>
+          </a:ln>
+        </p:spPr>
+        <p:style>
+          <a:lnRef idx="2">
+            <a:schemeClr val="accent1">
+              <a:shade val="50000"/>
+            </a:schemeClr>
+          </a:lnRef>
+          <a:fillRef idx="1">
+            <a:schemeClr val="accent1"/>
+          </a:fillRef>
+          <a:effectRef idx="0">
+            <a:schemeClr val="accent1"/>
+          </a:effectRef>
+          <a:fontRef idx="minor">
+            <a:schemeClr val="lt1"/>
+          </a:fontRef>
+        </p:style>
+        <p:txBody>
+          <a:bodyPr rtlCol="0" anchor="ctr"/>
+          <a:lstStyle/>
+          <a:p>
+            <a:pPr algn="ctr"/>
+            <a:endParaRPr lang="en-US"/>
+          </a:p>
+        </p:txBody>
+      </p:sp>
+      <p:sp>
+        <p:nvSpPr>
+          <p:cNvPr id="18" name="5-Point Star 17"/>
+          <p:cNvSpPr>
+            <a:spLocks noChangeAspect="1"/>
+          </p:cNvSpPr>
+          <p:nvPr/>
+        </p:nvSpPr>
+        <p:spPr>
+          <a:xfrm>
+            <a:off x="3039950" y="1051560"/>
+            <a:ext cx="274320" cy="274320"/>
+          </a:xfrm>
+          <a:prstGeom prst="star5">
+            <a:avLst/>
+          </a:prstGeom>
+          <a:solidFill>
+            <a:srgbClr val="556080"/>
+          </a:solidFill>
+          <a:ln>
+            <a:noFill/>
+          </a:ln>
+        </p:spPr>
+        <p:style>
+          <a:lnRef idx="2">
+            <a:schemeClr val="accent1">
+              <a:shade val="50000"/>
+            </a:schemeClr>
+          </a:lnRef>
+          <a:fillRef idx="1">
+            <a:schemeClr val="accent1"/>
+          </a:fillRef>
+          <a:effectRef idx="0">
+            <a:schemeClr val="accent1"/>
+          </a:effectRef>
+          <a:fontRef idx="minor">
+            <a:schemeClr val="lt1"/>
+          </a:fontRef>
+        </p:style>
+        <p:txBody>
+          <a:bodyPr rtlCol="0" anchor="ctr"/>
+          <a:lstStyle/>
+          <a:p>
+            <a:pPr algn="ctr"/>
+            <a:endParaRPr lang="en-US"/>
+          </a:p>
+        </p:txBody>
+      </p:sp>
+      <p:sp>
+        <p:nvSpPr>
+          <p:cNvPr id="19" name="5-Point Star 18"/>
+          <p:cNvSpPr>
+            <a:spLocks noChangeAspect="1"/>
+          </p:cNvSpPr>
+          <p:nvPr/>
+        </p:nvSpPr>
+        <p:spPr>
+          <a:xfrm>
+            <a:off x="9455683" y="1051560"/>
+            <a:ext cx="274320" cy="274320"/>
+          </a:xfrm>
+          <a:prstGeom prst="star5">
+            <a:avLst/>
+          </a:prstGeom>
+          <a:solidFill>
+            <a:srgbClr val="556080"/>
+          </a:solidFill>
+          <a:ln>
+            <a:noFill/>
+          </a:ln>
+        </p:spPr>
+        <p:style>
+          <a:lnRef idx="2">
+            <a:schemeClr val="accent1">
+              <a:shade val="50000"/>
+            </a:schemeClr>
+          </a:lnRef>
+          <a:fillRef idx="1">
+            <a:schemeClr val="accent1"/>
+          </a:fillRef>
+          <a:effectRef idx="0">
+            <a:schemeClr val="accent1"/>
+          </a:effectRef>
+          <a:fontRef idx="minor">
+            <a:schemeClr val="lt1"/>
+          </a:fontRef>
+        </p:style>
+        <p:txBody>
+          <a:bodyPr rtlCol="0" anchor="ctr"/>
+          <a:lstStyle/>
+          <a:p>
+            <a:pPr algn="ctr"/>
+            <a:endParaRPr lang="en-US"/>
+          </a:p>
+        </p:txBody>
+      </p:sp>
+      <p:sp>
+        <p:nvSpPr>
+          <p:cNvPr id="20" name="5-Point Star 19"/>
+          <p:cNvSpPr>
+            <a:spLocks noChangeAspect="1"/>
+          </p:cNvSpPr>
+          <p:nvPr/>
+        </p:nvSpPr>
+        <p:spPr>
+          <a:xfrm>
+            <a:off x="9972675" y="1051560"/>
+            <a:ext cx="274320" cy="274320"/>
+          </a:xfrm>
+          <a:prstGeom prst="star5">
+            <a:avLst/>
+          </a:prstGeom>
+          <a:solidFill>
+            <a:srgbClr val="556080"/>
+          </a:solidFill>
+          <a:ln>
+            <a:noFill/>
+          </a:ln>
+        </p:spPr>
+        <p:style>
+          <a:lnRef idx="2">
+            <a:schemeClr val="accent1">
+              <a:shade val="50000"/>
+            </a:schemeClr>
+          </a:lnRef>
+          <a:fillRef idx="1">
+            <a:schemeClr val="accent1"/>
+          </a:fillRef>
+          <a:effectRef idx="0">
+            <a:schemeClr val="accent1"/>
+          </a:effectRef>
+          <a:fontRef idx="minor">
+            <a:schemeClr val="lt1"/>
+          </a:fontRef>
+        </p:style>
+        <p:txBody>
+          <a:bodyPr rtlCol="0" anchor="ctr"/>
+          <a:lstStyle/>
+          <a:p>
+            <a:pPr algn="ctr"/>
+            <a:endParaRPr lang="en-US"/>
+          </a:p>
+        </p:txBody>
+      </p:sp>
+    </p:spTree>
+    <p:extLst>
+      <p:ext uri="{BB962C8B-B14F-4D97-AF65-F5344CB8AC3E}">
+        <p14:creationId xmlns:p14="http://schemas.microsoft.com/office/powerpoint/2010/main" val="550184266"/>
+      </p:ext>
+    </p:extLst>
+  </p:cSld>
+  <p:clrMapOvr>
+    <a:masterClrMapping/>
+  </p:clrMapOvr>
+  <p:timing>
+    <p:tnLst>
+      <p:par>
+        <p:cTn id="1" dur="indefinite" restart="never" nodeType="tmRoot"/>
+      </p:par>
+    </p:tnLst>
+  </p:timing>
+</p:sld>
+</file>
+
+<file path=ppt/slides/slide14.xml><?xml version="1.0" encoding="utf-8"?>
+<p:sld xmlns:a="http://schemas.openxmlformats.org/drawingml/2006/main" xmlns:r="http://schemas.openxmlformats.org/officeDocument/2006/relationships" xmlns:p="http://schemas.openxmlformats.org/presentationml/2006/main">
+  <p:cSld>
+    <p:bg>
+      <p:bgPr>
+        <a:solidFill>
+          <a:schemeClr val="bg1">
+            <a:lumMod val="95000"/>
+          </a:schemeClr>
+        </a:solidFill>
+        <a:effectLst/>
+      </p:bgPr>
+    </p:bg>
+    <p:spTree>
+      <p:nvGrpSpPr>
+        <p:cNvPr id="1" name=""/>
+        <p:cNvGrpSpPr/>
+        <p:nvPr/>
+      </p:nvGrpSpPr>
+      <p:grpSpPr>
+        <a:xfrm>
+          <a:off x="0" y="0"/>
+          <a:ext cx="0" cy="0"/>
+          <a:chOff x="0" y="0"/>
+          <a:chExt cx="0" cy="0"/>
+        </a:xfrm>
+      </p:grpSpPr>
+      <p:sp>
+        <p:nvSpPr>
+          <p:cNvPr id="3" name="Title 2" hidden="1"/>
+          <p:cNvSpPr>
+            <a:spLocks noGrp="1"/>
+          </p:cNvSpPr>
+          <p:nvPr>
+            <p:ph type="title"/>
+          </p:nvPr>
+        </p:nvSpPr>
+        <p:spPr/>
+        <p:txBody>
+          <a:bodyPr/>
+          <a:lstStyle/>
+          <a:p>
+            <a:r>
+              <a:rPr lang="en-US" dirty="0" smtClean="0"/>
+              <a:t>1</a:t>
+            </a:r>
+            <a:endParaRPr lang="en-US" dirty="0"/>
+          </a:p>
+        </p:txBody>
+      </p:sp>
+      <p:pic>
+        <p:nvPicPr>
+          <p:cNvPr id="4" name="Picture 3"/>
+          <p:cNvPicPr>
+            <a:picLocks noChangeAspect="1"/>
+          </p:cNvPicPr>
+          <p:nvPr/>
+        </p:nvPicPr>
+        <p:blipFill>
+          <a:blip r:embed="rId2">
+            <a:extLst>
+              <a:ext uri="{28A0092B-C50C-407E-A947-70E740481C1C}">
+                <a14:useLocalDpi xmlns:a14="http://schemas.microsoft.com/office/drawing/2010/main" val="0"/>
+              </a:ext>
+            </a:extLst>
+          </a:blip>
+          <a:stretch>
+            <a:fillRect/>
+          </a:stretch>
+        </p:blipFill>
+        <p:spPr>
+          <a:xfrm>
+            <a:off x="3799615" y="1265015"/>
+            <a:ext cx="5202371" cy="5202371"/>
+          </a:xfrm>
+          <a:prstGeom prst="rect">
+            <a:avLst/>
+          </a:prstGeom>
+        </p:spPr>
+      </p:pic>
+      <p:sp>
+        <p:nvSpPr>
+          <p:cNvPr id="5" name="TextBox 4"/>
+          <p:cNvSpPr txBox="1"/>
+          <p:nvPr/>
+        </p:nvSpPr>
+        <p:spPr>
+          <a:xfrm>
+            <a:off x="1190625" y="514350"/>
+            <a:ext cx="10420350" cy="1200329"/>
+          </a:xfrm>
+          <a:prstGeom prst="rect">
+            <a:avLst/>
+          </a:prstGeom>
+          <a:noFill/>
+        </p:spPr>
+        <p:txBody>
+          <a:bodyPr wrap="square" rtlCol="0">
+            <a:spAutoFit/>
+          </a:bodyPr>
+          <a:lstStyle/>
+          <a:p>
+            <a:pPr algn="ctr"/>
+            <a:r>
+              <a:rPr lang="en-US" sz="7200" b="1" dirty="0" smtClean="0">
+                <a:solidFill>
+                  <a:srgbClr val="ED7161"/>
+                </a:solidFill>
+                <a:effectLst>
+                  <a:outerShdw blurRad="38100" dist="38100" dir="2700000" algn="tl">
+                    <a:srgbClr val="000000">
+                      <a:alpha val="43137"/>
+                    </a:srgbClr>
+                  </a:outerShdw>
+                </a:effectLst>
+                <a:latin typeface="Bahnschrift" panose="020B0502040204020203" pitchFamily="34" charset="0"/>
+              </a:rPr>
+              <a:t>Coming Soon!!!</a:t>
+            </a:r>
+            <a:endParaRPr lang="en-US" sz="7200" b="1" dirty="0">
+              <a:solidFill>
+                <a:srgbClr val="ED7161"/>
+              </a:solidFill>
+              <a:effectLst>
+                <a:outerShdw blurRad="38100" dist="38100" dir="2700000" algn="tl">
+                  <a:srgbClr val="000000">
+                    <a:alpha val="43137"/>
+                  </a:srgbClr>
+                </a:outerShdw>
+              </a:effectLst>
+              <a:latin typeface="Bahnschrift" panose="020B0502040204020203" pitchFamily="34" charset="0"/>
+            </a:endParaRPr>
+          </a:p>
+        </p:txBody>
+      </p:sp>
+      <p:sp>
+        <p:nvSpPr>
+          <p:cNvPr id="6" name="TextBox 5"/>
+          <p:cNvSpPr txBox="1"/>
+          <p:nvPr/>
+        </p:nvSpPr>
+        <p:spPr>
+          <a:xfrm>
+            <a:off x="2828925" y="5698782"/>
+            <a:ext cx="7143750" cy="1200329"/>
+          </a:xfrm>
+          <a:prstGeom prst="rect">
+            <a:avLst/>
+          </a:prstGeom>
+          <a:noFill/>
+        </p:spPr>
+        <p:txBody>
+          <a:bodyPr wrap="square" rtlCol="0">
+            <a:prstTxWarp prst="textArchDown">
+              <a:avLst/>
+            </a:prstTxWarp>
+            <a:spAutoFit/>
+          </a:bodyPr>
+          <a:lstStyle/>
+          <a:p>
+            <a:pPr algn="ctr"/>
+            <a:r>
+              <a:rPr lang="en-US" sz="8800" spc="300" dirty="0" smtClean="0">
+                <a:solidFill>
+                  <a:srgbClr val="ED7161"/>
+                </a:solidFill>
+                <a:latin typeface="Gill Sans MT Condensed" panose="020B0506020104020203" pitchFamily="34" charset="0"/>
+              </a:rPr>
+              <a:t>skunk-head</a:t>
+            </a:r>
+            <a:endParaRPr lang="en-US" sz="8800" spc="300" dirty="0">
+              <a:solidFill>
+                <a:srgbClr val="ED7161"/>
+              </a:solidFill>
+              <a:latin typeface="Gill Sans MT Condensed" panose="020B0506020104020203" pitchFamily="34" charset="0"/>
+            </a:endParaRPr>
+          </a:p>
+        </p:txBody>
+      </p:sp>
+      <p:sp>
+        <p:nvSpPr>
+          <p:cNvPr id="7" name="TextBox 6"/>
+          <p:cNvSpPr txBox="1"/>
+          <p:nvPr/>
+        </p:nvSpPr>
+        <p:spPr>
+          <a:xfrm>
+            <a:off x="523875" y="8185725"/>
+            <a:ext cx="3409950" cy="769441"/>
+          </a:xfrm>
+          <a:prstGeom prst="rect">
+            <a:avLst/>
+          </a:prstGeom>
+          <a:noFill/>
+        </p:spPr>
+        <p:txBody>
+          <a:bodyPr wrap="square" rtlCol="0">
+            <a:spAutoFit/>
+          </a:bodyPr>
+          <a:lstStyle/>
+          <a:p>
+            <a:pPr algn="ctr"/>
+            <a:r>
+              <a:rPr lang="en-US" sz="4400" b="1" dirty="0" smtClean="0">
+                <a:solidFill>
+                  <a:srgbClr val="ED7161"/>
+                </a:solidFill>
+                <a:latin typeface="Candara" panose="020E0502030303020204" pitchFamily="34" charset="0"/>
+                <a:cs typeface="Agent Orange" panose="00000400000000000000" pitchFamily="2" charset="0"/>
+              </a:rPr>
+              <a:t>10 – 1 – 2018</a:t>
+            </a:r>
+            <a:endParaRPr lang="en-US" sz="4400" b="1" dirty="0">
+              <a:solidFill>
+                <a:srgbClr val="ED7161"/>
+              </a:solidFill>
+              <a:latin typeface="Candara" panose="020E0502030303020204" pitchFamily="34" charset="0"/>
+              <a:cs typeface="Agent Orange" panose="00000400000000000000" pitchFamily="2" charset="0"/>
+            </a:endParaRPr>
+          </a:p>
+        </p:txBody>
+      </p:sp>
+      <p:sp>
+        <p:nvSpPr>
+          <p:cNvPr id="8" name="TextBox 7"/>
+          <p:cNvSpPr txBox="1"/>
+          <p:nvPr/>
+        </p:nvSpPr>
+        <p:spPr>
+          <a:xfrm>
+            <a:off x="1771650" y="7600950"/>
+            <a:ext cx="914400" cy="584775"/>
+          </a:xfrm>
+          <a:prstGeom prst="rect">
+            <a:avLst/>
+          </a:prstGeom>
+          <a:noFill/>
+        </p:spPr>
+        <p:txBody>
+          <a:bodyPr wrap="square" rtlCol="0">
+            <a:spAutoFit/>
+          </a:bodyPr>
+          <a:lstStyle/>
+          <a:p>
+            <a:pPr algn="ctr"/>
+            <a:r>
+              <a:rPr lang="en-US" sz="3200" b="1" dirty="0" smtClean="0">
+                <a:solidFill>
+                  <a:srgbClr val="556080"/>
+                </a:solidFill>
+                <a:latin typeface="Bahnschrift" panose="020B0502040204020203" pitchFamily="34" charset="0"/>
+              </a:rPr>
+              <a:t>On</a:t>
+            </a:r>
+            <a:endParaRPr lang="en-US" sz="3200" b="1" dirty="0">
+              <a:solidFill>
+                <a:srgbClr val="556080"/>
+              </a:solidFill>
+              <a:latin typeface="Bahnschrift" panose="020B0502040204020203" pitchFamily="34" charset="0"/>
+            </a:endParaRPr>
+          </a:p>
+        </p:txBody>
+      </p:sp>
+      <p:sp>
+        <p:nvSpPr>
+          <p:cNvPr id="9" name="TextBox 8"/>
+          <p:cNvSpPr txBox="1"/>
+          <p:nvPr/>
+        </p:nvSpPr>
+        <p:spPr>
+          <a:xfrm>
+            <a:off x="9515475" y="7600950"/>
+            <a:ext cx="914400" cy="584775"/>
+          </a:xfrm>
+          <a:prstGeom prst="rect">
+            <a:avLst/>
+          </a:prstGeom>
+          <a:noFill/>
+        </p:spPr>
+        <p:txBody>
+          <a:bodyPr wrap="square" rtlCol="0">
+            <a:spAutoFit/>
+          </a:bodyPr>
+          <a:lstStyle/>
+          <a:p>
+            <a:pPr algn="ctr"/>
+            <a:r>
+              <a:rPr lang="en-US" sz="3200" b="1" dirty="0" smtClean="0">
+                <a:solidFill>
+                  <a:srgbClr val="556080"/>
+                </a:solidFill>
+                <a:latin typeface="Bahnschrift" panose="020B0502040204020203" pitchFamily="34" charset="0"/>
+              </a:rPr>
+              <a:t>By</a:t>
+            </a:r>
+            <a:endParaRPr lang="en-US" sz="3200" b="1" dirty="0">
+              <a:solidFill>
+                <a:srgbClr val="556080"/>
+              </a:solidFill>
+              <a:latin typeface="Bahnschrift" panose="020B0502040204020203" pitchFamily="34" charset="0"/>
+            </a:endParaRPr>
+          </a:p>
+        </p:txBody>
+      </p:sp>
+      <p:sp>
+        <p:nvSpPr>
+          <p:cNvPr id="13" name="TextBox 12"/>
+          <p:cNvSpPr txBox="1"/>
+          <p:nvPr/>
+        </p:nvSpPr>
+        <p:spPr>
+          <a:xfrm>
+            <a:off x="8267700" y="8185725"/>
+            <a:ext cx="3409950" cy="769441"/>
+          </a:xfrm>
+          <a:prstGeom prst="rect">
+            <a:avLst/>
+          </a:prstGeom>
+          <a:noFill/>
+        </p:spPr>
+        <p:txBody>
+          <a:bodyPr wrap="square" rtlCol="0">
+            <a:spAutoFit/>
+          </a:bodyPr>
+          <a:lstStyle/>
+          <a:p>
+            <a:pPr algn="ctr"/>
+            <a:r>
+              <a:rPr lang="en-US" sz="4400" b="1" dirty="0" err="1" smtClean="0">
+                <a:solidFill>
+                  <a:srgbClr val="ED7161"/>
+                </a:solidFill>
+                <a:latin typeface="Candara" panose="020E0502030303020204" pitchFamily="34" charset="0"/>
+                <a:cs typeface="Agent Orange" panose="00000400000000000000" pitchFamily="2" charset="0"/>
+              </a:rPr>
+              <a:t>bemBem</a:t>
+            </a:r>
+            <a:endParaRPr lang="en-US" sz="4400" b="1" dirty="0">
+              <a:solidFill>
+                <a:srgbClr val="ED7161"/>
+              </a:solidFill>
+              <a:latin typeface="Candara" panose="020E0502030303020204" pitchFamily="34" charset="0"/>
+              <a:cs typeface="Agent Orange" panose="00000400000000000000" pitchFamily="2" charset="0"/>
+            </a:endParaRPr>
+          </a:p>
+        </p:txBody>
+      </p:sp>
+      <p:sp>
+        <p:nvSpPr>
+          <p:cNvPr id="2" name="Rectangle 1"/>
+          <p:cNvSpPr/>
+          <p:nvPr/>
+        </p:nvSpPr>
+        <p:spPr>
+          <a:xfrm>
+            <a:off x="0" y="9258300"/>
+            <a:ext cx="12801600" cy="342900"/>
+          </a:xfrm>
+          <a:prstGeom prst="rect">
+            <a:avLst/>
+          </a:prstGeom>
+          <a:solidFill>
+            <a:srgbClr val="556080"/>
+          </a:solidFill>
+          <a:ln>
+            <a:noFill/>
+          </a:ln>
+        </p:spPr>
+        <p:style>
+          <a:lnRef idx="2">
+            <a:schemeClr val="accent1">
+              <a:shade val="50000"/>
+            </a:schemeClr>
+          </a:lnRef>
+          <a:fillRef idx="1">
+            <a:schemeClr val="accent1"/>
+          </a:fillRef>
+          <a:effectRef idx="0">
+            <a:schemeClr val="accent1"/>
+          </a:effectRef>
+          <a:fontRef idx="minor">
+            <a:schemeClr val="lt1"/>
+          </a:fontRef>
+        </p:style>
+        <p:txBody>
+          <a:bodyPr rtlCol="0" anchor="ctr"/>
+          <a:lstStyle/>
+          <a:p>
+            <a:pPr algn="ctr"/>
+            <a:endParaRPr lang="en-US"/>
+          </a:p>
+        </p:txBody>
+      </p:sp>
+      <p:sp>
+        <p:nvSpPr>
+          <p:cNvPr id="17" name="5-Point Star 16"/>
+          <p:cNvSpPr>
+            <a:spLocks noChangeAspect="1"/>
+          </p:cNvSpPr>
+          <p:nvPr/>
+        </p:nvSpPr>
+        <p:spPr>
+          <a:xfrm>
+            <a:off x="2522958" y="1051560"/>
+            <a:ext cx="274320" cy="274320"/>
+          </a:xfrm>
+          <a:prstGeom prst="star5">
+            <a:avLst/>
+          </a:prstGeom>
+          <a:solidFill>
+            <a:srgbClr val="556080"/>
+          </a:solidFill>
+          <a:ln>
+            <a:noFill/>
+          </a:ln>
+        </p:spPr>
+        <p:style>
+          <a:lnRef idx="2">
+            <a:schemeClr val="accent1">
+              <a:shade val="50000"/>
+            </a:schemeClr>
+          </a:lnRef>
+          <a:fillRef idx="1">
+            <a:schemeClr val="accent1"/>
+          </a:fillRef>
+          <a:effectRef idx="0">
+            <a:schemeClr val="accent1"/>
+          </a:effectRef>
+          <a:fontRef idx="minor">
+            <a:schemeClr val="lt1"/>
+          </a:fontRef>
+        </p:style>
+        <p:txBody>
+          <a:bodyPr rtlCol="0" anchor="ctr"/>
+          <a:lstStyle/>
+          <a:p>
+            <a:pPr algn="ctr"/>
+            <a:endParaRPr lang="en-US"/>
+          </a:p>
+        </p:txBody>
+      </p:sp>
+      <p:sp>
+        <p:nvSpPr>
+          <p:cNvPr id="18" name="5-Point Star 17"/>
+          <p:cNvSpPr>
+            <a:spLocks noChangeAspect="1"/>
+          </p:cNvSpPr>
+          <p:nvPr/>
+        </p:nvSpPr>
+        <p:spPr>
+          <a:xfrm>
+            <a:off x="3039950" y="1051560"/>
+            <a:ext cx="274320" cy="274320"/>
+          </a:xfrm>
+          <a:prstGeom prst="star5">
+            <a:avLst/>
+          </a:prstGeom>
+          <a:solidFill>
+            <a:srgbClr val="556080"/>
+          </a:solidFill>
+          <a:ln>
+            <a:noFill/>
+          </a:ln>
+        </p:spPr>
+        <p:style>
+          <a:lnRef idx="2">
+            <a:schemeClr val="accent1">
+              <a:shade val="50000"/>
+            </a:schemeClr>
+          </a:lnRef>
+          <a:fillRef idx="1">
+            <a:schemeClr val="accent1"/>
+          </a:fillRef>
+          <a:effectRef idx="0">
+            <a:schemeClr val="accent1"/>
+          </a:effectRef>
+          <a:fontRef idx="minor">
+            <a:schemeClr val="lt1"/>
+          </a:fontRef>
+        </p:style>
+        <p:txBody>
+          <a:bodyPr rtlCol="0" anchor="ctr"/>
+          <a:lstStyle/>
+          <a:p>
+            <a:pPr algn="ctr"/>
+            <a:endParaRPr lang="en-US"/>
+          </a:p>
+        </p:txBody>
+      </p:sp>
+      <p:sp>
+        <p:nvSpPr>
+          <p:cNvPr id="19" name="5-Point Star 18"/>
+          <p:cNvSpPr>
+            <a:spLocks noChangeAspect="1"/>
+          </p:cNvSpPr>
+          <p:nvPr/>
+        </p:nvSpPr>
+        <p:spPr>
+          <a:xfrm>
+            <a:off x="9455683" y="1051560"/>
+            <a:ext cx="274320" cy="274320"/>
+          </a:xfrm>
+          <a:prstGeom prst="star5">
+            <a:avLst/>
+          </a:prstGeom>
+          <a:solidFill>
+            <a:srgbClr val="556080"/>
+          </a:solidFill>
+          <a:ln>
+            <a:noFill/>
+          </a:ln>
+        </p:spPr>
+        <p:style>
+          <a:lnRef idx="2">
+            <a:schemeClr val="accent1">
+              <a:shade val="50000"/>
+            </a:schemeClr>
+          </a:lnRef>
+          <a:fillRef idx="1">
+            <a:schemeClr val="accent1"/>
+          </a:fillRef>
+          <a:effectRef idx="0">
+            <a:schemeClr val="accent1"/>
+          </a:effectRef>
+          <a:fontRef idx="minor">
+            <a:schemeClr val="lt1"/>
+          </a:fontRef>
+        </p:style>
+        <p:txBody>
+          <a:bodyPr rtlCol="0" anchor="ctr"/>
+          <a:lstStyle/>
+          <a:p>
+            <a:pPr algn="ctr"/>
+            <a:endParaRPr lang="en-US"/>
+          </a:p>
+        </p:txBody>
+      </p:sp>
+      <p:sp>
+        <p:nvSpPr>
+          <p:cNvPr id="20" name="5-Point Star 19"/>
+          <p:cNvSpPr>
+            <a:spLocks noChangeAspect="1"/>
+          </p:cNvSpPr>
+          <p:nvPr/>
+        </p:nvSpPr>
+        <p:spPr>
+          <a:xfrm>
+            <a:off x="9972675" y="1051560"/>
+            <a:ext cx="274320" cy="274320"/>
+          </a:xfrm>
+          <a:prstGeom prst="star5">
+            <a:avLst/>
+          </a:prstGeom>
+          <a:solidFill>
+            <a:srgbClr val="556080"/>
+          </a:solidFill>
+          <a:ln>
+            <a:noFill/>
+          </a:ln>
+        </p:spPr>
+        <p:style>
+          <a:lnRef idx="2">
+            <a:schemeClr val="accent1">
+              <a:shade val="50000"/>
+            </a:schemeClr>
+          </a:lnRef>
+          <a:fillRef idx="1">
+            <a:schemeClr val="accent1"/>
+          </a:fillRef>
+          <a:effectRef idx="0">
+            <a:schemeClr val="accent1"/>
+          </a:effectRef>
+          <a:fontRef idx="minor">
+            <a:schemeClr val="lt1"/>
+          </a:fontRef>
+        </p:style>
+        <p:txBody>
+          <a:bodyPr rtlCol="0" anchor="ctr"/>
+          <a:lstStyle/>
+          <a:p>
+            <a:pPr algn="ctr"/>
+            <a:endParaRPr lang="en-US"/>
+          </a:p>
+        </p:txBody>
+      </p:sp>
+      <p:sp>
+        <p:nvSpPr>
+          <p:cNvPr id="15" name="Donut 14"/>
+          <p:cNvSpPr/>
+          <p:nvPr/>
+        </p:nvSpPr>
+        <p:spPr>
+          <a:xfrm>
+            <a:off x="6263640" y="9292590"/>
+            <a:ext cx="274320" cy="274320"/>
+          </a:xfrm>
+          <a:prstGeom prst="donut">
+            <a:avLst/>
+          </a:prstGeom>
+          <a:solidFill>
+            <a:srgbClr val="ED7161"/>
+          </a:solidFill>
+          <a:ln w="3175">
+            <a:solidFill>
+              <a:schemeClr val="bg1">
+                <a:lumMod val="95000"/>
+              </a:schemeClr>
+            </a:solidFill>
+          </a:ln>
+        </p:spPr>
+        <p:style>
+          <a:lnRef idx="2">
+            <a:schemeClr val="accent1">
+              <a:shade val="50000"/>
+            </a:schemeClr>
+          </a:lnRef>
+          <a:fillRef idx="1">
+            <a:schemeClr val="accent1"/>
+          </a:fillRef>
+          <a:effectRef idx="0">
+            <a:schemeClr val="accent1"/>
+          </a:effectRef>
+          <a:fontRef idx="minor">
+            <a:schemeClr val="lt1"/>
+          </a:fontRef>
+        </p:style>
+        <p:txBody>
+          <a:bodyPr rtlCol="0" anchor="ctr"/>
+          <a:lstStyle/>
+          <a:p>
+            <a:pPr algn="ctr"/>
+            <a:endParaRPr lang="en-US">
+              <a:solidFill>
+                <a:schemeClr val="tx1"/>
+              </a:solidFill>
+            </a:endParaRPr>
+          </a:p>
+        </p:txBody>
+      </p:sp>
+    </p:spTree>
+    <p:extLst>
+      <p:ext uri="{BB962C8B-B14F-4D97-AF65-F5344CB8AC3E}">
+        <p14:creationId xmlns:p14="http://schemas.microsoft.com/office/powerpoint/2010/main" val="3611182883"/>
+      </p:ext>
+    </p:extLst>
+  </p:cSld>
+  <p:clrMapOvr>
+    <a:masterClrMapping/>
+  </p:clrMapOvr>
+  <p:timing>
+    <p:tnLst>
+      <p:par>
+        <p:cTn id="1" dur="indefinite" restart="never" nodeType="tmRoot"/>
+      </p:par>
+    </p:tnLst>
+  </p:timing>
+</p:sld>
+</file>
+
+<file path=ppt/slides/slide15.xml><?xml version="1.0" encoding="utf-8"?>
+<p:sld xmlns:a="http://schemas.openxmlformats.org/drawingml/2006/main" xmlns:r="http://schemas.openxmlformats.org/officeDocument/2006/relationships" xmlns:p="http://schemas.openxmlformats.org/presentationml/2006/main">
+  <p:cSld>
+    <p:bg>
+      <p:bgPr>
+        <a:solidFill>
+          <a:schemeClr val="bg1">
+            <a:lumMod val="95000"/>
+          </a:schemeClr>
+        </a:solidFill>
+        <a:effectLst/>
+      </p:bgPr>
+    </p:bg>
+    <p:spTree>
+      <p:nvGrpSpPr>
+        <p:cNvPr id="1" name=""/>
+        <p:cNvGrpSpPr/>
+        <p:nvPr/>
+      </p:nvGrpSpPr>
+      <p:grpSpPr>
+        <a:xfrm>
+          <a:off x="0" y="0"/>
+          <a:ext cx="0" cy="0"/>
+          <a:chOff x="0" y="0"/>
+          <a:chExt cx="0" cy="0"/>
+        </a:xfrm>
+      </p:grpSpPr>
+      <p:sp>
+        <p:nvSpPr>
+          <p:cNvPr id="3" name="Title 2" hidden="1"/>
+          <p:cNvSpPr>
+            <a:spLocks noGrp="1"/>
+          </p:cNvSpPr>
+          <p:nvPr>
+            <p:ph type="title"/>
+          </p:nvPr>
+        </p:nvSpPr>
+        <p:spPr/>
+        <p:txBody>
+          <a:bodyPr/>
+          <a:lstStyle/>
+          <a:p>
+            <a:r>
+              <a:rPr lang="en-US" dirty="0" smtClean="0"/>
+              <a:t>1</a:t>
+            </a:r>
+            <a:endParaRPr lang="en-US" dirty="0"/>
+          </a:p>
+        </p:txBody>
+      </p:sp>
+      <p:pic>
+        <p:nvPicPr>
+          <p:cNvPr id="4" name="Picture 3"/>
+          <p:cNvPicPr>
+            <a:picLocks noChangeAspect="1"/>
+          </p:cNvPicPr>
+          <p:nvPr/>
+        </p:nvPicPr>
+        <p:blipFill>
+          <a:blip r:embed="rId2">
+            <a:extLst>
+              <a:ext uri="{28A0092B-C50C-407E-A947-70E740481C1C}">
+                <a14:useLocalDpi xmlns:a14="http://schemas.microsoft.com/office/drawing/2010/main" val="0"/>
+              </a:ext>
+            </a:extLst>
+          </a:blip>
+          <a:stretch>
+            <a:fillRect/>
+          </a:stretch>
+        </p:blipFill>
+        <p:spPr>
+          <a:xfrm>
+            <a:off x="3799615" y="1265015"/>
+            <a:ext cx="5202371" cy="5202371"/>
+          </a:xfrm>
+          <a:prstGeom prst="rect">
+            <a:avLst/>
+          </a:prstGeom>
+        </p:spPr>
+      </p:pic>
+      <p:sp>
+        <p:nvSpPr>
+          <p:cNvPr id="5" name="TextBox 4"/>
+          <p:cNvSpPr txBox="1"/>
+          <p:nvPr/>
+        </p:nvSpPr>
+        <p:spPr>
+          <a:xfrm>
+            <a:off x="1190625" y="514350"/>
+            <a:ext cx="10420350" cy="1200329"/>
+          </a:xfrm>
+          <a:prstGeom prst="rect">
+            <a:avLst/>
+          </a:prstGeom>
+          <a:noFill/>
+        </p:spPr>
+        <p:txBody>
+          <a:bodyPr wrap="square" rtlCol="0">
+            <a:spAutoFit/>
+          </a:bodyPr>
+          <a:lstStyle/>
+          <a:p>
+            <a:pPr algn="ctr"/>
+            <a:r>
+              <a:rPr lang="en-US" sz="7200" b="1" dirty="0" smtClean="0">
+                <a:solidFill>
+                  <a:srgbClr val="ED7161"/>
+                </a:solidFill>
+                <a:effectLst>
+                  <a:outerShdw blurRad="38100" dist="38100" dir="2700000" algn="tl">
+                    <a:srgbClr val="000000">
+                      <a:alpha val="43137"/>
+                    </a:srgbClr>
+                  </a:outerShdw>
+                </a:effectLst>
+                <a:latin typeface="Bahnschrift" panose="020B0502040204020203" pitchFamily="34" charset="0"/>
+              </a:rPr>
+              <a:t>Coming Soon!!!</a:t>
+            </a:r>
+            <a:endParaRPr lang="en-US" sz="7200" b="1" dirty="0">
+              <a:solidFill>
+                <a:srgbClr val="ED7161"/>
+              </a:solidFill>
+              <a:effectLst>
+                <a:outerShdw blurRad="38100" dist="38100" dir="2700000" algn="tl">
+                  <a:srgbClr val="000000">
+                    <a:alpha val="43137"/>
+                  </a:srgbClr>
+                </a:outerShdw>
+              </a:effectLst>
+              <a:latin typeface="Bahnschrift" panose="020B0502040204020203" pitchFamily="34" charset="0"/>
+            </a:endParaRPr>
+          </a:p>
+        </p:txBody>
+      </p:sp>
+      <p:sp>
+        <p:nvSpPr>
+          <p:cNvPr id="6" name="TextBox 5"/>
+          <p:cNvSpPr txBox="1"/>
+          <p:nvPr/>
+        </p:nvSpPr>
+        <p:spPr>
+          <a:xfrm>
+            <a:off x="2828925" y="5698782"/>
+            <a:ext cx="7143750" cy="1200329"/>
+          </a:xfrm>
+          <a:prstGeom prst="rect">
+            <a:avLst/>
+          </a:prstGeom>
+          <a:noFill/>
+        </p:spPr>
+        <p:txBody>
+          <a:bodyPr wrap="square" rtlCol="0">
+            <a:prstTxWarp prst="textArchDown">
+              <a:avLst/>
+            </a:prstTxWarp>
+            <a:spAutoFit/>
+          </a:bodyPr>
+          <a:lstStyle/>
+          <a:p>
+            <a:pPr algn="ctr"/>
+            <a:r>
+              <a:rPr lang="en-US" sz="8800" spc="300" dirty="0" smtClean="0">
+                <a:solidFill>
+                  <a:srgbClr val="ED7161"/>
+                </a:solidFill>
+                <a:latin typeface="Gill Sans MT Condensed" panose="020B0506020104020203" pitchFamily="34" charset="0"/>
+              </a:rPr>
+              <a:t>skunk-head</a:t>
+            </a:r>
+            <a:endParaRPr lang="en-US" sz="8800" spc="300" dirty="0">
+              <a:solidFill>
+                <a:srgbClr val="ED7161"/>
+              </a:solidFill>
+              <a:latin typeface="Gill Sans MT Condensed" panose="020B0506020104020203" pitchFamily="34" charset="0"/>
+            </a:endParaRPr>
+          </a:p>
+        </p:txBody>
+      </p:sp>
+      <p:sp>
+        <p:nvSpPr>
+          <p:cNvPr id="7" name="TextBox 6"/>
+          <p:cNvSpPr txBox="1"/>
+          <p:nvPr/>
+        </p:nvSpPr>
+        <p:spPr>
+          <a:xfrm>
+            <a:off x="523875" y="8185725"/>
+            <a:ext cx="3409950" cy="769441"/>
+          </a:xfrm>
+          <a:prstGeom prst="rect">
+            <a:avLst/>
+          </a:prstGeom>
+          <a:noFill/>
+        </p:spPr>
+        <p:txBody>
+          <a:bodyPr wrap="square" rtlCol="0">
+            <a:spAutoFit/>
+          </a:bodyPr>
+          <a:lstStyle/>
+          <a:p>
+            <a:pPr algn="ctr"/>
+            <a:r>
+              <a:rPr lang="en-US" sz="4400" b="1" dirty="0" smtClean="0">
+                <a:solidFill>
+                  <a:srgbClr val="ED7161"/>
+                </a:solidFill>
+                <a:latin typeface="Candara" panose="020E0502030303020204" pitchFamily="34" charset="0"/>
+                <a:cs typeface="Agent Orange" panose="00000400000000000000" pitchFamily="2" charset="0"/>
+              </a:rPr>
+              <a:t>10 – 1 – 2018</a:t>
+            </a:r>
+            <a:endParaRPr lang="en-US" sz="4400" b="1" dirty="0">
+              <a:solidFill>
+                <a:srgbClr val="ED7161"/>
+              </a:solidFill>
+              <a:latin typeface="Candara" panose="020E0502030303020204" pitchFamily="34" charset="0"/>
+              <a:cs typeface="Agent Orange" panose="00000400000000000000" pitchFamily="2" charset="0"/>
+            </a:endParaRPr>
+          </a:p>
+        </p:txBody>
+      </p:sp>
+      <p:sp>
+        <p:nvSpPr>
+          <p:cNvPr id="8" name="TextBox 7"/>
+          <p:cNvSpPr txBox="1"/>
+          <p:nvPr/>
+        </p:nvSpPr>
+        <p:spPr>
+          <a:xfrm>
+            <a:off x="1771650" y="7600950"/>
+            <a:ext cx="914400" cy="584775"/>
+          </a:xfrm>
+          <a:prstGeom prst="rect">
+            <a:avLst/>
+          </a:prstGeom>
+          <a:noFill/>
+        </p:spPr>
+        <p:txBody>
+          <a:bodyPr wrap="square" rtlCol="0">
+            <a:spAutoFit/>
+          </a:bodyPr>
+          <a:lstStyle/>
+          <a:p>
+            <a:pPr algn="ctr"/>
+            <a:r>
+              <a:rPr lang="en-US" sz="3200" b="1" dirty="0" smtClean="0">
+                <a:solidFill>
+                  <a:srgbClr val="556080"/>
+                </a:solidFill>
+                <a:latin typeface="Bahnschrift" panose="020B0502040204020203" pitchFamily="34" charset="0"/>
+              </a:rPr>
+              <a:t>On</a:t>
+            </a:r>
+            <a:endParaRPr lang="en-US" sz="3200" b="1" dirty="0">
+              <a:solidFill>
+                <a:srgbClr val="556080"/>
+              </a:solidFill>
+              <a:latin typeface="Bahnschrift" panose="020B0502040204020203" pitchFamily="34" charset="0"/>
+            </a:endParaRPr>
+          </a:p>
+        </p:txBody>
+      </p:sp>
+      <p:sp>
+        <p:nvSpPr>
+          <p:cNvPr id="9" name="TextBox 8"/>
+          <p:cNvSpPr txBox="1"/>
+          <p:nvPr/>
+        </p:nvSpPr>
+        <p:spPr>
+          <a:xfrm>
+            <a:off x="9515475" y="7600950"/>
+            <a:ext cx="914400" cy="584775"/>
+          </a:xfrm>
+          <a:prstGeom prst="rect">
+            <a:avLst/>
+          </a:prstGeom>
+          <a:noFill/>
+        </p:spPr>
+        <p:txBody>
+          <a:bodyPr wrap="square" rtlCol="0">
+            <a:spAutoFit/>
+          </a:bodyPr>
+          <a:lstStyle/>
+          <a:p>
+            <a:pPr algn="ctr"/>
+            <a:r>
+              <a:rPr lang="en-US" sz="3200" b="1" dirty="0" smtClean="0">
+                <a:solidFill>
+                  <a:srgbClr val="556080"/>
+                </a:solidFill>
+                <a:latin typeface="Bahnschrift" panose="020B0502040204020203" pitchFamily="34" charset="0"/>
+              </a:rPr>
+              <a:t>By</a:t>
+            </a:r>
+            <a:endParaRPr lang="en-US" sz="3200" b="1" dirty="0">
+              <a:solidFill>
+                <a:srgbClr val="556080"/>
+              </a:solidFill>
+              <a:latin typeface="Bahnschrift" panose="020B0502040204020203" pitchFamily="34" charset="0"/>
+            </a:endParaRPr>
+          </a:p>
+        </p:txBody>
+      </p:sp>
+      <p:sp>
+        <p:nvSpPr>
+          <p:cNvPr id="13" name="TextBox 12"/>
+          <p:cNvSpPr txBox="1"/>
+          <p:nvPr/>
+        </p:nvSpPr>
+        <p:spPr>
+          <a:xfrm>
+            <a:off x="8267700" y="8185725"/>
+            <a:ext cx="3409950" cy="769441"/>
+          </a:xfrm>
+          <a:prstGeom prst="rect">
+            <a:avLst/>
+          </a:prstGeom>
+          <a:noFill/>
+        </p:spPr>
+        <p:txBody>
+          <a:bodyPr wrap="square" rtlCol="0">
+            <a:spAutoFit/>
+          </a:bodyPr>
+          <a:lstStyle/>
+          <a:p>
+            <a:pPr algn="ctr"/>
+            <a:r>
+              <a:rPr lang="en-US" sz="4400" b="1" dirty="0" err="1" smtClean="0">
+                <a:solidFill>
+                  <a:srgbClr val="ED7161"/>
+                </a:solidFill>
+                <a:latin typeface="Candara" panose="020E0502030303020204" pitchFamily="34" charset="0"/>
+                <a:cs typeface="Agent Orange" panose="00000400000000000000" pitchFamily="2" charset="0"/>
+              </a:rPr>
+              <a:t>bemBem</a:t>
+            </a:r>
+            <a:endParaRPr lang="en-US" sz="4400" b="1" dirty="0">
+              <a:solidFill>
+                <a:srgbClr val="ED7161"/>
+              </a:solidFill>
+              <a:latin typeface="Candara" panose="020E0502030303020204" pitchFamily="34" charset="0"/>
+              <a:cs typeface="Agent Orange" panose="00000400000000000000" pitchFamily="2" charset="0"/>
+            </a:endParaRPr>
+          </a:p>
+        </p:txBody>
+      </p:sp>
+      <p:sp>
+        <p:nvSpPr>
+          <p:cNvPr id="2" name="Rectangle 1"/>
+          <p:cNvSpPr/>
+          <p:nvPr/>
+        </p:nvSpPr>
+        <p:spPr>
+          <a:xfrm>
+            <a:off x="0" y="9258300"/>
+            <a:ext cx="12801600" cy="342900"/>
+          </a:xfrm>
+          <a:prstGeom prst="rect">
+            <a:avLst/>
+          </a:prstGeom>
+          <a:solidFill>
+            <a:srgbClr val="ED7161"/>
+          </a:solidFill>
+          <a:ln>
+            <a:noFill/>
+          </a:ln>
+        </p:spPr>
+        <p:style>
+          <a:lnRef idx="2">
+            <a:schemeClr val="accent1">
+              <a:shade val="50000"/>
+            </a:schemeClr>
+          </a:lnRef>
+          <a:fillRef idx="1">
+            <a:schemeClr val="accent1"/>
+          </a:fillRef>
+          <a:effectRef idx="0">
+            <a:schemeClr val="accent1"/>
+          </a:effectRef>
+          <a:fontRef idx="minor">
+            <a:schemeClr val="lt1"/>
+          </a:fontRef>
+        </p:style>
+        <p:txBody>
+          <a:bodyPr rtlCol="0" anchor="ctr"/>
+          <a:lstStyle/>
+          <a:p>
+            <a:pPr algn="ctr"/>
+            <a:endParaRPr lang="en-US"/>
+          </a:p>
+        </p:txBody>
+      </p:sp>
+      <p:sp>
+        <p:nvSpPr>
+          <p:cNvPr id="17" name="5-Point Star 16"/>
+          <p:cNvSpPr>
+            <a:spLocks noChangeAspect="1"/>
+          </p:cNvSpPr>
+          <p:nvPr/>
+        </p:nvSpPr>
+        <p:spPr>
+          <a:xfrm>
+            <a:off x="2522958" y="1051560"/>
+            <a:ext cx="274320" cy="274320"/>
+          </a:xfrm>
+          <a:prstGeom prst="star5">
+            <a:avLst/>
+          </a:prstGeom>
+          <a:solidFill>
+            <a:srgbClr val="556080"/>
+          </a:solidFill>
+          <a:ln>
+            <a:noFill/>
+          </a:ln>
+        </p:spPr>
+        <p:style>
+          <a:lnRef idx="2">
+            <a:schemeClr val="accent1">
+              <a:shade val="50000"/>
+            </a:schemeClr>
+          </a:lnRef>
+          <a:fillRef idx="1">
+            <a:schemeClr val="accent1"/>
+          </a:fillRef>
+          <a:effectRef idx="0">
+            <a:schemeClr val="accent1"/>
+          </a:effectRef>
+          <a:fontRef idx="minor">
+            <a:schemeClr val="lt1"/>
+          </a:fontRef>
+        </p:style>
+        <p:txBody>
+          <a:bodyPr rtlCol="0" anchor="ctr"/>
+          <a:lstStyle/>
+          <a:p>
+            <a:pPr algn="ctr"/>
+            <a:endParaRPr lang="en-US"/>
+          </a:p>
+        </p:txBody>
+      </p:sp>
+      <p:sp>
+        <p:nvSpPr>
+          <p:cNvPr id="18" name="5-Point Star 17"/>
+          <p:cNvSpPr>
+            <a:spLocks noChangeAspect="1"/>
+          </p:cNvSpPr>
+          <p:nvPr/>
+        </p:nvSpPr>
+        <p:spPr>
+          <a:xfrm>
+            <a:off x="3039950" y="1051560"/>
+            <a:ext cx="274320" cy="274320"/>
+          </a:xfrm>
+          <a:prstGeom prst="star5">
+            <a:avLst/>
+          </a:prstGeom>
+          <a:solidFill>
+            <a:srgbClr val="556080"/>
+          </a:solidFill>
+          <a:ln>
+            <a:noFill/>
+          </a:ln>
+        </p:spPr>
+        <p:style>
+          <a:lnRef idx="2">
+            <a:schemeClr val="accent1">
+              <a:shade val="50000"/>
+            </a:schemeClr>
+          </a:lnRef>
+          <a:fillRef idx="1">
+            <a:schemeClr val="accent1"/>
+          </a:fillRef>
+          <a:effectRef idx="0">
+            <a:schemeClr val="accent1"/>
+          </a:effectRef>
+          <a:fontRef idx="minor">
+            <a:schemeClr val="lt1"/>
+          </a:fontRef>
+        </p:style>
+        <p:txBody>
+          <a:bodyPr rtlCol="0" anchor="ctr"/>
+          <a:lstStyle/>
+          <a:p>
+            <a:pPr algn="ctr"/>
+            <a:endParaRPr lang="en-US"/>
+          </a:p>
+        </p:txBody>
+      </p:sp>
+      <p:sp>
+        <p:nvSpPr>
+          <p:cNvPr id="19" name="5-Point Star 18"/>
+          <p:cNvSpPr>
+            <a:spLocks noChangeAspect="1"/>
+          </p:cNvSpPr>
+          <p:nvPr/>
+        </p:nvSpPr>
+        <p:spPr>
+          <a:xfrm>
+            <a:off x="9455683" y="1051560"/>
+            <a:ext cx="274320" cy="274320"/>
+          </a:xfrm>
+          <a:prstGeom prst="star5">
+            <a:avLst/>
+          </a:prstGeom>
+          <a:solidFill>
+            <a:srgbClr val="556080"/>
+          </a:solidFill>
+          <a:ln>
+            <a:noFill/>
+          </a:ln>
+        </p:spPr>
+        <p:style>
+          <a:lnRef idx="2">
+            <a:schemeClr val="accent1">
+              <a:shade val="50000"/>
+            </a:schemeClr>
+          </a:lnRef>
+          <a:fillRef idx="1">
+            <a:schemeClr val="accent1"/>
+          </a:fillRef>
+          <a:effectRef idx="0">
+            <a:schemeClr val="accent1"/>
+          </a:effectRef>
+          <a:fontRef idx="minor">
+            <a:schemeClr val="lt1"/>
+          </a:fontRef>
+        </p:style>
+        <p:txBody>
+          <a:bodyPr rtlCol="0" anchor="ctr"/>
+          <a:lstStyle/>
+          <a:p>
+            <a:pPr algn="ctr"/>
+            <a:endParaRPr lang="en-US"/>
+          </a:p>
+        </p:txBody>
+      </p:sp>
+      <p:sp>
+        <p:nvSpPr>
+          <p:cNvPr id="20" name="5-Point Star 19"/>
+          <p:cNvSpPr>
+            <a:spLocks noChangeAspect="1"/>
+          </p:cNvSpPr>
+          <p:nvPr/>
+        </p:nvSpPr>
+        <p:spPr>
+          <a:xfrm>
+            <a:off x="9972675" y="1051560"/>
+            <a:ext cx="274320" cy="274320"/>
+          </a:xfrm>
+          <a:prstGeom prst="star5">
+            <a:avLst/>
+          </a:prstGeom>
+          <a:solidFill>
+            <a:srgbClr val="556080"/>
+          </a:solidFill>
+          <a:ln>
+            <a:noFill/>
+          </a:ln>
+        </p:spPr>
+        <p:style>
+          <a:lnRef idx="2">
+            <a:schemeClr val="accent1">
+              <a:shade val="50000"/>
+            </a:schemeClr>
+          </a:lnRef>
+          <a:fillRef idx="1">
+            <a:schemeClr val="accent1"/>
+          </a:fillRef>
+          <a:effectRef idx="0">
+            <a:schemeClr val="accent1"/>
+          </a:effectRef>
+          <a:fontRef idx="minor">
+            <a:schemeClr val="lt1"/>
+          </a:fontRef>
+        </p:style>
+        <p:txBody>
+          <a:bodyPr rtlCol="0" anchor="ctr"/>
+          <a:lstStyle/>
+          <a:p>
+            <a:pPr algn="ctr"/>
+            <a:endParaRPr lang="en-US"/>
+          </a:p>
+        </p:txBody>
+      </p:sp>
+      <p:sp>
+        <p:nvSpPr>
+          <p:cNvPr id="10" name="Parallelogram 9"/>
+          <p:cNvSpPr/>
+          <p:nvPr/>
+        </p:nvSpPr>
+        <p:spPr>
+          <a:xfrm>
+            <a:off x="1593318" y="9258300"/>
+            <a:ext cx="2133600" cy="342900"/>
+          </a:xfrm>
+          <a:prstGeom prst="parallelogram">
+            <a:avLst/>
+          </a:prstGeom>
+          <a:solidFill>
+            <a:srgbClr val="556080"/>
+          </a:solidFill>
+          <a:ln>
+            <a:noFill/>
+          </a:ln>
+        </p:spPr>
+        <p:style>
+          <a:lnRef idx="2">
+            <a:schemeClr val="accent1">
+              <a:shade val="50000"/>
+            </a:schemeClr>
+          </a:lnRef>
+          <a:fillRef idx="1">
+            <a:schemeClr val="accent1"/>
+          </a:fillRef>
+          <a:effectRef idx="0">
+            <a:schemeClr val="accent1"/>
+          </a:effectRef>
+          <a:fontRef idx="minor">
+            <a:schemeClr val="lt1"/>
+          </a:fontRef>
+        </p:style>
+        <p:txBody>
+          <a:bodyPr rtlCol="0" anchor="ctr"/>
+          <a:lstStyle/>
+          <a:p>
+            <a:pPr algn="ctr"/>
+            <a:endParaRPr lang="en-US"/>
+          </a:p>
+        </p:txBody>
+      </p:sp>
+      <p:sp>
+        <p:nvSpPr>
+          <p:cNvPr id="16" name="Parallelogram 15"/>
+          <p:cNvSpPr/>
+          <p:nvPr/>
+        </p:nvSpPr>
+        <p:spPr>
+          <a:xfrm>
+            <a:off x="5334000" y="9258300"/>
+            <a:ext cx="2133600" cy="342900"/>
+          </a:xfrm>
+          <a:prstGeom prst="parallelogram">
+            <a:avLst/>
+          </a:prstGeom>
+          <a:solidFill>
+            <a:srgbClr val="556080"/>
+          </a:solidFill>
+          <a:ln>
+            <a:noFill/>
+          </a:ln>
+        </p:spPr>
+        <p:style>
+          <a:lnRef idx="2">
+            <a:schemeClr val="accent1">
+              <a:shade val="50000"/>
+            </a:schemeClr>
+          </a:lnRef>
+          <a:fillRef idx="1">
+            <a:schemeClr val="accent1"/>
+          </a:fillRef>
+          <a:effectRef idx="0">
+            <a:schemeClr val="accent1"/>
+          </a:effectRef>
+          <a:fontRef idx="minor">
+            <a:schemeClr val="lt1"/>
+          </a:fontRef>
+        </p:style>
+        <p:txBody>
+          <a:bodyPr rtlCol="0" anchor="ctr"/>
+          <a:lstStyle/>
+          <a:p>
+            <a:pPr algn="ctr"/>
+            <a:endParaRPr lang="en-US"/>
+          </a:p>
+        </p:txBody>
+      </p:sp>
+      <p:sp>
+        <p:nvSpPr>
+          <p:cNvPr id="21" name="Parallelogram 20"/>
+          <p:cNvSpPr/>
+          <p:nvPr/>
+        </p:nvSpPr>
+        <p:spPr>
+          <a:xfrm>
+            <a:off x="9074682" y="9258300"/>
+            <a:ext cx="2133600" cy="342900"/>
+          </a:xfrm>
+          <a:prstGeom prst="parallelogram">
+            <a:avLst/>
+          </a:prstGeom>
+          <a:solidFill>
+            <a:srgbClr val="556080"/>
+          </a:solidFill>
+          <a:ln>
+            <a:noFill/>
+          </a:ln>
+        </p:spPr>
+        <p:style>
+          <a:lnRef idx="2">
+            <a:schemeClr val="accent1">
+              <a:shade val="50000"/>
+            </a:schemeClr>
+          </a:lnRef>
+          <a:fillRef idx="1">
+            <a:schemeClr val="accent1"/>
+          </a:fillRef>
+          <a:effectRef idx="0">
+            <a:schemeClr val="accent1"/>
+          </a:effectRef>
+          <a:fontRef idx="minor">
+            <a:schemeClr val="lt1"/>
+          </a:fontRef>
+        </p:style>
+        <p:txBody>
+          <a:bodyPr rtlCol="0" anchor="ctr"/>
+          <a:lstStyle/>
+          <a:p>
+            <a:pPr algn="ctr"/>
+            <a:endParaRPr lang="en-US"/>
+          </a:p>
+        </p:txBody>
+      </p:sp>
+    </p:spTree>
+    <p:extLst>
+      <p:ext uri="{BB962C8B-B14F-4D97-AF65-F5344CB8AC3E}">
+        <p14:creationId xmlns:p14="http://schemas.microsoft.com/office/powerpoint/2010/main" val="3080859920"/>
+      </p:ext>
+    </p:extLst>
+  </p:cSld>
+  <p:clrMapOvr>
+    <a:masterClrMapping/>
+  </p:clrMapOvr>
+  <p:timing>
+    <p:tnLst>
+      <p:par>
+        <p:cTn id="1" dur="indefinite" restart="never" nodeType="tmRoot"/>
+      </p:par>
+    </p:tnLst>
+  </p:timing>
+</p:sld>
+</file>
+
+<file path=ppt/slides/slide16.xml><?xml version="1.0" encoding="utf-8"?>
+<p:sld xmlns:a="http://schemas.openxmlformats.org/drawingml/2006/main" xmlns:r="http://schemas.openxmlformats.org/officeDocument/2006/relationships" xmlns:p="http://schemas.openxmlformats.org/presentationml/2006/main">
+  <p:cSld>
+    <p:bg>
+      <p:bgPr>
+        <a:solidFill>
+          <a:schemeClr val="bg1">
+            <a:lumMod val="95000"/>
+          </a:schemeClr>
+        </a:solidFill>
+        <a:effectLst/>
+      </p:bgPr>
+    </p:bg>
+    <p:spTree>
+      <p:nvGrpSpPr>
+        <p:cNvPr id="1" name=""/>
+        <p:cNvGrpSpPr/>
+        <p:nvPr/>
+      </p:nvGrpSpPr>
+      <p:grpSpPr>
+        <a:xfrm>
+          <a:off x="0" y="0"/>
+          <a:ext cx="0" cy="0"/>
+          <a:chOff x="0" y="0"/>
+          <a:chExt cx="0" cy="0"/>
+        </a:xfrm>
+      </p:grpSpPr>
+      <p:sp>
+        <p:nvSpPr>
+          <p:cNvPr id="3" name="Title 2" hidden="1"/>
+          <p:cNvSpPr>
+            <a:spLocks noGrp="1"/>
+          </p:cNvSpPr>
+          <p:nvPr>
+            <p:ph type="title"/>
+          </p:nvPr>
+        </p:nvSpPr>
+        <p:spPr/>
+        <p:txBody>
+          <a:bodyPr/>
+          <a:lstStyle/>
+          <a:p>
+            <a:r>
+              <a:rPr lang="en-US" dirty="0" smtClean="0"/>
+              <a:t>1</a:t>
+            </a:r>
+            <a:endParaRPr lang="en-US" dirty="0"/>
+          </a:p>
+        </p:txBody>
+      </p:sp>
+      <p:pic>
+        <p:nvPicPr>
+          <p:cNvPr id="4" name="Picture 3"/>
+          <p:cNvPicPr>
+            <a:picLocks noChangeAspect="1"/>
+          </p:cNvPicPr>
+          <p:nvPr/>
+        </p:nvPicPr>
+        <p:blipFill>
+          <a:blip r:embed="rId2">
+            <a:extLst>
+              <a:ext uri="{28A0092B-C50C-407E-A947-70E740481C1C}">
+                <a14:useLocalDpi xmlns:a14="http://schemas.microsoft.com/office/drawing/2010/main" val="0"/>
+              </a:ext>
+            </a:extLst>
+          </a:blip>
+          <a:stretch>
+            <a:fillRect/>
+          </a:stretch>
+        </p:blipFill>
+        <p:spPr>
+          <a:xfrm>
+            <a:off x="3799615" y="1265015"/>
+            <a:ext cx="5202371" cy="5202371"/>
+          </a:xfrm>
+          <a:prstGeom prst="rect">
+            <a:avLst/>
+          </a:prstGeom>
+        </p:spPr>
+      </p:pic>
+      <p:sp>
+        <p:nvSpPr>
+          <p:cNvPr id="5" name="TextBox 4"/>
+          <p:cNvSpPr txBox="1"/>
+          <p:nvPr/>
+        </p:nvSpPr>
+        <p:spPr>
+          <a:xfrm>
+            <a:off x="1190625" y="514350"/>
+            <a:ext cx="10420350" cy="1200329"/>
+          </a:xfrm>
+          <a:prstGeom prst="rect">
+            <a:avLst/>
+          </a:prstGeom>
+          <a:noFill/>
+        </p:spPr>
+        <p:txBody>
+          <a:bodyPr wrap="square" rtlCol="0">
+            <a:spAutoFit/>
+          </a:bodyPr>
+          <a:lstStyle/>
+          <a:p>
+            <a:pPr algn="ctr"/>
+            <a:r>
+              <a:rPr lang="en-US" sz="7200" b="1" dirty="0" smtClean="0">
+                <a:solidFill>
+                  <a:srgbClr val="ED7161"/>
+                </a:solidFill>
+                <a:effectLst>
+                  <a:outerShdw blurRad="38100" dist="38100" dir="2700000" algn="tl">
+                    <a:srgbClr val="000000">
+                      <a:alpha val="43137"/>
+                    </a:srgbClr>
+                  </a:outerShdw>
+                </a:effectLst>
+                <a:latin typeface="Bahnschrift" panose="020B0502040204020203" pitchFamily="34" charset="0"/>
+              </a:rPr>
+              <a:t>Coming Soon!!!</a:t>
+            </a:r>
+            <a:endParaRPr lang="en-US" sz="7200" b="1" dirty="0">
+              <a:solidFill>
+                <a:srgbClr val="ED7161"/>
+              </a:solidFill>
+              <a:effectLst>
+                <a:outerShdw blurRad="38100" dist="38100" dir="2700000" algn="tl">
+                  <a:srgbClr val="000000">
+                    <a:alpha val="43137"/>
+                  </a:srgbClr>
+                </a:outerShdw>
+              </a:effectLst>
+              <a:latin typeface="Bahnschrift" panose="020B0502040204020203" pitchFamily="34" charset="0"/>
+            </a:endParaRPr>
+          </a:p>
+        </p:txBody>
+      </p:sp>
+      <p:sp>
+        <p:nvSpPr>
+          <p:cNvPr id="6" name="TextBox 5"/>
+          <p:cNvSpPr txBox="1"/>
+          <p:nvPr/>
+        </p:nvSpPr>
+        <p:spPr>
+          <a:xfrm>
+            <a:off x="2828925" y="5698782"/>
+            <a:ext cx="7143750" cy="1200329"/>
+          </a:xfrm>
+          <a:prstGeom prst="rect">
+            <a:avLst/>
+          </a:prstGeom>
+          <a:noFill/>
+        </p:spPr>
+        <p:txBody>
+          <a:bodyPr wrap="square" rtlCol="0">
+            <a:prstTxWarp prst="textArchDown">
+              <a:avLst/>
+            </a:prstTxWarp>
+            <a:spAutoFit/>
+          </a:bodyPr>
+          <a:lstStyle/>
+          <a:p>
+            <a:pPr algn="ctr"/>
+            <a:r>
+              <a:rPr lang="en-US" sz="8800" spc="300" dirty="0" smtClean="0">
+                <a:solidFill>
+                  <a:srgbClr val="ED7161"/>
+                </a:solidFill>
+                <a:latin typeface="Gill Sans MT Condensed" panose="020B0506020104020203" pitchFamily="34" charset="0"/>
+              </a:rPr>
+              <a:t>skunk-head</a:t>
+            </a:r>
+            <a:endParaRPr lang="en-US" sz="8800" spc="300" dirty="0">
+              <a:solidFill>
+                <a:srgbClr val="ED7161"/>
+              </a:solidFill>
+              <a:latin typeface="Gill Sans MT Condensed" panose="020B0506020104020203" pitchFamily="34" charset="0"/>
+            </a:endParaRPr>
+          </a:p>
+        </p:txBody>
+      </p:sp>
+      <p:sp>
+        <p:nvSpPr>
+          <p:cNvPr id="7" name="TextBox 6"/>
+          <p:cNvSpPr txBox="1"/>
+          <p:nvPr/>
+        </p:nvSpPr>
+        <p:spPr>
+          <a:xfrm>
+            <a:off x="523875" y="8185725"/>
+            <a:ext cx="3409950" cy="769441"/>
+          </a:xfrm>
+          <a:prstGeom prst="rect">
+            <a:avLst/>
+          </a:prstGeom>
+          <a:noFill/>
+        </p:spPr>
+        <p:txBody>
+          <a:bodyPr wrap="square" rtlCol="0">
+            <a:spAutoFit/>
+          </a:bodyPr>
+          <a:lstStyle/>
+          <a:p>
+            <a:pPr algn="ctr"/>
+            <a:r>
+              <a:rPr lang="en-US" sz="4400" b="1" dirty="0" smtClean="0">
+                <a:solidFill>
+                  <a:srgbClr val="ED7161"/>
+                </a:solidFill>
+                <a:latin typeface="Candara" panose="020E0502030303020204" pitchFamily="34" charset="0"/>
+                <a:cs typeface="Agent Orange" panose="00000400000000000000" pitchFamily="2" charset="0"/>
+              </a:rPr>
+              <a:t>10 – 1 – 2018</a:t>
+            </a:r>
+            <a:endParaRPr lang="en-US" sz="4400" b="1" dirty="0">
+              <a:solidFill>
+                <a:srgbClr val="ED7161"/>
+              </a:solidFill>
+              <a:latin typeface="Candara" panose="020E0502030303020204" pitchFamily="34" charset="0"/>
+              <a:cs typeface="Agent Orange" panose="00000400000000000000" pitchFamily="2" charset="0"/>
+            </a:endParaRPr>
+          </a:p>
+        </p:txBody>
+      </p:sp>
+      <p:sp>
+        <p:nvSpPr>
+          <p:cNvPr id="8" name="TextBox 7"/>
+          <p:cNvSpPr txBox="1"/>
+          <p:nvPr/>
+        </p:nvSpPr>
+        <p:spPr>
+          <a:xfrm>
+            <a:off x="1771650" y="7600950"/>
+            <a:ext cx="914400" cy="584775"/>
+          </a:xfrm>
+          <a:prstGeom prst="rect">
+            <a:avLst/>
+          </a:prstGeom>
+          <a:noFill/>
+        </p:spPr>
+        <p:txBody>
+          <a:bodyPr wrap="square" rtlCol="0">
+            <a:spAutoFit/>
+          </a:bodyPr>
+          <a:lstStyle/>
+          <a:p>
+            <a:pPr algn="ctr"/>
+            <a:r>
+              <a:rPr lang="en-US" sz="3200" b="1" dirty="0" smtClean="0">
+                <a:solidFill>
+                  <a:srgbClr val="556080"/>
+                </a:solidFill>
+                <a:latin typeface="Bahnschrift" panose="020B0502040204020203" pitchFamily="34" charset="0"/>
+              </a:rPr>
+              <a:t>On</a:t>
+            </a:r>
+            <a:endParaRPr lang="en-US" sz="3200" b="1" dirty="0">
+              <a:solidFill>
+                <a:srgbClr val="556080"/>
+              </a:solidFill>
+              <a:latin typeface="Bahnschrift" panose="020B0502040204020203" pitchFamily="34" charset="0"/>
+            </a:endParaRPr>
+          </a:p>
+        </p:txBody>
+      </p:sp>
+      <p:sp>
+        <p:nvSpPr>
+          <p:cNvPr id="9" name="TextBox 8"/>
+          <p:cNvSpPr txBox="1"/>
+          <p:nvPr/>
+        </p:nvSpPr>
+        <p:spPr>
+          <a:xfrm>
+            <a:off x="9515475" y="7600950"/>
+            <a:ext cx="914400" cy="584775"/>
+          </a:xfrm>
+          <a:prstGeom prst="rect">
+            <a:avLst/>
+          </a:prstGeom>
+          <a:noFill/>
+        </p:spPr>
+        <p:txBody>
+          <a:bodyPr wrap="square" rtlCol="0">
+            <a:spAutoFit/>
+          </a:bodyPr>
+          <a:lstStyle/>
+          <a:p>
+            <a:pPr algn="ctr"/>
+            <a:r>
+              <a:rPr lang="en-US" sz="3200" b="1" dirty="0" smtClean="0">
+                <a:solidFill>
+                  <a:srgbClr val="556080"/>
+                </a:solidFill>
+                <a:latin typeface="Bahnschrift" panose="020B0502040204020203" pitchFamily="34" charset="0"/>
+              </a:rPr>
+              <a:t>By</a:t>
+            </a:r>
+            <a:endParaRPr lang="en-US" sz="3200" b="1" dirty="0">
+              <a:solidFill>
+                <a:srgbClr val="556080"/>
+              </a:solidFill>
+              <a:latin typeface="Bahnschrift" panose="020B0502040204020203" pitchFamily="34" charset="0"/>
+            </a:endParaRPr>
+          </a:p>
+        </p:txBody>
+      </p:sp>
+      <p:sp>
+        <p:nvSpPr>
+          <p:cNvPr id="13" name="TextBox 12"/>
+          <p:cNvSpPr txBox="1"/>
+          <p:nvPr/>
+        </p:nvSpPr>
+        <p:spPr>
+          <a:xfrm>
+            <a:off x="8267700" y="8185725"/>
+            <a:ext cx="3409950" cy="769441"/>
+          </a:xfrm>
+          <a:prstGeom prst="rect">
+            <a:avLst/>
+          </a:prstGeom>
+          <a:noFill/>
+        </p:spPr>
+        <p:txBody>
+          <a:bodyPr wrap="square" rtlCol="0">
+            <a:spAutoFit/>
+          </a:bodyPr>
+          <a:lstStyle/>
+          <a:p>
+            <a:pPr algn="ctr"/>
+            <a:r>
+              <a:rPr lang="en-US" sz="4400" b="1" dirty="0" err="1" smtClean="0">
+                <a:solidFill>
+                  <a:srgbClr val="ED7161"/>
+                </a:solidFill>
+                <a:latin typeface="Candara" panose="020E0502030303020204" pitchFamily="34" charset="0"/>
+                <a:cs typeface="Agent Orange" panose="00000400000000000000" pitchFamily="2" charset="0"/>
+              </a:rPr>
+              <a:t>bemBem</a:t>
+            </a:r>
+            <a:endParaRPr lang="en-US" sz="4400" b="1" dirty="0">
+              <a:solidFill>
+                <a:srgbClr val="ED7161"/>
+              </a:solidFill>
+              <a:latin typeface="Candara" panose="020E0502030303020204" pitchFamily="34" charset="0"/>
+              <a:cs typeface="Agent Orange" panose="00000400000000000000" pitchFamily="2" charset="0"/>
+            </a:endParaRPr>
+          </a:p>
+        </p:txBody>
+      </p:sp>
+      <p:sp>
+        <p:nvSpPr>
+          <p:cNvPr id="2" name="Rectangle 1"/>
+          <p:cNvSpPr/>
+          <p:nvPr/>
+        </p:nvSpPr>
+        <p:spPr>
+          <a:xfrm>
+            <a:off x="0" y="9258300"/>
+            <a:ext cx="12801600" cy="342900"/>
+          </a:xfrm>
+          <a:prstGeom prst="rect">
+            <a:avLst/>
+          </a:prstGeom>
+          <a:solidFill>
+            <a:srgbClr val="556080"/>
+          </a:solidFill>
+          <a:ln>
+            <a:noFill/>
+          </a:ln>
+        </p:spPr>
+        <p:style>
+          <a:lnRef idx="2">
+            <a:schemeClr val="accent1">
+              <a:shade val="50000"/>
+            </a:schemeClr>
+          </a:lnRef>
+          <a:fillRef idx="1">
+            <a:schemeClr val="accent1"/>
+          </a:fillRef>
+          <a:effectRef idx="0">
+            <a:schemeClr val="accent1"/>
+          </a:effectRef>
+          <a:fontRef idx="minor">
+            <a:schemeClr val="lt1"/>
+          </a:fontRef>
+        </p:style>
+        <p:txBody>
+          <a:bodyPr rtlCol="0" anchor="ctr"/>
+          <a:lstStyle/>
+          <a:p>
+            <a:pPr algn="ctr"/>
+            <a:endParaRPr lang="en-US"/>
+          </a:p>
+        </p:txBody>
+      </p:sp>
+      <p:sp>
+        <p:nvSpPr>
+          <p:cNvPr id="17" name="5-Point Star 16"/>
+          <p:cNvSpPr>
+            <a:spLocks noChangeAspect="1"/>
+          </p:cNvSpPr>
+          <p:nvPr/>
+        </p:nvSpPr>
+        <p:spPr>
+          <a:xfrm>
+            <a:off x="2522958" y="1051560"/>
+            <a:ext cx="274320" cy="274320"/>
+          </a:xfrm>
+          <a:prstGeom prst="star5">
+            <a:avLst/>
+          </a:prstGeom>
+          <a:solidFill>
+            <a:srgbClr val="556080"/>
+          </a:solidFill>
+          <a:ln>
+            <a:noFill/>
+          </a:ln>
+        </p:spPr>
+        <p:style>
+          <a:lnRef idx="2">
+            <a:schemeClr val="accent1">
+              <a:shade val="50000"/>
+            </a:schemeClr>
+          </a:lnRef>
+          <a:fillRef idx="1">
+            <a:schemeClr val="accent1"/>
+          </a:fillRef>
+          <a:effectRef idx="0">
+            <a:schemeClr val="accent1"/>
+          </a:effectRef>
+          <a:fontRef idx="minor">
+            <a:schemeClr val="lt1"/>
+          </a:fontRef>
+        </p:style>
+        <p:txBody>
+          <a:bodyPr rtlCol="0" anchor="ctr"/>
+          <a:lstStyle/>
+          <a:p>
+            <a:pPr algn="ctr"/>
+            <a:endParaRPr lang="en-US"/>
+          </a:p>
+        </p:txBody>
+      </p:sp>
+      <p:sp>
+        <p:nvSpPr>
+          <p:cNvPr id="18" name="5-Point Star 17"/>
+          <p:cNvSpPr>
+            <a:spLocks noChangeAspect="1"/>
+          </p:cNvSpPr>
+          <p:nvPr/>
+        </p:nvSpPr>
+        <p:spPr>
+          <a:xfrm>
+            <a:off x="3039950" y="1051560"/>
+            <a:ext cx="274320" cy="274320"/>
+          </a:xfrm>
+          <a:prstGeom prst="star5">
+            <a:avLst/>
+          </a:prstGeom>
+          <a:solidFill>
+            <a:srgbClr val="556080"/>
+          </a:solidFill>
+          <a:ln>
+            <a:noFill/>
+          </a:ln>
+        </p:spPr>
+        <p:style>
+          <a:lnRef idx="2">
+            <a:schemeClr val="accent1">
+              <a:shade val="50000"/>
+            </a:schemeClr>
+          </a:lnRef>
+          <a:fillRef idx="1">
+            <a:schemeClr val="accent1"/>
+          </a:fillRef>
+          <a:effectRef idx="0">
+            <a:schemeClr val="accent1"/>
+          </a:effectRef>
+          <a:fontRef idx="minor">
+            <a:schemeClr val="lt1"/>
+          </a:fontRef>
+        </p:style>
+        <p:txBody>
+          <a:bodyPr rtlCol="0" anchor="ctr"/>
+          <a:lstStyle/>
+          <a:p>
+            <a:pPr algn="ctr"/>
+            <a:endParaRPr lang="en-US"/>
+          </a:p>
+        </p:txBody>
+      </p:sp>
+      <p:sp>
+        <p:nvSpPr>
+          <p:cNvPr id="19" name="5-Point Star 18"/>
+          <p:cNvSpPr>
+            <a:spLocks noChangeAspect="1"/>
+          </p:cNvSpPr>
+          <p:nvPr/>
+        </p:nvSpPr>
+        <p:spPr>
+          <a:xfrm>
+            <a:off x="9455683" y="1051560"/>
+            <a:ext cx="274320" cy="274320"/>
+          </a:xfrm>
+          <a:prstGeom prst="star5">
+            <a:avLst/>
+          </a:prstGeom>
+          <a:solidFill>
+            <a:srgbClr val="556080"/>
+          </a:solidFill>
+          <a:ln>
+            <a:noFill/>
+          </a:ln>
+        </p:spPr>
+        <p:style>
+          <a:lnRef idx="2">
+            <a:schemeClr val="accent1">
+              <a:shade val="50000"/>
+            </a:schemeClr>
+          </a:lnRef>
+          <a:fillRef idx="1">
+            <a:schemeClr val="accent1"/>
+          </a:fillRef>
+          <a:effectRef idx="0">
+            <a:schemeClr val="accent1"/>
+          </a:effectRef>
+          <a:fontRef idx="minor">
+            <a:schemeClr val="lt1"/>
+          </a:fontRef>
+        </p:style>
+        <p:txBody>
+          <a:bodyPr rtlCol="0" anchor="ctr"/>
+          <a:lstStyle/>
+          <a:p>
+            <a:pPr algn="ctr"/>
+            <a:endParaRPr lang="en-US"/>
+          </a:p>
+        </p:txBody>
+      </p:sp>
+      <p:sp>
+        <p:nvSpPr>
+          <p:cNvPr id="20" name="5-Point Star 19"/>
+          <p:cNvSpPr>
+            <a:spLocks noChangeAspect="1"/>
+          </p:cNvSpPr>
+          <p:nvPr/>
+        </p:nvSpPr>
+        <p:spPr>
+          <a:xfrm>
+            <a:off x="9972675" y="1051560"/>
+            <a:ext cx="274320" cy="274320"/>
+          </a:xfrm>
+          <a:prstGeom prst="star5">
+            <a:avLst/>
+          </a:prstGeom>
+          <a:solidFill>
+            <a:srgbClr val="556080"/>
+          </a:solidFill>
+          <a:ln>
+            <a:noFill/>
+          </a:ln>
+        </p:spPr>
+        <p:style>
+          <a:lnRef idx="2">
+            <a:schemeClr val="accent1">
+              <a:shade val="50000"/>
+            </a:schemeClr>
+          </a:lnRef>
+          <a:fillRef idx="1">
+            <a:schemeClr val="accent1"/>
+          </a:fillRef>
+          <a:effectRef idx="0">
+            <a:schemeClr val="accent1"/>
+          </a:effectRef>
+          <a:fontRef idx="minor">
+            <a:schemeClr val="lt1"/>
+          </a:fontRef>
+        </p:style>
+        <p:txBody>
+          <a:bodyPr rtlCol="0" anchor="ctr"/>
+          <a:lstStyle/>
+          <a:p>
+            <a:pPr algn="ctr"/>
+            <a:endParaRPr lang="en-US"/>
+          </a:p>
+        </p:txBody>
+      </p:sp>
+      <p:sp>
+        <p:nvSpPr>
+          <p:cNvPr id="15" name="Parallelogram 14"/>
+          <p:cNvSpPr/>
+          <p:nvPr/>
+        </p:nvSpPr>
+        <p:spPr>
+          <a:xfrm>
+            <a:off x="1593318" y="9258300"/>
+            <a:ext cx="2133600" cy="342900"/>
+          </a:xfrm>
+          <a:prstGeom prst="parallelogram">
+            <a:avLst/>
+          </a:prstGeom>
+          <a:solidFill>
+            <a:srgbClr val="ED7161"/>
+          </a:solidFill>
+          <a:ln>
+            <a:noFill/>
+          </a:ln>
+        </p:spPr>
+        <p:style>
+          <a:lnRef idx="2">
+            <a:schemeClr val="accent1">
+              <a:shade val="50000"/>
+            </a:schemeClr>
+          </a:lnRef>
+          <a:fillRef idx="1">
+            <a:schemeClr val="accent1"/>
+          </a:fillRef>
+          <a:effectRef idx="0">
+            <a:schemeClr val="accent1"/>
+          </a:effectRef>
+          <a:fontRef idx="minor">
+            <a:schemeClr val="lt1"/>
+          </a:fontRef>
+        </p:style>
+        <p:txBody>
+          <a:bodyPr rtlCol="0" anchor="ctr"/>
+          <a:lstStyle/>
+          <a:p>
+            <a:pPr algn="ctr"/>
+            <a:endParaRPr lang="en-US"/>
+          </a:p>
+        </p:txBody>
+      </p:sp>
+      <p:sp>
+        <p:nvSpPr>
+          <p:cNvPr id="16" name="Parallelogram 15"/>
+          <p:cNvSpPr/>
+          <p:nvPr/>
+        </p:nvSpPr>
+        <p:spPr>
+          <a:xfrm>
+            <a:off x="5334000" y="9258300"/>
+            <a:ext cx="2133600" cy="342900"/>
+          </a:xfrm>
+          <a:prstGeom prst="parallelogram">
+            <a:avLst/>
+          </a:prstGeom>
+          <a:solidFill>
+            <a:srgbClr val="ED7161"/>
+          </a:solidFill>
+          <a:ln>
+            <a:noFill/>
+          </a:ln>
+        </p:spPr>
+        <p:style>
+          <a:lnRef idx="2">
+            <a:schemeClr val="accent1">
+              <a:shade val="50000"/>
+            </a:schemeClr>
+          </a:lnRef>
+          <a:fillRef idx="1">
+            <a:schemeClr val="accent1"/>
+          </a:fillRef>
+          <a:effectRef idx="0">
+            <a:schemeClr val="accent1"/>
+          </a:effectRef>
+          <a:fontRef idx="minor">
+            <a:schemeClr val="lt1"/>
+          </a:fontRef>
+        </p:style>
+        <p:txBody>
+          <a:bodyPr rtlCol="0" anchor="ctr"/>
+          <a:lstStyle/>
+          <a:p>
+            <a:pPr algn="ctr"/>
+            <a:endParaRPr lang="en-US"/>
+          </a:p>
+        </p:txBody>
+      </p:sp>
+      <p:sp>
+        <p:nvSpPr>
+          <p:cNvPr id="21" name="Parallelogram 20"/>
+          <p:cNvSpPr/>
+          <p:nvPr/>
+        </p:nvSpPr>
+        <p:spPr>
+          <a:xfrm>
+            <a:off x="9074682" y="9258300"/>
+            <a:ext cx="2133600" cy="342900"/>
+          </a:xfrm>
+          <a:prstGeom prst="parallelogram">
+            <a:avLst/>
+          </a:prstGeom>
+          <a:solidFill>
+            <a:srgbClr val="ED7161"/>
+          </a:solidFill>
+          <a:ln>
+            <a:noFill/>
+          </a:ln>
+        </p:spPr>
+        <p:style>
+          <a:lnRef idx="2">
+            <a:schemeClr val="accent1">
+              <a:shade val="50000"/>
+            </a:schemeClr>
+          </a:lnRef>
+          <a:fillRef idx="1">
+            <a:schemeClr val="accent1"/>
+          </a:fillRef>
+          <a:effectRef idx="0">
+            <a:schemeClr val="accent1"/>
+          </a:effectRef>
+          <a:fontRef idx="minor">
+            <a:schemeClr val="lt1"/>
+          </a:fontRef>
+        </p:style>
+        <p:txBody>
+          <a:bodyPr rtlCol="0" anchor="ctr"/>
+          <a:lstStyle/>
+          <a:p>
+            <a:pPr algn="ctr"/>
+            <a:endParaRPr lang="en-US"/>
+          </a:p>
+        </p:txBody>
+      </p:sp>
+    </p:spTree>
+    <p:extLst>
+      <p:ext uri="{BB962C8B-B14F-4D97-AF65-F5344CB8AC3E}">
+        <p14:creationId xmlns:p14="http://schemas.microsoft.com/office/powerpoint/2010/main" val="1541149815"/>
+      </p:ext>
+    </p:extLst>
+  </p:cSld>
+  <p:clrMapOvr>
+    <a:masterClrMapping/>
+  </p:clrMapOvr>
+  <p:timing>
+    <p:tnLst>
+      <p:par>
+        <p:cTn id="1" dur="indefinite" restart="never" nodeType="tmRoot"/>
+      </p:par>
+    </p:tnLst>
+  </p:timing>
+</p:sld>
+</file>
+
+<file path=ppt/slides/slide17.xml><?xml version="1.0" encoding="utf-8"?>
+<p:sld xmlns:a="http://schemas.openxmlformats.org/drawingml/2006/main" xmlns:r="http://schemas.openxmlformats.org/officeDocument/2006/relationships" xmlns:p="http://schemas.openxmlformats.org/presentationml/2006/main">
+  <p:cSld>
+    <p:bg>
+      <p:bgPr>
+        <a:solidFill>
+          <a:schemeClr val="bg1">
+            <a:lumMod val="95000"/>
+          </a:schemeClr>
+        </a:solidFill>
+        <a:effectLst/>
+      </p:bgPr>
+    </p:bg>
+    <p:spTree>
+      <p:nvGrpSpPr>
+        <p:cNvPr id="1" name=""/>
+        <p:cNvGrpSpPr/>
+        <p:nvPr/>
+      </p:nvGrpSpPr>
+      <p:grpSpPr>
+        <a:xfrm>
+          <a:off x="0" y="0"/>
+          <a:ext cx="0" cy="0"/>
+          <a:chOff x="0" y="0"/>
+          <a:chExt cx="0" cy="0"/>
+        </a:xfrm>
+      </p:grpSpPr>
+      <p:sp>
+        <p:nvSpPr>
+          <p:cNvPr id="3" name="Title 2" hidden="1"/>
+          <p:cNvSpPr>
+            <a:spLocks noGrp="1"/>
+          </p:cNvSpPr>
+          <p:nvPr>
+            <p:ph type="title"/>
+          </p:nvPr>
+        </p:nvSpPr>
+        <p:spPr/>
+        <p:txBody>
+          <a:bodyPr/>
+          <a:lstStyle/>
+          <a:p>
+            <a:r>
+              <a:rPr lang="en-US" dirty="0" smtClean="0"/>
+              <a:t>1</a:t>
+            </a:r>
+            <a:endParaRPr lang="en-US" dirty="0"/>
+          </a:p>
+        </p:txBody>
+      </p:sp>
+      <p:pic>
+        <p:nvPicPr>
+          <p:cNvPr id="4" name="Picture 3"/>
+          <p:cNvPicPr>
+            <a:picLocks noChangeAspect="1"/>
+          </p:cNvPicPr>
+          <p:nvPr/>
+        </p:nvPicPr>
+        <p:blipFill>
+          <a:blip r:embed="rId2">
+            <a:extLst>
+              <a:ext uri="{28A0092B-C50C-407E-A947-70E740481C1C}">
+                <a14:useLocalDpi xmlns:a14="http://schemas.microsoft.com/office/drawing/2010/main" val="0"/>
+              </a:ext>
+            </a:extLst>
+          </a:blip>
+          <a:stretch>
+            <a:fillRect/>
+          </a:stretch>
+        </p:blipFill>
+        <p:spPr>
+          <a:xfrm>
+            <a:off x="3799615" y="1265015"/>
+            <a:ext cx="5202371" cy="5202371"/>
+          </a:xfrm>
+          <a:prstGeom prst="rect">
+            <a:avLst/>
+          </a:prstGeom>
+        </p:spPr>
+      </p:pic>
+      <p:sp>
+        <p:nvSpPr>
+          <p:cNvPr id="5" name="TextBox 4"/>
+          <p:cNvSpPr txBox="1"/>
+          <p:nvPr/>
+        </p:nvSpPr>
+        <p:spPr>
+          <a:xfrm>
+            <a:off x="1190625" y="514350"/>
+            <a:ext cx="10420350" cy="1200329"/>
+          </a:xfrm>
+          <a:prstGeom prst="rect">
+            <a:avLst/>
+          </a:prstGeom>
+          <a:noFill/>
+        </p:spPr>
+        <p:txBody>
+          <a:bodyPr wrap="square" rtlCol="0">
+            <a:spAutoFit/>
+          </a:bodyPr>
+          <a:lstStyle/>
+          <a:p>
+            <a:pPr algn="ctr"/>
+            <a:r>
+              <a:rPr lang="en-US" sz="7200" b="1" dirty="0" smtClean="0">
+                <a:solidFill>
+                  <a:srgbClr val="ED7161"/>
+                </a:solidFill>
+                <a:effectLst>
+                  <a:outerShdw blurRad="38100" dist="38100" dir="2700000" algn="tl">
+                    <a:srgbClr val="000000">
+                      <a:alpha val="43137"/>
+                    </a:srgbClr>
+                  </a:outerShdw>
+                </a:effectLst>
+                <a:latin typeface="Bahnschrift" panose="020B0502040204020203" pitchFamily="34" charset="0"/>
+              </a:rPr>
+              <a:t>Coming Soon!!!</a:t>
+            </a:r>
+            <a:endParaRPr lang="en-US" sz="7200" b="1" dirty="0">
+              <a:solidFill>
+                <a:srgbClr val="ED7161"/>
+              </a:solidFill>
+              <a:effectLst>
+                <a:outerShdw blurRad="38100" dist="38100" dir="2700000" algn="tl">
+                  <a:srgbClr val="000000">
+                    <a:alpha val="43137"/>
+                  </a:srgbClr>
+                </a:outerShdw>
+              </a:effectLst>
+              <a:latin typeface="Bahnschrift" panose="020B0502040204020203" pitchFamily="34" charset="0"/>
+            </a:endParaRPr>
+          </a:p>
+        </p:txBody>
+      </p:sp>
+      <p:sp>
+        <p:nvSpPr>
+          <p:cNvPr id="6" name="TextBox 5"/>
+          <p:cNvSpPr txBox="1"/>
+          <p:nvPr/>
+        </p:nvSpPr>
+        <p:spPr>
+          <a:xfrm>
+            <a:off x="2828925" y="5698782"/>
+            <a:ext cx="7143750" cy="1200329"/>
+          </a:xfrm>
+          <a:prstGeom prst="rect">
+            <a:avLst/>
+          </a:prstGeom>
+          <a:noFill/>
+        </p:spPr>
+        <p:txBody>
+          <a:bodyPr wrap="square" rtlCol="0">
+            <a:prstTxWarp prst="textArchDown">
+              <a:avLst/>
+            </a:prstTxWarp>
+            <a:spAutoFit/>
+          </a:bodyPr>
+          <a:lstStyle/>
+          <a:p>
+            <a:pPr algn="ctr"/>
+            <a:r>
+              <a:rPr lang="en-US" sz="8800" spc="300" dirty="0" smtClean="0">
+                <a:solidFill>
+                  <a:srgbClr val="ED7161"/>
+                </a:solidFill>
+                <a:latin typeface="Gill Sans MT Condensed" panose="020B0506020104020203" pitchFamily="34" charset="0"/>
+              </a:rPr>
+              <a:t>skunk-head</a:t>
+            </a:r>
+            <a:endParaRPr lang="en-US" sz="8800" spc="300" dirty="0">
+              <a:solidFill>
+                <a:srgbClr val="ED7161"/>
+              </a:solidFill>
+              <a:latin typeface="Gill Sans MT Condensed" panose="020B0506020104020203" pitchFamily="34" charset="0"/>
+            </a:endParaRPr>
+          </a:p>
+        </p:txBody>
+      </p:sp>
+      <p:sp>
+        <p:nvSpPr>
+          <p:cNvPr id="7" name="TextBox 6"/>
+          <p:cNvSpPr txBox="1"/>
+          <p:nvPr/>
+        </p:nvSpPr>
+        <p:spPr>
+          <a:xfrm>
+            <a:off x="523875" y="8185725"/>
+            <a:ext cx="3409950" cy="769441"/>
+          </a:xfrm>
+          <a:prstGeom prst="rect">
+            <a:avLst/>
+          </a:prstGeom>
+          <a:noFill/>
+        </p:spPr>
+        <p:txBody>
+          <a:bodyPr wrap="square" rtlCol="0">
+            <a:spAutoFit/>
+          </a:bodyPr>
+          <a:lstStyle/>
+          <a:p>
+            <a:pPr algn="ctr"/>
+            <a:r>
+              <a:rPr lang="en-US" sz="4400" b="1" dirty="0" smtClean="0">
+                <a:solidFill>
+                  <a:srgbClr val="7AC673"/>
+                </a:solidFill>
+                <a:latin typeface="Candara" panose="020E0502030303020204" pitchFamily="34" charset="0"/>
+                <a:cs typeface="Agent Orange" panose="00000400000000000000" pitchFamily="2" charset="0"/>
+              </a:rPr>
+              <a:t>10 – 1 – 2018</a:t>
+            </a:r>
+            <a:endParaRPr lang="en-US" sz="4400" b="1" dirty="0">
+              <a:solidFill>
+                <a:srgbClr val="7AC673"/>
+              </a:solidFill>
+              <a:latin typeface="Candara" panose="020E0502030303020204" pitchFamily="34" charset="0"/>
+              <a:cs typeface="Agent Orange" panose="00000400000000000000" pitchFamily="2" charset="0"/>
+            </a:endParaRPr>
+          </a:p>
+        </p:txBody>
+      </p:sp>
+      <p:sp>
+        <p:nvSpPr>
+          <p:cNvPr id="8" name="TextBox 7"/>
+          <p:cNvSpPr txBox="1"/>
+          <p:nvPr/>
+        </p:nvSpPr>
+        <p:spPr>
+          <a:xfrm>
+            <a:off x="1771650" y="7600950"/>
+            <a:ext cx="914400" cy="584775"/>
+          </a:xfrm>
+          <a:prstGeom prst="rect">
+            <a:avLst/>
+          </a:prstGeom>
+          <a:noFill/>
+        </p:spPr>
+        <p:txBody>
+          <a:bodyPr wrap="square" rtlCol="0">
+            <a:spAutoFit/>
+          </a:bodyPr>
+          <a:lstStyle/>
+          <a:p>
+            <a:pPr algn="ctr"/>
+            <a:r>
+              <a:rPr lang="en-US" sz="3200" b="1" dirty="0" smtClean="0">
+                <a:solidFill>
+                  <a:srgbClr val="696969"/>
+                </a:solidFill>
+                <a:latin typeface="Bahnschrift" panose="020B0502040204020203" pitchFamily="34" charset="0"/>
+              </a:rPr>
+              <a:t>On</a:t>
+            </a:r>
+            <a:endParaRPr lang="en-US" sz="3200" b="1" dirty="0">
+              <a:solidFill>
+                <a:srgbClr val="696969"/>
+              </a:solidFill>
+              <a:latin typeface="Bahnschrift" panose="020B0502040204020203" pitchFamily="34" charset="0"/>
+            </a:endParaRPr>
+          </a:p>
+        </p:txBody>
+      </p:sp>
+      <p:sp>
+        <p:nvSpPr>
+          <p:cNvPr id="9" name="TextBox 8"/>
+          <p:cNvSpPr txBox="1"/>
+          <p:nvPr/>
+        </p:nvSpPr>
+        <p:spPr>
+          <a:xfrm>
+            <a:off x="9515475" y="7600950"/>
+            <a:ext cx="914400" cy="584775"/>
+          </a:xfrm>
+          <a:prstGeom prst="rect">
+            <a:avLst/>
+          </a:prstGeom>
+          <a:noFill/>
+        </p:spPr>
+        <p:txBody>
+          <a:bodyPr wrap="square" rtlCol="0">
+            <a:spAutoFit/>
+          </a:bodyPr>
+          <a:lstStyle/>
+          <a:p>
+            <a:pPr algn="ctr"/>
+            <a:r>
+              <a:rPr lang="en-US" sz="3200" b="1" dirty="0" smtClean="0">
+                <a:solidFill>
+                  <a:srgbClr val="696969"/>
+                </a:solidFill>
+                <a:latin typeface="Bahnschrift" panose="020B0502040204020203" pitchFamily="34" charset="0"/>
+              </a:rPr>
+              <a:t>By</a:t>
+            </a:r>
+            <a:endParaRPr lang="en-US" sz="3200" b="1" dirty="0">
+              <a:solidFill>
+                <a:srgbClr val="696969"/>
+              </a:solidFill>
+              <a:latin typeface="Bahnschrift" panose="020B0502040204020203" pitchFamily="34" charset="0"/>
+            </a:endParaRPr>
+          </a:p>
+        </p:txBody>
+      </p:sp>
+      <p:sp>
+        <p:nvSpPr>
+          <p:cNvPr id="13" name="TextBox 12"/>
+          <p:cNvSpPr txBox="1"/>
+          <p:nvPr/>
+        </p:nvSpPr>
+        <p:spPr>
+          <a:xfrm>
+            <a:off x="8267700" y="8185725"/>
+            <a:ext cx="3409950" cy="769441"/>
+          </a:xfrm>
+          <a:prstGeom prst="rect">
+            <a:avLst/>
+          </a:prstGeom>
+          <a:noFill/>
+        </p:spPr>
+        <p:txBody>
+          <a:bodyPr wrap="square" rtlCol="0">
+            <a:spAutoFit/>
+          </a:bodyPr>
+          <a:lstStyle/>
+          <a:p>
+            <a:pPr algn="ctr"/>
+            <a:r>
+              <a:rPr lang="en-US" sz="4400" b="1" dirty="0" err="1" smtClean="0">
+                <a:solidFill>
                   <a:srgbClr val="7AC673"/>
                 </a:solidFill>
                 <a:latin typeface="Candara" panose="020E0502030303020204" pitchFamily="34" charset="0"/>
@@ -5032,7 +8106,7 @@
 </p:sld>
 </file>
 
-<file path=ppt/slides/slide13.xml><?xml version="1.0" encoding="utf-8"?>
+<file path=ppt/slides/slide18.xml><?xml version="1.0" encoding="utf-8"?>
 <p:sld xmlns:a="http://schemas.openxmlformats.org/drawingml/2006/main" xmlns:r="http://schemas.openxmlformats.org/officeDocument/2006/relationships" xmlns:p="http://schemas.openxmlformats.org/presentationml/2006/main">
   <p:cSld>
     <p:spTree>
@@ -5084,7 +8158,9 @@
         </p:nvSpPr>
         <p:spPr/>
         <p:txBody>
-          <a:bodyPr/>
+          <a:bodyPr>
+            <a:normAutofit fontScale="92500" lnSpcReduction="20000"/>
+          </a:bodyPr>
           <a:lstStyle/>
           <a:p>
             <a:r>
@@ -5093,11 +8169,98 @@
             </a:r>
           </a:p>
           <a:p>
+            <a:pPr lvl="1"/>
+            <a:r>
+              <a:rPr lang="en-US" dirty="0" smtClean="0"/>
+              <a:t>9 years plan with 15.5% interest per annum</a:t>
+            </a:r>
+          </a:p>
+          <a:p>
+            <a:pPr lvl="1"/>
+            <a:r>
+              <a:rPr lang="en-US" dirty="0" smtClean="0"/>
+              <a:t>5 years with 9.7% interest per annum</a:t>
+            </a:r>
+          </a:p>
+          <a:p>
+            <a:pPr lvl="1"/>
             <a:r>
               <a:rPr lang="en-US" smtClean="0"/>
+              <a:t>Minimum of 3 </a:t>
+            </a:r>
+            <a:r>
+              <a:rPr lang="en-US" dirty="0" smtClean="0"/>
+              <a:t>years with 0.1% compounded interest per month &lt;P[</a:t>
+            </a:r>
+            <a:r>
+              <a:rPr lang="en-US" dirty="0" smtClean="0">
+                <a:solidFill>
+                  <a:srgbClr val="FF0000"/>
+                </a:solidFill>
+              </a:rPr>
+              <a:t>(</a:t>
+            </a:r>
+            <a:r>
+              <a:rPr lang="en-US" dirty="0" smtClean="0"/>
+              <a:t>(1+0.02)^(3*12)</a:t>
+            </a:r>
+            <a:r>
+              <a:rPr lang="en-US" dirty="0" smtClean="0">
+                <a:solidFill>
+                  <a:srgbClr val="FF0000"/>
+                </a:solidFill>
+              </a:rPr>
+              <a:t>)</a:t>
+            </a:r>
+            <a:r>
+              <a:rPr lang="en-US" dirty="0" smtClean="0"/>
+              <a:t>-1]</a:t>
+            </a:r>
+          </a:p>
+          <a:p>
+            <a:r>
+              <a:rPr lang="en-US" dirty="0" smtClean="0"/>
+              <a:t>Select page</a:t>
+            </a:r>
+          </a:p>
+          <a:p>
+            <a:pPr lvl="1"/>
+            <a:r>
+              <a:rPr lang="en-US" dirty="0" smtClean="0"/>
+              <a:t>Hide total of investment</a:t>
+            </a:r>
+          </a:p>
+          <a:p>
+            <a:pPr lvl="1"/>
+            <a:r>
+              <a:rPr lang="en-US" dirty="0" smtClean="0"/>
+              <a:t>Give good iteration of services.</a:t>
+            </a:r>
+          </a:p>
+          <a:p>
+            <a:pPr lvl="1"/>
+            <a:r>
+              <a:rPr lang="en-US" dirty="0" smtClean="0"/>
+              <a:t>Ask them if they still want to go with their previous answer after they are shown iteration</a:t>
+            </a:r>
+          </a:p>
+          <a:p>
+            <a:r>
+              <a:rPr lang="en-US" dirty="0" smtClean="0"/>
               <a:t>Services structure</a:t>
             </a:r>
-            <a:endParaRPr lang="en-US"/>
+          </a:p>
+          <a:p>
+            <a:r>
+              <a:rPr lang="en-US" dirty="0" smtClean="0"/>
+              <a:t>About</a:t>
+            </a:r>
+          </a:p>
+          <a:p>
+            <a:r>
+              <a:rPr lang="en-US" dirty="0" smtClean="0"/>
+              <a:t>Feedback after filling form</a:t>
+            </a:r>
           </a:p>
         </p:txBody>
       </p:sp>
@@ -5114,7 +8277,7 @@
 </p:sld>
 </file>
 
-<file path=ppt/slides/slide14.xml><?xml version="1.0" encoding="utf-8"?>
+<file path=ppt/slides/slide19.xml><?xml version="1.0" encoding="utf-8"?>
 <p:sld xmlns:a="http://schemas.openxmlformats.org/drawingml/2006/main" xmlns:r="http://schemas.openxmlformats.org/officeDocument/2006/relationships" xmlns:p="http://schemas.openxmlformats.org/presentationml/2006/main">
   <p:cSld>
     <p:spTree>
@@ -5148,6 +8311,1270 @@
           <a:p>
             <a:r>
               <a:rPr lang="en-US" dirty="0" smtClean="0"/>
+              <a:t>Flowsheet</a:t>
+            </a:r>
+            <a:endParaRPr lang="en-US" dirty="0"/>
+          </a:p>
+        </p:txBody>
+      </p:sp>
+      <p:sp>
+        <p:nvSpPr>
+          <p:cNvPr id="3" name="Diamond 2"/>
+          <p:cNvSpPr/>
+          <p:nvPr/>
+        </p:nvSpPr>
+        <p:spPr>
+          <a:xfrm>
+            <a:off x="1012269" y="3667125"/>
+            <a:ext cx="1558290" cy="1381125"/>
+          </a:xfrm>
+          <a:prstGeom prst="diamond">
+            <a:avLst/>
+          </a:prstGeom>
+          <a:noFill/>
+          <a:ln w="2540">
+            <a:solidFill>
+              <a:srgbClr val="8697CB">
+                <a:alpha val="27000"/>
+              </a:srgbClr>
+            </a:solidFill>
+          </a:ln>
+        </p:spPr>
+        <p:style>
+          <a:lnRef idx="2">
+            <a:schemeClr val="accent1">
+              <a:shade val="50000"/>
+            </a:schemeClr>
+          </a:lnRef>
+          <a:fillRef idx="1">
+            <a:schemeClr val="accent1"/>
+          </a:fillRef>
+          <a:effectRef idx="0">
+            <a:schemeClr val="accent1"/>
+          </a:effectRef>
+          <a:fontRef idx="minor">
+            <a:schemeClr val="lt1"/>
+          </a:fontRef>
+        </p:style>
+        <p:txBody>
+          <a:bodyPr rtlCol="0" anchor="ctr"/>
+          <a:lstStyle/>
+          <a:p>
+            <a:pPr algn="ctr"/>
+            <a:r>
+              <a:rPr lang="en-US" dirty="0" smtClean="0">
+                <a:solidFill>
+                  <a:schemeClr val="tx1"/>
+                </a:solidFill>
+              </a:rPr>
+              <a:t>Start</a:t>
+            </a:r>
+            <a:endParaRPr lang="en-US" dirty="0">
+              <a:solidFill>
+                <a:schemeClr val="tx1"/>
+              </a:solidFill>
+            </a:endParaRPr>
+          </a:p>
+        </p:txBody>
+      </p:sp>
+      <p:sp>
+        <p:nvSpPr>
+          <p:cNvPr id="4" name="Rectangle 3"/>
+          <p:cNvSpPr/>
+          <p:nvPr/>
+        </p:nvSpPr>
+        <p:spPr>
+          <a:xfrm>
+            <a:off x="3294459" y="3943350"/>
+            <a:ext cx="1714500" cy="819150"/>
+          </a:xfrm>
+          <a:prstGeom prst="rect">
+            <a:avLst/>
+          </a:prstGeom>
+          <a:noFill/>
+          <a:ln w="2540">
+            <a:solidFill>
+              <a:srgbClr val="8697CB">
+                <a:alpha val="27000"/>
+              </a:srgbClr>
+            </a:solidFill>
+          </a:ln>
+        </p:spPr>
+        <p:style>
+          <a:lnRef idx="2">
+            <a:schemeClr val="accent1">
+              <a:shade val="50000"/>
+            </a:schemeClr>
+          </a:lnRef>
+          <a:fillRef idx="1">
+            <a:schemeClr val="accent1"/>
+          </a:fillRef>
+          <a:effectRef idx="0">
+            <a:schemeClr val="accent1"/>
+          </a:effectRef>
+          <a:fontRef idx="minor">
+            <a:schemeClr val="lt1"/>
+          </a:fontRef>
+        </p:style>
+        <p:txBody>
+          <a:bodyPr rtlCol="0" anchor="ctr"/>
+          <a:lstStyle/>
+          <a:p>
+            <a:pPr algn="ctr"/>
+            <a:r>
+              <a:rPr lang="en-US" dirty="0" smtClean="0">
+                <a:solidFill>
+                  <a:schemeClr val="tx1"/>
+                </a:solidFill>
+              </a:rPr>
+              <a:t>Home</a:t>
+            </a:r>
+            <a:endParaRPr lang="en-US" dirty="0">
+              <a:solidFill>
+                <a:schemeClr val="tx1"/>
+              </a:solidFill>
+            </a:endParaRPr>
+          </a:p>
+        </p:txBody>
+      </p:sp>
+      <p:cxnSp>
+        <p:nvCxnSpPr>
+          <p:cNvPr id="6" name="Straight Arrow Connector 5"/>
+          <p:cNvCxnSpPr>
+            <a:stCxn id="3" idx="3"/>
+            <a:endCxn id="4" idx="1"/>
+          </p:cNvCxnSpPr>
+          <p:nvPr/>
+        </p:nvCxnSpPr>
+        <p:spPr>
+          <a:xfrm flipV="1">
+            <a:off x="2570559" y="4352925"/>
+            <a:ext cx="723900" cy="4763"/>
+          </a:xfrm>
+          <a:prstGeom prst="straightConnector1">
+            <a:avLst/>
+          </a:prstGeom>
+          <a:ln w="3175">
+            <a:solidFill>
+              <a:schemeClr val="tx1"/>
+            </a:solidFill>
+            <a:tailEnd type="triangle"/>
+          </a:ln>
+        </p:spPr>
+        <p:style>
+          <a:lnRef idx="1">
+            <a:schemeClr val="accent1"/>
+          </a:lnRef>
+          <a:fillRef idx="0">
+            <a:schemeClr val="accent1"/>
+          </a:fillRef>
+          <a:effectRef idx="0">
+            <a:schemeClr val="accent1"/>
+          </a:effectRef>
+          <a:fontRef idx="minor">
+            <a:schemeClr val="tx1"/>
+          </a:fontRef>
+        </p:style>
+      </p:cxnSp>
+      <p:sp>
+        <p:nvSpPr>
+          <p:cNvPr id="10" name="Round Diagonal Corner Rectangle 9"/>
+          <p:cNvSpPr/>
+          <p:nvPr/>
+        </p:nvSpPr>
+        <p:spPr>
+          <a:xfrm>
+            <a:off x="2665809" y="2638426"/>
+            <a:ext cx="2971800" cy="895350"/>
+          </a:xfrm>
+          <a:prstGeom prst="round2DiagRect">
+            <a:avLst>
+              <a:gd name="adj1" fmla="val 35816"/>
+              <a:gd name="adj2" fmla="val 0"/>
+            </a:avLst>
+          </a:prstGeom>
+          <a:noFill/>
+          <a:ln w="2540">
+            <a:solidFill>
+              <a:srgbClr val="8697CB">
+                <a:alpha val="27000"/>
+              </a:srgbClr>
+            </a:solidFill>
+          </a:ln>
+        </p:spPr>
+        <p:style>
+          <a:lnRef idx="2">
+            <a:schemeClr val="accent1">
+              <a:shade val="50000"/>
+            </a:schemeClr>
+          </a:lnRef>
+          <a:fillRef idx="1">
+            <a:schemeClr val="accent1"/>
+          </a:fillRef>
+          <a:effectRef idx="0">
+            <a:schemeClr val="accent1"/>
+          </a:effectRef>
+          <a:fontRef idx="minor">
+            <a:schemeClr val="lt1"/>
+          </a:fontRef>
+        </p:style>
+        <p:txBody>
+          <a:bodyPr rtlCol="0" anchor="ctr"/>
+          <a:lstStyle/>
+          <a:p>
+            <a:pPr algn="ctr"/>
+            <a:r>
+              <a:rPr lang="en-US" dirty="0" smtClean="0">
+                <a:solidFill>
+                  <a:schemeClr val="tx1"/>
+                </a:solidFill>
+              </a:rPr>
+              <a:t>Description of project</a:t>
+            </a:r>
+            <a:endParaRPr lang="en-US" dirty="0">
+              <a:solidFill>
+                <a:schemeClr val="tx1"/>
+              </a:solidFill>
+            </a:endParaRPr>
+          </a:p>
+        </p:txBody>
+      </p:sp>
+      <p:sp>
+        <p:nvSpPr>
+          <p:cNvPr id="11" name="Rectangle 10"/>
+          <p:cNvSpPr/>
+          <p:nvPr/>
+        </p:nvSpPr>
+        <p:spPr>
+          <a:xfrm>
+            <a:off x="5475684" y="3943350"/>
+            <a:ext cx="1390650" cy="819150"/>
+          </a:xfrm>
+          <a:prstGeom prst="rect">
+            <a:avLst/>
+          </a:prstGeom>
+          <a:noFill/>
+          <a:ln w="2540">
+            <a:solidFill>
+              <a:srgbClr val="8697CB">
+                <a:alpha val="27000"/>
+              </a:srgbClr>
+            </a:solidFill>
+          </a:ln>
+        </p:spPr>
+        <p:style>
+          <a:lnRef idx="2">
+            <a:schemeClr val="accent1">
+              <a:shade val="50000"/>
+            </a:schemeClr>
+          </a:lnRef>
+          <a:fillRef idx="1">
+            <a:schemeClr val="accent1"/>
+          </a:fillRef>
+          <a:effectRef idx="0">
+            <a:schemeClr val="accent1"/>
+          </a:effectRef>
+          <a:fontRef idx="minor">
+            <a:schemeClr val="lt1"/>
+          </a:fontRef>
+        </p:style>
+        <p:txBody>
+          <a:bodyPr rtlCol="0" anchor="ctr"/>
+          <a:lstStyle/>
+          <a:p>
+            <a:pPr algn="ctr"/>
+            <a:r>
+              <a:rPr lang="en-US" dirty="0" smtClean="0">
+                <a:solidFill>
+                  <a:schemeClr val="tx1"/>
+                </a:solidFill>
+              </a:rPr>
+              <a:t>Select services</a:t>
+            </a:r>
+            <a:endParaRPr lang="en-US" dirty="0">
+              <a:solidFill>
+                <a:schemeClr val="tx1"/>
+              </a:solidFill>
+            </a:endParaRPr>
+          </a:p>
+        </p:txBody>
+      </p:sp>
+      <p:sp>
+        <p:nvSpPr>
+          <p:cNvPr id="12" name="Rectangle 11"/>
+          <p:cNvSpPr/>
+          <p:nvPr/>
+        </p:nvSpPr>
+        <p:spPr>
+          <a:xfrm>
+            <a:off x="9270206" y="3943350"/>
+            <a:ext cx="1543050" cy="819150"/>
+          </a:xfrm>
+          <a:prstGeom prst="rect">
+            <a:avLst/>
+          </a:prstGeom>
+          <a:noFill/>
+          <a:ln w="2540">
+            <a:solidFill>
+              <a:srgbClr val="8697CB">
+                <a:alpha val="27000"/>
+              </a:srgbClr>
+            </a:solidFill>
+          </a:ln>
+        </p:spPr>
+        <p:style>
+          <a:lnRef idx="2">
+            <a:schemeClr val="accent1">
+              <a:shade val="50000"/>
+            </a:schemeClr>
+          </a:lnRef>
+          <a:fillRef idx="1">
+            <a:schemeClr val="accent1"/>
+          </a:fillRef>
+          <a:effectRef idx="0">
+            <a:schemeClr val="accent1"/>
+          </a:effectRef>
+          <a:fontRef idx="minor">
+            <a:schemeClr val="lt1"/>
+          </a:fontRef>
+        </p:style>
+        <p:txBody>
+          <a:bodyPr rtlCol="0" anchor="ctr"/>
+          <a:lstStyle/>
+          <a:p>
+            <a:pPr algn="ctr"/>
+            <a:r>
+              <a:rPr lang="en-US" dirty="0" smtClean="0">
+                <a:solidFill>
+                  <a:schemeClr val="tx1"/>
+                </a:solidFill>
+              </a:rPr>
+              <a:t>Show iteration</a:t>
+            </a:r>
+            <a:endParaRPr lang="en-US" dirty="0">
+              <a:solidFill>
+                <a:schemeClr val="tx1"/>
+              </a:solidFill>
+            </a:endParaRPr>
+          </a:p>
+        </p:txBody>
+      </p:sp>
+      <p:cxnSp>
+        <p:nvCxnSpPr>
+          <p:cNvPr id="25" name="Straight Arrow Connector 24"/>
+          <p:cNvCxnSpPr>
+            <a:stCxn id="4" idx="3"/>
+            <a:endCxn id="11" idx="1"/>
+          </p:cNvCxnSpPr>
+          <p:nvPr/>
+        </p:nvCxnSpPr>
+        <p:spPr>
+          <a:xfrm>
+            <a:off x="5008959" y="4352925"/>
+            <a:ext cx="466725" cy="0"/>
+          </a:xfrm>
+          <a:prstGeom prst="straightConnector1">
+            <a:avLst/>
+          </a:prstGeom>
+          <a:ln w="3175">
+            <a:solidFill>
+              <a:schemeClr val="tx1"/>
+            </a:solidFill>
+            <a:tailEnd type="triangle"/>
+          </a:ln>
+        </p:spPr>
+        <p:style>
+          <a:lnRef idx="1">
+            <a:schemeClr val="accent1"/>
+          </a:lnRef>
+          <a:fillRef idx="0">
+            <a:schemeClr val="accent1"/>
+          </a:fillRef>
+          <a:effectRef idx="0">
+            <a:schemeClr val="accent1"/>
+          </a:effectRef>
+          <a:fontRef idx="minor">
+            <a:schemeClr val="tx1"/>
+          </a:fontRef>
+        </p:style>
+      </p:cxnSp>
+      <p:cxnSp>
+        <p:nvCxnSpPr>
+          <p:cNvPr id="27" name="Straight Arrow Connector 26"/>
+          <p:cNvCxnSpPr>
+            <a:stCxn id="11" idx="3"/>
+            <a:endCxn id="38" idx="1"/>
+          </p:cNvCxnSpPr>
+          <p:nvPr/>
+        </p:nvCxnSpPr>
+        <p:spPr>
+          <a:xfrm>
+            <a:off x="6866334" y="4352925"/>
+            <a:ext cx="384572" cy="0"/>
+          </a:xfrm>
+          <a:prstGeom prst="straightConnector1">
+            <a:avLst/>
+          </a:prstGeom>
+          <a:ln w="3175">
+            <a:solidFill>
+              <a:schemeClr val="tx1"/>
+            </a:solidFill>
+            <a:tailEnd type="triangle"/>
+          </a:ln>
+        </p:spPr>
+        <p:style>
+          <a:lnRef idx="1">
+            <a:schemeClr val="accent1"/>
+          </a:lnRef>
+          <a:fillRef idx="0">
+            <a:schemeClr val="accent1"/>
+          </a:fillRef>
+          <a:effectRef idx="0">
+            <a:schemeClr val="accent1"/>
+          </a:effectRef>
+          <a:fontRef idx="minor">
+            <a:schemeClr val="tx1"/>
+          </a:fontRef>
+        </p:style>
+      </p:cxnSp>
+      <p:sp>
+        <p:nvSpPr>
+          <p:cNvPr id="29" name="Diamond 28"/>
+          <p:cNvSpPr/>
+          <p:nvPr/>
+        </p:nvSpPr>
+        <p:spPr>
+          <a:xfrm>
+            <a:off x="8886824" y="5048250"/>
+            <a:ext cx="2309813" cy="1943100"/>
+          </a:xfrm>
+          <a:prstGeom prst="diamond">
+            <a:avLst/>
+          </a:prstGeom>
+          <a:noFill/>
+          <a:ln w="2540">
+            <a:solidFill>
+              <a:srgbClr val="8697CB">
+                <a:alpha val="27000"/>
+              </a:srgbClr>
+            </a:solidFill>
+          </a:ln>
+        </p:spPr>
+        <p:style>
+          <a:lnRef idx="2">
+            <a:schemeClr val="accent1">
+              <a:shade val="50000"/>
+            </a:schemeClr>
+          </a:lnRef>
+          <a:fillRef idx="1">
+            <a:schemeClr val="accent1"/>
+          </a:fillRef>
+          <a:effectRef idx="0">
+            <a:schemeClr val="accent1"/>
+          </a:effectRef>
+          <a:fontRef idx="minor">
+            <a:schemeClr val="lt1"/>
+          </a:fontRef>
+        </p:style>
+        <p:txBody>
+          <a:bodyPr rtlCol="0" anchor="ctr"/>
+          <a:lstStyle/>
+          <a:p>
+            <a:pPr algn="ctr"/>
+            <a:r>
+              <a:rPr lang="en-US" dirty="0" smtClean="0">
+                <a:solidFill>
+                  <a:schemeClr val="tx1"/>
+                </a:solidFill>
+              </a:rPr>
+              <a:t>Choose selected service</a:t>
+            </a:r>
+            <a:endParaRPr lang="en-US" dirty="0">
+              <a:solidFill>
+                <a:schemeClr val="tx1"/>
+              </a:solidFill>
+            </a:endParaRPr>
+          </a:p>
+        </p:txBody>
+      </p:sp>
+      <p:sp>
+        <p:nvSpPr>
+          <p:cNvPr id="38" name="Rectangle 37"/>
+          <p:cNvSpPr/>
+          <p:nvPr/>
+        </p:nvSpPr>
+        <p:spPr>
+          <a:xfrm>
+            <a:off x="7250906" y="3943350"/>
+            <a:ext cx="1543050" cy="819150"/>
+          </a:xfrm>
+          <a:prstGeom prst="rect">
+            <a:avLst/>
+          </a:prstGeom>
+          <a:noFill/>
+          <a:ln w="2540">
+            <a:solidFill>
+              <a:srgbClr val="8697CB">
+                <a:alpha val="27000"/>
+              </a:srgbClr>
+            </a:solidFill>
+          </a:ln>
+        </p:spPr>
+        <p:style>
+          <a:lnRef idx="2">
+            <a:schemeClr val="accent1">
+              <a:shade val="50000"/>
+            </a:schemeClr>
+          </a:lnRef>
+          <a:fillRef idx="1">
+            <a:schemeClr val="accent1"/>
+          </a:fillRef>
+          <a:effectRef idx="0">
+            <a:schemeClr val="accent1"/>
+          </a:effectRef>
+          <a:fontRef idx="minor">
+            <a:schemeClr val="lt1"/>
+          </a:fontRef>
+        </p:style>
+        <p:txBody>
+          <a:bodyPr rtlCol="0" anchor="ctr"/>
+          <a:lstStyle/>
+          <a:p>
+            <a:pPr algn="ctr"/>
+            <a:r>
+              <a:rPr lang="en-US" dirty="0" smtClean="0">
+                <a:solidFill>
+                  <a:schemeClr val="tx1"/>
+                </a:solidFill>
+              </a:rPr>
+              <a:t>Filling data</a:t>
+            </a:r>
+            <a:endParaRPr lang="en-US" dirty="0">
+              <a:solidFill>
+                <a:schemeClr val="tx1"/>
+              </a:solidFill>
+            </a:endParaRPr>
+          </a:p>
+        </p:txBody>
+      </p:sp>
+      <p:cxnSp>
+        <p:nvCxnSpPr>
+          <p:cNvPr id="43" name="Straight Arrow Connector 42"/>
+          <p:cNvCxnSpPr>
+            <a:stCxn id="38" idx="3"/>
+            <a:endCxn id="12" idx="1"/>
+          </p:cNvCxnSpPr>
+          <p:nvPr/>
+        </p:nvCxnSpPr>
+        <p:spPr>
+          <a:xfrm>
+            <a:off x="8793956" y="4352925"/>
+            <a:ext cx="476250" cy="0"/>
+          </a:xfrm>
+          <a:prstGeom prst="straightConnector1">
+            <a:avLst/>
+          </a:prstGeom>
+          <a:ln w="3175">
+            <a:solidFill>
+              <a:schemeClr val="tx1"/>
+            </a:solidFill>
+            <a:tailEnd type="triangle"/>
+          </a:ln>
+        </p:spPr>
+        <p:style>
+          <a:lnRef idx="1">
+            <a:schemeClr val="accent1"/>
+          </a:lnRef>
+          <a:fillRef idx="0">
+            <a:schemeClr val="accent1"/>
+          </a:fillRef>
+          <a:effectRef idx="0">
+            <a:schemeClr val="accent1"/>
+          </a:effectRef>
+          <a:fontRef idx="minor">
+            <a:schemeClr val="tx1"/>
+          </a:fontRef>
+        </p:style>
+      </p:cxnSp>
+      <p:cxnSp>
+        <p:nvCxnSpPr>
+          <p:cNvPr id="45" name="Straight Arrow Connector 44"/>
+          <p:cNvCxnSpPr>
+            <a:stCxn id="12" idx="2"/>
+            <a:endCxn id="29" idx="0"/>
+          </p:cNvCxnSpPr>
+          <p:nvPr/>
+        </p:nvCxnSpPr>
+        <p:spPr>
+          <a:xfrm>
+            <a:off x="10041731" y="4762500"/>
+            <a:ext cx="0" cy="285750"/>
+          </a:xfrm>
+          <a:prstGeom prst="straightConnector1">
+            <a:avLst/>
+          </a:prstGeom>
+          <a:ln w="3175">
+            <a:solidFill>
+              <a:srgbClr val="8697CB"/>
+            </a:solidFill>
+            <a:tailEnd type="triangle"/>
+          </a:ln>
+        </p:spPr>
+        <p:style>
+          <a:lnRef idx="1">
+            <a:schemeClr val="accent1"/>
+          </a:lnRef>
+          <a:fillRef idx="0">
+            <a:schemeClr val="accent1"/>
+          </a:fillRef>
+          <a:effectRef idx="0">
+            <a:schemeClr val="accent1"/>
+          </a:effectRef>
+          <a:fontRef idx="minor">
+            <a:schemeClr val="tx1"/>
+          </a:fontRef>
+        </p:style>
+      </p:cxnSp>
+      <p:sp>
+        <p:nvSpPr>
+          <p:cNvPr id="48" name="Rectangle 47"/>
+          <p:cNvSpPr/>
+          <p:nvPr/>
+        </p:nvSpPr>
+        <p:spPr>
+          <a:xfrm>
+            <a:off x="8399858" y="7750967"/>
+            <a:ext cx="3283744" cy="995365"/>
+          </a:xfrm>
+          <a:prstGeom prst="rect">
+            <a:avLst/>
+          </a:prstGeom>
+          <a:noFill/>
+          <a:ln w="2540">
+            <a:solidFill>
+              <a:srgbClr val="8697CB">
+                <a:alpha val="27000"/>
+              </a:srgbClr>
+            </a:solidFill>
+          </a:ln>
+        </p:spPr>
+        <p:style>
+          <a:lnRef idx="2">
+            <a:schemeClr val="accent1">
+              <a:shade val="50000"/>
+            </a:schemeClr>
+          </a:lnRef>
+          <a:fillRef idx="1">
+            <a:schemeClr val="accent1"/>
+          </a:fillRef>
+          <a:effectRef idx="0">
+            <a:schemeClr val="accent1"/>
+          </a:effectRef>
+          <a:fontRef idx="minor">
+            <a:schemeClr val="lt1"/>
+          </a:fontRef>
+        </p:style>
+        <p:txBody>
+          <a:bodyPr rtlCol="0" anchor="ctr"/>
+          <a:lstStyle/>
+          <a:p>
+            <a:pPr algn="ctr"/>
+            <a:r>
+              <a:rPr lang="en-US" dirty="0" smtClean="0">
+                <a:solidFill>
+                  <a:schemeClr val="tx1"/>
+                </a:solidFill>
+              </a:rPr>
+              <a:t>Final Page with selected iteration while listing other combination</a:t>
+            </a:r>
+            <a:endParaRPr lang="en-US" dirty="0">
+              <a:solidFill>
+                <a:schemeClr val="tx1"/>
+              </a:solidFill>
+            </a:endParaRPr>
+          </a:p>
+        </p:txBody>
+      </p:sp>
+      <p:sp>
+        <p:nvSpPr>
+          <p:cNvPr id="49" name="Rectangle 48"/>
+          <p:cNvSpPr/>
+          <p:nvPr/>
+        </p:nvSpPr>
+        <p:spPr>
+          <a:xfrm>
+            <a:off x="3582590" y="5522117"/>
+            <a:ext cx="3283744" cy="995365"/>
+          </a:xfrm>
+          <a:prstGeom prst="rect">
+            <a:avLst/>
+          </a:prstGeom>
+          <a:noFill/>
+          <a:ln w="2540">
+            <a:solidFill>
+              <a:srgbClr val="8697CB">
+                <a:alpha val="27000"/>
+              </a:srgbClr>
+            </a:solidFill>
+          </a:ln>
+        </p:spPr>
+        <p:style>
+          <a:lnRef idx="2">
+            <a:schemeClr val="accent1">
+              <a:shade val="50000"/>
+            </a:schemeClr>
+          </a:lnRef>
+          <a:fillRef idx="1">
+            <a:schemeClr val="accent1"/>
+          </a:fillRef>
+          <a:effectRef idx="0">
+            <a:schemeClr val="accent1"/>
+          </a:effectRef>
+          <a:fontRef idx="minor">
+            <a:schemeClr val="lt1"/>
+          </a:fontRef>
+        </p:style>
+        <p:txBody>
+          <a:bodyPr rtlCol="0" anchor="ctr"/>
+          <a:lstStyle/>
+          <a:p>
+            <a:pPr algn="ctr"/>
+            <a:r>
+              <a:rPr lang="en-US" dirty="0" smtClean="0">
+                <a:solidFill>
+                  <a:schemeClr val="tx1"/>
+                </a:solidFill>
+              </a:rPr>
+              <a:t>Final Page with selected service while listing iterations</a:t>
+            </a:r>
+            <a:endParaRPr lang="en-US" dirty="0">
+              <a:solidFill>
+                <a:schemeClr val="tx1"/>
+              </a:solidFill>
+            </a:endParaRPr>
+          </a:p>
+        </p:txBody>
+      </p:sp>
+      <p:cxnSp>
+        <p:nvCxnSpPr>
+          <p:cNvPr id="51" name="Straight Arrow Connector 50"/>
+          <p:cNvCxnSpPr>
+            <a:stCxn id="29" idx="1"/>
+            <a:endCxn id="49" idx="3"/>
+          </p:cNvCxnSpPr>
+          <p:nvPr/>
+        </p:nvCxnSpPr>
+        <p:spPr>
+          <a:xfrm flipH="1">
+            <a:off x="6866334" y="6019800"/>
+            <a:ext cx="2020490" cy="0"/>
+          </a:xfrm>
+          <a:prstGeom prst="straightConnector1">
+            <a:avLst/>
+          </a:prstGeom>
+          <a:ln w="3175">
+            <a:solidFill>
+              <a:schemeClr val="tx1"/>
+            </a:solidFill>
+            <a:tailEnd type="triangle"/>
+          </a:ln>
+        </p:spPr>
+        <p:style>
+          <a:lnRef idx="1">
+            <a:schemeClr val="accent1"/>
+          </a:lnRef>
+          <a:fillRef idx="0">
+            <a:schemeClr val="accent1"/>
+          </a:fillRef>
+          <a:effectRef idx="0">
+            <a:schemeClr val="accent1"/>
+          </a:effectRef>
+          <a:fontRef idx="minor">
+            <a:schemeClr val="tx1"/>
+          </a:fontRef>
+        </p:style>
+      </p:cxnSp>
+      <p:cxnSp>
+        <p:nvCxnSpPr>
+          <p:cNvPr id="54" name="Straight Arrow Connector 53"/>
+          <p:cNvCxnSpPr>
+            <a:stCxn id="29" idx="2"/>
+            <a:endCxn id="48" idx="0"/>
+          </p:cNvCxnSpPr>
+          <p:nvPr/>
+        </p:nvCxnSpPr>
+        <p:spPr>
+          <a:xfrm flipH="1">
+            <a:off x="10041730" y="6991350"/>
+            <a:ext cx="1" cy="759617"/>
+          </a:xfrm>
+          <a:prstGeom prst="straightConnector1">
+            <a:avLst/>
+          </a:prstGeom>
+          <a:ln w="3175">
+            <a:solidFill>
+              <a:schemeClr val="tx1"/>
+            </a:solidFill>
+            <a:tailEnd type="triangle"/>
+          </a:ln>
+        </p:spPr>
+        <p:style>
+          <a:lnRef idx="1">
+            <a:schemeClr val="accent1"/>
+          </a:lnRef>
+          <a:fillRef idx="0">
+            <a:schemeClr val="accent1"/>
+          </a:fillRef>
+          <a:effectRef idx="0">
+            <a:schemeClr val="accent1"/>
+          </a:effectRef>
+          <a:fontRef idx="minor">
+            <a:schemeClr val="tx1"/>
+          </a:fontRef>
+        </p:style>
+      </p:cxnSp>
+      <p:sp>
+        <p:nvSpPr>
+          <p:cNvPr id="55" name="TextBox 54"/>
+          <p:cNvSpPr txBox="1"/>
+          <p:nvPr/>
+        </p:nvSpPr>
+        <p:spPr>
+          <a:xfrm>
+            <a:off x="7905750" y="5557836"/>
+            <a:ext cx="888206" cy="418128"/>
+          </a:xfrm>
+          <a:prstGeom prst="rect">
+            <a:avLst/>
+          </a:prstGeom>
+          <a:noFill/>
+          <a:ln w="3175">
+            <a:noFill/>
+          </a:ln>
+        </p:spPr>
+        <p:txBody>
+          <a:bodyPr wrap="square" rtlCol="0">
+            <a:spAutoFit/>
+          </a:bodyPr>
+          <a:lstStyle/>
+          <a:p>
+            <a:pPr algn="ctr"/>
+            <a:r>
+              <a:rPr lang="en-US" dirty="0"/>
+              <a:t>Y</a:t>
+            </a:r>
+            <a:r>
+              <a:rPr lang="en-US" dirty="0" smtClean="0"/>
+              <a:t>es</a:t>
+            </a:r>
+            <a:endParaRPr lang="en-US" dirty="0"/>
+          </a:p>
+        </p:txBody>
+      </p:sp>
+      <p:sp>
+        <p:nvSpPr>
+          <p:cNvPr id="57" name="TextBox 56"/>
+          <p:cNvSpPr txBox="1"/>
+          <p:nvPr/>
+        </p:nvSpPr>
+        <p:spPr>
+          <a:xfrm>
+            <a:off x="10041730" y="7068036"/>
+            <a:ext cx="888206" cy="418128"/>
+          </a:xfrm>
+          <a:prstGeom prst="rect">
+            <a:avLst/>
+          </a:prstGeom>
+          <a:noFill/>
+          <a:ln w="3175">
+            <a:noFill/>
+          </a:ln>
+        </p:spPr>
+        <p:txBody>
+          <a:bodyPr wrap="square" rtlCol="0">
+            <a:spAutoFit/>
+          </a:bodyPr>
+          <a:lstStyle/>
+          <a:p>
+            <a:pPr algn="ctr"/>
+            <a:r>
+              <a:rPr lang="en-US" dirty="0" smtClean="0"/>
+              <a:t>No</a:t>
+            </a:r>
+            <a:endParaRPr lang="en-US" dirty="0"/>
+          </a:p>
+        </p:txBody>
+      </p:sp>
+      <p:cxnSp>
+        <p:nvCxnSpPr>
+          <p:cNvPr id="59" name="Straight Arrow Connector 58"/>
+          <p:cNvCxnSpPr>
+            <a:stCxn id="4" idx="0"/>
+            <a:endCxn id="10" idx="1"/>
+          </p:cNvCxnSpPr>
+          <p:nvPr/>
+        </p:nvCxnSpPr>
+        <p:spPr>
+          <a:xfrm flipV="1">
+            <a:off x="4151709" y="3533776"/>
+            <a:ext cx="0" cy="409574"/>
+          </a:xfrm>
+          <a:prstGeom prst="straightConnector1">
+            <a:avLst/>
+          </a:prstGeom>
+          <a:ln w="3175">
+            <a:solidFill>
+              <a:schemeClr val="tx1"/>
+            </a:solidFill>
+            <a:tailEnd type="triangle"/>
+          </a:ln>
+        </p:spPr>
+        <p:style>
+          <a:lnRef idx="1">
+            <a:schemeClr val="accent1"/>
+          </a:lnRef>
+          <a:fillRef idx="0">
+            <a:schemeClr val="accent1"/>
+          </a:fillRef>
+          <a:effectRef idx="0">
+            <a:schemeClr val="accent1"/>
+          </a:effectRef>
+          <a:fontRef idx="minor">
+            <a:schemeClr val="tx1"/>
+          </a:fontRef>
+        </p:style>
+      </p:cxnSp>
+    </p:spTree>
+    <p:extLst>
+      <p:ext uri="{BB962C8B-B14F-4D97-AF65-F5344CB8AC3E}">
+        <p14:creationId xmlns:p14="http://schemas.microsoft.com/office/powerpoint/2010/main" val="4137116647"/>
+      </p:ext>
+    </p:extLst>
+  </p:cSld>
+  <p:clrMapOvr>
+    <a:masterClrMapping/>
+  </p:clrMapOvr>
+</p:sld>
+</file>
+
+<file path=ppt/slides/slide2.xml><?xml version="1.0" encoding="utf-8"?>
+<p:sld xmlns:a="http://schemas.openxmlformats.org/drawingml/2006/main" xmlns:r="http://schemas.openxmlformats.org/officeDocument/2006/relationships" xmlns:p="http://schemas.openxmlformats.org/presentationml/2006/main">
+  <p:cSld>
+    <p:spTree>
+      <p:nvGrpSpPr>
+        <p:cNvPr id="1" name=""/>
+        <p:cNvGrpSpPr/>
+        <p:nvPr/>
+      </p:nvGrpSpPr>
+      <p:grpSpPr>
+        <a:xfrm>
+          <a:off x="0" y="0"/>
+          <a:ext cx="0" cy="0"/>
+          <a:chOff x="0" y="0"/>
+          <a:chExt cx="0" cy="0"/>
+        </a:xfrm>
+      </p:grpSpPr>
+      <p:pic>
+        <p:nvPicPr>
+          <p:cNvPr id="3" name="Picture 2"/>
+          <p:cNvPicPr>
+            <a:picLocks noChangeAspect="1"/>
+          </p:cNvPicPr>
+          <p:nvPr/>
+        </p:nvPicPr>
+        <p:blipFill>
+          <a:blip r:embed="rId4">
+            <a:extLst>
+              <a:ext uri="{28A0092B-C50C-407E-A947-70E740481C1C}">
+                <a14:useLocalDpi xmlns:a14="http://schemas.microsoft.com/office/drawing/2010/main" val="0"/>
+              </a:ext>
+            </a:extLst>
+          </a:blip>
+          <a:stretch>
+            <a:fillRect/>
+          </a:stretch>
+        </p:blipFill>
+        <p:spPr>
+          <a:xfrm>
+            <a:off x="3799615" y="1983552"/>
+            <a:ext cx="5202371" cy="5202371"/>
+          </a:xfrm>
+          <a:prstGeom prst="rect">
+            <a:avLst/>
+          </a:prstGeom>
+        </p:spPr>
+      </p:pic>
+      <p:sp>
+        <p:nvSpPr>
+          <p:cNvPr id="4" name="TextBox 3"/>
+          <p:cNvSpPr txBox="1"/>
+          <p:nvPr/>
+        </p:nvSpPr>
+        <p:spPr>
+          <a:xfrm>
+            <a:off x="2828925" y="6417319"/>
+            <a:ext cx="7143750" cy="1200329"/>
+          </a:xfrm>
+          <a:prstGeom prst="rect">
+            <a:avLst/>
+          </a:prstGeom>
+          <a:noFill/>
+        </p:spPr>
+        <p:txBody>
+          <a:bodyPr wrap="square" rtlCol="0">
+            <a:prstTxWarp prst="textArchDown">
+              <a:avLst/>
+            </a:prstTxWarp>
+            <a:spAutoFit/>
+          </a:bodyPr>
+          <a:lstStyle/>
+          <a:p>
+            <a:pPr algn="ctr"/>
+            <a:r>
+              <a:rPr lang="en-US" sz="8800" spc="300" dirty="0" smtClean="0">
+                <a:solidFill>
+                  <a:srgbClr val="ED7161"/>
+                </a:solidFill>
+                <a:latin typeface="Gill Sans MT Condensed" panose="020B0506020104020203" pitchFamily="34" charset="0"/>
+              </a:rPr>
+              <a:t>skunk-head</a:t>
+            </a:r>
+            <a:endParaRPr lang="en-US" sz="8800" spc="300" dirty="0">
+              <a:solidFill>
+                <a:srgbClr val="ED7161"/>
+              </a:solidFill>
+              <a:latin typeface="Gill Sans MT Condensed" panose="020B0506020104020203" pitchFamily="34" charset="0"/>
+            </a:endParaRPr>
+          </a:p>
+        </p:txBody>
+      </p:sp>
+      <p:pic>
+        <p:nvPicPr>
+          <p:cNvPr id="5" name="Audio 4">
+            <a:hlinkClick r:id="" action="ppaction://media"/>
+          </p:cNvPr>
+          <p:cNvPicPr>
+            <a:picLocks noChangeAspect="1"/>
+          </p:cNvPicPr>
+          <p:nvPr>
+            <a:audioFile r:link="rId2"/>
+            <p:extLst>
+              <p:ext uri="{DAA4B4D4-6D71-4841-9C94-3DE7FCFB9230}">
+                <p14:media xmlns:p14="http://schemas.microsoft.com/office/powerpoint/2010/main" r:embed="rId1"/>
+              </p:ext>
+            </p:extLst>
+          </p:nvPr>
+        </p:nvPicPr>
+        <p:blipFill>
+          <a:blip r:embed="rId5"/>
+          <a:stretch>
+            <a:fillRect/>
+          </a:stretch>
+        </p:blipFill>
+        <p:spPr>
+          <a:xfrm>
+            <a:off x="12039600" y="8839200"/>
+            <a:ext cx="609600" cy="609600"/>
+          </a:xfrm>
+          <a:prstGeom prst="rect">
+            <a:avLst/>
+          </a:prstGeom>
+        </p:spPr>
+      </p:pic>
+    </p:spTree>
+    <p:extLst>
+      <p:ext uri="{BB962C8B-B14F-4D97-AF65-F5344CB8AC3E}">
+        <p14:creationId xmlns:p14="http://schemas.microsoft.com/office/powerpoint/2010/main" val="303211893"/>
+      </p:ext>
+    </p:extLst>
+  </p:cSld>
+  <p:clrMapOvr>
+    <a:masterClrMapping/>
+  </p:clrMapOvr>
+  <mc:AlternateContent xmlns:mc="http://schemas.openxmlformats.org/markup-compatibility/2006" xmlns:p14="http://schemas.microsoft.com/office/powerpoint/2010/main">
+    <mc:Choice Requires="p14">
+      <p:transition spd="slow" p14:dur="2000" advTm="5973"/>
+    </mc:Choice>
+    <mc:Fallback xmlns="">
+      <p:transition spd="slow" advTm="5973"/>
+    </mc:Fallback>
+  </mc:AlternateContent>
+  <p:timing>
+    <p:tnLst>
+      <p:par>
+        <p:cTn id="1" dur="indefinite" restart="never" nodeType="tmRoot">
+          <p:childTnLst>
+            <p:seq concurrent="1" nextAc="seek">
+              <p:cTn id="2" dur="indefinite" nodeType="mainSeq">
+                <p:childTnLst>
+                  <p:par>
+                    <p:cTn id="3" fill="hold">
+                      <p:stCondLst>
+                        <p:cond delay="indefinite"/>
+                        <p:cond evt="onBegin" delay="0">
+                          <p:tn val="2"/>
+                        </p:cond>
+                      </p:stCondLst>
+                      <p:childTnLst>
+                        <p:par>
+                          <p:cTn id="4" fill="hold">
+                            <p:stCondLst>
+                              <p:cond delay="0"/>
+                            </p:stCondLst>
+                            <p:childTnLst>
+                              <p:par>
+                                <p:cTn id="5" presetID="1" presetClass="mediacall" presetSubtype="0" fill="hold" nodeType="afterEffect">
+                                  <p:stCondLst>
+                                    <p:cond delay="0"/>
+                                  </p:stCondLst>
+                                  <p:childTnLst>
+                                    <p:cmd type="call" cmd="playFrom(0.0)">
+                                      <p:cBhvr>
+                                        <p:cTn id="6" dur="1" fill="hold"/>
+                                        <p:tgtEl>
+                                          <p:spTgt spid="5"/>
+                                        </p:tgtEl>
+                                      </p:cBhvr>
+                                    </p:cmd>
+                                  </p:childTnLst>
+                                </p:cTn>
+                              </p:par>
+                              <p:par>
+                                <p:cTn id="7" presetID="3" presetClass="emph" presetSubtype="2" repeatCount="indefinite" fill="hold" grpId="0" nodeType="withEffect">
+                                  <p:stCondLst>
+                                    <p:cond delay="1000"/>
+                                  </p:stCondLst>
+                                  <p:childTnLst>
+                                    <p:animClr clrSpc="rgb" dir="cw">
+                                      <p:cBhvr override="childStyle">
+                                        <p:cTn id="8" dur="2000" fill="hold"/>
+                                        <p:tgtEl>
+                                          <p:spTgt spid="4"/>
+                                        </p:tgtEl>
+                                        <p:attrNameLst>
+                                          <p:attrName>style.color</p:attrName>
+                                        </p:attrNameLst>
+                                      </p:cBhvr>
+                                      <p:to>
+                                        <a:srgbClr val="000000"/>
+                                      </p:to>
+                                    </p:animClr>
+                                  </p:childTnLst>
+                                </p:cTn>
+                              </p:par>
+                              <p:par>
+                                <p:cTn id="9" presetID="26" presetClass="emph" presetSubtype="0" repeatCount="indefinite" fill="hold" nodeType="withEffect">
+                                  <p:stCondLst>
+                                    <p:cond delay="1100"/>
+                                  </p:stCondLst>
+                                  <p:childTnLst>
+                                    <p:animEffect transition="out" filter="fade">
+                                      <p:cBhvr>
+                                        <p:cTn id="10" dur="1000" tmFilter="0, 0; .2, .5; .8, .5; 1, 0"/>
+                                        <p:tgtEl>
+                                          <p:spTgt spid="3"/>
+                                        </p:tgtEl>
+                                      </p:cBhvr>
+                                    </p:animEffect>
+                                    <p:animScale>
+                                      <p:cBhvr>
+                                        <p:cTn id="11" dur="500" autoRev="1" fill="hold"/>
+                                        <p:tgtEl>
+                                          <p:spTgt spid="3"/>
+                                        </p:tgtEl>
+                                      </p:cBhvr>
+                                      <p:by x="105000" y="105000"/>
+                                    </p:animScale>
+                                  </p:childTnLst>
+                                </p:cTn>
+                              </p:par>
+                            </p:childTnLst>
+                          </p:cTn>
+                        </p:par>
+                      </p:childTnLst>
+                    </p:cTn>
+                  </p:par>
+                </p:childTnLst>
+              </p:cTn>
+              <p:prevCondLst>
+                <p:cond evt="onPrev" delay="0">
+                  <p:tgtEl>
+                    <p:sldTgt/>
+                  </p:tgtEl>
+                </p:cond>
+              </p:prevCondLst>
+              <p:nextCondLst>
+                <p:cond evt="onNext" delay="0">
+                  <p:tgtEl>
+                    <p:sldTgt/>
+                  </p:tgtEl>
+                </p:cond>
+              </p:nextCondLst>
+            </p:seq>
+            <p:audio isNarration="1">
+              <p:cMediaNode vol="80000" showWhenStopped="0">
+                <p:cTn id="12" fill="hold" display="0">
+                  <p:stCondLst>
+                    <p:cond delay="indefinite"/>
+                  </p:stCondLst>
+                  <p:endCondLst>
+                    <p:cond evt="onStopAudio" delay="0">
+                      <p:tgtEl>
+                        <p:sldTgt/>
+                      </p:tgtEl>
+                    </p:cond>
+                  </p:endCondLst>
+                </p:cTn>
+                <p:tgtEl>
+                  <p:spTgt spid="5"/>
+                </p:tgtEl>
+              </p:cMediaNode>
+            </p:audio>
+          </p:childTnLst>
+        </p:cTn>
+      </p:par>
+    </p:tnLst>
+    <p:bldLst>
+      <p:bldP spid="4" grpId="0"/>
+    </p:bldLst>
+  </p:timing>
+</p:sld>
+</file>
+
+<file path=ppt/slides/slide20.xml><?xml version="1.0" encoding="utf-8"?>
+<p:sld xmlns:a="http://schemas.openxmlformats.org/drawingml/2006/main" xmlns:r="http://schemas.openxmlformats.org/officeDocument/2006/relationships" xmlns:p="http://schemas.openxmlformats.org/presentationml/2006/main">
+  <p:cSld>
+    <p:spTree>
+      <p:nvGrpSpPr>
+        <p:cNvPr id="1" name=""/>
+        <p:cNvGrpSpPr/>
+        <p:nvPr/>
+      </p:nvGrpSpPr>
+      <p:grpSpPr>
+        <a:xfrm>
+          <a:off x="0" y="0"/>
+          <a:ext cx="0" cy="0"/>
+          <a:chOff x="0" y="0"/>
+          <a:chExt cx="0" cy="0"/>
+        </a:xfrm>
+      </p:grpSpPr>
+      <p:sp>
+        <p:nvSpPr>
+          <p:cNvPr id="2" name="Title 1"/>
+          <p:cNvSpPr>
+            <a:spLocks noGrp="1"/>
+          </p:cNvSpPr>
+          <p:nvPr>
+            <p:ph type="title"/>
+          </p:nvPr>
+        </p:nvSpPr>
+        <p:spPr/>
+        <p:txBody>
+          <a:bodyPr/>
+          <a:lstStyle/>
+          <a:p>
+            <a:r>
+              <a:rPr lang="en-US" dirty="0" smtClean="0"/>
               <a:t>Google Fonts</a:t>
             </a:r>
             <a:endParaRPr lang="en-US" dirty="0"/>
@@ -5167,7 +9594,7 @@
         <p:spPr/>
         <p:txBody>
           <a:bodyPr>
-            <a:normAutofit fontScale="92500" lnSpcReduction="10000"/>
+            <a:normAutofit fontScale="85000" lnSpcReduction="20000"/>
           </a:bodyPr>
           <a:lstStyle/>
           <a:p>
@@ -5201,6 +9628,14 @@
             <a:endParaRPr lang="en-US" dirty="0" smtClean="0"/>
           </a:p>
           <a:p>
+            <a:pPr lvl="1"/>
+            <a:r>
+              <a:rPr lang="en-US" dirty="0" err="1" smtClean="0"/>
+              <a:t>Lato</a:t>
+            </a:r>
+            <a:endParaRPr lang="en-US" dirty="0" smtClean="0"/>
+          </a:p>
+          <a:p>
             <a:r>
               <a:rPr lang="en-US" dirty="0"/>
               <a:t>Heading </a:t>
@@ -5219,6 +9654,13 @@
             <a:r>
               <a:rPr lang="en-US" dirty="0" smtClean="0"/>
               <a:t>Rubik</a:t>
+            </a:r>
+          </a:p>
+          <a:p>
+            <a:pPr lvl="1"/>
+            <a:r>
+              <a:rPr lang="en-US" dirty="0" smtClean="0"/>
+              <a:t>Ubuntu</a:t>
             </a:r>
           </a:p>
           <a:p>
@@ -5271,7 +9713,601 @@
 </p:sld>
 </file>
 
-<file path=ppt/slides/slide2.xml><?xml version="1.0" encoding="utf-8"?>
+<file path=ppt/slides/slide3.xml><?xml version="1.0" encoding="utf-8"?>
+<p:sld xmlns:a="http://schemas.openxmlformats.org/drawingml/2006/main" xmlns:r="http://schemas.openxmlformats.org/officeDocument/2006/relationships" xmlns:p="http://schemas.openxmlformats.org/presentationml/2006/main">
+  <p:cSld>
+    <p:spTree>
+      <p:nvGrpSpPr>
+        <p:cNvPr id="1" name=""/>
+        <p:cNvGrpSpPr/>
+        <p:nvPr/>
+      </p:nvGrpSpPr>
+      <p:grpSpPr>
+        <a:xfrm>
+          <a:off x="0" y="0"/>
+          <a:ext cx="0" cy="0"/>
+          <a:chOff x="0" y="0"/>
+          <a:chExt cx="0" cy="0"/>
+        </a:xfrm>
+      </p:grpSpPr>
+      <p:pic>
+        <p:nvPicPr>
+          <p:cNvPr id="3" name="Picture 2"/>
+          <p:cNvPicPr>
+            <a:picLocks noChangeAspect="1"/>
+          </p:cNvPicPr>
+          <p:nvPr/>
+        </p:nvPicPr>
+        <p:blipFill>
+          <a:blip r:embed="rId2">
+            <a:extLst>
+              <a:ext uri="{28A0092B-C50C-407E-A947-70E740481C1C}">
+                <a14:useLocalDpi xmlns:a14="http://schemas.microsoft.com/office/drawing/2010/main" val="0"/>
+              </a:ext>
+            </a:extLst>
+          </a:blip>
+          <a:stretch>
+            <a:fillRect/>
+          </a:stretch>
+        </p:blipFill>
+        <p:spPr>
+          <a:xfrm>
+            <a:off x="3799615" y="1983552"/>
+            <a:ext cx="5202371" cy="5202371"/>
+          </a:xfrm>
+          <a:prstGeom prst="rect">
+            <a:avLst/>
+          </a:prstGeom>
+        </p:spPr>
+      </p:pic>
+      <p:sp>
+        <p:nvSpPr>
+          <p:cNvPr id="4" name="TextBox 3"/>
+          <p:cNvSpPr txBox="1"/>
+          <p:nvPr/>
+        </p:nvSpPr>
+        <p:spPr>
+          <a:xfrm>
+            <a:off x="2828925" y="6417319"/>
+            <a:ext cx="7143750" cy="1200329"/>
+          </a:xfrm>
+          <a:prstGeom prst="rect">
+            <a:avLst/>
+          </a:prstGeom>
+          <a:noFill/>
+        </p:spPr>
+        <p:txBody>
+          <a:bodyPr wrap="square" rtlCol="0">
+            <a:prstTxWarp prst="textArchDown">
+              <a:avLst/>
+            </a:prstTxWarp>
+            <a:spAutoFit/>
+          </a:bodyPr>
+          <a:lstStyle/>
+          <a:p>
+            <a:pPr algn="ctr"/>
+            <a:r>
+              <a:rPr lang="en-US" sz="8800" spc="300" dirty="0" smtClean="0">
+                <a:solidFill>
+                  <a:srgbClr val="ED7161"/>
+                </a:solidFill>
+                <a:latin typeface="Gill Sans MT Condensed" panose="020B0506020104020203" pitchFamily="34" charset="0"/>
+              </a:rPr>
+              <a:t>skunk-head</a:t>
+            </a:r>
+            <a:endParaRPr lang="en-US" sz="8800" spc="300" dirty="0">
+              <a:solidFill>
+                <a:srgbClr val="ED7161"/>
+              </a:solidFill>
+              <a:latin typeface="Gill Sans MT Condensed" panose="020B0506020104020203" pitchFamily="34" charset="0"/>
+            </a:endParaRPr>
+          </a:p>
+        </p:txBody>
+      </p:sp>
+    </p:spTree>
+    <p:extLst>
+      <p:ext uri="{BB962C8B-B14F-4D97-AF65-F5344CB8AC3E}">
+        <p14:creationId xmlns:p14="http://schemas.microsoft.com/office/powerpoint/2010/main" val="3815033665"/>
+      </p:ext>
+    </p:extLst>
+  </p:cSld>
+  <p:clrMapOvr>
+    <a:masterClrMapping/>
+  </p:clrMapOvr>
+  <p:timing>
+    <p:tnLst>
+      <p:par>
+        <p:cTn id="1" dur="indefinite" restart="never" nodeType="tmRoot">
+          <p:childTnLst>
+            <p:seq concurrent="1" nextAc="seek">
+              <p:cTn id="2" dur="indefinite" nodeType="mainSeq">
+                <p:childTnLst>
+                  <p:par>
+                    <p:cTn id="3" fill="hold">
+                      <p:stCondLst>
+                        <p:cond delay="indefinite"/>
+                        <p:cond evt="onBegin" delay="0">
+                          <p:tn val="2"/>
+                        </p:cond>
+                      </p:stCondLst>
+                      <p:childTnLst>
+                        <p:par>
+                          <p:cTn id="4" fill="hold">
+                            <p:stCondLst>
+                              <p:cond delay="0"/>
+                            </p:stCondLst>
+                            <p:childTnLst>
+                              <p:par>
+                                <p:cTn id="5" presetID="26" presetClass="emph" presetSubtype="0" repeatCount="indefinite" fill="hold" nodeType="withEffect">
+                                  <p:stCondLst>
+                                    <p:cond delay="1100"/>
+                                  </p:stCondLst>
+                                  <p:childTnLst>
+                                    <p:animEffect transition="out" filter="fade">
+                                      <p:cBhvr>
+                                        <p:cTn id="6" dur="500" tmFilter="0, 0; .2, .5; .8, .5; 1, 0"/>
+                                        <p:tgtEl>
+                                          <p:spTgt spid="3"/>
+                                        </p:tgtEl>
+                                      </p:cBhvr>
+                                    </p:animEffect>
+                                    <p:animScale>
+                                      <p:cBhvr>
+                                        <p:cTn id="7" dur="250" autoRev="1" fill="hold"/>
+                                        <p:tgtEl>
+                                          <p:spTgt spid="3"/>
+                                        </p:tgtEl>
+                                      </p:cBhvr>
+                                      <p:by x="105000" y="105000"/>
+                                    </p:animScale>
+                                  </p:childTnLst>
+                                </p:cTn>
+                              </p:par>
+                            </p:childTnLst>
+                          </p:cTn>
+                        </p:par>
+                      </p:childTnLst>
+                    </p:cTn>
+                  </p:par>
+                </p:childTnLst>
+              </p:cTn>
+              <p:prevCondLst>
+                <p:cond evt="onPrev" delay="0">
+                  <p:tgtEl>
+                    <p:sldTgt/>
+                  </p:tgtEl>
+                </p:cond>
+              </p:prevCondLst>
+              <p:nextCondLst>
+                <p:cond evt="onNext" delay="0">
+                  <p:tgtEl>
+                    <p:sldTgt/>
+                  </p:tgtEl>
+                </p:cond>
+              </p:nextCondLst>
+            </p:seq>
+          </p:childTnLst>
+        </p:cTn>
+      </p:par>
+    </p:tnLst>
+  </p:timing>
+</p:sld>
+</file>
+
+<file path=ppt/slides/slide4.xml><?xml version="1.0" encoding="utf-8"?>
+<p:sld xmlns:a="http://schemas.openxmlformats.org/drawingml/2006/main" xmlns:r="http://schemas.openxmlformats.org/officeDocument/2006/relationships" xmlns:p="http://schemas.openxmlformats.org/presentationml/2006/main">
+  <p:cSld>
+    <p:spTree>
+      <p:nvGrpSpPr>
+        <p:cNvPr id="1" name=""/>
+        <p:cNvGrpSpPr/>
+        <p:nvPr/>
+      </p:nvGrpSpPr>
+      <p:grpSpPr>
+        <a:xfrm>
+          <a:off x="0" y="0"/>
+          <a:ext cx="0" cy="0"/>
+          <a:chOff x="0" y="0"/>
+          <a:chExt cx="0" cy="0"/>
+        </a:xfrm>
+      </p:grpSpPr>
+      <p:pic>
+        <p:nvPicPr>
+          <p:cNvPr id="3" name="Picture 2"/>
+          <p:cNvPicPr>
+            <a:picLocks noChangeAspect="1"/>
+          </p:cNvPicPr>
+          <p:nvPr/>
+        </p:nvPicPr>
+        <p:blipFill>
+          <a:blip r:embed="rId2">
+            <a:extLst>
+              <a:ext uri="{28A0092B-C50C-407E-A947-70E740481C1C}">
+                <a14:useLocalDpi xmlns:a14="http://schemas.microsoft.com/office/drawing/2010/main" val="0"/>
+              </a:ext>
+            </a:extLst>
+          </a:blip>
+          <a:stretch>
+            <a:fillRect/>
+          </a:stretch>
+        </p:blipFill>
+        <p:spPr>
+          <a:xfrm>
+            <a:off x="2718957" y="569148"/>
+            <a:ext cx="7315200" cy="7315200"/>
+          </a:xfrm>
+          <a:prstGeom prst="rect">
+            <a:avLst/>
+          </a:prstGeom>
+        </p:spPr>
+      </p:pic>
+      <p:sp>
+        <p:nvSpPr>
+          <p:cNvPr id="4" name="TextBox 3"/>
+          <p:cNvSpPr txBox="1"/>
+          <p:nvPr/>
+        </p:nvSpPr>
+        <p:spPr>
+          <a:xfrm>
+            <a:off x="2533650" y="6950719"/>
+            <a:ext cx="7342914" cy="1200329"/>
+          </a:xfrm>
+          <a:prstGeom prst="rect">
+            <a:avLst/>
+          </a:prstGeom>
+          <a:noFill/>
+        </p:spPr>
+        <p:txBody>
+          <a:bodyPr wrap="square" rtlCol="0">
+            <a:prstTxWarp prst="textArchDown">
+              <a:avLst/>
+            </a:prstTxWarp>
+            <a:spAutoFit/>
+          </a:bodyPr>
+          <a:lstStyle/>
+          <a:p>
+            <a:pPr algn="ctr"/>
+            <a:r>
+              <a:rPr lang="en-US" sz="19900" spc="300" dirty="0" smtClean="0">
+                <a:solidFill>
+                  <a:srgbClr val="ED7161"/>
+                </a:solidFill>
+                <a:latin typeface="Gill Sans MT Condensed" panose="020B0506020104020203" pitchFamily="34" charset="0"/>
+              </a:rPr>
+              <a:t>skunk-head</a:t>
+            </a:r>
+            <a:endParaRPr lang="en-US" sz="19900" spc="300" dirty="0">
+              <a:solidFill>
+                <a:srgbClr val="ED7161"/>
+              </a:solidFill>
+              <a:latin typeface="Gill Sans MT Condensed" panose="020B0506020104020203" pitchFamily="34" charset="0"/>
+            </a:endParaRPr>
+          </a:p>
+        </p:txBody>
+      </p:sp>
+    </p:spTree>
+    <p:extLst>
+      <p:ext uri="{BB962C8B-B14F-4D97-AF65-F5344CB8AC3E}">
+        <p14:creationId xmlns:p14="http://schemas.microsoft.com/office/powerpoint/2010/main" val="1075206219"/>
+      </p:ext>
+    </p:extLst>
+  </p:cSld>
+  <p:clrMapOvr>
+    <a:masterClrMapping/>
+  </p:clrMapOvr>
+  <mc:AlternateContent xmlns:mc="http://schemas.openxmlformats.org/markup-compatibility/2006" xmlns:p14="http://schemas.microsoft.com/office/powerpoint/2010/main">
+    <mc:Choice Requires="p14">
+      <p:transition spd="slow" p14:dur="2000" advTm="3771"/>
+    </mc:Choice>
+    <mc:Fallback xmlns="">
+      <p:transition spd="slow" advTm="3771"/>
+    </mc:Fallback>
+  </mc:AlternateContent>
+  <p:timing>
+    <p:tnLst>
+      <p:par>
+        <p:cTn id="1" dur="indefinite" restart="never" nodeType="tmRoot">
+          <p:childTnLst>
+            <p:seq concurrent="1" nextAc="seek">
+              <p:cTn id="2" dur="indefinite" nodeType="mainSeq">
+                <p:childTnLst>
+                  <p:par>
+                    <p:cTn id="3" fill="hold">
+                      <p:stCondLst>
+                        <p:cond delay="indefinite"/>
+                        <p:cond evt="onBegin" delay="0">
+                          <p:tn val="2"/>
+                        </p:cond>
+                      </p:stCondLst>
+                      <p:childTnLst>
+                        <p:par>
+                          <p:cTn id="4" fill="hold">
+                            <p:stCondLst>
+                              <p:cond delay="0"/>
+                            </p:stCondLst>
+                            <p:childTnLst>
+                              <p:par>
+                                <p:cTn id="5" presetID="26" presetClass="emph" presetSubtype="0" fill="hold" nodeType="withEffect">
+                                  <p:stCondLst>
+                                    <p:cond delay="250"/>
+                                  </p:stCondLst>
+                                  <p:childTnLst>
+                                    <p:animEffect transition="out" filter="fade">
+                                      <p:cBhvr>
+                                        <p:cTn id="6" dur="500" tmFilter="0, 0; .2, .5; .8, .5; 1, 0"/>
+                                        <p:tgtEl>
+                                          <p:spTgt spid="3"/>
+                                        </p:tgtEl>
+                                      </p:cBhvr>
+                                    </p:animEffect>
+                                    <p:animScale>
+                                      <p:cBhvr>
+                                        <p:cTn id="7" dur="250" autoRev="1" fill="hold"/>
+                                        <p:tgtEl>
+                                          <p:spTgt spid="3"/>
+                                        </p:tgtEl>
+                                      </p:cBhvr>
+                                      <p:by x="105000" y="105000"/>
+                                    </p:animScale>
+                                  </p:childTnLst>
+                                </p:cTn>
+                              </p:par>
+                            </p:childTnLst>
+                          </p:cTn>
+                        </p:par>
+                        <p:par>
+                          <p:cTn id="8" fill="hold">
+                            <p:stCondLst>
+                              <p:cond delay="750"/>
+                            </p:stCondLst>
+                            <p:childTnLst>
+                              <p:par>
+                                <p:cTn id="9" presetID="16" presetClass="emph" presetSubtype="0" fill="hold" grpId="1" nodeType="afterEffect">
+                                  <p:stCondLst>
+                                    <p:cond delay="0"/>
+                                  </p:stCondLst>
+                                  <p:iterate type="lt">
+                                    <p:tmPct val="4000"/>
+                                  </p:iterate>
+                                  <p:childTnLst>
+                                    <p:set>
+                                      <p:cBhvr override="childStyle">
+                                        <p:cTn id="10" dur="2100" fill="hold"/>
+                                        <p:tgtEl>
+                                          <p:spTgt spid="4"/>
+                                        </p:tgtEl>
+                                        <p:attrNameLst>
+                                          <p:attrName>style.color</p:attrName>
+                                        </p:attrNameLst>
+                                      </p:cBhvr>
+                                      <p:to>
+                                        <p:clrVal>
+                                          <a:srgbClr val="556080"/>
+                                        </p:clrVal>
+                                      </p:to>
+                                    </p:set>
+                                    <p:set>
+                                      <p:cBhvr>
+                                        <p:cTn id="11" dur="2100" fill="hold"/>
+                                        <p:tgtEl>
+                                          <p:spTgt spid="4"/>
+                                        </p:tgtEl>
+                                        <p:attrNameLst>
+                                          <p:attrName>fillcolor</p:attrName>
+                                        </p:attrNameLst>
+                                      </p:cBhvr>
+                                      <p:to>
+                                        <p:clrVal>
+                                          <a:srgbClr val="556080"/>
+                                        </p:clrVal>
+                                      </p:to>
+                                    </p:set>
+                                    <p:set>
+                                      <p:cBhvr>
+                                        <p:cTn id="12" dur="2100" fill="hold"/>
+                                        <p:tgtEl>
+                                          <p:spTgt spid="4"/>
+                                        </p:tgtEl>
+                                        <p:attrNameLst>
+                                          <p:attrName>fill.type</p:attrName>
+                                        </p:attrNameLst>
+                                      </p:cBhvr>
+                                      <p:to>
+                                        <p:strVal val="solid"/>
+                                      </p:to>
+                                    </p:set>
+                                  </p:childTnLst>
+                                </p:cTn>
+                              </p:par>
+                            </p:childTnLst>
+                          </p:cTn>
+                        </p:par>
+                      </p:childTnLst>
+                    </p:cTn>
+                  </p:par>
+                </p:childTnLst>
+              </p:cTn>
+              <p:prevCondLst>
+                <p:cond evt="onPrev" delay="0">
+                  <p:tgtEl>
+                    <p:sldTgt/>
+                  </p:tgtEl>
+                </p:cond>
+              </p:prevCondLst>
+              <p:nextCondLst>
+                <p:cond evt="onNext" delay="0">
+                  <p:tgtEl>
+                    <p:sldTgt/>
+                  </p:tgtEl>
+                </p:cond>
+              </p:nextCondLst>
+            </p:seq>
+          </p:childTnLst>
+        </p:cTn>
+      </p:par>
+    </p:tnLst>
+    <p:bldLst>
+      <p:bldP spid="4" grpId="1"/>
+    </p:bldLst>
+  </p:timing>
+</p:sld>
+</file>
+
+<file path=ppt/slides/slide5.xml><?xml version="1.0" encoding="utf-8"?>
+<p:sld xmlns:a="http://schemas.openxmlformats.org/drawingml/2006/main" xmlns:r="http://schemas.openxmlformats.org/officeDocument/2006/relationships" xmlns:p="http://schemas.openxmlformats.org/presentationml/2006/main">
+  <p:cSld>
+    <p:spTree>
+      <p:nvGrpSpPr>
+        <p:cNvPr id="1" name=""/>
+        <p:cNvGrpSpPr/>
+        <p:nvPr/>
+      </p:nvGrpSpPr>
+      <p:grpSpPr>
+        <a:xfrm>
+          <a:off x="0" y="0"/>
+          <a:ext cx="0" cy="0"/>
+          <a:chOff x="0" y="0"/>
+          <a:chExt cx="0" cy="0"/>
+        </a:xfrm>
+      </p:grpSpPr>
+      <p:pic>
+        <p:nvPicPr>
+          <p:cNvPr id="2" name="Picture 1"/>
+          <p:cNvPicPr>
+            <a:picLocks noChangeAspect="1"/>
+          </p:cNvPicPr>
+          <p:nvPr/>
+        </p:nvPicPr>
+        <p:blipFill>
+          <a:blip r:embed="rId2">
+            <a:extLst>
+              <a:ext uri="{28A0092B-C50C-407E-A947-70E740481C1C}">
+                <a14:useLocalDpi xmlns:a14="http://schemas.microsoft.com/office/drawing/2010/main" val="0"/>
+              </a:ext>
+            </a:extLst>
+          </a:blip>
+          <a:stretch>
+            <a:fillRect/>
+          </a:stretch>
+        </p:blipFill>
+        <p:spPr>
+          <a:xfrm>
+            <a:off x="3543300" y="3190875"/>
+            <a:ext cx="5715000" cy="3219450"/>
+          </a:xfrm>
+          <a:prstGeom prst="rect">
+            <a:avLst/>
+          </a:prstGeom>
+        </p:spPr>
+      </p:pic>
+    </p:spTree>
+    <p:extLst>
+      <p:ext uri="{BB962C8B-B14F-4D97-AF65-F5344CB8AC3E}">
+        <p14:creationId xmlns:p14="http://schemas.microsoft.com/office/powerpoint/2010/main" val="2117597944"/>
+      </p:ext>
+    </p:extLst>
+  </p:cSld>
+  <p:clrMapOvr>
+    <a:masterClrMapping/>
+  </p:clrMapOvr>
+  <p:timing>
+    <p:tnLst>
+      <p:par>
+        <p:cTn id="1" dur="indefinite" restart="never" nodeType="tmRoot"/>
+      </p:par>
+    </p:tnLst>
+  </p:timing>
+</p:sld>
+</file>
+
+<file path=ppt/slides/slide6.xml><?xml version="1.0" encoding="utf-8"?>
+<p:sld xmlns:a="http://schemas.openxmlformats.org/drawingml/2006/main" xmlns:r="http://schemas.openxmlformats.org/officeDocument/2006/relationships" xmlns:p="http://schemas.openxmlformats.org/presentationml/2006/main">
+  <p:cSld>
+    <p:bg>
+      <p:bgPr>
+        <a:solidFill>
+          <a:schemeClr val="bg1">
+            <a:lumMod val="85000"/>
+          </a:schemeClr>
+        </a:solidFill>
+        <a:effectLst/>
+      </p:bgPr>
+    </p:bg>
+    <p:spTree>
+      <p:nvGrpSpPr>
+        <p:cNvPr id="1" name=""/>
+        <p:cNvGrpSpPr/>
+        <p:nvPr/>
+      </p:nvGrpSpPr>
+      <p:grpSpPr>
+        <a:xfrm>
+          <a:off x="0" y="0"/>
+          <a:ext cx="0" cy="0"/>
+          <a:chOff x="0" y="0"/>
+          <a:chExt cx="0" cy="0"/>
+        </a:xfrm>
+      </p:grpSpPr>
+      <p:pic>
+        <p:nvPicPr>
+          <p:cNvPr id="4" name="Picture 3"/>
+          <p:cNvPicPr>
+            <a:picLocks noChangeAspect="1"/>
+          </p:cNvPicPr>
+          <p:nvPr/>
+        </p:nvPicPr>
+        <p:blipFill>
+          <a:blip r:embed="rId2">
+            <a:clrChange>
+              <a:clrFrom>
+                <a:srgbClr val="FDFDFD"/>
+              </a:clrFrom>
+              <a:clrTo>
+                <a:srgbClr val="FDFDFD">
+                  <a:alpha val="0"/>
+                </a:srgbClr>
+              </a:clrTo>
+            </a:clrChange>
+            <a:extLst>
+              <a:ext uri="{28A0092B-C50C-407E-A947-70E740481C1C}">
+                <a14:useLocalDpi xmlns:a14="http://schemas.microsoft.com/office/drawing/2010/main" val="0"/>
+              </a:ext>
+            </a:extLst>
+          </a:blip>
+          <a:stretch>
+            <a:fillRect/>
+          </a:stretch>
+        </p:blipFill>
+        <p:spPr>
+          <a:xfrm>
+            <a:off x="3543300" y="3190875"/>
+            <a:ext cx="5715000" cy="3219450"/>
+          </a:xfrm>
+          <a:prstGeom prst="rect">
+            <a:avLst/>
+          </a:prstGeom>
+        </p:spPr>
+      </p:pic>
+    </p:spTree>
+    <p:extLst>
+      <p:ext uri="{BB962C8B-B14F-4D97-AF65-F5344CB8AC3E}">
+        <p14:creationId xmlns:p14="http://schemas.microsoft.com/office/powerpoint/2010/main" val="1881677333"/>
+      </p:ext>
+    </p:extLst>
+  </p:cSld>
+  <p:clrMapOvr>
+    <a:masterClrMapping/>
+  </p:clrMapOvr>
+  <p:timing>
+    <p:tnLst>
+      <p:par>
+        <p:cTn id="1" dur="indefinite" restart="never" nodeType="tmRoot"/>
+      </p:par>
+    </p:tnLst>
+  </p:timing>
+</p:sld>
+</file>
+
+<file path=ppt/slides/slide7.xml><?xml version="1.0" encoding="utf-8"?>
 <p:sld xmlns:a="http://schemas.openxmlformats.org/drawingml/2006/main" xmlns:r="http://schemas.openxmlformats.org/officeDocument/2006/relationships" xmlns:p="http://schemas.openxmlformats.org/presentationml/2006/main">
   <p:cSld>
     <p:spTree>
@@ -5397,9 +10433,20 @@
 </p:sld>
 </file>
 
-<file path=ppt/slides/slide3.xml><?xml version="1.0" encoding="utf-8"?>
+<file path=ppt/slides/slide8.xml><?xml version="1.0" encoding="utf-8"?>
 <p:sld xmlns:a="http://schemas.openxmlformats.org/drawingml/2006/main" xmlns:r="http://schemas.openxmlformats.org/officeDocument/2006/relationships" xmlns:p="http://schemas.openxmlformats.org/presentationml/2006/main">
   <p:cSld>
+    <p:bg>
+      <p:bgPr>
+        <a:solidFill>
+          <a:schemeClr val="tx2">
+            <a:lumMod val="20000"/>
+            <a:lumOff val="80000"/>
+          </a:schemeClr>
+        </a:solidFill>
+        <a:effectLst/>
+      </p:bgPr>
+    </p:bg>
     <p:spTree>
       <p:nvGrpSpPr>
         <p:cNvPr id="1" name=""/>
@@ -5416,7 +10463,7 @@
       </p:grpSpPr>
       <p:pic>
         <p:nvPicPr>
-          <p:cNvPr id="9" name="Picture 8"/>
+          <p:cNvPr id="3" name="Picture 2"/>
           <p:cNvPicPr>
             <a:picLocks noChangeAspect="1"/>
           </p:cNvPicPr>
@@ -5424,6 +10471,16 @@
         </p:nvPicPr>
         <p:blipFill>
           <a:blip r:embed="rId2">
+            <a:clrChange>
+              <a:clrFrom>
+                <a:srgbClr val="FDFDFD"/>
+              </a:clrFrom>
+              <a:clrTo>
+                <a:srgbClr val="FDFDFD">
+                  <a:alpha val="0"/>
+                </a:srgbClr>
+              </a:clrTo>
+            </a:clrChange>
             <a:extLst>
               <a:ext uri="{28A0092B-C50C-407E-A947-70E740481C1C}">
                 <a14:useLocalDpi xmlns:a14="http://schemas.microsoft.com/office/drawing/2010/main" val="0"/>
@@ -5436,8 +10493,8 @@
         </p:blipFill>
         <p:spPr>
           <a:xfrm>
-            <a:off x="3799614" y="2199414"/>
-            <a:ext cx="5202371" cy="5202371"/>
+            <a:off x="3390900" y="2962275"/>
+            <a:ext cx="5715000" cy="3219450"/>
           </a:xfrm>
           <a:prstGeom prst="rect">
             <a:avLst/>
@@ -5464,7 +10521,7 @@
 </p:sld>
 </file>
 
-<file path=ppt/slides/slide4.xml><?xml version="1.0" encoding="utf-8"?>
+<file path=ppt/slides/slide9.xml><?xml version="1.0" encoding="utf-8"?>
 <p:sld xmlns:a="http://schemas.openxmlformats.org/drawingml/2006/main" xmlns:r="http://schemas.openxmlformats.org/officeDocument/2006/relationships" xmlns:p="http://schemas.openxmlformats.org/presentationml/2006/main">
   <p:cSld>
     <p:bg>
@@ -17164,2947 +22221,6 @@
 </p:sld>
 </file>
 
-<file path=ppt/slides/slide5.xml><?xml version="1.0" encoding="utf-8"?>
-<p:sld xmlns:a="http://schemas.openxmlformats.org/drawingml/2006/main" xmlns:r="http://schemas.openxmlformats.org/officeDocument/2006/relationships" xmlns:p="http://schemas.openxmlformats.org/presentationml/2006/main">
-  <p:cSld>
-    <p:bg>
-      <p:bgPr>
-        <a:solidFill>
-          <a:schemeClr val="bg1">
-            <a:lumMod val="95000"/>
-          </a:schemeClr>
-        </a:solidFill>
-        <a:effectLst/>
-      </p:bgPr>
-    </p:bg>
-    <p:spTree>
-      <p:nvGrpSpPr>
-        <p:cNvPr id="1" name=""/>
-        <p:cNvGrpSpPr/>
-        <p:nvPr/>
-      </p:nvGrpSpPr>
-      <p:grpSpPr>
-        <a:xfrm>
-          <a:off x="0" y="0"/>
-          <a:ext cx="0" cy="0"/>
-          <a:chOff x="0" y="0"/>
-          <a:chExt cx="0" cy="0"/>
-        </a:xfrm>
-      </p:grpSpPr>
-      <p:sp>
-        <p:nvSpPr>
-          <p:cNvPr id="3" name="Title 2" hidden="1"/>
-          <p:cNvSpPr>
-            <a:spLocks noGrp="1"/>
-          </p:cNvSpPr>
-          <p:nvPr>
-            <p:ph type="title"/>
-          </p:nvPr>
-        </p:nvSpPr>
-        <p:spPr/>
-        <p:txBody>
-          <a:bodyPr/>
-          <a:lstStyle/>
-          <a:p>
-            <a:r>
-              <a:rPr lang="en-US" dirty="0" smtClean="0"/>
-              <a:t>1</a:t>
-            </a:r>
-            <a:endParaRPr lang="en-US" dirty="0"/>
-          </a:p>
-        </p:txBody>
-      </p:sp>
-      <p:pic>
-        <p:nvPicPr>
-          <p:cNvPr id="4" name="Picture 3"/>
-          <p:cNvPicPr>
-            <a:picLocks noChangeAspect="1"/>
-          </p:cNvPicPr>
-          <p:nvPr/>
-        </p:nvPicPr>
-        <p:blipFill>
-          <a:blip r:embed="rId2">
-            <a:extLst>
-              <a:ext uri="{28A0092B-C50C-407E-A947-70E740481C1C}">
-                <a14:useLocalDpi xmlns:a14="http://schemas.microsoft.com/office/drawing/2010/main" val="0"/>
-              </a:ext>
-            </a:extLst>
-          </a:blip>
-          <a:stretch>
-            <a:fillRect/>
-          </a:stretch>
-        </p:blipFill>
-        <p:spPr>
-          <a:xfrm>
-            <a:off x="3799615" y="1265015"/>
-            <a:ext cx="5202371" cy="5202371"/>
-          </a:xfrm>
-          <a:prstGeom prst="rect">
-            <a:avLst/>
-          </a:prstGeom>
-        </p:spPr>
-      </p:pic>
-      <p:sp>
-        <p:nvSpPr>
-          <p:cNvPr id="5" name="TextBox 4"/>
-          <p:cNvSpPr txBox="1"/>
-          <p:nvPr/>
-        </p:nvSpPr>
-        <p:spPr>
-          <a:xfrm>
-            <a:off x="1190625" y="514350"/>
-            <a:ext cx="10420350" cy="1200329"/>
-          </a:xfrm>
-          <a:prstGeom prst="rect">
-            <a:avLst/>
-          </a:prstGeom>
-          <a:noFill/>
-        </p:spPr>
-        <p:txBody>
-          <a:bodyPr wrap="square" rtlCol="0">
-            <a:spAutoFit/>
-          </a:bodyPr>
-          <a:lstStyle/>
-          <a:p>
-            <a:pPr algn="ctr"/>
-            <a:r>
-              <a:rPr lang="en-US" sz="7200" b="1" dirty="0" smtClean="0">
-                <a:solidFill>
-                  <a:srgbClr val="ED7161"/>
-                </a:solidFill>
-                <a:effectLst>
-                  <a:outerShdw blurRad="38100" dist="38100" dir="2700000" algn="tl">
-                    <a:srgbClr val="000000">
-                      <a:alpha val="43137"/>
-                    </a:srgbClr>
-                  </a:outerShdw>
-                </a:effectLst>
-                <a:latin typeface="Bahnschrift" panose="020B0502040204020203" pitchFamily="34" charset="0"/>
-              </a:rPr>
-              <a:t>Coming Soon!!!</a:t>
-            </a:r>
-            <a:endParaRPr lang="en-US" sz="7200" b="1" dirty="0">
-              <a:solidFill>
-                <a:srgbClr val="ED7161"/>
-              </a:solidFill>
-              <a:effectLst>
-                <a:outerShdw blurRad="38100" dist="38100" dir="2700000" algn="tl">
-                  <a:srgbClr val="000000">
-                    <a:alpha val="43137"/>
-                  </a:srgbClr>
-                </a:outerShdw>
-              </a:effectLst>
-              <a:latin typeface="Bahnschrift" panose="020B0502040204020203" pitchFamily="34" charset="0"/>
-            </a:endParaRPr>
-          </a:p>
-        </p:txBody>
-      </p:sp>
-      <p:sp>
-        <p:nvSpPr>
-          <p:cNvPr id="6" name="TextBox 5"/>
-          <p:cNvSpPr txBox="1"/>
-          <p:nvPr/>
-        </p:nvSpPr>
-        <p:spPr>
-          <a:xfrm>
-            <a:off x="2828925" y="5698782"/>
-            <a:ext cx="7143750" cy="1200329"/>
-          </a:xfrm>
-          <a:prstGeom prst="rect">
-            <a:avLst/>
-          </a:prstGeom>
-          <a:noFill/>
-        </p:spPr>
-        <p:txBody>
-          <a:bodyPr wrap="square" rtlCol="0">
-            <a:prstTxWarp prst="textArchDown">
-              <a:avLst/>
-            </a:prstTxWarp>
-            <a:spAutoFit/>
-          </a:bodyPr>
-          <a:lstStyle/>
-          <a:p>
-            <a:pPr algn="ctr"/>
-            <a:r>
-              <a:rPr lang="en-US" sz="8800" spc="300" dirty="0" smtClean="0">
-                <a:solidFill>
-                  <a:srgbClr val="ED7161"/>
-                </a:solidFill>
-                <a:latin typeface="Gill Sans MT Condensed" panose="020B0506020104020203" pitchFamily="34" charset="0"/>
-              </a:rPr>
-              <a:t>skunk-head</a:t>
-            </a:r>
-            <a:endParaRPr lang="en-US" sz="8800" spc="300" dirty="0">
-              <a:solidFill>
-                <a:srgbClr val="ED7161"/>
-              </a:solidFill>
-              <a:latin typeface="Gill Sans MT Condensed" panose="020B0506020104020203" pitchFamily="34" charset="0"/>
-            </a:endParaRPr>
-          </a:p>
-        </p:txBody>
-      </p:sp>
-      <p:sp>
-        <p:nvSpPr>
-          <p:cNvPr id="7" name="TextBox 6"/>
-          <p:cNvSpPr txBox="1"/>
-          <p:nvPr/>
-        </p:nvSpPr>
-        <p:spPr>
-          <a:xfrm>
-            <a:off x="523875" y="8185725"/>
-            <a:ext cx="3409950" cy="769441"/>
-          </a:xfrm>
-          <a:prstGeom prst="rect">
-            <a:avLst/>
-          </a:prstGeom>
-          <a:noFill/>
-        </p:spPr>
-        <p:txBody>
-          <a:bodyPr wrap="square" rtlCol="0">
-            <a:spAutoFit/>
-          </a:bodyPr>
-          <a:lstStyle/>
-          <a:p>
-            <a:pPr algn="ctr"/>
-            <a:r>
-              <a:rPr lang="en-US" sz="4400" b="1" dirty="0" smtClean="0">
-                <a:solidFill>
-                  <a:srgbClr val="ED7161"/>
-                </a:solidFill>
-                <a:latin typeface="Candara" panose="020E0502030303020204" pitchFamily="34" charset="0"/>
-                <a:cs typeface="Agent Orange" panose="00000400000000000000" pitchFamily="2" charset="0"/>
-              </a:rPr>
-              <a:t>10 – 1 – 2018</a:t>
-            </a:r>
-            <a:endParaRPr lang="en-US" sz="4400" b="1" dirty="0">
-              <a:solidFill>
-                <a:srgbClr val="ED7161"/>
-              </a:solidFill>
-              <a:latin typeface="Candara" panose="020E0502030303020204" pitchFamily="34" charset="0"/>
-              <a:cs typeface="Agent Orange" panose="00000400000000000000" pitchFamily="2" charset="0"/>
-            </a:endParaRPr>
-          </a:p>
-        </p:txBody>
-      </p:sp>
-      <p:sp>
-        <p:nvSpPr>
-          <p:cNvPr id="8" name="TextBox 7"/>
-          <p:cNvSpPr txBox="1"/>
-          <p:nvPr/>
-        </p:nvSpPr>
-        <p:spPr>
-          <a:xfrm>
-            <a:off x="1771650" y="7600950"/>
-            <a:ext cx="914400" cy="584775"/>
-          </a:xfrm>
-          <a:prstGeom prst="rect">
-            <a:avLst/>
-          </a:prstGeom>
-          <a:noFill/>
-        </p:spPr>
-        <p:txBody>
-          <a:bodyPr wrap="square" rtlCol="0">
-            <a:spAutoFit/>
-          </a:bodyPr>
-          <a:lstStyle/>
-          <a:p>
-            <a:pPr algn="ctr"/>
-            <a:r>
-              <a:rPr lang="en-US" sz="3200" b="1" dirty="0" smtClean="0">
-                <a:solidFill>
-                  <a:srgbClr val="696969"/>
-                </a:solidFill>
-                <a:latin typeface="Bahnschrift" panose="020B0502040204020203" pitchFamily="34" charset="0"/>
-              </a:rPr>
-              <a:t>On</a:t>
-            </a:r>
-            <a:endParaRPr lang="en-US" sz="3200" b="1" dirty="0">
-              <a:solidFill>
-                <a:srgbClr val="696969"/>
-              </a:solidFill>
-              <a:latin typeface="Bahnschrift" panose="020B0502040204020203" pitchFamily="34" charset="0"/>
-            </a:endParaRPr>
-          </a:p>
-        </p:txBody>
-      </p:sp>
-      <p:sp>
-        <p:nvSpPr>
-          <p:cNvPr id="9" name="TextBox 8"/>
-          <p:cNvSpPr txBox="1"/>
-          <p:nvPr/>
-        </p:nvSpPr>
-        <p:spPr>
-          <a:xfrm>
-            <a:off x="9515475" y="7600950"/>
-            <a:ext cx="914400" cy="584775"/>
-          </a:xfrm>
-          <a:prstGeom prst="rect">
-            <a:avLst/>
-          </a:prstGeom>
-          <a:noFill/>
-        </p:spPr>
-        <p:txBody>
-          <a:bodyPr wrap="square" rtlCol="0">
-            <a:spAutoFit/>
-          </a:bodyPr>
-          <a:lstStyle/>
-          <a:p>
-            <a:pPr algn="ctr"/>
-            <a:r>
-              <a:rPr lang="en-US" sz="3200" b="1" dirty="0" smtClean="0">
-                <a:solidFill>
-                  <a:srgbClr val="696969"/>
-                </a:solidFill>
-                <a:latin typeface="Bahnschrift" panose="020B0502040204020203" pitchFamily="34" charset="0"/>
-              </a:rPr>
-              <a:t>By</a:t>
-            </a:r>
-            <a:endParaRPr lang="en-US" sz="3200" b="1" dirty="0">
-              <a:solidFill>
-                <a:srgbClr val="696969"/>
-              </a:solidFill>
-              <a:latin typeface="Bahnschrift" panose="020B0502040204020203" pitchFamily="34" charset="0"/>
-            </a:endParaRPr>
-          </a:p>
-        </p:txBody>
-      </p:sp>
-      <p:sp>
-        <p:nvSpPr>
-          <p:cNvPr id="13" name="TextBox 12"/>
-          <p:cNvSpPr txBox="1"/>
-          <p:nvPr/>
-        </p:nvSpPr>
-        <p:spPr>
-          <a:xfrm>
-            <a:off x="8267700" y="8185725"/>
-            <a:ext cx="3409950" cy="769441"/>
-          </a:xfrm>
-          <a:prstGeom prst="rect">
-            <a:avLst/>
-          </a:prstGeom>
-          <a:noFill/>
-        </p:spPr>
-        <p:txBody>
-          <a:bodyPr wrap="square" rtlCol="0">
-            <a:spAutoFit/>
-          </a:bodyPr>
-          <a:lstStyle/>
-          <a:p>
-            <a:pPr algn="ctr"/>
-            <a:r>
-              <a:rPr lang="en-US" sz="4400" b="1" dirty="0" err="1" smtClean="0">
-                <a:solidFill>
-                  <a:srgbClr val="ED7161"/>
-                </a:solidFill>
-                <a:latin typeface="Candara" panose="020E0502030303020204" pitchFamily="34" charset="0"/>
-                <a:cs typeface="Agent Orange" panose="00000400000000000000" pitchFamily="2" charset="0"/>
-              </a:rPr>
-              <a:t>bemBem</a:t>
-            </a:r>
-            <a:endParaRPr lang="en-US" sz="4400" b="1" dirty="0">
-              <a:solidFill>
-                <a:srgbClr val="ED7161"/>
-              </a:solidFill>
-              <a:latin typeface="Candara" panose="020E0502030303020204" pitchFamily="34" charset="0"/>
-              <a:cs typeface="Agent Orange" panose="00000400000000000000" pitchFamily="2" charset="0"/>
-            </a:endParaRPr>
-          </a:p>
-        </p:txBody>
-      </p:sp>
-      <p:sp>
-        <p:nvSpPr>
-          <p:cNvPr id="2" name="Rectangle 1"/>
-          <p:cNvSpPr/>
-          <p:nvPr/>
-        </p:nvSpPr>
-        <p:spPr>
-          <a:xfrm>
-            <a:off x="0" y="9258300"/>
-            <a:ext cx="12801600" cy="342900"/>
-          </a:xfrm>
-          <a:prstGeom prst="rect">
-            <a:avLst/>
-          </a:prstGeom>
-          <a:solidFill>
-            <a:srgbClr val="ED7161"/>
-          </a:solidFill>
-          <a:ln>
-            <a:noFill/>
-          </a:ln>
-        </p:spPr>
-        <p:style>
-          <a:lnRef idx="2">
-            <a:schemeClr val="accent1">
-              <a:shade val="50000"/>
-            </a:schemeClr>
-          </a:lnRef>
-          <a:fillRef idx="1">
-            <a:schemeClr val="accent1"/>
-          </a:fillRef>
-          <a:effectRef idx="0">
-            <a:schemeClr val="accent1"/>
-          </a:effectRef>
-          <a:fontRef idx="minor">
-            <a:schemeClr val="lt1"/>
-          </a:fontRef>
-        </p:style>
-        <p:txBody>
-          <a:bodyPr rtlCol="0" anchor="ctr"/>
-          <a:lstStyle/>
-          <a:p>
-            <a:pPr algn="ctr"/>
-            <a:endParaRPr lang="en-US"/>
-          </a:p>
-        </p:txBody>
-      </p:sp>
-    </p:spTree>
-    <p:extLst>
-      <p:ext uri="{BB962C8B-B14F-4D97-AF65-F5344CB8AC3E}">
-        <p14:creationId xmlns:p14="http://schemas.microsoft.com/office/powerpoint/2010/main" val="880619824"/>
-      </p:ext>
-    </p:extLst>
-  </p:cSld>
-  <p:clrMapOvr>
-    <a:masterClrMapping/>
-  </p:clrMapOvr>
-  <p:timing>
-    <p:tnLst>
-      <p:par>
-        <p:cTn id="1" dur="indefinite" restart="never" nodeType="tmRoot"/>
-      </p:par>
-    </p:tnLst>
-  </p:timing>
-</p:sld>
-</file>
-
-<file path=ppt/slides/slide6.xml><?xml version="1.0" encoding="utf-8"?>
-<p:sld xmlns:a="http://schemas.openxmlformats.org/drawingml/2006/main" xmlns:r="http://schemas.openxmlformats.org/officeDocument/2006/relationships" xmlns:p="http://schemas.openxmlformats.org/presentationml/2006/main">
-  <p:cSld>
-    <p:bg>
-      <p:bgPr>
-        <a:solidFill>
-          <a:schemeClr val="bg1">
-            <a:lumMod val="95000"/>
-          </a:schemeClr>
-        </a:solidFill>
-        <a:effectLst/>
-      </p:bgPr>
-    </p:bg>
-    <p:spTree>
-      <p:nvGrpSpPr>
-        <p:cNvPr id="1" name=""/>
-        <p:cNvGrpSpPr/>
-        <p:nvPr/>
-      </p:nvGrpSpPr>
-      <p:grpSpPr>
-        <a:xfrm>
-          <a:off x="0" y="0"/>
-          <a:ext cx="0" cy="0"/>
-          <a:chOff x="0" y="0"/>
-          <a:chExt cx="0" cy="0"/>
-        </a:xfrm>
-      </p:grpSpPr>
-      <p:sp>
-        <p:nvSpPr>
-          <p:cNvPr id="3" name="Title 2" hidden="1"/>
-          <p:cNvSpPr>
-            <a:spLocks noGrp="1"/>
-          </p:cNvSpPr>
-          <p:nvPr>
-            <p:ph type="title"/>
-          </p:nvPr>
-        </p:nvSpPr>
-        <p:spPr/>
-        <p:txBody>
-          <a:bodyPr/>
-          <a:lstStyle/>
-          <a:p>
-            <a:r>
-              <a:rPr lang="en-US" dirty="0" smtClean="0"/>
-              <a:t>1</a:t>
-            </a:r>
-            <a:endParaRPr lang="en-US" dirty="0"/>
-          </a:p>
-        </p:txBody>
-      </p:sp>
-      <p:pic>
-        <p:nvPicPr>
-          <p:cNvPr id="4" name="Picture 3"/>
-          <p:cNvPicPr>
-            <a:picLocks noChangeAspect="1"/>
-          </p:cNvPicPr>
-          <p:nvPr/>
-        </p:nvPicPr>
-        <p:blipFill>
-          <a:blip r:embed="rId2">
-            <a:extLst>
-              <a:ext uri="{28A0092B-C50C-407E-A947-70E740481C1C}">
-                <a14:useLocalDpi xmlns:a14="http://schemas.microsoft.com/office/drawing/2010/main" val="0"/>
-              </a:ext>
-            </a:extLst>
-          </a:blip>
-          <a:stretch>
-            <a:fillRect/>
-          </a:stretch>
-        </p:blipFill>
-        <p:spPr>
-          <a:xfrm>
-            <a:off x="3799615" y="1265015"/>
-            <a:ext cx="5202371" cy="5202371"/>
-          </a:xfrm>
-          <a:prstGeom prst="rect">
-            <a:avLst/>
-          </a:prstGeom>
-        </p:spPr>
-      </p:pic>
-      <p:sp>
-        <p:nvSpPr>
-          <p:cNvPr id="5" name="TextBox 4"/>
-          <p:cNvSpPr txBox="1"/>
-          <p:nvPr/>
-        </p:nvSpPr>
-        <p:spPr>
-          <a:xfrm>
-            <a:off x="1190625" y="514350"/>
-            <a:ext cx="10420350" cy="1200329"/>
-          </a:xfrm>
-          <a:prstGeom prst="rect">
-            <a:avLst/>
-          </a:prstGeom>
-          <a:noFill/>
-        </p:spPr>
-        <p:txBody>
-          <a:bodyPr wrap="square" rtlCol="0">
-            <a:spAutoFit/>
-          </a:bodyPr>
-          <a:lstStyle/>
-          <a:p>
-            <a:pPr algn="ctr"/>
-            <a:r>
-              <a:rPr lang="en-US" sz="7200" b="1" dirty="0" smtClean="0">
-                <a:solidFill>
-                  <a:srgbClr val="ED7161"/>
-                </a:solidFill>
-                <a:effectLst>
-                  <a:outerShdw blurRad="38100" dist="38100" dir="2700000" algn="tl">
-                    <a:srgbClr val="000000">
-                      <a:alpha val="43137"/>
-                    </a:srgbClr>
-                  </a:outerShdw>
-                </a:effectLst>
-                <a:latin typeface="Bahnschrift" panose="020B0502040204020203" pitchFamily="34" charset="0"/>
-              </a:rPr>
-              <a:t>Coming Soon!!!</a:t>
-            </a:r>
-            <a:endParaRPr lang="en-US" sz="7200" b="1" dirty="0">
-              <a:solidFill>
-                <a:srgbClr val="ED7161"/>
-              </a:solidFill>
-              <a:effectLst>
-                <a:outerShdw blurRad="38100" dist="38100" dir="2700000" algn="tl">
-                  <a:srgbClr val="000000">
-                    <a:alpha val="43137"/>
-                  </a:srgbClr>
-                </a:outerShdw>
-              </a:effectLst>
-              <a:latin typeface="Bahnschrift" panose="020B0502040204020203" pitchFamily="34" charset="0"/>
-            </a:endParaRPr>
-          </a:p>
-        </p:txBody>
-      </p:sp>
-      <p:sp>
-        <p:nvSpPr>
-          <p:cNvPr id="6" name="TextBox 5"/>
-          <p:cNvSpPr txBox="1"/>
-          <p:nvPr/>
-        </p:nvSpPr>
-        <p:spPr>
-          <a:xfrm>
-            <a:off x="2828925" y="5698782"/>
-            <a:ext cx="7143750" cy="1200329"/>
-          </a:xfrm>
-          <a:prstGeom prst="rect">
-            <a:avLst/>
-          </a:prstGeom>
-          <a:noFill/>
-        </p:spPr>
-        <p:txBody>
-          <a:bodyPr wrap="square" rtlCol="0">
-            <a:prstTxWarp prst="textArchDown">
-              <a:avLst/>
-            </a:prstTxWarp>
-            <a:spAutoFit/>
-          </a:bodyPr>
-          <a:lstStyle/>
-          <a:p>
-            <a:pPr algn="ctr"/>
-            <a:r>
-              <a:rPr lang="en-US" sz="8800" spc="300" dirty="0" smtClean="0">
-                <a:solidFill>
-                  <a:srgbClr val="ED7161"/>
-                </a:solidFill>
-                <a:latin typeface="Gill Sans MT Condensed" panose="020B0506020104020203" pitchFamily="34" charset="0"/>
-              </a:rPr>
-              <a:t>skunk-head</a:t>
-            </a:r>
-            <a:endParaRPr lang="en-US" sz="8800" spc="300" dirty="0">
-              <a:solidFill>
-                <a:srgbClr val="ED7161"/>
-              </a:solidFill>
-              <a:latin typeface="Gill Sans MT Condensed" panose="020B0506020104020203" pitchFamily="34" charset="0"/>
-            </a:endParaRPr>
-          </a:p>
-        </p:txBody>
-      </p:sp>
-      <p:sp>
-        <p:nvSpPr>
-          <p:cNvPr id="7" name="TextBox 6"/>
-          <p:cNvSpPr txBox="1"/>
-          <p:nvPr/>
-        </p:nvSpPr>
-        <p:spPr>
-          <a:xfrm>
-            <a:off x="523875" y="8185725"/>
-            <a:ext cx="3409950" cy="769441"/>
-          </a:xfrm>
-          <a:prstGeom prst="rect">
-            <a:avLst/>
-          </a:prstGeom>
-          <a:noFill/>
-        </p:spPr>
-        <p:txBody>
-          <a:bodyPr wrap="square" rtlCol="0">
-            <a:spAutoFit/>
-          </a:bodyPr>
-          <a:lstStyle/>
-          <a:p>
-            <a:pPr algn="ctr"/>
-            <a:r>
-              <a:rPr lang="en-US" sz="4400" b="1" dirty="0" smtClean="0">
-                <a:solidFill>
-                  <a:srgbClr val="ED7161"/>
-                </a:solidFill>
-                <a:latin typeface="Candara" panose="020E0502030303020204" pitchFamily="34" charset="0"/>
-                <a:cs typeface="Agent Orange" panose="00000400000000000000" pitchFamily="2" charset="0"/>
-              </a:rPr>
-              <a:t>10 – 1 – 2018</a:t>
-            </a:r>
-            <a:endParaRPr lang="en-US" sz="4400" b="1" dirty="0">
-              <a:solidFill>
-                <a:srgbClr val="ED7161"/>
-              </a:solidFill>
-              <a:latin typeface="Candara" panose="020E0502030303020204" pitchFamily="34" charset="0"/>
-              <a:cs typeface="Agent Orange" panose="00000400000000000000" pitchFamily="2" charset="0"/>
-            </a:endParaRPr>
-          </a:p>
-        </p:txBody>
-      </p:sp>
-      <p:sp>
-        <p:nvSpPr>
-          <p:cNvPr id="8" name="TextBox 7"/>
-          <p:cNvSpPr txBox="1"/>
-          <p:nvPr/>
-        </p:nvSpPr>
-        <p:spPr>
-          <a:xfrm>
-            <a:off x="1771650" y="7600950"/>
-            <a:ext cx="914400" cy="584775"/>
-          </a:xfrm>
-          <a:prstGeom prst="rect">
-            <a:avLst/>
-          </a:prstGeom>
-          <a:noFill/>
-        </p:spPr>
-        <p:txBody>
-          <a:bodyPr wrap="square" rtlCol="0">
-            <a:spAutoFit/>
-          </a:bodyPr>
-          <a:lstStyle/>
-          <a:p>
-            <a:pPr algn="ctr"/>
-            <a:r>
-              <a:rPr lang="en-US" sz="3200" b="1" dirty="0" smtClean="0">
-                <a:solidFill>
-                  <a:srgbClr val="556080"/>
-                </a:solidFill>
-                <a:latin typeface="Bahnschrift" panose="020B0502040204020203" pitchFamily="34" charset="0"/>
-              </a:rPr>
-              <a:t>On</a:t>
-            </a:r>
-            <a:endParaRPr lang="en-US" sz="3200" b="1" dirty="0">
-              <a:solidFill>
-                <a:srgbClr val="556080"/>
-              </a:solidFill>
-              <a:latin typeface="Bahnschrift" panose="020B0502040204020203" pitchFamily="34" charset="0"/>
-            </a:endParaRPr>
-          </a:p>
-        </p:txBody>
-      </p:sp>
-      <p:sp>
-        <p:nvSpPr>
-          <p:cNvPr id="9" name="TextBox 8"/>
-          <p:cNvSpPr txBox="1"/>
-          <p:nvPr/>
-        </p:nvSpPr>
-        <p:spPr>
-          <a:xfrm>
-            <a:off x="9515475" y="7600950"/>
-            <a:ext cx="914400" cy="584775"/>
-          </a:xfrm>
-          <a:prstGeom prst="rect">
-            <a:avLst/>
-          </a:prstGeom>
-          <a:noFill/>
-        </p:spPr>
-        <p:txBody>
-          <a:bodyPr wrap="square" rtlCol="0">
-            <a:spAutoFit/>
-          </a:bodyPr>
-          <a:lstStyle/>
-          <a:p>
-            <a:pPr algn="ctr"/>
-            <a:r>
-              <a:rPr lang="en-US" sz="3200" b="1" dirty="0" smtClean="0">
-                <a:solidFill>
-                  <a:srgbClr val="556080"/>
-                </a:solidFill>
-                <a:latin typeface="Bahnschrift" panose="020B0502040204020203" pitchFamily="34" charset="0"/>
-              </a:rPr>
-              <a:t>By</a:t>
-            </a:r>
-            <a:endParaRPr lang="en-US" sz="3200" b="1" dirty="0">
-              <a:solidFill>
-                <a:srgbClr val="556080"/>
-              </a:solidFill>
-              <a:latin typeface="Bahnschrift" panose="020B0502040204020203" pitchFamily="34" charset="0"/>
-            </a:endParaRPr>
-          </a:p>
-        </p:txBody>
-      </p:sp>
-      <p:sp>
-        <p:nvSpPr>
-          <p:cNvPr id="13" name="TextBox 12"/>
-          <p:cNvSpPr txBox="1"/>
-          <p:nvPr/>
-        </p:nvSpPr>
-        <p:spPr>
-          <a:xfrm>
-            <a:off x="8267700" y="8185725"/>
-            <a:ext cx="3409950" cy="769441"/>
-          </a:xfrm>
-          <a:prstGeom prst="rect">
-            <a:avLst/>
-          </a:prstGeom>
-          <a:noFill/>
-        </p:spPr>
-        <p:txBody>
-          <a:bodyPr wrap="square" rtlCol="0">
-            <a:spAutoFit/>
-          </a:bodyPr>
-          <a:lstStyle/>
-          <a:p>
-            <a:pPr algn="ctr"/>
-            <a:r>
-              <a:rPr lang="en-US" sz="4400" b="1" dirty="0" err="1" smtClean="0">
-                <a:solidFill>
-                  <a:srgbClr val="ED7161"/>
-                </a:solidFill>
-                <a:latin typeface="Candara" panose="020E0502030303020204" pitchFamily="34" charset="0"/>
-                <a:cs typeface="Agent Orange" panose="00000400000000000000" pitchFamily="2" charset="0"/>
-              </a:rPr>
-              <a:t>bemBem</a:t>
-            </a:r>
-            <a:endParaRPr lang="en-US" sz="4400" b="1" dirty="0">
-              <a:solidFill>
-                <a:srgbClr val="ED7161"/>
-              </a:solidFill>
-              <a:latin typeface="Candara" panose="020E0502030303020204" pitchFamily="34" charset="0"/>
-              <a:cs typeface="Agent Orange" panose="00000400000000000000" pitchFamily="2" charset="0"/>
-            </a:endParaRPr>
-          </a:p>
-        </p:txBody>
-      </p:sp>
-      <p:sp>
-        <p:nvSpPr>
-          <p:cNvPr id="2" name="Rectangle 1"/>
-          <p:cNvSpPr/>
-          <p:nvPr/>
-        </p:nvSpPr>
-        <p:spPr>
-          <a:xfrm>
-            <a:off x="0" y="9258300"/>
-            <a:ext cx="12801600" cy="342900"/>
-          </a:xfrm>
-          <a:prstGeom prst="rect">
-            <a:avLst/>
-          </a:prstGeom>
-          <a:solidFill>
-            <a:srgbClr val="ED7161"/>
-          </a:solidFill>
-          <a:ln>
-            <a:noFill/>
-          </a:ln>
-        </p:spPr>
-        <p:style>
-          <a:lnRef idx="2">
-            <a:schemeClr val="accent1">
-              <a:shade val="50000"/>
-            </a:schemeClr>
-          </a:lnRef>
-          <a:fillRef idx="1">
-            <a:schemeClr val="accent1"/>
-          </a:fillRef>
-          <a:effectRef idx="0">
-            <a:schemeClr val="accent1"/>
-          </a:effectRef>
-          <a:fontRef idx="minor">
-            <a:schemeClr val="lt1"/>
-          </a:fontRef>
-        </p:style>
-        <p:txBody>
-          <a:bodyPr rtlCol="0" anchor="ctr"/>
-          <a:lstStyle/>
-          <a:p>
-            <a:pPr algn="ctr"/>
-            <a:endParaRPr lang="en-US"/>
-          </a:p>
-        </p:txBody>
-      </p:sp>
-      <p:sp>
-        <p:nvSpPr>
-          <p:cNvPr id="17" name="5-Point Star 16"/>
-          <p:cNvSpPr>
-            <a:spLocks noChangeAspect="1"/>
-          </p:cNvSpPr>
-          <p:nvPr/>
-        </p:nvSpPr>
-        <p:spPr>
-          <a:xfrm>
-            <a:off x="2522958" y="1051560"/>
-            <a:ext cx="274320" cy="274320"/>
-          </a:xfrm>
-          <a:prstGeom prst="star5">
-            <a:avLst/>
-          </a:prstGeom>
-          <a:solidFill>
-            <a:srgbClr val="556080"/>
-          </a:solidFill>
-          <a:ln>
-            <a:noFill/>
-          </a:ln>
-        </p:spPr>
-        <p:style>
-          <a:lnRef idx="2">
-            <a:schemeClr val="accent1">
-              <a:shade val="50000"/>
-            </a:schemeClr>
-          </a:lnRef>
-          <a:fillRef idx="1">
-            <a:schemeClr val="accent1"/>
-          </a:fillRef>
-          <a:effectRef idx="0">
-            <a:schemeClr val="accent1"/>
-          </a:effectRef>
-          <a:fontRef idx="minor">
-            <a:schemeClr val="lt1"/>
-          </a:fontRef>
-        </p:style>
-        <p:txBody>
-          <a:bodyPr rtlCol="0" anchor="ctr"/>
-          <a:lstStyle/>
-          <a:p>
-            <a:pPr algn="ctr"/>
-            <a:endParaRPr lang="en-US"/>
-          </a:p>
-        </p:txBody>
-      </p:sp>
-      <p:sp>
-        <p:nvSpPr>
-          <p:cNvPr id="18" name="5-Point Star 17"/>
-          <p:cNvSpPr>
-            <a:spLocks noChangeAspect="1"/>
-          </p:cNvSpPr>
-          <p:nvPr/>
-        </p:nvSpPr>
-        <p:spPr>
-          <a:xfrm>
-            <a:off x="3039950" y="1051560"/>
-            <a:ext cx="274320" cy="274320"/>
-          </a:xfrm>
-          <a:prstGeom prst="star5">
-            <a:avLst/>
-          </a:prstGeom>
-          <a:solidFill>
-            <a:srgbClr val="556080"/>
-          </a:solidFill>
-          <a:ln>
-            <a:noFill/>
-          </a:ln>
-        </p:spPr>
-        <p:style>
-          <a:lnRef idx="2">
-            <a:schemeClr val="accent1">
-              <a:shade val="50000"/>
-            </a:schemeClr>
-          </a:lnRef>
-          <a:fillRef idx="1">
-            <a:schemeClr val="accent1"/>
-          </a:fillRef>
-          <a:effectRef idx="0">
-            <a:schemeClr val="accent1"/>
-          </a:effectRef>
-          <a:fontRef idx="minor">
-            <a:schemeClr val="lt1"/>
-          </a:fontRef>
-        </p:style>
-        <p:txBody>
-          <a:bodyPr rtlCol="0" anchor="ctr"/>
-          <a:lstStyle/>
-          <a:p>
-            <a:pPr algn="ctr"/>
-            <a:endParaRPr lang="en-US"/>
-          </a:p>
-        </p:txBody>
-      </p:sp>
-      <p:sp>
-        <p:nvSpPr>
-          <p:cNvPr id="19" name="5-Point Star 18"/>
-          <p:cNvSpPr>
-            <a:spLocks noChangeAspect="1"/>
-          </p:cNvSpPr>
-          <p:nvPr/>
-        </p:nvSpPr>
-        <p:spPr>
-          <a:xfrm>
-            <a:off x="9455683" y="1051560"/>
-            <a:ext cx="274320" cy="274320"/>
-          </a:xfrm>
-          <a:prstGeom prst="star5">
-            <a:avLst/>
-          </a:prstGeom>
-          <a:solidFill>
-            <a:srgbClr val="556080"/>
-          </a:solidFill>
-          <a:ln>
-            <a:noFill/>
-          </a:ln>
-        </p:spPr>
-        <p:style>
-          <a:lnRef idx="2">
-            <a:schemeClr val="accent1">
-              <a:shade val="50000"/>
-            </a:schemeClr>
-          </a:lnRef>
-          <a:fillRef idx="1">
-            <a:schemeClr val="accent1"/>
-          </a:fillRef>
-          <a:effectRef idx="0">
-            <a:schemeClr val="accent1"/>
-          </a:effectRef>
-          <a:fontRef idx="minor">
-            <a:schemeClr val="lt1"/>
-          </a:fontRef>
-        </p:style>
-        <p:txBody>
-          <a:bodyPr rtlCol="0" anchor="ctr"/>
-          <a:lstStyle/>
-          <a:p>
-            <a:pPr algn="ctr"/>
-            <a:endParaRPr lang="en-US"/>
-          </a:p>
-        </p:txBody>
-      </p:sp>
-      <p:sp>
-        <p:nvSpPr>
-          <p:cNvPr id="20" name="5-Point Star 19"/>
-          <p:cNvSpPr>
-            <a:spLocks noChangeAspect="1"/>
-          </p:cNvSpPr>
-          <p:nvPr/>
-        </p:nvSpPr>
-        <p:spPr>
-          <a:xfrm>
-            <a:off x="9972675" y="1051560"/>
-            <a:ext cx="274320" cy="274320"/>
-          </a:xfrm>
-          <a:prstGeom prst="star5">
-            <a:avLst/>
-          </a:prstGeom>
-          <a:solidFill>
-            <a:srgbClr val="556080"/>
-          </a:solidFill>
-          <a:ln>
-            <a:noFill/>
-          </a:ln>
-        </p:spPr>
-        <p:style>
-          <a:lnRef idx="2">
-            <a:schemeClr val="accent1">
-              <a:shade val="50000"/>
-            </a:schemeClr>
-          </a:lnRef>
-          <a:fillRef idx="1">
-            <a:schemeClr val="accent1"/>
-          </a:fillRef>
-          <a:effectRef idx="0">
-            <a:schemeClr val="accent1"/>
-          </a:effectRef>
-          <a:fontRef idx="minor">
-            <a:schemeClr val="lt1"/>
-          </a:fontRef>
-        </p:style>
-        <p:txBody>
-          <a:bodyPr rtlCol="0" anchor="ctr"/>
-          <a:lstStyle/>
-          <a:p>
-            <a:pPr algn="ctr"/>
-            <a:endParaRPr lang="en-US"/>
-          </a:p>
-        </p:txBody>
-      </p:sp>
-    </p:spTree>
-    <p:extLst>
-      <p:ext uri="{BB962C8B-B14F-4D97-AF65-F5344CB8AC3E}">
-        <p14:creationId xmlns:p14="http://schemas.microsoft.com/office/powerpoint/2010/main" val="195344800"/>
-      </p:ext>
-    </p:extLst>
-  </p:cSld>
-  <p:clrMapOvr>
-    <a:masterClrMapping/>
-  </p:clrMapOvr>
-  <p:timing>
-    <p:tnLst>
-      <p:par>
-        <p:cTn id="1" dur="indefinite" restart="never" nodeType="tmRoot"/>
-      </p:par>
-    </p:tnLst>
-  </p:timing>
-</p:sld>
-</file>
-
-<file path=ppt/slides/slide7.xml><?xml version="1.0" encoding="utf-8"?>
-<p:sld xmlns:a="http://schemas.openxmlformats.org/drawingml/2006/main" xmlns:r="http://schemas.openxmlformats.org/officeDocument/2006/relationships" xmlns:p="http://schemas.openxmlformats.org/presentationml/2006/main">
-  <p:cSld>
-    <p:bg>
-      <p:bgPr>
-        <a:solidFill>
-          <a:schemeClr val="bg1">
-            <a:lumMod val="95000"/>
-          </a:schemeClr>
-        </a:solidFill>
-        <a:effectLst/>
-      </p:bgPr>
-    </p:bg>
-    <p:spTree>
-      <p:nvGrpSpPr>
-        <p:cNvPr id="1" name=""/>
-        <p:cNvGrpSpPr/>
-        <p:nvPr/>
-      </p:nvGrpSpPr>
-      <p:grpSpPr>
-        <a:xfrm>
-          <a:off x="0" y="0"/>
-          <a:ext cx="0" cy="0"/>
-          <a:chOff x="0" y="0"/>
-          <a:chExt cx="0" cy="0"/>
-        </a:xfrm>
-      </p:grpSpPr>
-      <p:sp>
-        <p:nvSpPr>
-          <p:cNvPr id="3" name="Title 2" hidden="1"/>
-          <p:cNvSpPr>
-            <a:spLocks noGrp="1"/>
-          </p:cNvSpPr>
-          <p:nvPr>
-            <p:ph type="title"/>
-          </p:nvPr>
-        </p:nvSpPr>
-        <p:spPr/>
-        <p:txBody>
-          <a:bodyPr/>
-          <a:lstStyle/>
-          <a:p>
-            <a:r>
-              <a:rPr lang="en-US" dirty="0" smtClean="0"/>
-              <a:t>1</a:t>
-            </a:r>
-            <a:endParaRPr lang="en-US" dirty="0"/>
-          </a:p>
-        </p:txBody>
-      </p:sp>
-      <p:pic>
-        <p:nvPicPr>
-          <p:cNvPr id="4" name="Picture 3"/>
-          <p:cNvPicPr>
-            <a:picLocks noChangeAspect="1"/>
-          </p:cNvPicPr>
-          <p:nvPr/>
-        </p:nvPicPr>
-        <p:blipFill>
-          <a:blip r:embed="rId2">
-            <a:extLst>
-              <a:ext uri="{28A0092B-C50C-407E-A947-70E740481C1C}">
-                <a14:useLocalDpi xmlns:a14="http://schemas.microsoft.com/office/drawing/2010/main" val="0"/>
-              </a:ext>
-            </a:extLst>
-          </a:blip>
-          <a:stretch>
-            <a:fillRect/>
-          </a:stretch>
-        </p:blipFill>
-        <p:spPr>
-          <a:xfrm>
-            <a:off x="3799615" y="1265015"/>
-            <a:ext cx="5202371" cy="5202371"/>
-          </a:xfrm>
-          <a:prstGeom prst="rect">
-            <a:avLst/>
-          </a:prstGeom>
-        </p:spPr>
-      </p:pic>
-      <p:sp>
-        <p:nvSpPr>
-          <p:cNvPr id="5" name="TextBox 4"/>
-          <p:cNvSpPr txBox="1"/>
-          <p:nvPr/>
-        </p:nvSpPr>
-        <p:spPr>
-          <a:xfrm>
-            <a:off x="1190625" y="514350"/>
-            <a:ext cx="10420350" cy="1200329"/>
-          </a:xfrm>
-          <a:prstGeom prst="rect">
-            <a:avLst/>
-          </a:prstGeom>
-          <a:noFill/>
-        </p:spPr>
-        <p:txBody>
-          <a:bodyPr wrap="square" rtlCol="0">
-            <a:spAutoFit/>
-          </a:bodyPr>
-          <a:lstStyle/>
-          <a:p>
-            <a:pPr algn="ctr"/>
-            <a:r>
-              <a:rPr lang="en-US" sz="7200" b="1" dirty="0" smtClean="0">
-                <a:solidFill>
-                  <a:srgbClr val="ED7161"/>
-                </a:solidFill>
-                <a:effectLst>
-                  <a:outerShdw blurRad="38100" dist="38100" dir="2700000" algn="tl">
-                    <a:srgbClr val="000000">
-                      <a:alpha val="43137"/>
-                    </a:srgbClr>
-                  </a:outerShdw>
-                </a:effectLst>
-                <a:latin typeface="Bahnschrift" panose="020B0502040204020203" pitchFamily="34" charset="0"/>
-              </a:rPr>
-              <a:t>Coming Soon!!!</a:t>
-            </a:r>
-            <a:endParaRPr lang="en-US" sz="7200" b="1" dirty="0">
-              <a:solidFill>
-                <a:srgbClr val="ED7161"/>
-              </a:solidFill>
-              <a:effectLst>
-                <a:outerShdw blurRad="38100" dist="38100" dir="2700000" algn="tl">
-                  <a:srgbClr val="000000">
-                    <a:alpha val="43137"/>
-                  </a:srgbClr>
-                </a:outerShdw>
-              </a:effectLst>
-              <a:latin typeface="Bahnschrift" panose="020B0502040204020203" pitchFamily="34" charset="0"/>
-            </a:endParaRPr>
-          </a:p>
-        </p:txBody>
-      </p:sp>
-      <p:sp>
-        <p:nvSpPr>
-          <p:cNvPr id="6" name="TextBox 5"/>
-          <p:cNvSpPr txBox="1"/>
-          <p:nvPr/>
-        </p:nvSpPr>
-        <p:spPr>
-          <a:xfrm>
-            <a:off x="2828925" y="5698782"/>
-            <a:ext cx="7143750" cy="1200329"/>
-          </a:xfrm>
-          <a:prstGeom prst="rect">
-            <a:avLst/>
-          </a:prstGeom>
-          <a:noFill/>
-        </p:spPr>
-        <p:txBody>
-          <a:bodyPr wrap="square" rtlCol="0">
-            <a:prstTxWarp prst="textArchDown">
-              <a:avLst/>
-            </a:prstTxWarp>
-            <a:spAutoFit/>
-          </a:bodyPr>
-          <a:lstStyle/>
-          <a:p>
-            <a:pPr algn="ctr"/>
-            <a:r>
-              <a:rPr lang="en-US" sz="8800" spc="300" dirty="0" smtClean="0">
-                <a:solidFill>
-                  <a:srgbClr val="ED7161"/>
-                </a:solidFill>
-                <a:latin typeface="Gill Sans MT Condensed" panose="020B0506020104020203" pitchFamily="34" charset="0"/>
-              </a:rPr>
-              <a:t>skunk-head</a:t>
-            </a:r>
-            <a:endParaRPr lang="en-US" sz="8800" spc="300" dirty="0">
-              <a:solidFill>
-                <a:srgbClr val="ED7161"/>
-              </a:solidFill>
-              <a:latin typeface="Gill Sans MT Condensed" panose="020B0506020104020203" pitchFamily="34" charset="0"/>
-            </a:endParaRPr>
-          </a:p>
-        </p:txBody>
-      </p:sp>
-      <p:sp>
-        <p:nvSpPr>
-          <p:cNvPr id="7" name="TextBox 6"/>
-          <p:cNvSpPr txBox="1"/>
-          <p:nvPr/>
-        </p:nvSpPr>
-        <p:spPr>
-          <a:xfrm>
-            <a:off x="523875" y="8185725"/>
-            <a:ext cx="3409950" cy="769441"/>
-          </a:xfrm>
-          <a:prstGeom prst="rect">
-            <a:avLst/>
-          </a:prstGeom>
-          <a:noFill/>
-        </p:spPr>
-        <p:txBody>
-          <a:bodyPr wrap="square" rtlCol="0">
-            <a:spAutoFit/>
-          </a:bodyPr>
-          <a:lstStyle/>
-          <a:p>
-            <a:pPr algn="ctr"/>
-            <a:r>
-              <a:rPr lang="en-US" sz="4400" b="1" dirty="0" smtClean="0">
-                <a:solidFill>
-                  <a:srgbClr val="ED7161"/>
-                </a:solidFill>
-                <a:latin typeface="Candara" panose="020E0502030303020204" pitchFamily="34" charset="0"/>
-                <a:cs typeface="Agent Orange" panose="00000400000000000000" pitchFamily="2" charset="0"/>
-              </a:rPr>
-              <a:t>10 – 1 – 2018</a:t>
-            </a:r>
-            <a:endParaRPr lang="en-US" sz="4400" b="1" dirty="0">
-              <a:solidFill>
-                <a:srgbClr val="ED7161"/>
-              </a:solidFill>
-              <a:latin typeface="Candara" panose="020E0502030303020204" pitchFamily="34" charset="0"/>
-              <a:cs typeface="Agent Orange" panose="00000400000000000000" pitchFamily="2" charset="0"/>
-            </a:endParaRPr>
-          </a:p>
-        </p:txBody>
-      </p:sp>
-      <p:sp>
-        <p:nvSpPr>
-          <p:cNvPr id="8" name="TextBox 7"/>
-          <p:cNvSpPr txBox="1"/>
-          <p:nvPr/>
-        </p:nvSpPr>
-        <p:spPr>
-          <a:xfrm>
-            <a:off x="1771650" y="7600950"/>
-            <a:ext cx="914400" cy="584775"/>
-          </a:xfrm>
-          <a:prstGeom prst="rect">
-            <a:avLst/>
-          </a:prstGeom>
-          <a:noFill/>
-        </p:spPr>
-        <p:txBody>
-          <a:bodyPr wrap="square" rtlCol="0">
-            <a:spAutoFit/>
-          </a:bodyPr>
-          <a:lstStyle/>
-          <a:p>
-            <a:pPr algn="ctr"/>
-            <a:r>
-              <a:rPr lang="en-US" sz="3200" b="1" dirty="0" smtClean="0">
-                <a:solidFill>
-                  <a:srgbClr val="556080"/>
-                </a:solidFill>
-                <a:latin typeface="Bahnschrift" panose="020B0502040204020203" pitchFamily="34" charset="0"/>
-              </a:rPr>
-              <a:t>On</a:t>
-            </a:r>
-            <a:endParaRPr lang="en-US" sz="3200" b="1" dirty="0">
-              <a:solidFill>
-                <a:srgbClr val="556080"/>
-              </a:solidFill>
-              <a:latin typeface="Bahnschrift" panose="020B0502040204020203" pitchFamily="34" charset="0"/>
-            </a:endParaRPr>
-          </a:p>
-        </p:txBody>
-      </p:sp>
-      <p:sp>
-        <p:nvSpPr>
-          <p:cNvPr id="9" name="TextBox 8"/>
-          <p:cNvSpPr txBox="1"/>
-          <p:nvPr/>
-        </p:nvSpPr>
-        <p:spPr>
-          <a:xfrm>
-            <a:off x="9515475" y="7600950"/>
-            <a:ext cx="914400" cy="584775"/>
-          </a:xfrm>
-          <a:prstGeom prst="rect">
-            <a:avLst/>
-          </a:prstGeom>
-          <a:noFill/>
-        </p:spPr>
-        <p:txBody>
-          <a:bodyPr wrap="square" rtlCol="0">
-            <a:spAutoFit/>
-          </a:bodyPr>
-          <a:lstStyle/>
-          <a:p>
-            <a:pPr algn="ctr"/>
-            <a:r>
-              <a:rPr lang="en-US" sz="3200" b="1" dirty="0" smtClean="0">
-                <a:solidFill>
-                  <a:srgbClr val="556080"/>
-                </a:solidFill>
-                <a:latin typeface="Bahnschrift" panose="020B0502040204020203" pitchFamily="34" charset="0"/>
-              </a:rPr>
-              <a:t>By</a:t>
-            </a:r>
-            <a:endParaRPr lang="en-US" sz="3200" b="1" dirty="0">
-              <a:solidFill>
-                <a:srgbClr val="556080"/>
-              </a:solidFill>
-              <a:latin typeface="Bahnschrift" panose="020B0502040204020203" pitchFamily="34" charset="0"/>
-            </a:endParaRPr>
-          </a:p>
-        </p:txBody>
-      </p:sp>
-      <p:sp>
-        <p:nvSpPr>
-          <p:cNvPr id="13" name="TextBox 12"/>
-          <p:cNvSpPr txBox="1"/>
-          <p:nvPr/>
-        </p:nvSpPr>
-        <p:spPr>
-          <a:xfrm>
-            <a:off x="8267700" y="8185725"/>
-            <a:ext cx="3409950" cy="769441"/>
-          </a:xfrm>
-          <a:prstGeom prst="rect">
-            <a:avLst/>
-          </a:prstGeom>
-          <a:noFill/>
-        </p:spPr>
-        <p:txBody>
-          <a:bodyPr wrap="square" rtlCol="0">
-            <a:spAutoFit/>
-          </a:bodyPr>
-          <a:lstStyle/>
-          <a:p>
-            <a:pPr algn="ctr"/>
-            <a:r>
-              <a:rPr lang="en-US" sz="4400" b="1" dirty="0" err="1" smtClean="0">
-                <a:solidFill>
-                  <a:srgbClr val="ED7161"/>
-                </a:solidFill>
-                <a:latin typeface="Candara" panose="020E0502030303020204" pitchFamily="34" charset="0"/>
-                <a:cs typeface="Agent Orange" panose="00000400000000000000" pitchFamily="2" charset="0"/>
-              </a:rPr>
-              <a:t>bemBem</a:t>
-            </a:r>
-            <a:endParaRPr lang="en-US" sz="4400" b="1" dirty="0">
-              <a:solidFill>
-                <a:srgbClr val="ED7161"/>
-              </a:solidFill>
-              <a:latin typeface="Candara" panose="020E0502030303020204" pitchFamily="34" charset="0"/>
-              <a:cs typeface="Agent Orange" panose="00000400000000000000" pitchFamily="2" charset="0"/>
-            </a:endParaRPr>
-          </a:p>
-        </p:txBody>
-      </p:sp>
-      <p:sp>
-        <p:nvSpPr>
-          <p:cNvPr id="2" name="Rectangle 1"/>
-          <p:cNvSpPr/>
-          <p:nvPr/>
-        </p:nvSpPr>
-        <p:spPr>
-          <a:xfrm>
-            <a:off x="0" y="9258300"/>
-            <a:ext cx="12801600" cy="342900"/>
-          </a:xfrm>
-          <a:prstGeom prst="rect">
-            <a:avLst/>
-          </a:prstGeom>
-          <a:solidFill>
-            <a:srgbClr val="ED7161"/>
-          </a:solidFill>
-          <a:ln>
-            <a:noFill/>
-          </a:ln>
-        </p:spPr>
-        <p:style>
-          <a:lnRef idx="2">
-            <a:schemeClr val="accent1">
-              <a:shade val="50000"/>
-            </a:schemeClr>
-          </a:lnRef>
-          <a:fillRef idx="1">
-            <a:schemeClr val="accent1"/>
-          </a:fillRef>
-          <a:effectRef idx="0">
-            <a:schemeClr val="accent1"/>
-          </a:effectRef>
-          <a:fontRef idx="minor">
-            <a:schemeClr val="lt1"/>
-          </a:fontRef>
-        </p:style>
-        <p:txBody>
-          <a:bodyPr rtlCol="0" anchor="ctr"/>
-          <a:lstStyle/>
-          <a:p>
-            <a:pPr algn="ctr"/>
-            <a:endParaRPr lang="en-US"/>
-          </a:p>
-        </p:txBody>
-      </p:sp>
-      <p:sp>
-        <p:nvSpPr>
-          <p:cNvPr id="17" name="5-Point Star 16"/>
-          <p:cNvSpPr>
-            <a:spLocks noChangeAspect="1"/>
-          </p:cNvSpPr>
-          <p:nvPr/>
-        </p:nvSpPr>
-        <p:spPr>
-          <a:xfrm>
-            <a:off x="2522958" y="1051560"/>
-            <a:ext cx="274320" cy="274320"/>
-          </a:xfrm>
-          <a:prstGeom prst="star5">
-            <a:avLst/>
-          </a:prstGeom>
-          <a:solidFill>
-            <a:srgbClr val="556080"/>
-          </a:solidFill>
-          <a:ln>
-            <a:noFill/>
-          </a:ln>
-        </p:spPr>
-        <p:style>
-          <a:lnRef idx="2">
-            <a:schemeClr val="accent1">
-              <a:shade val="50000"/>
-            </a:schemeClr>
-          </a:lnRef>
-          <a:fillRef idx="1">
-            <a:schemeClr val="accent1"/>
-          </a:fillRef>
-          <a:effectRef idx="0">
-            <a:schemeClr val="accent1"/>
-          </a:effectRef>
-          <a:fontRef idx="minor">
-            <a:schemeClr val="lt1"/>
-          </a:fontRef>
-        </p:style>
-        <p:txBody>
-          <a:bodyPr rtlCol="0" anchor="ctr"/>
-          <a:lstStyle/>
-          <a:p>
-            <a:pPr algn="ctr"/>
-            <a:endParaRPr lang="en-US"/>
-          </a:p>
-        </p:txBody>
-      </p:sp>
-      <p:sp>
-        <p:nvSpPr>
-          <p:cNvPr id="18" name="5-Point Star 17"/>
-          <p:cNvSpPr>
-            <a:spLocks noChangeAspect="1"/>
-          </p:cNvSpPr>
-          <p:nvPr/>
-        </p:nvSpPr>
-        <p:spPr>
-          <a:xfrm>
-            <a:off x="3039950" y="1051560"/>
-            <a:ext cx="274320" cy="274320"/>
-          </a:xfrm>
-          <a:prstGeom prst="star5">
-            <a:avLst/>
-          </a:prstGeom>
-          <a:solidFill>
-            <a:srgbClr val="556080"/>
-          </a:solidFill>
-          <a:ln>
-            <a:noFill/>
-          </a:ln>
-        </p:spPr>
-        <p:style>
-          <a:lnRef idx="2">
-            <a:schemeClr val="accent1">
-              <a:shade val="50000"/>
-            </a:schemeClr>
-          </a:lnRef>
-          <a:fillRef idx="1">
-            <a:schemeClr val="accent1"/>
-          </a:fillRef>
-          <a:effectRef idx="0">
-            <a:schemeClr val="accent1"/>
-          </a:effectRef>
-          <a:fontRef idx="minor">
-            <a:schemeClr val="lt1"/>
-          </a:fontRef>
-        </p:style>
-        <p:txBody>
-          <a:bodyPr rtlCol="0" anchor="ctr"/>
-          <a:lstStyle/>
-          <a:p>
-            <a:pPr algn="ctr"/>
-            <a:endParaRPr lang="en-US"/>
-          </a:p>
-        </p:txBody>
-      </p:sp>
-      <p:sp>
-        <p:nvSpPr>
-          <p:cNvPr id="19" name="5-Point Star 18"/>
-          <p:cNvSpPr>
-            <a:spLocks noChangeAspect="1"/>
-          </p:cNvSpPr>
-          <p:nvPr/>
-        </p:nvSpPr>
-        <p:spPr>
-          <a:xfrm>
-            <a:off x="9455683" y="1051560"/>
-            <a:ext cx="274320" cy="274320"/>
-          </a:xfrm>
-          <a:prstGeom prst="star5">
-            <a:avLst/>
-          </a:prstGeom>
-          <a:solidFill>
-            <a:srgbClr val="556080"/>
-          </a:solidFill>
-          <a:ln>
-            <a:noFill/>
-          </a:ln>
-        </p:spPr>
-        <p:style>
-          <a:lnRef idx="2">
-            <a:schemeClr val="accent1">
-              <a:shade val="50000"/>
-            </a:schemeClr>
-          </a:lnRef>
-          <a:fillRef idx="1">
-            <a:schemeClr val="accent1"/>
-          </a:fillRef>
-          <a:effectRef idx="0">
-            <a:schemeClr val="accent1"/>
-          </a:effectRef>
-          <a:fontRef idx="minor">
-            <a:schemeClr val="lt1"/>
-          </a:fontRef>
-        </p:style>
-        <p:txBody>
-          <a:bodyPr rtlCol="0" anchor="ctr"/>
-          <a:lstStyle/>
-          <a:p>
-            <a:pPr algn="ctr"/>
-            <a:endParaRPr lang="en-US"/>
-          </a:p>
-        </p:txBody>
-      </p:sp>
-      <p:sp>
-        <p:nvSpPr>
-          <p:cNvPr id="20" name="5-Point Star 19"/>
-          <p:cNvSpPr>
-            <a:spLocks noChangeAspect="1"/>
-          </p:cNvSpPr>
-          <p:nvPr/>
-        </p:nvSpPr>
-        <p:spPr>
-          <a:xfrm>
-            <a:off x="9972675" y="1051560"/>
-            <a:ext cx="274320" cy="274320"/>
-          </a:xfrm>
-          <a:prstGeom prst="star5">
-            <a:avLst/>
-          </a:prstGeom>
-          <a:solidFill>
-            <a:srgbClr val="556080"/>
-          </a:solidFill>
-          <a:ln>
-            <a:noFill/>
-          </a:ln>
-        </p:spPr>
-        <p:style>
-          <a:lnRef idx="2">
-            <a:schemeClr val="accent1">
-              <a:shade val="50000"/>
-            </a:schemeClr>
-          </a:lnRef>
-          <a:fillRef idx="1">
-            <a:schemeClr val="accent1"/>
-          </a:fillRef>
-          <a:effectRef idx="0">
-            <a:schemeClr val="accent1"/>
-          </a:effectRef>
-          <a:fontRef idx="minor">
-            <a:schemeClr val="lt1"/>
-          </a:fontRef>
-        </p:style>
-        <p:txBody>
-          <a:bodyPr rtlCol="0" anchor="ctr"/>
-          <a:lstStyle/>
-          <a:p>
-            <a:pPr algn="ctr"/>
-            <a:endParaRPr lang="en-US"/>
-          </a:p>
-        </p:txBody>
-      </p:sp>
-      <p:sp>
-        <p:nvSpPr>
-          <p:cNvPr id="10" name="Donut 9"/>
-          <p:cNvSpPr/>
-          <p:nvPr/>
-        </p:nvSpPr>
-        <p:spPr>
-          <a:xfrm>
-            <a:off x="6263640" y="9292590"/>
-            <a:ext cx="274320" cy="274320"/>
-          </a:xfrm>
-          <a:prstGeom prst="donut">
-            <a:avLst/>
-          </a:prstGeom>
-          <a:solidFill>
-            <a:srgbClr val="556080"/>
-          </a:solidFill>
-          <a:ln w="3175">
-            <a:solidFill>
-              <a:schemeClr val="bg1">
-                <a:lumMod val="95000"/>
-              </a:schemeClr>
-            </a:solidFill>
-          </a:ln>
-        </p:spPr>
-        <p:style>
-          <a:lnRef idx="2">
-            <a:schemeClr val="accent1">
-              <a:shade val="50000"/>
-            </a:schemeClr>
-          </a:lnRef>
-          <a:fillRef idx="1">
-            <a:schemeClr val="accent1"/>
-          </a:fillRef>
-          <a:effectRef idx="0">
-            <a:schemeClr val="accent1"/>
-          </a:effectRef>
-          <a:fontRef idx="minor">
-            <a:schemeClr val="lt1"/>
-          </a:fontRef>
-        </p:style>
-        <p:txBody>
-          <a:bodyPr rtlCol="0" anchor="ctr"/>
-          <a:lstStyle/>
-          <a:p>
-            <a:pPr algn="ctr"/>
-            <a:endParaRPr lang="en-US">
-              <a:solidFill>
-                <a:schemeClr val="tx1"/>
-              </a:solidFill>
-            </a:endParaRPr>
-          </a:p>
-        </p:txBody>
-      </p:sp>
-    </p:spTree>
-    <p:extLst>
-      <p:ext uri="{BB962C8B-B14F-4D97-AF65-F5344CB8AC3E}">
-        <p14:creationId xmlns:p14="http://schemas.microsoft.com/office/powerpoint/2010/main" val="1827156981"/>
-      </p:ext>
-    </p:extLst>
-  </p:cSld>
-  <p:clrMapOvr>
-    <a:masterClrMapping/>
-  </p:clrMapOvr>
-  <p:timing>
-    <p:tnLst>
-      <p:par>
-        <p:cTn id="1" dur="indefinite" restart="never" nodeType="tmRoot"/>
-      </p:par>
-    </p:tnLst>
-  </p:timing>
-</p:sld>
-</file>
-
-<file path=ppt/slides/slide8.xml><?xml version="1.0" encoding="utf-8"?>
-<p:sld xmlns:a="http://schemas.openxmlformats.org/drawingml/2006/main" xmlns:r="http://schemas.openxmlformats.org/officeDocument/2006/relationships" xmlns:p="http://schemas.openxmlformats.org/presentationml/2006/main">
-  <p:cSld>
-    <p:bg>
-      <p:bgPr>
-        <a:solidFill>
-          <a:schemeClr val="bg1">
-            <a:lumMod val="95000"/>
-          </a:schemeClr>
-        </a:solidFill>
-        <a:effectLst/>
-      </p:bgPr>
-    </p:bg>
-    <p:spTree>
-      <p:nvGrpSpPr>
-        <p:cNvPr id="1" name=""/>
-        <p:cNvGrpSpPr/>
-        <p:nvPr/>
-      </p:nvGrpSpPr>
-      <p:grpSpPr>
-        <a:xfrm>
-          <a:off x="0" y="0"/>
-          <a:ext cx="0" cy="0"/>
-          <a:chOff x="0" y="0"/>
-          <a:chExt cx="0" cy="0"/>
-        </a:xfrm>
-      </p:grpSpPr>
-      <p:sp>
-        <p:nvSpPr>
-          <p:cNvPr id="3" name="Title 2" hidden="1"/>
-          <p:cNvSpPr>
-            <a:spLocks noGrp="1"/>
-          </p:cNvSpPr>
-          <p:nvPr>
-            <p:ph type="title"/>
-          </p:nvPr>
-        </p:nvSpPr>
-        <p:spPr/>
-        <p:txBody>
-          <a:bodyPr/>
-          <a:lstStyle/>
-          <a:p>
-            <a:r>
-              <a:rPr lang="en-US" dirty="0" smtClean="0"/>
-              <a:t>1</a:t>
-            </a:r>
-            <a:endParaRPr lang="en-US" dirty="0"/>
-          </a:p>
-        </p:txBody>
-      </p:sp>
-      <p:pic>
-        <p:nvPicPr>
-          <p:cNvPr id="4" name="Picture 3"/>
-          <p:cNvPicPr>
-            <a:picLocks noChangeAspect="1"/>
-          </p:cNvPicPr>
-          <p:nvPr/>
-        </p:nvPicPr>
-        <p:blipFill>
-          <a:blip r:embed="rId2">
-            <a:extLst>
-              <a:ext uri="{28A0092B-C50C-407E-A947-70E740481C1C}">
-                <a14:useLocalDpi xmlns:a14="http://schemas.microsoft.com/office/drawing/2010/main" val="0"/>
-              </a:ext>
-            </a:extLst>
-          </a:blip>
-          <a:stretch>
-            <a:fillRect/>
-          </a:stretch>
-        </p:blipFill>
-        <p:spPr>
-          <a:xfrm>
-            <a:off x="3799615" y="1265015"/>
-            <a:ext cx="5202371" cy="5202371"/>
-          </a:xfrm>
-          <a:prstGeom prst="rect">
-            <a:avLst/>
-          </a:prstGeom>
-        </p:spPr>
-      </p:pic>
-      <p:sp>
-        <p:nvSpPr>
-          <p:cNvPr id="5" name="TextBox 4"/>
-          <p:cNvSpPr txBox="1"/>
-          <p:nvPr/>
-        </p:nvSpPr>
-        <p:spPr>
-          <a:xfrm>
-            <a:off x="1190625" y="514350"/>
-            <a:ext cx="10420350" cy="1200329"/>
-          </a:xfrm>
-          <a:prstGeom prst="rect">
-            <a:avLst/>
-          </a:prstGeom>
-          <a:noFill/>
-        </p:spPr>
-        <p:txBody>
-          <a:bodyPr wrap="square" rtlCol="0">
-            <a:spAutoFit/>
-          </a:bodyPr>
-          <a:lstStyle/>
-          <a:p>
-            <a:pPr algn="ctr"/>
-            <a:r>
-              <a:rPr lang="en-US" sz="7200" b="1" dirty="0" smtClean="0">
-                <a:solidFill>
-                  <a:srgbClr val="ED7161"/>
-                </a:solidFill>
-                <a:effectLst>
-                  <a:outerShdw blurRad="38100" dist="38100" dir="2700000" algn="tl">
-                    <a:srgbClr val="000000">
-                      <a:alpha val="43137"/>
-                    </a:srgbClr>
-                  </a:outerShdw>
-                </a:effectLst>
-                <a:latin typeface="Bahnschrift" panose="020B0502040204020203" pitchFamily="34" charset="0"/>
-              </a:rPr>
-              <a:t>Coming Soon!!!</a:t>
-            </a:r>
-            <a:endParaRPr lang="en-US" sz="7200" b="1" dirty="0">
-              <a:solidFill>
-                <a:srgbClr val="ED7161"/>
-              </a:solidFill>
-              <a:effectLst>
-                <a:outerShdw blurRad="38100" dist="38100" dir="2700000" algn="tl">
-                  <a:srgbClr val="000000">
-                    <a:alpha val="43137"/>
-                  </a:srgbClr>
-                </a:outerShdw>
-              </a:effectLst>
-              <a:latin typeface="Bahnschrift" panose="020B0502040204020203" pitchFamily="34" charset="0"/>
-            </a:endParaRPr>
-          </a:p>
-        </p:txBody>
-      </p:sp>
-      <p:sp>
-        <p:nvSpPr>
-          <p:cNvPr id="6" name="TextBox 5"/>
-          <p:cNvSpPr txBox="1"/>
-          <p:nvPr/>
-        </p:nvSpPr>
-        <p:spPr>
-          <a:xfrm>
-            <a:off x="2828925" y="5698782"/>
-            <a:ext cx="7143750" cy="1200329"/>
-          </a:xfrm>
-          <a:prstGeom prst="rect">
-            <a:avLst/>
-          </a:prstGeom>
-          <a:noFill/>
-        </p:spPr>
-        <p:txBody>
-          <a:bodyPr wrap="square" rtlCol="0">
-            <a:prstTxWarp prst="textArchDown">
-              <a:avLst/>
-            </a:prstTxWarp>
-            <a:spAutoFit/>
-          </a:bodyPr>
-          <a:lstStyle/>
-          <a:p>
-            <a:pPr algn="ctr"/>
-            <a:r>
-              <a:rPr lang="en-US" sz="8800" spc="300" dirty="0" smtClean="0">
-                <a:solidFill>
-                  <a:srgbClr val="ED7161"/>
-                </a:solidFill>
-                <a:latin typeface="Gill Sans MT Condensed" panose="020B0506020104020203" pitchFamily="34" charset="0"/>
-              </a:rPr>
-              <a:t>skunk-head</a:t>
-            </a:r>
-            <a:endParaRPr lang="en-US" sz="8800" spc="300" dirty="0">
-              <a:solidFill>
-                <a:srgbClr val="ED7161"/>
-              </a:solidFill>
-              <a:latin typeface="Gill Sans MT Condensed" panose="020B0506020104020203" pitchFamily="34" charset="0"/>
-            </a:endParaRPr>
-          </a:p>
-        </p:txBody>
-      </p:sp>
-      <p:sp>
-        <p:nvSpPr>
-          <p:cNvPr id="7" name="TextBox 6"/>
-          <p:cNvSpPr txBox="1"/>
-          <p:nvPr/>
-        </p:nvSpPr>
-        <p:spPr>
-          <a:xfrm>
-            <a:off x="523875" y="8185725"/>
-            <a:ext cx="3409950" cy="769441"/>
-          </a:xfrm>
-          <a:prstGeom prst="rect">
-            <a:avLst/>
-          </a:prstGeom>
-          <a:noFill/>
-        </p:spPr>
-        <p:txBody>
-          <a:bodyPr wrap="square" rtlCol="0">
-            <a:spAutoFit/>
-          </a:bodyPr>
-          <a:lstStyle/>
-          <a:p>
-            <a:pPr algn="ctr"/>
-            <a:r>
-              <a:rPr lang="en-US" sz="4400" b="1" dirty="0" smtClean="0">
-                <a:solidFill>
-                  <a:srgbClr val="ED7161"/>
-                </a:solidFill>
-                <a:latin typeface="Candara" panose="020E0502030303020204" pitchFamily="34" charset="0"/>
-                <a:cs typeface="Agent Orange" panose="00000400000000000000" pitchFamily="2" charset="0"/>
-              </a:rPr>
-              <a:t>10 – 1 – 2018</a:t>
-            </a:r>
-            <a:endParaRPr lang="en-US" sz="4400" b="1" dirty="0">
-              <a:solidFill>
-                <a:srgbClr val="ED7161"/>
-              </a:solidFill>
-              <a:latin typeface="Candara" panose="020E0502030303020204" pitchFamily="34" charset="0"/>
-              <a:cs typeface="Agent Orange" panose="00000400000000000000" pitchFamily="2" charset="0"/>
-            </a:endParaRPr>
-          </a:p>
-        </p:txBody>
-      </p:sp>
-      <p:sp>
-        <p:nvSpPr>
-          <p:cNvPr id="8" name="TextBox 7"/>
-          <p:cNvSpPr txBox="1"/>
-          <p:nvPr/>
-        </p:nvSpPr>
-        <p:spPr>
-          <a:xfrm>
-            <a:off x="1771650" y="7600950"/>
-            <a:ext cx="914400" cy="584775"/>
-          </a:xfrm>
-          <a:prstGeom prst="rect">
-            <a:avLst/>
-          </a:prstGeom>
-          <a:noFill/>
-        </p:spPr>
-        <p:txBody>
-          <a:bodyPr wrap="square" rtlCol="0">
-            <a:spAutoFit/>
-          </a:bodyPr>
-          <a:lstStyle/>
-          <a:p>
-            <a:pPr algn="ctr"/>
-            <a:r>
-              <a:rPr lang="en-US" sz="3200" b="1" dirty="0" smtClean="0">
-                <a:solidFill>
-                  <a:srgbClr val="556080"/>
-                </a:solidFill>
-                <a:latin typeface="Bahnschrift" panose="020B0502040204020203" pitchFamily="34" charset="0"/>
-              </a:rPr>
-              <a:t>On</a:t>
-            </a:r>
-            <a:endParaRPr lang="en-US" sz="3200" b="1" dirty="0">
-              <a:solidFill>
-                <a:srgbClr val="556080"/>
-              </a:solidFill>
-              <a:latin typeface="Bahnschrift" panose="020B0502040204020203" pitchFamily="34" charset="0"/>
-            </a:endParaRPr>
-          </a:p>
-        </p:txBody>
-      </p:sp>
-      <p:sp>
-        <p:nvSpPr>
-          <p:cNvPr id="9" name="TextBox 8"/>
-          <p:cNvSpPr txBox="1"/>
-          <p:nvPr/>
-        </p:nvSpPr>
-        <p:spPr>
-          <a:xfrm>
-            <a:off x="9515475" y="7600950"/>
-            <a:ext cx="914400" cy="584775"/>
-          </a:xfrm>
-          <a:prstGeom prst="rect">
-            <a:avLst/>
-          </a:prstGeom>
-          <a:noFill/>
-        </p:spPr>
-        <p:txBody>
-          <a:bodyPr wrap="square" rtlCol="0">
-            <a:spAutoFit/>
-          </a:bodyPr>
-          <a:lstStyle/>
-          <a:p>
-            <a:pPr algn="ctr"/>
-            <a:r>
-              <a:rPr lang="en-US" sz="3200" b="1" dirty="0" smtClean="0">
-                <a:solidFill>
-                  <a:srgbClr val="556080"/>
-                </a:solidFill>
-                <a:latin typeface="Bahnschrift" panose="020B0502040204020203" pitchFamily="34" charset="0"/>
-              </a:rPr>
-              <a:t>By</a:t>
-            </a:r>
-            <a:endParaRPr lang="en-US" sz="3200" b="1" dirty="0">
-              <a:solidFill>
-                <a:srgbClr val="556080"/>
-              </a:solidFill>
-              <a:latin typeface="Bahnschrift" panose="020B0502040204020203" pitchFamily="34" charset="0"/>
-            </a:endParaRPr>
-          </a:p>
-        </p:txBody>
-      </p:sp>
-      <p:sp>
-        <p:nvSpPr>
-          <p:cNvPr id="13" name="TextBox 12"/>
-          <p:cNvSpPr txBox="1"/>
-          <p:nvPr/>
-        </p:nvSpPr>
-        <p:spPr>
-          <a:xfrm>
-            <a:off x="8267700" y="8185725"/>
-            <a:ext cx="3409950" cy="769441"/>
-          </a:xfrm>
-          <a:prstGeom prst="rect">
-            <a:avLst/>
-          </a:prstGeom>
-          <a:noFill/>
-        </p:spPr>
-        <p:txBody>
-          <a:bodyPr wrap="square" rtlCol="0">
-            <a:spAutoFit/>
-          </a:bodyPr>
-          <a:lstStyle/>
-          <a:p>
-            <a:pPr algn="ctr"/>
-            <a:r>
-              <a:rPr lang="en-US" sz="4400" b="1" dirty="0" err="1" smtClean="0">
-                <a:solidFill>
-                  <a:srgbClr val="ED7161"/>
-                </a:solidFill>
-                <a:latin typeface="Candara" panose="020E0502030303020204" pitchFamily="34" charset="0"/>
-                <a:cs typeface="Agent Orange" panose="00000400000000000000" pitchFamily="2" charset="0"/>
-              </a:rPr>
-              <a:t>bemBem</a:t>
-            </a:r>
-            <a:endParaRPr lang="en-US" sz="4400" b="1" dirty="0">
-              <a:solidFill>
-                <a:srgbClr val="ED7161"/>
-              </a:solidFill>
-              <a:latin typeface="Candara" panose="020E0502030303020204" pitchFamily="34" charset="0"/>
-              <a:cs typeface="Agent Orange" panose="00000400000000000000" pitchFamily="2" charset="0"/>
-            </a:endParaRPr>
-          </a:p>
-        </p:txBody>
-      </p:sp>
-      <p:sp>
-        <p:nvSpPr>
-          <p:cNvPr id="2" name="Rectangle 1"/>
-          <p:cNvSpPr/>
-          <p:nvPr/>
-        </p:nvSpPr>
-        <p:spPr>
-          <a:xfrm>
-            <a:off x="0" y="9258300"/>
-            <a:ext cx="12801600" cy="342900"/>
-          </a:xfrm>
-          <a:prstGeom prst="rect">
-            <a:avLst/>
-          </a:prstGeom>
-          <a:solidFill>
-            <a:srgbClr val="556080"/>
-          </a:solidFill>
-          <a:ln>
-            <a:noFill/>
-          </a:ln>
-        </p:spPr>
-        <p:style>
-          <a:lnRef idx="2">
-            <a:schemeClr val="accent1">
-              <a:shade val="50000"/>
-            </a:schemeClr>
-          </a:lnRef>
-          <a:fillRef idx="1">
-            <a:schemeClr val="accent1"/>
-          </a:fillRef>
-          <a:effectRef idx="0">
-            <a:schemeClr val="accent1"/>
-          </a:effectRef>
-          <a:fontRef idx="minor">
-            <a:schemeClr val="lt1"/>
-          </a:fontRef>
-        </p:style>
-        <p:txBody>
-          <a:bodyPr rtlCol="0" anchor="ctr"/>
-          <a:lstStyle/>
-          <a:p>
-            <a:pPr algn="ctr"/>
-            <a:endParaRPr lang="en-US"/>
-          </a:p>
-        </p:txBody>
-      </p:sp>
-      <p:sp>
-        <p:nvSpPr>
-          <p:cNvPr id="17" name="5-Point Star 16"/>
-          <p:cNvSpPr>
-            <a:spLocks noChangeAspect="1"/>
-          </p:cNvSpPr>
-          <p:nvPr/>
-        </p:nvSpPr>
-        <p:spPr>
-          <a:xfrm>
-            <a:off x="2522958" y="1051560"/>
-            <a:ext cx="274320" cy="274320"/>
-          </a:xfrm>
-          <a:prstGeom prst="star5">
-            <a:avLst/>
-          </a:prstGeom>
-          <a:solidFill>
-            <a:srgbClr val="556080"/>
-          </a:solidFill>
-          <a:ln>
-            <a:noFill/>
-          </a:ln>
-        </p:spPr>
-        <p:style>
-          <a:lnRef idx="2">
-            <a:schemeClr val="accent1">
-              <a:shade val="50000"/>
-            </a:schemeClr>
-          </a:lnRef>
-          <a:fillRef idx="1">
-            <a:schemeClr val="accent1"/>
-          </a:fillRef>
-          <a:effectRef idx="0">
-            <a:schemeClr val="accent1"/>
-          </a:effectRef>
-          <a:fontRef idx="minor">
-            <a:schemeClr val="lt1"/>
-          </a:fontRef>
-        </p:style>
-        <p:txBody>
-          <a:bodyPr rtlCol="0" anchor="ctr"/>
-          <a:lstStyle/>
-          <a:p>
-            <a:pPr algn="ctr"/>
-            <a:endParaRPr lang="en-US"/>
-          </a:p>
-        </p:txBody>
-      </p:sp>
-      <p:sp>
-        <p:nvSpPr>
-          <p:cNvPr id="18" name="5-Point Star 17"/>
-          <p:cNvSpPr>
-            <a:spLocks noChangeAspect="1"/>
-          </p:cNvSpPr>
-          <p:nvPr/>
-        </p:nvSpPr>
-        <p:spPr>
-          <a:xfrm>
-            <a:off x="3039950" y="1051560"/>
-            <a:ext cx="274320" cy="274320"/>
-          </a:xfrm>
-          <a:prstGeom prst="star5">
-            <a:avLst/>
-          </a:prstGeom>
-          <a:solidFill>
-            <a:srgbClr val="556080"/>
-          </a:solidFill>
-          <a:ln>
-            <a:noFill/>
-          </a:ln>
-        </p:spPr>
-        <p:style>
-          <a:lnRef idx="2">
-            <a:schemeClr val="accent1">
-              <a:shade val="50000"/>
-            </a:schemeClr>
-          </a:lnRef>
-          <a:fillRef idx="1">
-            <a:schemeClr val="accent1"/>
-          </a:fillRef>
-          <a:effectRef idx="0">
-            <a:schemeClr val="accent1"/>
-          </a:effectRef>
-          <a:fontRef idx="minor">
-            <a:schemeClr val="lt1"/>
-          </a:fontRef>
-        </p:style>
-        <p:txBody>
-          <a:bodyPr rtlCol="0" anchor="ctr"/>
-          <a:lstStyle/>
-          <a:p>
-            <a:pPr algn="ctr"/>
-            <a:endParaRPr lang="en-US"/>
-          </a:p>
-        </p:txBody>
-      </p:sp>
-      <p:sp>
-        <p:nvSpPr>
-          <p:cNvPr id="19" name="5-Point Star 18"/>
-          <p:cNvSpPr>
-            <a:spLocks noChangeAspect="1"/>
-          </p:cNvSpPr>
-          <p:nvPr/>
-        </p:nvSpPr>
-        <p:spPr>
-          <a:xfrm>
-            <a:off x="9455683" y="1051560"/>
-            <a:ext cx="274320" cy="274320"/>
-          </a:xfrm>
-          <a:prstGeom prst="star5">
-            <a:avLst/>
-          </a:prstGeom>
-          <a:solidFill>
-            <a:srgbClr val="556080"/>
-          </a:solidFill>
-          <a:ln>
-            <a:noFill/>
-          </a:ln>
-        </p:spPr>
-        <p:style>
-          <a:lnRef idx="2">
-            <a:schemeClr val="accent1">
-              <a:shade val="50000"/>
-            </a:schemeClr>
-          </a:lnRef>
-          <a:fillRef idx="1">
-            <a:schemeClr val="accent1"/>
-          </a:fillRef>
-          <a:effectRef idx="0">
-            <a:schemeClr val="accent1"/>
-          </a:effectRef>
-          <a:fontRef idx="minor">
-            <a:schemeClr val="lt1"/>
-          </a:fontRef>
-        </p:style>
-        <p:txBody>
-          <a:bodyPr rtlCol="0" anchor="ctr"/>
-          <a:lstStyle/>
-          <a:p>
-            <a:pPr algn="ctr"/>
-            <a:endParaRPr lang="en-US"/>
-          </a:p>
-        </p:txBody>
-      </p:sp>
-      <p:sp>
-        <p:nvSpPr>
-          <p:cNvPr id="20" name="5-Point Star 19"/>
-          <p:cNvSpPr>
-            <a:spLocks noChangeAspect="1"/>
-          </p:cNvSpPr>
-          <p:nvPr/>
-        </p:nvSpPr>
-        <p:spPr>
-          <a:xfrm>
-            <a:off x="9972675" y="1051560"/>
-            <a:ext cx="274320" cy="274320"/>
-          </a:xfrm>
-          <a:prstGeom prst="star5">
-            <a:avLst/>
-          </a:prstGeom>
-          <a:solidFill>
-            <a:srgbClr val="556080"/>
-          </a:solidFill>
-          <a:ln>
-            <a:noFill/>
-          </a:ln>
-        </p:spPr>
-        <p:style>
-          <a:lnRef idx="2">
-            <a:schemeClr val="accent1">
-              <a:shade val="50000"/>
-            </a:schemeClr>
-          </a:lnRef>
-          <a:fillRef idx="1">
-            <a:schemeClr val="accent1"/>
-          </a:fillRef>
-          <a:effectRef idx="0">
-            <a:schemeClr val="accent1"/>
-          </a:effectRef>
-          <a:fontRef idx="minor">
-            <a:schemeClr val="lt1"/>
-          </a:fontRef>
-        </p:style>
-        <p:txBody>
-          <a:bodyPr rtlCol="0" anchor="ctr"/>
-          <a:lstStyle/>
-          <a:p>
-            <a:pPr algn="ctr"/>
-            <a:endParaRPr lang="en-US"/>
-          </a:p>
-        </p:txBody>
-      </p:sp>
-    </p:spTree>
-    <p:extLst>
-      <p:ext uri="{BB962C8B-B14F-4D97-AF65-F5344CB8AC3E}">
-        <p14:creationId xmlns:p14="http://schemas.microsoft.com/office/powerpoint/2010/main" val="550184266"/>
-      </p:ext>
-    </p:extLst>
-  </p:cSld>
-  <p:clrMapOvr>
-    <a:masterClrMapping/>
-  </p:clrMapOvr>
-  <p:timing>
-    <p:tnLst>
-      <p:par>
-        <p:cTn id="1" dur="indefinite" restart="never" nodeType="tmRoot"/>
-      </p:par>
-    </p:tnLst>
-  </p:timing>
-</p:sld>
-</file>
-
-<file path=ppt/slides/slide9.xml><?xml version="1.0" encoding="utf-8"?>
-<p:sld xmlns:a="http://schemas.openxmlformats.org/drawingml/2006/main" xmlns:r="http://schemas.openxmlformats.org/officeDocument/2006/relationships" xmlns:p="http://schemas.openxmlformats.org/presentationml/2006/main">
-  <p:cSld>
-    <p:bg>
-      <p:bgPr>
-        <a:solidFill>
-          <a:schemeClr val="bg1">
-            <a:lumMod val="95000"/>
-          </a:schemeClr>
-        </a:solidFill>
-        <a:effectLst/>
-      </p:bgPr>
-    </p:bg>
-    <p:spTree>
-      <p:nvGrpSpPr>
-        <p:cNvPr id="1" name=""/>
-        <p:cNvGrpSpPr/>
-        <p:nvPr/>
-      </p:nvGrpSpPr>
-      <p:grpSpPr>
-        <a:xfrm>
-          <a:off x="0" y="0"/>
-          <a:ext cx="0" cy="0"/>
-          <a:chOff x="0" y="0"/>
-          <a:chExt cx="0" cy="0"/>
-        </a:xfrm>
-      </p:grpSpPr>
-      <p:sp>
-        <p:nvSpPr>
-          <p:cNvPr id="3" name="Title 2" hidden="1"/>
-          <p:cNvSpPr>
-            <a:spLocks noGrp="1"/>
-          </p:cNvSpPr>
-          <p:nvPr>
-            <p:ph type="title"/>
-          </p:nvPr>
-        </p:nvSpPr>
-        <p:spPr/>
-        <p:txBody>
-          <a:bodyPr/>
-          <a:lstStyle/>
-          <a:p>
-            <a:r>
-              <a:rPr lang="en-US" dirty="0" smtClean="0"/>
-              <a:t>1</a:t>
-            </a:r>
-            <a:endParaRPr lang="en-US" dirty="0"/>
-          </a:p>
-        </p:txBody>
-      </p:sp>
-      <p:pic>
-        <p:nvPicPr>
-          <p:cNvPr id="4" name="Picture 3"/>
-          <p:cNvPicPr>
-            <a:picLocks noChangeAspect="1"/>
-          </p:cNvPicPr>
-          <p:nvPr/>
-        </p:nvPicPr>
-        <p:blipFill>
-          <a:blip r:embed="rId2">
-            <a:extLst>
-              <a:ext uri="{28A0092B-C50C-407E-A947-70E740481C1C}">
-                <a14:useLocalDpi xmlns:a14="http://schemas.microsoft.com/office/drawing/2010/main" val="0"/>
-              </a:ext>
-            </a:extLst>
-          </a:blip>
-          <a:stretch>
-            <a:fillRect/>
-          </a:stretch>
-        </p:blipFill>
-        <p:spPr>
-          <a:xfrm>
-            <a:off x="3799615" y="1265015"/>
-            <a:ext cx="5202371" cy="5202371"/>
-          </a:xfrm>
-          <a:prstGeom prst="rect">
-            <a:avLst/>
-          </a:prstGeom>
-        </p:spPr>
-      </p:pic>
-      <p:sp>
-        <p:nvSpPr>
-          <p:cNvPr id="5" name="TextBox 4"/>
-          <p:cNvSpPr txBox="1"/>
-          <p:nvPr/>
-        </p:nvSpPr>
-        <p:spPr>
-          <a:xfrm>
-            <a:off x="1190625" y="514350"/>
-            <a:ext cx="10420350" cy="1200329"/>
-          </a:xfrm>
-          <a:prstGeom prst="rect">
-            <a:avLst/>
-          </a:prstGeom>
-          <a:noFill/>
-        </p:spPr>
-        <p:txBody>
-          <a:bodyPr wrap="square" rtlCol="0">
-            <a:spAutoFit/>
-          </a:bodyPr>
-          <a:lstStyle/>
-          <a:p>
-            <a:pPr algn="ctr"/>
-            <a:r>
-              <a:rPr lang="en-US" sz="7200" b="1" dirty="0" smtClean="0">
-                <a:solidFill>
-                  <a:srgbClr val="ED7161"/>
-                </a:solidFill>
-                <a:effectLst>
-                  <a:outerShdw blurRad="38100" dist="38100" dir="2700000" algn="tl">
-                    <a:srgbClr val="000000">
-                      <a:alpha val="43137"/>
-                    </a:srgbClr>
-                  </a:outerShdw>
-                </a:effectLst>
-                <a:latin typeface="Bahnschrift" panose="020B0502040204020203" pitchFamily="34" charset="0"/>
-              </a:rPr>
-              <a:t>Coming Soon!!!</a:t>
-            </a:r>
-            <a:endParaRPr lang="en-US" sz="7200" b="1" dirty="0">
-              <a:solidFill>
-                <a:srgbClr val="ED7161"/>
-              </a:solidFill>
-              <a:effectLst>
-                <a:outerShdw blurRad="38100" dist="38100" dir="2700000" algn="tl">
-                  <a:srgbClr val="000000">
-                    <a:alpha val="43137"/>
-                  </a:srgbClr>
-                </a:outerShdw>
-              </a:effectLst>
-              <a:latin typeface="Bahnschrift" panose="020B0502040204020203" pitchFamily="34" charset="0"/>
-            </a:endParaRPr>
-          </a:p>
-        </p:txBody>
-      </p:sp>
-      <p:sp>
-        <p:nvSpPr>
-          <p:cNvPr id="6" name="TextBox 5"/>
-          <p:cNvSpPr txBox="1"/>
-          <p:nvPr/>
-        </p:nvSpPr>
-        <p:spPr>
-          <a:xfrm>
-            <a:off x="2828925" y="5698782"/>
-            <a:ext cx="7143750" cy="1200329"/>
-          </a:xfrm>
-          <a:prstGeom prst="rect">
-            <a:avLst/>
-          </a:prstGeom>
-          <a:noFill/>
-        </p:spPr>
-        <p:txBody>
-          <a:bodyPr wrap="square" rtlCol="0">
-            <a:prstTxWarp prst="textArchDown">
-              <a:avLst/>
-            </a:prstTxWarp>
-            <a:spAutoFit/>
-          </a:bodyPr>
-          <a:lstStyle/>
-          <a:p>
-            <a:pPr algn="ctr"/>
-            <a:r>
-              <a:rPr lang="en-US" sz="8800" spc="300" dirty="0" smtClean="0">
-                <a:solidFill>
-                  <a:srgbClr val="ED7161"/>
-                </a:solidFill>
-                <a:latin typeface="Gill Sans MT Condensed" panose="020B0506020104020203" pitchFamily="34" charset="0"/>
-              </a:rPr>
-              <a:t>skunk-head</a:t>
-            </a:r>
-            <a:endParaRPr lang="en-US" sz="8800" spc="300" dirty="0">
-              <a:solidFill>
-                <a:srgbClr val="ED7161"/>
-              </a:solidFill>
-              <a:latin typeface="Gill Sans MT Condensed" panose="020B0506020104020203" pitchFamily="34" charset="0"/>
-            </a:endParaRPr>
-          </a:p>
-        </p:txBody>
-      </p:sp>
-      <p:sp>
-        <p:nvSpPr>
-          <p:cNvPr id="7" name="TextBox 6"/>
-          <p:cNvSpPr txBox="1"/>
-          <p:nvPr/>
-        </p:nvSpPr>
-        <p:spPr>
-          <a:xfrm>
-            <a:off x="523875" y="8185725"/>
-            <a:ext cx="3409950" cy="769441"/>
-          </a:xfrm>
-          <a:prstGeom prst="rect">
-            <a:avLst/>
-          </a:prstGeom>
-          <a:noFill/>
-        </p:spPr>
-        <p:txBody>
-          <a:bodyPr wrap="square" rtlCol="0">
-            <a:spAutoFit/>
-          </a:bodyPr>
-          <a:lstStyle/>
-          <a:p>
-            <a:pPr algn="ctr"/>
-            <a:r>
-              <a:rPr lang="en-US" sz="4400" b="1" dirty="0" smtClean="0">
-                <a:solidFill>
-                  <a:srgbClr val="ED7161"/>
-                </a:solidFill>
-                <a:latin typeface="Candara" panose="020E0502030303020204" pitchFamily="34" charset="0"/>
-                <a:cs typeface="Agent Orange" panose="00000400000000000000" pitchFamily="2" charset="0"/>
-              </a:rPr>
-              <a:t>10 – 1 – 2018</a:t>
-            </a:r>
-            <a:endParaRPr lang="en-US" sz="4400" b="1" dirty="0">
-              <a:solidFill>
-                <a:srgbClr val="ED7161"/>
-              </a:solidFill>
-              <a:latin typeface="Candara" panose="020E0502030303020204" pitchFamily="34" charset="0"/>
-              <a:cs typeface="Agent Orange" panose="00000400000000000000" pitchFamily="2" charset="0"/>
-            </a:endParaRPr>
-          </a:p>
-        </p:txBody>
-      </p:sp>
-      <p:sp>
-        <p:nvSpPr>
-          <p:cNvPr id="8" name="TextBox 7"/>
-          <p:cNvSpPr txBox="1"/>
-          <p:nvPr/>
-        </p:nvSpPr>
-        <p:spPr>
-          <a:xfrm>
-            <a:off x="1771650" y="7600950"/>
-            <a:ext cx="914400" cy="584775"/>
-          </a:xfrm>
-          <a:prstGeom prst="rect">
-            <a:avLst/>
-          </a:prstGeom>
-          <a:noFill/>
-        </p:spPr>
-        <p:txBody>
-          <a:bodyPr wrap="square" rtlCol="0">
-            <a:spAutoFit/>
-          </a:bodyPr>
-          <a:lstStyle/>
-          <a:p>
-            <a:pPr algn="ctr"/>
-            <a:r>
-              <a:rPr lang="en-US" sz="3200" b="1" dirty="0" smtClean="0">
-                <a:solidFill>
-                  <a:srgbClr val="556080"/>
-                </a:solidFill>
-                <a:latin typeface="Bahnschrift" panose="020B0502040204020203" pitchFamily="34" charset="0"/>
-              </a:rPr>
-              <a:t>On</a:t>
-            </a:r>
-            <a:endParaRPr lang="en-US" sz="3200" b="1" dirty="0">
-              <a:solidFill>
-                <a:srgbClr val="556080"/>
-              </a:solidFill>
-              <a:latin typeface="Bahnschrift" panose="020B0502040204020203" pitchFamily="34" charset="0"/>
-            </a:endParaRPr>
-          </a:p>
-        </p:txBody>
-      </p:sp>
-      <p:sp>
-        <p:nvSpPr>
-          <p:cNvPr id="9" name="TextBox 8"/>
-          <p:cNvSpPr txBox="1"/>
-          <p:nvPr/>
-        </p:nvSpPr>
-        <p:spPr>
-          <a:xfrm>
-            <a:off x="9515475" y="7600950"/>
-            <a:ext cx="914400" cy="584775"/>
-          </a:xfrm>
-          <a:prstGeom prst="rect">
-            <a:avLst/>
-          </a:prstGeom>
-          <a:noFill/>
-        </p:spPr>
-        <p:txBody>
-          <a:bodyPr wrap="square" rtlCol="0">
-            <a:spAutoFit/>
-          </a:bodyPr>
-          <a:lstStyle/>
-          <a:p>
-            <a:pPr algn="ctr"/>
-            <a:r>
-              <a:rPr lang="en-US" sz="3200" b="1" dirty="0" smtClean="0">
-                <a:solidFill>
-                  <a:srgbClr val="556080"/>
-                </a:solidFill>
-                <a:latin typeface="Bahnschrift" panose="020B0502040204020203" pitchFamily="34" charset="0"/>
-              </a:rPr>
-              <a:t>By</a:t>
-            </a:r>
-            <a:endParaRPr lang="en-US" sz="3200" b="1" dirty="0">
-              <a:solidFill>
-                <a:srgbClr val="556080"/>
-              </a:solidFill>
-              <a:latin typeface="Bahnschrift" panose="020B0502040204020203" pitchFamily="34" charset="0"/>
-            </a:endParaRPr>
-          </a:p>
-        </p:txBody>
-      </p:sp>
-      <p:sp>
-        <p:nvSpPr>
-          <p:cNvPr id="13" name="TextBox 12"/>
-          <p:cNvSpPr txBox="1"/>
-          <p:nvPr/>
-        </p:nvSpPr>
-        <p:spPr>
-          <a:xfrm>
-            <a:off x="8267700" y="8185725"/>
-            <a:ext cx="3409950" cy="769441"/>
-          </a:xfrm>
-          <a:prstGeom prst="rect">
-            <a:avLst/>
-          </a:prstGeom>
-          <a:noFill/>
-        </p:spPr>
-        <p:txBody>
-          <a:bodyPr wrap="square" rtlCol="0">
-            <a:spAutoFit/>
-          </a:bodyPr>
-          <a:lstStyle/>
-          <a:p>
-            <a:pPr algn="ctr"/>
-            <a:r>
-              <a:rPr lang="en-US" sz="4400" b="1" dirty="0" err="1" smtClean="0">
-                <a:solidFill>
-                  <a:srgbClr val="ED7161"/>
-                </a:solidFill>
-                <a:latin typeface="Candara" panose="020E0502030303020204" pitchFamily="34" charset="0"/>
-                <a:cs typeface="Agent Orange" panose="00000400000000000000" pitchFamily="2" charset="0"/>
-              </a:rPr>
-              <a:t>bemBem</a:t>
-            </a:r>
-            <a:endParaRPr lang="en-US" sz="4400" b="1" dirty="0">
-              <a:solidFill>
-                <a:srgbClr val="ED7161"/>
-              </a:solidFill>
-              <a:latin typeface="Candara" panose="020E0502030303020204" pitchFamily="34" charset="0"/>
-              <a:cs typeface="Agent Orange" panose="00000400000000000000" pitchFamily="2" charset="0"/>
-            </a:endParaRPr>
-          </a:p>
-        </p:txBody>
-      </p:sp>
-      <p:sp>
-        <p:nvSpPr>
-          <p:cNvPr id="2" name="Rectangle 1"/>
-          <p:cNvSpPr/>
-          <p:nvPr/>
-        </p:nvSpPr>
-        <p:spPr>
-          <a:xfrm>
-            <a:off x="0" y="9258300"/>
-            <a:ext cx="12801600" cy="342900"/>
-          </a:xfrm>
-          <a:prstGeom prst="rect">
-            <a:avLst/>
-          </a:prstGeom>
-          <a:solidFill>
-            <a:srgbClr val="556080"/>
-          </a:solidFill>
-          <a:ln>
-            <a:noFill/>
-          </a:ln>
-        </p:spPr>
-        <p:style>
-          <a:lnRef idx="2">
-            <a:schemeClr val="accent1">
-              <a:shade val="50000"/>
-            </a:schemeClr>
-          </a:lnRef>
-          <a:fillRef idx="1">
-            <a:schemeClr val="accent1"/>
-          </a:fillRef>
-          <a:effectRef idx="0">
-            <a:schemeClr val="accent1"/>
-          </a:effectRef>
-          <a:fontRef idx="minor">
-            <a:schemeClr val="lt1"/>
-          </a:fontRef>
-        </p:style>
-        <p:txBody>
-          <a:bodyPr rtlCol="0" anchor="ctr"/>
-          <a:lstStyle/>
-          <a:p>
-            <a:pPr algn="ctr"/>
-            <a:endParaRPr lang="en-US"/>
-          </a:p>
-        </p:txBody>
-      </p:sp>
-      <p:sp>
-        <p:nvSpPr>
-          <p:cNvPr id="17" name="5-Point Star 16"/>
-          <p:cNvSpPr>
-            <a:spLocks noChangeAspect="1"/>
-          </p:cNvSpPr>
-          <p:nvPr/>
-        </p:nvSpPr>
-        <p:spPr>
-          <a:xfrm>
-            <a:off x="2522958" y="1051560"/>
-            <a:ext cx="274320" cy="274320"/>
-          </a:xfrm>
-          <a:prstGeom prst="star5">
-            <a:avLst/>
-          </a:prstGeom>
-          <a:solidFill>
-            <a:srgbClr val="556080"/>
-          </a:solidFill>
-          <a:ln>
-            <a:noFill/>
-          </a:ln>
-        </p:spPr>
-        <p:style>
-          <a:lnRef idx="2">
-            <a:schemeClr val="accent1">
-              <a:shade val="50000"/>
-            </a:schemeClr>
-          </a:lnRef>
-          <a:fillRef idx="1">
-            <a:schemeClr val="accent1"/>
-          </a:fillRef>
-          <a:effectRef idx="0">
-            <a:schemeClr val="accent1"/>
-          </a:effectRef>
-          <a:fontRef idx="minor">
-            <a:schemeClr val="lt1"/>
-          </a:fontRef>
-        </p:style>
-        <p:txBody>
-          <a:bodyPr rtlCol="0" anchor="ctr"/>
-          <a:lstStyle/>
-          <a:p>
-            <a:pPr algn="ctr"/>
-            <a:endParaRPr lang="en-US"/>
-          </a:p>
-        </p:txBody>
-      </p:sp>
-      <p:sp>
-        <p:nvSpPr>
-          <p:cNvPr id="18" name="5-Point Star 17"/>
-          <p:cNvSpPr>
-            <a:spLocks noChangeAspect="1"/>
-          </p:cNvSpPr>
-          <p:nvPr/>
-        </p:nvSpPr>
-        <p:spPr>
-          <a:xfrm>
-            <a:off x="3039950" y="1051560"/>
-            <a:ext cx="274320" cy="274320"/>
-          </a:xfrm>
-          <a:prstGeom prst="star5">
-            <a:avLst/>
-          </a:prstGeom>
-          <a:solidFill>
-            <a:srgbClr val="556080"/>
-          </a:solidFill>
-          <a:ln>
-            <a:noFill/>
-          </a:ln>
-        </p:spPr>
-        <p:style>
-          <a:lnRef idx="2">
-            <a:schemeClr val="accent1">
-              <a:shade val="50000"/>
-            </a:schemeClr>
-          </a:lnRef>
-          <a:fillRef idx="1">
-            <a:schemeClr val="accent1"/>
-          </a:fillRef>
-          <a:effectRef idx="0">
-            <a:schemeClr val="accent1"/>
-          </a:effectRef>
-          <a:fontRef idx="minor">
-            <a:schemeClr val="lt1"/>
-          </a:fontRef>
-        </p:style>
-        <p:txBody>
-          <a:bodyPr rtlCol="0" anchor="ctr"/>
-          <a:lstStyle/>
-          <a:p>
-            <a:pPr algn="ctr"/>
-            <a:endParaRPr lang="en-US"/>
-          </a:p>
-        </p:txBody>
-      </p:sp>
-      <p:sp>
-        <p:nvSpPr>
-          <p:cNvPr id="19" name="5-Point Star 18"/>
-          <p:cNvSpPr>
-            <a:spLocks noChangeAspect="1"/>
-          </p:cNvSpPr>
-          <p:nvPr/>
-        </p:nvSpPr>
-        <p:spPr>
-          <a:xfrm>
-            <a:off x="9455683" y="1051560"/>
-            <a:ext cx="274320" cy="274320"/>
-          </a:xfrm>
-          <a:prstGeom prst="star5">
-            <a:avLst/>
-          </a:prstGeom>
-          <a:solidFill>
-            <a:srgbClr val="556080"/>
-          </a:solidFill>
-          <a:ln>
-            <a:noFill/>
-          </a:ln>
-        </p:spPr>
-        <p:style>
-          <a:lnRef idx="2">
-            <a:schemeClr val="accent1">
-              <a:shade val="50000"/>
-            </a:schemeClr>
-          </a:lnRef>
-          <a:fillRef idx="1">
-            <a:schemeClr val="accent1"/>
-          </a:fillRef>
-          <a:effectRef idx="0">
-            <a:schemeClr val="accent1"/>
-          </a:effectRef>
-          <a:fontRef idx="minor">
-            <a:schemeClr val="lt1"/>
-          </a:fontRef>
-        </p:style>
-        <p:txBody>
-          <a:bodyPr rtlCol="0" anchor="ctr"/>
-          <a:lstStyle/>
-          <a:p>
-            <a:pPr algn="ctr"/>
-            <a:endParaRPr lang="en-US"/>
-          </a:p>
-        </p:txBody>
-      </p:sp>
-      <p:sp>
-        <p:nvSpPr>
-          <p:cNvPr id="20" name="5-Point Star 19"/>
-          <p:cNvSpPr>
-            <a:spLocks noChangeAspect="1"/>
-          </p:cNvSpPr>
-          <p:nvPr/>
-        </p:nvSpPr>
-        <p:spPr>
-          <a:xfrm>
-            <a:off x="9972675" y="1051560"/>
-            <a:ext cx="274320" cy="274320"/>
-          </a:xfrm>
-          <a:prstGeom prst="star5">
-            <a:avLst/>
-          </a:prstGeom>
-          <a:solidFill>
-            <a:srgbClr val="556080"/>
-          </a:solidFill>
-          <a:ln>
-            <a:noFill/>
-          </a:ln>
-        </p:spPr>
-        <p:style>
-          <a:lnRef idx="2">
-            <a:schemeClr val="accent1">
-              <a:shade val="50000"/>
-            </a:schemeClr>
-          </a:lnRef>
-          <a:fillRef idx="1">
-            <a:schemeClr val="accent1"/>
-          </a:fillRef>
-          <a:effectRef idx="0">
-            <a:schemeClr val="accent1"/>
-          </a:effectRef>
-          <a:fontRef idx="minor">
-            <a:schemeClr val="lt1"/>
-          </a:fontRef>
-        </p:style>
-        <p:txBody>
-          <a:bodyPr rtlCol="0" anchor="ctr"/>
-          <a:lstStyle/>
-          <a:p>
-            <a:pPr algn="ctr"/>
-            <a:endParaRPr lang="en-US"/>
-          </a:p>
-        </p:txBody>
-      </p:sp>
-      <p:sp>
-        <p:nvSpPr>
-          <p:cNvPr id="15" name="Donut 14"/>
-          <p:cNvSpPr/>
-          <p:nvPr/>
-        </p:nvSpPr>
-        <p:spPr>
-          <a:xfrm>
-            <a:off x="6263640" y="9292590"/>
-            <a:ext cx="274320" cy="274320"/>
-          </a:xfrm>
-          <a:prstGeom prst="donut">
-            <a:avLst/>
-          </a:prstGeom>
-          <a:solidFill>
-            <a:srgbClr val="ED7161"/>
-          </a:solidFill>
-          <a:ln w="3175">
-            <a:solidFill>
-              <a:schemeClr val="bg1">
-                <a:lumMod val="95000"/>
-              </a:schemeClr>
-            </a:solidFill>
-          </a:ln>
-        </p:spPr>
-        <p:style>
-          <a:lnRef idx="2">
-            <a:schemeClr val="accent1">
-              <a:shade val="50000"/>
-            </a:schemeClr>
-          </a:lnRef>
-          <a:fillRef idx="1">
-            <a:schemeClr val="accent1"/>
-          </a:fillRef>
-          <a:effectRef idx="0">
-            <a:schemeClr val="accent1"/>
-          </a:effectRef>
-          <a:fontRef idx="minor">
-            <a:schemeClr val="lt1"/>
-          </a:fontRef>
-        </p:style>
-        <p:txBody>
-          <a:bodyPr rtlCol="0" anchor="ctr"/>
-          <a:lstStyle/>
-          <a:p>
-            <a:pPr algn="ctr"/>
-            <a:endParaRPr lang="en-US">
-              <a:solidFill>
-                <a:schemeClr val="tx1"/>
-              </a:solidFill>
-            </a:endParaRPr>
-          </a:p>
-        </p:txBody>
-      </p:sp>
-    </p:spTree>
-    <p:extLst>
-      <p:ext uri="{BB962C8B-B14F-4D97-AF65-F5344CB8AC3E}">
-        <p14:creationId xmlns:p14="http://schemas.microsoft.com/office/powerpoint/2010/main" val="3611182883"/>
-      </p:ext>
-    </p:extLst>
-  </p:cSld>
-  <p:clrMapOvr>
-    <a:masterClrMapping/>
-  </p:clrMapOvr>
-  <p:timing>
-    <p:tnLst>
-      <p:par>
-        <p:cTn id="1" dur="indefinite" restart="never" nodeType="tmRoot"/>
-      </p:par>
-    </p:tnLst>
-  </p:timing>
-</p:sld>
-</file>
-
 <file path=ppt/theme/theme1.xml><?xml version="1.0" encoding="utf-8"?>
 <a:theme xmlns:a="http://schemas.openxmlformats.org/drawingml/2006/main" name="Office Theme">
   <a:themeElements>
